--- a/ESS_May_2021/Thursday_May_6th/2_Samples_II/More_samples.pptx
+++ b/ESS_May_2021/Thursday_May_6th/2_Samples_II/More_samples.pptx
@@ -22,6 +22,11 @@
     <p:sldId id="267" r:id="rId19"/>
     <p:sldId id="268" r:id="rId20"/>
     <p:sldId id="269" r:id="rId21"/>
+    <p:sldId id="270" r:id="rId22"/>
+    <p:sldId id="271" r:id="rId23"/>
+    <p:sldId id="272" r:id="rId24"/>
+    <p:sldId id="273" r:id="rId25"/>
+    <p:sldId id="274" r:id="rId26"/>
   </p:sldIdLst>
   <p:sldSz cx="12179300" cy="6858000"/>
   <p:notesSz cx="6858000" cy="9144000"/>
@@ -17366,7 +17371,7 @@
           <a:p>
             <a:pPr/>
             <a:r>
-              <a:t>Inelastic samples</a:t>
+              <a:t>Further samples…</a:t>
             </a:r>
           </a:p>
         </p:txBody>
@@ -17550,7 +17555,7 @@
       </p:grpSpPr>
       <p:sp>
         <p:nvSpPr>
-          <p:cNvPr id="354" name="Title 4"/>
+          <p:cNvPr id="338" name="Title 4"/>
           <p:cNvSpPr txBox="1"/>
           <p:nvPr>
             <p:ph type="title"/>
@@ -17571,14 +17576,14 @@
           <a:p>
             <a:pPr/>
             <a:r>
-              <a:t>Inelastic scattering in McStas</a:t>
+              <a:t>Popular component: Phonon_simple</a:t>
             </a:r>
           </a:p>
         </p:txBody>
       </p:sp>
       <p:sp>
         <p:nvSpPr>
-          <p:cNvPr id="355" name="Content Placeholder 5"/>
+          <p:cNvPr id="339" name="Content Placeholder 5"/>
           <p:cNvSpPr txBox="1"/>
           <p:nvPr>
             <p:ph type="body" idx="1"/>
@@ -17599,26 +17604,14 @@
           <a:p>
             <a:pPr/>
             <a:r>
-              <a:t>Monte carlo sampling issues</a:t>
-            </a:r>
-          </a:p>
-          <a:p>
-            <a:pPr/>
-            <a:r>
-              <a:t>Need to sum over large amount of possible final states to find cross section</a:t>
-            </a:r>
-          </a:p>
-          <a:p>
-            <a:pPr/>
-            <a:r>
-              <a:t>Need large amount of rays to sample all the options</a:t>
+              <a:t>One isotropic acoustic phonon branch in all Brillouin zones on FCC Bravais single crystal</a:t>
             </a:r>
           </a:p>
         </p:txBody>
       </p:sp>
       <p:sp>
         <p:nvSpPr>
-          <p:cNvPr id="356" name="Slide Number Placeholder 3"/>
+          <p:cNvPr id="340" name="Slide Number Placeholder 3"/>
           <p:cNvSpPr txBox="1"/>
           <p:nvPr>
             <p:ph type="sldNum" sz="quarter" idx="2"/>
@@ -17643,544 +17636,46 @@
           </a:p>
         </p:txBody>
       </p:sp>
+      <p:pic>
+        <p:nvPicPr>
+          <p:cNvPr id="341" name="Picture 6" descr="Picture 6"/>
+          <p:cNvPicPr>
+            <a:picLocks noChangeAspect="1"/>
+          </p:cNvPicPr>
+          <p:nvPr/>
+        </p:nvPicPr>
+        <p:blipFill>
+          <a:blip r:embed="rId2">
+            <a:extLst/>
+          </a:blip>
+          <a:srcRect l="0" t="0" r="16862" b="0"/>
+          <a:stretch>
+            <a:fillRect/>
+          </a:stretch>
+        </p:blipFill>
+        <p:spPr>
+          <a:xfrm>
+            <a:off x="2047243" y="2351413"/>
+            <a:ext cx="7143057" cy="1483037"/>
+          </a:xfrm>
+          <a:prstGeom prst="rect">
+            <a:avLst/>
+          </a:prstGeom>
+          <a:ln w="12700">
+            <a:miter lim="400000"/>
+          </a:ln>
+        </p:spPr>
+      </p:pic>
       <p:sp>
         <p:nvSpPr>
-          <p:cNvPr id="357" name="Straight Arrow Connector 2"/>
-          <p:cNvSpPr/>
-          <p:nvPr/>
-        </p:nvSpPr>
-        <p:spPr>
-          <a:xfrm flipV="1">
-            <a:off x="2509786" y="4857750"/>
-            <a:ext cx="5669282" cy="1120141"/>
-          </a:xfrm>
-          <a:prstGeom prst="line">
-            <a:avLst/>
-          </a:prstGeom>
-          <a:ln w="50800">
-            <a:solidFill>
-              <a:schemeClr val="accent1"/>
-            </a:solidFill>
-            <a:tailEnd type="triangle"/>
-          </a:ln>
-          <a:effectLst>
-            <a:outerShdw sx="100000" sy="100000" kx="0" ky="0" algn="b" rotWithShape="0" blurRad="38100" dist="20000" dir="5400000">
-              <a:srgbClr val="000000">
-                <a:alpha val="38000"/>
-              </a:srgbClr>
-            </a:outerShdw>
-          </a:effectLst>
-        </p:spPr>
-        <p:txBody>
-          <a:bodyPr lIns="45719" rIns="45719"/>
-          <a:lstStyle/>
-          <a:p>
-            <a:pPr/>
-          </a:p>
-        </p:txBody>
-      </p:sp>
-      <p:sp>
-        <p:nvSpPr>
-          <p:cNvPr id="358" name="Straight Arrow Connector 7"/>
-          <p:cNvSpPr/>
-          <p:nvPr/>
-        </p:nvSpPr>
-        <p:spPr>
-          <a:xfrm flipH="1" flipV="1">
-            <a:off x="1774724" y="4229099"/>
-            <a:ext cx="2624824" cy="1924052"/>
-          </a:xfrm>
-          <a:prstGeom prst="line">
-            <a:avLst/>
-          </a:prstGeom>
-          <a:ln w="50800">
-            <a:solidFill>
-              <a:schemeClr val="accent1"/>
-            </a:solidFill>
-            <a:tailEnd type="triangle"/>
-          </a:ln>
-          <a:effectLst>
-            <a:outerShdw sx="100000" sy="100000" kx="0" ky="0" algn="b" rotWithShape="0" blurRad="38100" dist="20000" dir="5400000">
-              <a:srgbClr val="000000">
-                <a:alpha val="38000"/>
-              </a:srgbClr>
-            </a:outerShdw>
-          </a:effectLst>
-        </p:spPr>
-        <p:txBody>
-          <a:bodyPr lIns="45719" rIns="45719"/>
-          <a:lstStyle/>
-          <a:p>
-            <a:pPr/>
-          </a:p>
-        </p:txBody>
-      </p:sp>
-      <p:sp>
-        <p:nvSpPr>
-          <p:cNvPr id="359" name="Straight Arrow Connector 9"/>
-          <p:cNvSpPr/>
-          <p:nvPr/>
-        </p:nvSpPr>
-        <p:spPr>
-          <a:xfrm flipV="1">
-            <a:off x="3786137" y="2948939"/>
-            <a:ext cx="1" cy="3379472"/>
-          </a:xfrm>
-          <a:prstGeom prst="line">
-            <a:avLst/>
-          </a:prstGeom>
-          <a:ln w="50800">
-            <a:solidFill>
-              <a:schemeClr val="accent1"/>
-            </a:solidFill>
-            <a:tailEnd type="triangle"/>
-          </a:ln>
-          <a:effectLst>
-            <a:outerShdw sx="100000" sy="100000" kx="0" ky="0" algn="b" rotWithShape="0" blurRad="38100" dist="20000" dir="5400000">
-              <a:srgbClr val="000000">
-                <a:alpha val="38000"/>
-              </a:srgbClr>
-            </a:outerShdw>
-          </a:effectLst>
-        </p:spPr>
-        <p:txBody>
-          <a:bodyPr lIns="45719" rIns="45719"/>
-          <a:lstStyle/>
-          <a:p>
-            <a:pPr/>
-          </a:p>
-        </p:txBody>
-      </p:sp>
-      <p:sp>
-        <p:nvSpPr>
-          <p:cNvPr id="360" name="Straight Connector 15"/>
-          <p:cNvSpPr/>
-          <p:nvPr/>
-        </p:nvSpPr>
-        <p:spPr>
-          <a:xfrm>
-            <a:off x="4297679" y="4057650"/>
-            <a:ext cx="502920" cy="240031"/>
-          </a:xfrm>
-          <a:prstGeom prst="line">
-            <a:avLst/>
-          </a:prstGeom>
-          <a:ln w="25400">
-            <a:solidFill>
-              <a:schemeClr val="accent1"/>
-            </a:solidFill>
-          </a:ln>
-          <a:effectLst>
-            <a:outerShdw sx="100000" sy="100000" kx="0" ky="0" algn="b" rotWithShape="0" blurRad="38100" dist="20000" dir="5400000">
-              <a:srgbClr val="000000">
-                <a:alpha val="38000"/>
-              </a:srgbClr>
-            </a:outerShdw>
-          </a:effectLst>
-        </p:spPr>
-        <p:txBody>
-          <a:bodyPr lIns="45719" rIns="45719"/>
-          <a:lstStyle/>
-          <a:p>
-            <a:pPr/>
-          </a:p>
-        </p:txBody>
-      </p:sp>
-      <p:sp>
-        <p:nvSpPr>
-          <p:cNvPr id="361" name="Straight Connector 20"/>
-          <p:cNvSpPr/>
-          <p:nvPr/>
-        </p:nvSpPr>
-        <p:spPr>
-          <a:xfrm>
-            <a:off x="4791009" y="4060847"/>
-            <a:ext cx="1" cy="234200"/>
-          </a:xfrm>
-          <a:prstGeom prst="line">
-            <a:avLst/>
-          </a:prstGeom>
-          <a:ln w="25400">
-            <a:solidFill>
-              <a:schemeClr val="accent1"/>
-            </a:solidFill>
-          </a:ln>
-          <a:effectLst>
-            <a:outerShdw sx="100000" sy="100000" kx="0" ky="0" algn="b" rotWithShape="0" blurRad="38100" dist="20000" dir="5400000">
-              <a:srgbClr val="000000">
-                <a:alpha val="38000"/>
-              </a:srgbClr>
-            </a:outerShdw>
-          </a:effectLst>
-        </p:spPr>
-        <p:txBody>
-          <a:bodyPr lIns="45719" rIns="45719"/>
-          <a:lstStyle/>
-          <a:p>
-            <a:pPr/>
-          </a:p>
-        </p:txBody>
-      </p:sp>
-      <p:sp>
-        <p:nvSpPr>
-          <p:cNvPr id="362" name="Straight Connector 22"/>
-          <p:cNvSpPr/>
-          <p:nvPr/>
-        </p:nvSpPr>
-        <p:spPr>
-          <a:xfrm>
-            <a:off x="4307165" y="3839174"/>
-            <a:ext cx="1" cy="234200"/>
-          </a:xfrm>
-          <a:prstGeom prst="line">
-            <a:avLst/>
-          </a:prstGeom>
-          <a:ln w="25400">
-            <a:solidFill>
-              <a:schemeClr val="accent1"/>
-            </a:solidFill>
-          </a:ln>
-          <a:effectLst>
-            <a:outerShdw sx="100000" sy="100000" kx="0" ky="0" algn="b" rotWithShape="0" blurRad="38100" dist="20000" dir="5400000">
-              <a:srgbClr val="000000">
-                <a:alpha val="38000"/>
-              </a:srgbClr>
-            </a:outerShdw>
-          </a:effectLst>
-        </p:spPr>
-        <p:txBody>
-          <a:bodyPr lIns="45719" rIns="45719"/>
-          <a:lstStyle/>
-          <a:p>
-            <a:pPr/>
-          </a:p>
-        </p:txBody>
-      </p:sp>
-      <p:sp>
-        <p:nvSpPr>
-          <p:cNvPr id="363" name="Straight Connector 23"/>
-          <p:cNvSpPr/>
-          <p:nvPr/>
-        </p:nvSpPr>
-        <p:spPr>
-          <a:xfrm>
-            <a:off x="4959395" y="4026870"/>
-            <a:ext cx="1" cy="234200"/>
-          </a:xfrm>
-          <a:prstGeom prst="line">
-            <a:avLst/>
-          </a:prstGeom>
-          <a:ln w="25400">
-            <a:solidFill>
-              <a:schemeClr val="accent1"/>
-            </a:solidFill>
-          </a:ln>
-          <a:effectLst>
-            <a:outerShdw sx="100000" sy="100000" kx="0" ky="0" algn="b" rotWithShape="0" blurRad="38100" dist="20000" dir="5400000">
-              <a:srgbClr val="000000">
-                <a:alpha val="38000"/>
-              </a:srgbClr>
-            </a:outerShdw>
-          </a:effectLst>
-        </p:spPr>
-        <p:txBody>
-          <a:bodyPr lIns="45719" rIns="45719"/>
-          <a:lstStyle/>
-          <a:p>
-            <a:pPr/>
-          </a:p>
-        </p:txBody>
-      </p:sp>
-      <p:sp>
-        <p:nvSpPr>
-          <p:cNvPr id="364" name="Straight Connector 24"/>
-          <p:cNvSpPr/>
-          <p:nvPr/>
-        </p:nvSpPr>
-        <p:spPr>
-          <a:xfrm>
-            <a:off x="4465960" y="3792411"/>
-            <a:ext cx="1" cy="234200"/>
-          </a:xfrm>
-          <a:prstGeom prst="line">
-            <a:avLst/>
-          </a:prstGeom>
-          <a:ln w="25400">
-            <a:solidFill>
-              <a:schemeClr val="accent1"/>
-            </a:solidFill>
-          </a:ln>
-          <a:effectLst>
-            <a:outerShdw sx="100000" sy="100000" kx="0" ky="0" algn="b" rotWithShape="0" blurRad="38100" dist="20000" dir="5400000">
-              <a:srgbClr val="000000">
-                <a:alpha val="38000"/>
-              </a:srgbClr>
-            </a:outerShdw>
-          </a:effectLst>
-        </p:spPr>
-        <p:txBody>
-          <a:bodyPr lIns="45719" rIns="45719"/>
-          <a:lstStyle/>
-          <a:p>
-            <a:pPr/>
-          </a:p>
-        </p:txBody>
-      </p:sp>
-      <p:sp>
-        <p:nvSpPr>
-          <p:cNvPr id="365" name="Straight Connector 25"/>
-          <p:cNvSpPr/>
-          <p:nvPr/>
-        </p:nvSpPr>
-        <p:spPr>
-          <a:xfrm>
-            <a:off x="4296614" y="3835977"/>
-            <a:ext cx="502920" cy="240031"/>
-          </a:xfrm>
-          <a:prstGeom prst="line">
-            <a:avLst/>
-          </a:prstGeom>
-          <a:ln w="25400">
-            <a:solidFill>
-              <a:schemeClr val="accent1"/>
-            </a:solidFill>
-          </a:ln>
-          <a:effectLst>
-            <a:outerShdw sx="100000" sy="100000" kx="0" ky="0" algn="b" rotWithShape="0" blurRad="38100" dist="20000" dir="5400000">
-              <a:srgbClr val="000000">
-                <a:alpha val="38000"/>
-              </a:srgbClr>
-            </a:outerShdw>
-          </a:effectLst>
-        </p:spPr>
-        <p:txBody>
-          <a:bodyPr lIns="45719" rIns="45719"/>
-          <a:lstStyle/>
-          <a:p>
-            <a:pPr/>
-          </a:p>
-        </p:txBody>
-      </p:sp>
-      <p:sp>
-        <p:nvSpPr>
-          <p:cNvPr id="366" name="Straight Connector 26"/>
-          <p:cNvSpPr/>
-          <p:nvPr/>
-        </p:nvSpPr>
-        <p:spPr>
-          <a:xfrm>
-            <a:off x="4455409" y="3796545"/>
-            <a:ext cx="502920" cy="240031"/>
-          </a:xfrm>
-          <a:prstGeom prst="line">
-            <a:avLst/>
-          </a:prstGeom>
-          <a:ln w="25400">
-            <a:solidFill>
-              <a:schemeClr val="accent1"/>
-            </a:solidFill>
-          </a:ln>
-          <a:effectLst>
-            <a:outerShdw sx="100000" sy="100000" kx="0" ky="0" algn="b" rotWithShape="0" blurRad="38100" dist="20000" dir="5400000">
-              <a:srgbClr val="000000">
-                <a:alpha val="38000"/>
-              </a:srgbClr>
-            </a:outerShdw>
-          </a:effectLst>
-        </p:spPr>
-        <p:txBody>
-          <a:bodyPr lIns="45719" rIns="45719"/>
-          <a:lstStyle/>
-          <a:p>
-            <a:pPr/>
-          </a:p>
-        </p:txBody>
-      </p:sp>
-      <p:sp>
-        <p:nvSpPr>
-          <p:cNvPr id="367" name="Straight Connector 27"/>
-          <p:cNvSpPr/>
-          <p:nvPr/>
-        </p:nvSpPr>
-        <p:spPr>
-          <a:xfrm>
-            <a:off x="4460738" y="4012889"/>
-            <a:ext cx="502920" cy="240031"/>
-          </a:xfrm>
-          <a:prstGeom prst="line">
-            <a:avLst/>
-          </a:prstGeom>
-          <a:ln w="25400">
-            <a:solidFill>
-              <a:schemeClr val="accent1"/>
-            </a:solidFill>
-          </a:ln>
-          <a:effectLst>
-            <a:outerShdw sx="100000" sy="100000" kx="0" ky="0" algn="b" rotWithShape="0" blurRad="38100" dist="20000" dir="5400000">
-              <a:srgbClr val="000000">
-                <a:alpha val="38000"/>
-              </a:srgbClr>
-            </a:outerShdw>
-          </a:effectLst>
-        </p:spPr>
-        <p:txBody>
-          <a:bodyPr lIns="45719" rIns="45719"/>
-          <a:lstStyle/>
-          <a:p>
-            <a:pPr/>
-          </a:p>
-        </p:txBody>
-      </p:sp>
-      <p:sp>
-        <p:nvSpPr>
-          <p:cNvPr id="368" name="Straight Connector 30"/>
-          <p:cNvSpPr/>
-          <p:nvPr/>
-        </p:nvSpPr>
-        <p:spPr>
-          <a:xfrm flipH="1">
-            <a:off x="4782217" y="4252280"/>
-            <a:ext cx="183040" cy="44750"/>
-          </a:xfrm>
-          <a:prstGeom prst="line">
-            <a:avLst/>
-          </a:prstGeom>
-          <a:ln w="25400">
-            <a:solidFill>
-              <a:schemeClr val="accent1"/>
-            </a:solidFill>
-          </a:ln>
-          <a:effectLst>
-            <a:outerShdw sx="100000" sy="100000" kx="0" ky="0" algn="b" rotWithShape="0" blurRad="38100" dist="20000" dir="5400000">
-              <a:srgbClr val="000000">
-                <a:alpha val="38000"/>
-              </a:srgbClr>
-            </a:outerShdw>
-          </a:effectLst>
-        </p:spPr>
-        <p:txBody>
-          <a:bodyPr lIns="45719" rIns="45719"/>
-          <a:lstStyle/>
-          <a:p>
-            <a:pPr/>
-          </a:p>
-        </p:txBody>
-      </p:sp>
-      <p:sp>
-        <p:nvSpPr>
-          <p:cNvPr id="369" name="Straight Connector 34"/>
-          <p:cNvSpPr/>
-          <p:nvPr/>
-        </p:nvSpPr>
-        <p:spPr>
-          <a:xfrm flipH="1">
-            <a:off x="4785948" y="4033917"/>
-            <a:ext cx="183040" cy="44750"/>
-          </a:xfrm>
-          <a:prstGeom prst="line">
-            <a:avLst/>
-          </a:prstGeom>
-          <a:ln w="25400">
-            <a:solidFill>
-              <a:schemeClr val="accent1"/>
-            </a:solidFill>
-          </a:ln>
-          <a:effectLst>
-            <a:outerShdw sx="100000" sy="100000" kx="0" ky="0" algn="b" rotWithShape="0" blurRad="38100" dist="20000" dir="5400000">
-              <a:srgbClr val="000000">
-                <a:alpha val="38000"/>
-              </a:srgbClr>
-            </a:outerShdw>
-          </a:effectLst>
-        </p:spPr>
-        <p:txBody>
-          <a:bodyPr lIns="45719" rIns="45719"/>
-          <a:lstStyle/>
-          <a:p>
-            <a:pPr/>
-          </a:p>
-        </p:txBody>
-      </p:sp>
-      <p:sp>
-        <p:nvSpPr>
-          <p:cNvPr id="370" name="Straight Connector 35"/>
-          <p:cNvSpPr/>
-          <p:nvPr/>
-        </p:nvSpPr>
-        <p:spPr>
-          <a:xfrm flipH="1">
-            <a:off x="4295710" y="3799456"/>
-            <a:ext cx="183040" cy="44750"/>
-          </a:xfrm>
-          <a:prstGeom prst="line">
-            <a:avLst/>
-          </a:prstGeom>
-          <a:ln w="25400">
-            <a:solidFill>
-              <a:schemeClr val="accent1"/>
-            </a:solidFill>
-          </a:ln>
-          <a:effectLst>
-            <a:outerShdw sx="100000" sy="100000" kx="0" ky="0" algn="b" rotWithShape="0" blurRad="38100" dist="20000" dir="5400000">
-              <a:srgbClr val="000000">
-                <a:alpha val="38000"/>
-              </a:srgbClr>
-            </a:outerShdw>
-          </a:effectLst>
-        </p:spPr>
-        <p:txBody>
-          <a:bodyPr lIns="45719" rIns="45719"/>
-          <a:lstStyle/>
-          <a:p>
-            <a:pPr/>
-          </a:p>
-        </p:txBody>
-      </p:sp>
-      <p:sp>
-        <p:nvSpPr>
-          <p:cNvPr id="371" name="Straight Connector 36"/>
-          <p:cNvSpPr/>
-          <p:nvPr/>
-        </p:nvSpPr>
-        <p:spPr>
-          <a:xfrm flipH="1">
-            <a:off x="4301039" y="4012603"/>
-            <a:ext cx="183040" cy="44750"/>
-          </a:xfrm>
-          <a:prstGeom prst="line">
-            <a:avLst/>
-          </a:prstGeom>
-          <a:ln w="25400">
-            <a:solidFill>
-              <a:schemeClr val="accent1"/>
-            </a:solidFill>
-          </a:ln>
-          <a:effectLst>
-            <a:outerShdw sx="100000" sy="100000" kx="0" ky="0" algn="b" rotWithShape="0" blurRad="38100" dist="20000" dir="5400000">
-              <a:srgbClr val="000000">
-                <a:alpha val="38000"/>
-              </a:srgbClr>
-            </a:outerShdw>
-          </a:effectLst>
-        </p:spPr>
-        <p:txBody>
-          <a:bodyPr lIns="45719" rIns="45719"/>
-          <a:lstStyle/>
-          <a:p>
-            <a:pPr/>
-          </a:p>
-        </p:txBody>
-      </p:sp>
-      <p:sp>
-        <p:nvSpPr>
-          <p:cNvPr id="372" name="TextBox 37"/>
+          <p:cNvPr id="342" name="TextBox 3"/>
           <p:cNvSpPr txBox="1"/>
           <p:nvPr/>
         </p:nvSpPr>
         <p:spPr>
           <a:xfrm>
-            <a:off x="8241278" y="4528758"/>
-            <a:ext cx="672778" cy="491727"/>
+            <a:off x="8388381" y="3728920"/>
+            <a:ext cx="3201455" cy="2758441"/>
           </a:xfrm>
           <a:prstGeom prst="rect">
             <a:avLst/>
@@ -18200,29 +17695,188 @@
           </a:bodyPr>
           <a:lstStyle/>
           <a:p>
-            <a:pPr>
-              <a:defRPr sz="3000"/>
+            <a:pPr marL="285750" indent="-285750">
+              <a:buSzPct val="100000"/>
+              <a:buFont typeface="Arial"/>
+              <a:buChar char="•"/>
             </a:pPr>
             <a:r>
-              <a:t>q</a:t>
+              <a:t>M - Atomic mass</a:t>
+            </a:r>
+          </a:p>
+          <a:p>
+            <a:pPr marL="285750" indent="-285750">
+              <a:buSzPct val="100000"/>
+              <a:buFont typeface="Arial"/>
+              <a:buChar char="•"/>
+            </a:pPr>
+            <a:r>
+              <a:t>b – scattering length</a:t>
+            </a:r>
+          </a:p>
+          <a:p>
+            <a:pPr marL="285750" indent="-285750">
+              <a:buSzPct val="100000"/>
+              <a:buFont typeface="Arial"/>
+              <a:buChar char="•"/>
+              <a:defRPr i="1"/>
+            </a:pPr>
+            <a:r>
+              <a:t>n </a:t>
             </a:r>
             <a:r>
-              <a:rPr baseline="-25000"/>
-              <a:t>z</a:t>
+              <a:rPr i="0"/>
+              <a:t>– bose factor</a:t>
+            </a:r>
+            <a:endParaRPr i="0"/>
+          </a:p>
+          <a:p>
+            <a:pPr marL="285750" indent="-285750">
+              <a:buSzPct val="100000"/>
+              <a:buFont typeface="Arial"/>
+              <a:buChar char="•"/>
+            </a:pPr>
+            <a:r>
+              <a:t>a – fcc lattice spacing</a:t>
+            </a:r>
+          </a:p>
+          <a:p>
+            <a:pPr marL="285750" indent="-285750">
+              <a:buSzPct val="100000"/>
+              <a:buFont typeface="Arial"/>
+              <a:buChar char="•"/>
+            </a:pPr>
+            <a:r>
+              <a:t>c - speed of sound</a:t>
+            </a:r>
+          </a:p>
+          <a:p>
+            <a:pPr marL="285750" indent="-285750">
+              <a:buSzPct val="100000"/>
+              <a:buFont typeface="Arial"/>
+              <a:buChar char="•"/>
+            </a:pPr>
+            <a:r>
+              <a:t>𝜿 – measured q vector</a:t>
+            </a:r>
+          </a:p>
+          <a:p>
+            <a:pPr marL="285750" indent="-285750">
+              <a:buSzPct val="100000"/>
+              <a:buFont typeface="Arial"/>
+              <a:buChar char="•"/>
+              <a:defRPr b="1"/>
+            </a:pPr>
+            <a:r>
+              <a:t>q </a:t>
+            </a:r>
+            <a:r>
+              <a:rPr b="0"/>
+              <a:t>– Phonon scattering vector</a:t>
+            </a:r>
+            <a:r>
+              <a:t>  </a:t>
             </a:r>
           </a:p>
         </p:txBody>
       </p:sp>
+      <p:pic>
+        <p:nvPicPr>
+          <p:cNvPr id="343" name="Picture 5" descr="Picture 5"/>
+          <p:cNvPicPr>
+            <a:picLocks noChangeAspect="1"/>
+          </p:cNvPicPr>
+          <p:nvPr/>
+        </p:nvPicPr>
+        <p:blipFill>
+          <a:blip r:embed="rId3">
+            <a:extLst/>
+          </a:blip>
+          <a:stretch>
+            <a:fillRect/>
+          </a:stretch>
+        </p:blipFill>
+        <p:spPr>
+          <a:xfrm>
+            <a:off x="3205770" y="4130990"/>
+            <a:ext cx="2413001" cy="457201"/>
+          </a:xfrm>
+          <a:prstGeom prst="rect">
+            <a:avLst/>
+          </a:prstGeom>
+          <a:ln w="12700">
+            <a:miter lim="400000"/>
+          </a:ln>
+        </p:spPr>
+      </p:pic>
+      <p:pic>
+        <p:nvPicPr>
+          <p:cNvPr id="344" name="Picture 8" descr="Picture 8"/>
+          <p:cNvPicPr>
+            <a:picLocks noChangeAspect="1"/>
+          </p:cNvPicPr>
+          <p:nvPr/>
+        </p:nvPicPr>
+        <p:blipFill>
+          <a:blip r:embed="rId4">
+            <a:extLst/>
+          </a:blip>
+          <a:stretch>
+            <a:fillRect/>
+          </a:stretch>
+        </p:blipFill>
+        <p:spPr>
+          <a:xfrm>
+            <a:off x="3598250" y="4590927"/>
+            <a:ext cx="838201" cy="406401"/>
+          </a:xfrm>
+          <a:prstGeom prst="rect">
+            <a:avLst/>
+          </a:prstGeom>
+          <a:ln w="12700">
+            <a:miter lim="400000"/>
+          </a:ln>
+        </p:spPr>
+      </p:pic>
+      <p:pic>
+        <p:nvPicPr>
+          <p:cNvPr id="345" name="Picture 10" descr="Picture 10"/>
+          <p:cNvPicPr>
+            <a:picLocks noChangeAspect="1"/>
+          </p:cNvPicPr>
+          <p:nvPr/>
+        </p:nvPicPr>
+        <p:blipFill>
+          <a:blip r:embed="rId5">
+            <a:extLst/>
+          </a:blip>
+          <a:stretch>
+            <a:fillRect/>
+          </a:stretch>
+        </p:blipFill>
+        <p:spPr>
+          <a:xfrm>
+            <a:off x="4633309" y="4578227"/>
+            <a:ext cx="2349501" cy="419101"/>
+          </a:xfrm>
+          <a:prstGeom prst="rect">
+            <a:avLst/>
+          </a:prstGeom>
+          <a:ln w="12700">
+            <a:miter lim="400000"/>
+          </a:ln>
+        </p:spPr>
+      </p:pic>
       <p:sp>
         <p:nvSpPr>
-          <p:cNvPr id="373" name="TextBox 38"/>
+          <p:cNvPr id="346" name="TextBox 11"/>
           <p:cNvSpPr txBox="1"/>
           <p:nvPr/>
         </p:nvSpPr>
         <p:spPr>
           <a:xfrm>
-            <a:off x="1837009" y="3595461"/>
-            <a:ext cx="672778" cy="491727"/>
+            <a:off x="2139841" y="4599204"/>
+            <a:ext cx="3913719" cy="221953"/>
           </a:xfrm>
           <a:prstGeom prst="rect">
             <a:avLst/>
@@ -18242,29 +17896,23 @@
           </a:bodyPr>
           <a:lstStyle/>
           <a:p>
-            <a:pPr>
-              <a:defRPr sz="3000"/>
-            </a:pPr>
+            <a:pPr/>
             <a:r>
-              <a:t>q</a:t>
-            </a:r>
-            <a:r>
-              <a:rPr baseline="-25000"/>
-              <a:t>x</a:t>
+              <a:t>For FCC Bravis</a:t>
             </a:r>
           </a:p>
         </p:txBody>
       </p:sp>
       <p:sp>
         <p:nvSpPr>
-          <p:cNvPr id="374" name="TextBox 39"/>
+          <p:cNvPr id="347" name="TextBox 15"/>
           <p:cNvSpPr txBox="1"/>
           <p:nvPr/>
         </p:nvSpPr>
         <p:spPr>
           <a:xfrm>
-            <a:off x="3269569" y="2641385"/>
-            <a:ext cx="672778" cy="491726"/>
+            <a:off x="2139841" y="4120034"/>
+            <a:ext cx="1172194" cy="221954"/>
           </a:xfrm>
           <a:prstGeom prst="rect">
             <a:avLst/>
@@ -18284,225 +17932,9 @@
           </a:bodyPr>
           <a:lstStyle/>
           <a:p>
-            <a:pPr>
-              <a:defRPr sz="3000"/>
-            </a:pPr>
+            <a:pPr/>
             <a:r>
-              <a:t>q</a:t>
-            </a:r>
-            <a:r>
-              <a:rPr baseline="-25000"/>
-              <a:t>y</a:t>
-            </a:r>
-          </a:p>
-        </p:txBody>
-      </p:sp>
-      <p:sp>
-        <p:nvSpPr>
-          <p:cNvPr id="375" name="TextBox 40"/>
-          <p:cNvSpPr txBox="1"/>
-          <p:nvPr/>
-        </p:nvSpPr>
-        <p:spPr>
-          <a:xfrm>
-            <a:off x="9223268" y="3395405"/>
-            <a:ext cx="2373479" cy="825501"/>
-          </a:xfrm>
-          <a:prstGeom prst="rect">
-            <a:avLst/>
-          </a:prstGeom>
-          <a:ln w="12700">
-            <a:miter lim="400000"/>
-          </a:ln>
-          <a:extLst>
-            <a:ext uri="{C572A759-6A51-4108-AA02-DFA0A04FC94B}">
-              <ma14:wrappingTextBoxFlag xmlns:ma14="http://schemas.microsoft.com/office/mac/drawingml/2011/main" val="1"/>
-            </a:ext>
-          </a:extLst>
-        </p:spPr>
-        <p:txBody>
-          <a:bodyPr lIns="0" tIns="0" rIns="0" bIns="0">
-            <a:spAutoFit/>
-          </a:bodyPr>
-          <a:lstStyle/>
-          <a:p>
-            <a:pPr>
-              <a:defRPr sz="3000"/>
-            </a:pPr>
-            <a:r>
-              <a:t>+</a:t>
-            </a:r>
-            <a:r>
-              <a:rPr sz="5600"/>
-              <a:t>⍵</a:t>
-            </a:r>
-          </a:p>
-        </p:txBody>
-      </p:sp>
-      <p:sp>
-        <p:nvSpPr>
-          <p:cNvPr id="376" name="TextBox 28"/>
-          <p:cNvSpPr txBox="1"/>
-          <p:nvPr/>
-        </p:nvSpPr>
-        <p:spPr>
-          <a:xfrm>
-            <a:off x="5025988" y="3617545"/>
-            <a:ext cx="672778" cy="374146"/>
-          </a:xfrm>
-          <a:prstGeom prst="rect">
-            <a:avLst/>
-          </a:prstGeom>
-          <a:ln w="12700">
-            <a:miter lim="400000"/>
-          </a:ln>
-          <a:extLst>
-            <a:ext uri="{C572A759-6A51-4108-AA02-DFA0A04FC94B}">
-              <ma14:wrappingTextBoxFlag xmlns:ma14="http://schemas.microsoft.com/office/mac/drawingml/2011/main" val="1"/>
-            </a:ext>
-          </a:extLst>
-        </p:spPr>
-        <p:txBody>
-          <a:bodyPr lIns="0" tIns="0" rIns="0" bIns="0">
-            <a:spAutoFit/>
-          </a:bodyPr>
-          <a:lstStyle/>
-          <a:p>
-            <a:pPr>
-              <a:defRPr sz="2200"/>
-            </a:pPr>
-            <a:r>
-              <a:t>dq</a:t>
-            </a:r>
-            <a:r>
-              <a:rPr baseline="-25000"/>
-              <a:t>y</a:t>
-            </a:r>
-          </a:p>
-        </p:txBody>
-      </p:sp>
-      <p:sp>
-        <p:nvSpPr>
-          <p:cNvPr id="377" name="TextBox 29"/>
-          <p:cNvSpPr txBox="1"/>
-          <p:nvPr/>
-        </p:nvSpPr>
-        <p:spPr>
-          <a:xfrm>
-            <a:off x="4131838" y="3937925"/>
-            <a:ext cx="672778" cy="374147"/>
-          </a:xfrm>
-          <a:prstGeom prst="rect">
-            <a:avLst/>
-          </a:prstGeom>
-          <a:ln w="12700">
-            <a:miter lim="400000"/>
-          </a:ln>
-          <a:extLst>
-            <a:ext uri="{C572A759-6A51-4108-AA02-DFA0A04FC94B}">
-              <ma14:wrappingTextBoxFlag xmlns:ma14="http://schemas.microsoft.com/office/mac/drawingml/2011/main" val="1"/>
-            </a:ext>
-          </a:extLst>
-        </p:spPr>
-        <p:txBody>
-          <a:bodyPr lIns="0" tIns="0" rIns="0" bIns="0">
-            <a:spAutoFit/>
-          </a:bodyPr>
-          <a:lstStyle/>
-          <a:p>
-            <a:pPr>
-              <a:defRPr sz="2200"/>
-            </a:pPr>
-            <a:r>
-              <a:t>dq</a:t>
-            </a:r>
-            <a:r>
-              <a:rPr baseline="-25000"/>
-              <a:t>x</a:t>
-            </a:r>
-          </a:p>
-        </p:txBody>
-      </p:sp>
-      <p:sp>
-        <p:nvSpPr>
-          <p:cNvPr id="378" name="TextBox 31"/>
-          <p:cNvSpPr txBox="1"/>
-          <p:nvPr/>
-        </p:nvSpPr>
-        <p:spPr>
-          <a:xfrm>
-            <a:off x="4905212" y="4088143"/>
-            <a:ext cx="672779" cy="374147"/>
-          </a:xfrm>
-          <a:prstGeom prst="rect">
-            <a:avLst/>
-          </a:prstGeom>
-          <a:ln w="12700">
-            <a:miter lim="400000"/>
-          </a:ln>
-          <a:extLst>
-            <a:ext uri="{C572A759-6A51-4108-AA02-DFA0A04FC94B}">
-              <ma14:wrappingTextBoxFlag xmlns:ma14="http://schemas.microsoft.com/office/mac/drawingml/2011/main" val="1"/>
-            </a:ext>
-          </a:extLst>
-        </p:spPr>
-        <p:txBody>
-          <a:bodyPr lIns="0" tIns="0" rIns="0" bIns="0">
-            <a:spAutoFit/>
-          </a:bodyPr>
-          <a:lstStyle/>
-          <a:p>
-            <a:pPr>
-              <a:defRPr sz="2200"/>
-            </a:pPr>
-            <a:r>
-              <a:t>dq</a:t>
-            </a:r>
-            <a:r>
-              <a:rPr baseline="-25000"/>
-              <a:t>z</a:t>
-            </a:r>
-          </a:p>
-        </p:txBody>
-      </p:sp>
-      <p:sp>
-        <p:nvSpPr>
-          <p:cNvPr id="379" name="TextBox 32"/>
-          <p:cNvSpPr txBox="1"/>
-          <p:nvPr/>
-        </p:nvSpPr>
-        <p:spPr>
-          <a:xfrm>
-            <a:off x="4292239" y="3203595"/>
-            <a:ext cx="672778" cy="355601"/>
-          </a:xfrm>
-          <a:prstGeom prst="rect">
-            <a:avLst/>
-          </a:prstGeom>
-          <a:ln w="12700">
-            <a:miter lim="400000"/>
-          </a:ln>
-          <a:extLst>
-            <a:ext uri="{C572A759-6A51-4108-AA02-DFA0A04FC94B}">
-              <ma14:wrappingTextBoxFlag xmlns:ma14="http://schemas.microsoft.com/office/mac/drawingml/2011/main" val="1"/>
-            </a:ext>
-          </a:extLst>
-        </p:spPr>
-        <p:txBody>
-          <a:bodyPr lIns="0" tIns="0" rIns="0" bIns="0">
-            <a:spAutoFit/>
-          </a:bodyPr>
-          <a:lstStyle/>
-          <a:p>
-            <a:pPr>
-              <a:defRPr sz="2200"/>
-            </a:pPr>
-            <a:r>
-              <a:t>+d</a:t>
-            </a:r>
-            <a:r>
-              <a:rPr sz="2400"/>
-              <a:t>⍵</a:t>
+              <a:t>Dispersion</a:t>
             </a:r>
           </a:p>
         </p:txBody>
@@ -18535,7 +17967,7 @@
       </p:grpSpPr>
       <p:sp>
         <p:nvSpPr>
-          <p:cNvPr id="381" name="Title 4"/>
+          <p:cNvPr id="349" name="Title 4"/>
           <p:cNvSpPr txBox="1"/>
           <p:nvPr>
             <p:ph type="title"/>
@@ -18556,20 +17988,88 @@
           <a:p>
             <a:pPr/>
             <a:r>
-              <a:t>TAS</a:t>
+              <a:t>Popular component: Phonon_simple</a:t>
             </a:r>
           </a:p>
         </p:txBody>
       </p:sp>
       <p:sp>
         <p:nvSpPr>
-          <p:cNvPr id="382" name="Content Placeholder 5"/>
+          <p:cNvPr id="350" name="Straight Connector 12"/>
+          <p:cNvSpPr/>
+          <p:nvPr/>
+        </p:nvSpPr>
+        <p:spPr>
+          <a:xfrm>
+            <a:off x="2605190" y="21980"/>
+            <a:ext cx="4767944" cy="1"/>
+          </a:xfrm>
+          <a:prstGeom prst="line">
+            <a:avLst/>
+          </a:prstGeom>
+          <a:ln w="47625">
+            <a:solidFill>
+              <a:schemeClr val="accent1"/>
+            </a:solidFill>
+          </a:ln>
+          <a:effectLst>
+            <a:outerShdw sx="100000" sy="100000" kx="0" ky="0" algn="b" rotWithShape="0" blurRad="38100" dist="20000" dir="5400000">
+              <a:srgbClr val="000000">
+                <a:alpha val="38000"/>
+              </a:srgbClr>
+            </a:outerShdw>
+          </a:effectLst>
+        </p:spPr>
+        <p:txBody>
+          <a:bodyPr lIns="45719" rIns="45719"/>
+          <a:lstStyle/>
+          <a:p>
+            <a:pPr/>
+          </a:p>
+        </p:txBody>
+      </p:sp>
+      <p:pic>
+        <p:nvPicPr>
+          <p:cNvPr id="351" name="Picture 15" descr="Picture 15"/>
+          <p:cNvPicPr>
+            <a:picLocks noChangeAspect="1"/>
+          </p:cNvPicPr>
+          <p:nvPr/>
+        </p:nvPicPr>
+        <p:blipFill>
+          <a:blip r:embed="rId2">
+            <a:extLst/>
+          </a:blip>
+          <a:stretch>
+            <a:fillRect/>
+          </a:stretch>
+        </p:blipFill>
+        <p:spPr>
+          <a:xfrm>
+            <a:off x="6947027" y="2144227"/>
+            <a:ext cx="4876801" cy="3797301"/>
+          </a:xfrm>
+          <a:prstGeom prst="rect">
+            <a:avLst/>
+          </a:prstGeom>
+          <a:ln w="12700">
+            <a:miter lim="400000"/>
+          </a:ln>
+        </p:spPr>
+      </p:pic>
+      <p:sp>
+        <p:nvSpPr>
+          <p:cNvPr id="352" name="Content Placeholder 5"/>
           <p:cNvSpPr txBox="1"/>
           <p:nvPr>
             <p:ph type="body" idx="1"/>
           </p:nvPr>
         </p:nvSpPr>
         <p:spPr>
+          <a:xfrm>
+            <a:off x="1774799" y="1706398"/>
+            <a:ext cx="9312376" cy="4545581"/>
+          </a:xfrm>
           <a:prstGeom prst="rect">
             <a:avLst/>
           </a:prstGeom>
@@ -18580,14 +18080,14 @@
           <a:p>
             <a:pPr/>
             <a:r>
-              <a:t>Only a small fraction of neutrons arrive, most are simulated in vain</a:t>
+              <a:t>Dispersion relation, theory and mcstas</a:t>
             </a:r>
           </a:p>
         </p:txBody>
       </p:sp>
       <p:sp>
         <p:nvSpPr>
-          <p:cNvPr id="383" name="Slide Number Placeholder 3"/>
+          <p:cNvPr id="353" name="Slide Number Placeholder 3"/>
           <p:cNvSpPr txBox="1"/>
           <p:nvPr>
             <p:ph type="sldNum" sz="quarter" idx="2"/>
@@ -18612,9 +18112,2182 @@
           </a:p>
         </p:txBody>
       </p:sp>
+      <p:sp>
+        <p:nvSpPr>
+          <p:cNvPr id="354" name="Straight Arrow Connector 2"/>
+          <p:cNvSpPr/>
+          <p:nvPr/>
+        </p:nvSpPr>
+        <p:spPr>
+          <a:xfrm>
+            <a:off x="1619659" y="5810830"/>
+            <a:ext cx="4301081" cy="1"/>
+          </a:xfrm>
+          <a:prstGeom prst="line">
+            <a:avLst/>
+          </a:prstGeom>
+          <a:ln w="63500">
+            <a:solidFill>
+              <a:schemeClr val="accent1"/>
+            </a:solidFill>
+            <a:tailEnd type="triangle"/>
+          </a:ln>
+          <a:effectLst>
+            <a:outerShdw sx="100000" sy="100000" kx="0" ky="0" algn="b" rotWithShape="0" blurRad="38100" dist="20000" dir="5400000">
+              <a:srgbClr val="000000">
+                <a:alpha val="38000"/>
+              </a:srgbClr>
+            </a:outerShdw>
+          </a:effectLst>
+        </p:spPr>
+        <p:txBody>
+          <a:bodyPr lIns="45719" rIns="45719"/>
+          <a:lstStyle/>
+          <a:p>
+            <a:pPr/>
+          </a:p>
+        </p:txBody>
+      </p:sp>
+      <p:sp>
+        <p:nvSpPr>
+          <p:cNvPr id="355" name="Straight Arrow Connector 7"/>
+          <p:cNvSpPr/>
+          <p:nvPr/>
+        </p:nvSpPr>
+        <p:spPr>
+          <a:xfrm flipV="1">
+            <a:off x="1934105" y="2477562"/>
+            <a:ext cx="1" cy="3578267"/>
+          </a:xfrm>
+          <a:prstGeom prst="line">
+            <a:avLst/>
+          </a:prstGeom>
+          <a:ln w="63500">
+            <a:solidFill>
+              <a:schemeClr val="accent1"/>
+            </a:solidFill>
+            <a:tailEnd type="triangle"/>
+          </a:ln>
+          <a:effectLst>
+            <a:outerShdw sx="100000" sy="100000" kx="0" ky="0" algn="b" rotWithShape="0" blurRad="38100" dist="20000" dir="5400000">
+              <a:srgbClr val="000000">
+                <a:alpha val="38000"/>
+              </a:srgbClr>
+            </a:outerShdw>
+          </a:effectLst>
+        </p:spPr>
+        <p:txBody>
+          <a:bodyPr lIns="45719" rIns="45719"/>
+          <a:lstStyle/>
+          <a:p>
+            <a:pPr/>
+          </a:p>
+        </p:txBody>
+      </p:sp>
+      <p:sp>
+        <p:nvSpPr>
+          <p:cNvPr id="356" name="TextBox 5"/>
+          <p:cNvSpPr txBox="1"/>
+          <p:nvPr/>
+        </p:nvSpPr>
+        <p:spPr>
+          <a:xfrm>
+            <a:off x="6029328" y="5589296"/>
+            <a:ext cx="672778" cy="419337"/>
+          </a:xfrm>
+          <a:prstGeom prst="rect">
+            <a:avLst/>
+          </a:prstGeom>
+          <a:ln w="12700">
+            <a:miter lim="400000"/>
+          </a:ln>
+          <a:extLst>
+            <a:ext uri="{C572A759-6A51-4108-AA02-DFA0A04FC94B}">
+              <ma14:wrappingTextBoxFlag xmlns:ma14="http://schemas.microsoft.com/office/mac/drawingml/2011/main" val="1"/>
+            </a:ext>
+          </a:extLst>
+        </p:spPr>
+        <p:txBody>
+          <a:bodyPr lIns="0" tIns="0" rIns="0" bIns="0">
+            <a:spAutoFit/>
+          </a:bodyPr>
+          <a:lstStyle>
+            <a:lvl1pPr>
+              <a:defRPr sz="3000"/>
+            </a:lvl1pPr>
+          </a:lstStyle>
+          <a:p>
+            <a:pPr/>
+            <a:r>
+              <a:t>q</a:t>
+            </a:r>
+          </a:p>
+        </p:txBody>
+      </p:sp>
+      <p:sp>
+        <p:nvSpPr>
+          <p:cNvPr id="357" name="TextBox 6"/>
+          <p:cNvSpPr txBox="1"/>
+          <p:nvPr/>
+        </p:nvSpPr>
+        <p:spPr>
+          <a:xfrm>
+            <a:off x="1424798" y="2248875"/>
+            <a:ext cx="729206" cy="444501"/>
+          </a:xfrm>
+          <a:prstGeom prst="rect">
+            <a:avLst/>
+          </a:prstGeom>
+          <a:ln w="12700">
+            <a:miter lim="400000"/>
+          </a:ln>
+          <a:extLst>
+            <a:ext uri="{C572A759-6A51-4108-AA02-DFA0A04FC94B}">
+              <ma14:wrappingTextBoxFlag xmlns:ma14="http://schemas.microsoft.com/office/mac/drawingml/2011/main" val="1"/>
+            </a:ext>
+          </a:extLst>
+        </p:spPr>
+        <p:txBody>
+          <a:bodyPr lIns="0" tIns="0" rIns="0" bIns="0">
+            <a:spAutoFit/>
+          </a:bodyPr>
+          <a:lstStyle>
+            <a:lvl1pPr>
+              <a:defRPr sz="3000"/>
+            </a:lvl1pPr>
+          </a:lstStyle>
+          <a:p>
+            <a:pPr/>
+            <a:r>
+              <a:t>⍵</a:t>
+            </a:r>
+          </a:p>
+        </p:txBody>
+      </p:sp>
+      <p:sp>
+        <p:nvSpPr>
+          <p:cNvPr id="358" name="TextBox 11"/>
+          <p:cNvSpPr txBox="1"/>
+          <p:nvPr/>
+        </p:nvSpPr>
+        <p:spPr>
+          <a:xfrm>
+            <a:off x="4009950" y="5652987"/>
+            <a:ext cx="672778" cy="491726"/>
+          </a:xfrm>
+          <a:prstGeom prst="rect">
+            <a:avLst/>
+          </a:prstGeom>
+          <a:ln w="12700">
+            <a:miter lim="400000"/>
+          </a:ln>
+          <a:extLst>
+            <a:ext uri="{C572A759-6A51-4108-AA02-DFA0A04FC94B}">
+              <ma14:wrappingTextBoxFlag xmlns:ma14="http://schemas.microsoft.com/office/mac/drawingml/2011/main" val="1"/>
+            </a:ext>
+          </a:extLst>
+        </p:spPr>
+        <p:txBody>
+          <a:bodyPr lIns="0" tIns="0" rIns="0" bIns="0">
+            <a:spAutoFit/>
+          </a:bodyPr>
+          <a:lstStyle/>
+          <a:p>
+            <a:pPr>
+              <a:defRPr sz="3000"/>
+            </a:pPr>
+            <a:r>
+              <a:t>q</a:t>
+            </a:r>
+            <a:r>
+              <a:rPr baseline="-25000"/>
+              <a:t>0</a:t>
+            </a:r>
+          </a:p>
+        </p:txBody>
+      </p:sp>
+      <p:sp>
+        <p:nvSpPr>
+          <p:cNvPr id="359" name="Oval 8"/>
+          <p:cNvSpPr/>
+          <p:nvPr/>
+        </p:nvSpPr>
+        <p:spPr>
+          <a:xfrm>
+            <a:off x="2960393" y="-3863874"/>
+            <a:ext cx="2411707" cy="9675261"/>
+          </a:xfrm>
+          <a:prstGeom prst="ellipse">
+            <a:avLst/>
+          </a:prstGeom>
+          <a:solidFill>
+            <a:srgbClr val="FFFFFF"/>
+          </a:solidFill>
+          <a:ln w="50800">
+            <a:solidFill>
+              <a:schemeClr val="accent1"/>
+            </a:solidFill>
+          </a:ln>
+        </p:spPr>
+        <p:txBody>
+          <a:bodyPr lIns="46799" tIns="46799" rIns="46799" bIns="46799" anchor="ctr"/>
+          <a:lstStyle/>
+          <a:p>
+            <a:pPr/>
+          </a:p>
+        </p:txBody>
+      </p:sp>
+      <p:sp>
+        <p:nvSpPr>
+          <p:cNvPr id="360" name="Rectangle 9"/>
+          <p:cNvSpPr/>
+          <p:nvPr/>
+        </p:nvSpPr>
+        <p:spPr>
+          <a:xfrm>
+            <a:off x="2721163" y="-942373"/>
+            <a:ext cx="4213669" cy="3944653"/>
+          </a:xfrm>
+          <a:prstGeom prst="rect">
+            <a:avLst/>
+          </a:prstGeom>
+          <a:solidFill>
+            <a:srgbClr val="FFFFFF"/>
+          </a:solidFill>
+          <a:ln w="25400">
+            <a:solidFill>
+              <a:srgbClr val="FFFFFF"/>
+            </a:solidFill>
+          </a:ln>
+        </p:spPr>
+        <p:txBody>
+          <a:bodyPr lIns="46799" tIns="46799" rIns="46799" bIns="46799" anchor="ctr"/>
+          <a:lstStyle/>
+          <a:p>
+            <a:pPr/>
+          </a:p>
+        </p:txBody>
+      </p:sp>
+    </p:spTree>
+  </p:cSld>
+  <p:clrMapOvr>
+    <a:masterClrMapping/>
+  </p:clrMapOvr>
+  <p:transition xmlns:p14="http://schemas.microsoft.com/office/powerpoint/2010/main" spd="med" advClick="1"/>
+</p:sld>
+</file>
+
+<file path=ppt/slides/slide12.xml><?xml version="1.0" encoding="utf-8"?>
+<p:sld xmlns:a="http://schemas.openxmlformats.org/drawingml/2006/main" xmlns:r="http://schemas.openxmlformats.org/officeDocument/2006/relationships" xmlns:p="http://schemas.openxmlformats.org/presentationml/2006/main" xmlns:m="http://schemas.openxmlformats.org/officeDocument/2006/math" xmlns:a14="http://schemas.microsoft.com/office/drawing/2010/main" showMasterSp="1" showMasterPhAnim="1">
+  <p:cSld>
+    <p:spTree>
+      <p:nvGrpSpPr>
+        <p:cNvPr id="1" name=""/>
+        <p:cNvGrpSpPr/>
+        <p:nvPr/>
+      </p:nvGrpSpPr>
+      <p:grpSpPr>
+        <a:xfrm>
+          <a:off x="0" y="0"/>
+          <a:ext cx="0" cy="0"/>
+          <a:chOff x="0" y="0"/>
+          <a:chExt cx="0" cy="0"/>
+        </a:xfrm>
+      </p:grpSpPr>
+      <p:sp>
+        <p:nvSpPr>
+          <p:cNvPr id="362" name="Title 4"/>
+          <p:cNvSpPr txBox="1"/>
+          <p:nvPr>
+            <p:ph type="title"/>
+          </p:nvPr>
+        </p:nvSpPr>
+        <p:spPr>
+          <a:xfrm>
+            <a:off x="1774725" y="426125"/>
+            <a:ext cx="9312376" cy="972718"/>
+          </a:xfrm>
+          <a:prstGeom prst="rect">
+            <a:avLst/>
+          </a:prstGeom>
+        </p:spPr>
+        <p:txBody>
+          <a:bodyPr/>
+          <a:lstStyle/>
+          <a:p>
+            <a:pPr/>
+            <a:r>
+              <a:t>Popular component: Phonon_simple</a:t>
+            </a:r>
+          </a:p>
+        </p:txBody>
+      </p:sp>
+      <p:sp>
+        <p:nvSpPr>
+          <p:cNvPr id="363" name="Content Placeholder 5"/>
+          <p:cNvSpPr txBox="1"/>
+          <p:nvPr>
+            <p:ph type="body" idx="1"/>
+          </p:nvPr>
+        </p:nvSpPr>
+        <p:spPr>
+          <a:xfrm>
+            <a:off x="1774799" y="1706398"/>
+            <a:ext cx="9312376" cy="4545581"/>
+          </a:xfrm>
+          <a:prstGeom prst="rect">
+            <a:avLst/>
+          </a:prstGeom>
+        </p:spPr>
+        <p:txBody>
+          <a:bodyPr/>
+          <a:lstStyle/>
+          <a:p>
+            <a:pPr/>
+            <a:r>
+              <a:t>Example of the output</a:t>
+            </a:r>
+          </a:p>
+        </p:txBody>
+      </p:sp>
+      <p:sp>
+        <p:nvSpPr>
+          <p:cNvPr id="364" name="Slide Number Placeholder 3"/>
+          <p:cNvSpPr txBox="1"/>
+          <p:nvPr>
+            <p:ph type="sldNum" sz="quarter" idx="2"/>
+          </p:nvPr>
+        </p:nvSpPr>
+        <p:spPr>
+          <a:prstGeom prst="rect">
+            <a:avLst/>
+          </a:prstGeom>
+          <a:extLst>
+            <a:ext uri="{C572A759-6A51-4108-AA02-DFA0A04FC94B}">
+              <ma14:wrappingTextBoxFlag xmlns:ma14="http://schemas.microsoft.com/office/mac/drawingml/2011/main" val="1"/>
+            </a:ext>
+          </a:extLst>
+        </p:spPr>
+        <p:txBody>
+          <a:bodyPr/>
+          <a:lstStyle/>
+          <a:p>
+            <a:pPr/>
+            <a:fld id="{86CB4B4D-7CA3-9044-876B-883B54F8677D}" type="slidenum"/>
+          </a:p>
+        </p:txBody>
+      </p:sp>
       <p:pic>
         <p:nvPicPr>
-          <p:cNvPr id="384" name="Picture 2" descr="Picture 2"/>
+          <p:cNvPr id="365" name="Picture 2" descr="Picture 2"/>
+          <p:cNvPicPr>
+            <a:picLocks noChangeAspect="1"/>
+          </p:cNvPicPr>
+          <p:nvPr/>
+        </p:nvPicPr>
+        <p:blipFill>
+          <a:blip r:embed="rId2">
+            <a:extLst/>
+          </a:blip>
+          <a:srcRect l="0" t="0" r="0" b="1625"/>
+          <a:stretch>
+            <a:fillRect/>
+          </a:stretch>
+        </p:blipFill>
+        <p:spPr>
+          <a:xfrm>
+            <a:off x="5326379" y="1543862"/>
+            <a:ext cx="6679835" cy="4879799"/>
+          </a:xfrm>
+          <a:prstGeom prst="rect">
+            <a:avLst/>
+          </a:prstGeom>
+          <a:ln w="12700">
+            <a:miter lim="400000"/>
+          </a:ln>
+        </p:spPr>
+      </p:pic>
+      <p:sp>
+        <p:nvSpPr>
+          <p:cNvPr id="366" name="TextBox 3"/>
+          <p:cNvSpPr txBox="1"/>
+          <p:nvPr/>
+        </p:nvSpPr>
+        <p:spPr>
+          <a:xfrm>
+            <a:off x="7109459" y="1543863"/>
+            <a:ext cx="3566160" cy="345629"/>
+          </a:xfrm>
+          <a:prstGeom prst="rect">
+            <a:avLst/>
+          </a:prstGeom>
+          <a:ln w="12700">
+            <a:miter lim="400000"/>
+          </a:ln>
+          <a:extLst>
+            <a:ext uri="{C572A759-6A51-4108-AA02-DFA0A04FC94B}">
+              <ma14:wrappingTextBoxFlag xmlns:ma14="http://schemas.microsoft.com/office/mac/drawingml/2011/main" val="1"/>
+            </a:ext>
+          </a:extLst>
+        </p:spPr>
+        <p:txBody>
+          <a:bodyPr lIns="0" tIns="0" rIns="0" bIns="0">
+            <a:spAutoFit/>
+          </a:bodyPr>
+          <a:lstStyle>
+            <a:lvl1pPr>
+              <a:defRPr sz="2400">
+                <a:solidFill>
+                  <a:srgbClr val="FFFFFF"/>
+                </a:solidFill>
+              </a:defRPr>
+            </a:lvl1pPr>
+          </a:lstStyle>
+          <a:p>
+            <a:pPr/>
+            <a:r>
+              <a:t>4 meV energy transfer</a:t>
+            </a:r>
+          </a:p>
+        </p:txBody>
+      </p:sp>
+    </p:spTree>
+  </p:cSld>
+  <p:clrMapOvr>
+    <a:masterClrMapping/>
+  </p:clrMapOvr>
+  <p:transition xmlns:p14="http://schemas.microsoft.com/office/powerpoint/2010/main" spd="med" advClick="1"/>
+</p:sld>
+</file>
+
+<file path=ppt/slides/slide13.xml><?xml version="1.0" encoding="utf-8"?>
+<p:sld xmlns:a="http://schemas.openxmlformats.org/drawingml/2006/main" xmlns:r="http://schemas.openxmlformats.org/officeDocument/2006/relationships" xmlns:p="http://schemas.openxmlformats.org/presentationml/2006/main" xmlns:m="http://schemas.openxmlformats.org/officeDocument/2006/math" xmlns:a14="http://schemas.microsoft.com/office/drawing/2010/main" showMasterSp="1" showMasterPhAnim="1">
+  <p:cSld>
+    <p:spTree>
+      <p:nvGrpSpPr>
+        <p:cNvPr id="1" name=""/>
+        <p:cNvGrpSpPr/>
+        <p:nvPr/>
+      </p:nvGrpSpPr>
+      <p:grpSpPr>
+        <a:xfrm>
+          <a:off x="0" y="0"/>
+          <a:ext cx="0" cy="0"/>
+          <a:chOff x="0" y="0"/>
+          <a:chExt cx="0" cy="0"/>
+        </a:xfrm>
+      </p:grpSpPr>
+      <p:sp>
+        <p:nvSpPr>
+          <p:cNvPr id="368" name="Title 4"/>
+          <p:cNvSpPr txBox="1"/>
+          <p:nvPr>
+            <p:ph type="title"/>
+          </p:nvPr>
+        </p:nvSpPr>
+        <p:spPr>
+          <a:xfrm>
+            <a:off x="1774725" y="426125"/>
+            <a:ext cx="9312376" cy="972718"/>
+          </a:xfrm>
+          <a:prstGeom prst="rect">
+            <a:avLst/>
+          </a:prstGeom>
+        </p:spPr>
+        <p:txBody>
+          <a:bodyPr/>
+          <a:lstStyle/>
+          <a:p>
+            <a:pPr/>
+            <a:r>
+              <a:t>Popular component: Isotropic_sqw</a:t>
+            </a:r>
+          </a:p>
+        </p:txBody>
+      </p:sp>
+      <p:sp>
+        <p:nvSpPr>
+          <p:cNvPr id="369" name="Content Placeholder 5"/>
+          <p:cNvSpPr txBox="1"/>
+          <p:nvPr>
+            <p:ph type="body" idx="1"/>
+          </p:nvPr>
+        </p:nvSpPr>
+        <p:spPr>
+          <a:xfrm>
+            <a:off x="1774799" y="1706398"/>
+            <a:ext cx="9312376" cy="4545581"/>
+          </a:xfrm>
+          <a:prstGeom prst="rect">
+            <a:avLst/>
+          </a:prstGeom>
+        </p:spPr>
+        <p:txBody>
+          <a:bodyPr/>
+          <a:lstStyle/>
+          <a:p>
+            <a:pPr/>
+            <a:r>
+              <a:t>Isotropic processes (powder, liquid, …)</a:t>
+            </a:r>
+          </a:p>
+          <a:p>
+            <a:pPr/>
+            <a:r>
+              <a:t>Use data files to describe S(q,w) directly, coherent and incoherent</a:t>
+            </a:r>
+          </a:p>
+          <a:p>
+            <a:pPr/>
+            <a:r>
+              <a:t>Supports concentric</a:t>
+            </a:r>
+          </a:p>
+        </p:txBody>
+      </p:sp>
+      <p:sp>
+        <p:nvSpPr>
+          <p:cNvPr id="370" name="Slide Number Placeholder 3"/>
+          <p:cNvSpPr txBox="1"/>
+          <p:nvPr>
+            <p:ph type="sldNum" sz="quarter" idx="2"/>
+          </p:nvPr>
+        </p:nvSpPr>
+        <p:spPr>
+          <a:prstGeom prst="rect">
+            <a:avLst/>
+          </a:prstGeom>
+          <a:extLst>
+            <a:ext uri="{C572A759-6A51-4108-AA02-DFA0A04FC94B}">
+              <ma14:wrappingTextBoxFlag xmlns:ma14="http://schemas.microsoft.com/office/mac/drawingml/2011/main" val="1"/>
+            </a:ext>
+          </a:extLst>
+        </p:spPr>
+        <p:txBody>
+          <a:bodyPr/>
+          <a:lstStyle/>
+          <a:p>
+            <a:pPr/>
+            <a:fld id="{86CB4B4D-7CA3-9044-876B-883B54F8677D}" type="slidenum"/>
+          </a:p>
+        </p:txBody>
+      </p:sp>
+      <p:pic>
+        <p:nvPicPr>
+          <p:cNvPr id="371" name="Picture 2" descr="Picture 2"/>
+          <p:cNvPicPr>
+            <a:picLocks noChangeAspect="1"/>
+          </p:cNvPicPr>
+          <p:nvPr/>
+        </p:nvPicPr>
+        <p:blipFill>
+          <a:blip r:embed="rId2">
+            <a:extLst/>
+          </a:blip>
+          <a:stretch>
+            <a:fillRect/>
+          </a:stretch>
+        </p:blipFill>
+        <p:spPr>
+          <a:xfrm>
+            <a:off x="7315451" y="2539710"/>
+            <a:ext cx="4318001" cy="3962673"/>
+          </a:xfrm>
+          <a:prstGeom prst="rect">
+            <a:avLst/>
+          </a:prstGeom>
+          <a:ln w="12700">
+            <a:miter lim="400000"/>
+          </a:ln>
+        </p:spPr>
+      </p:pic>
+    </p:spTree>
+  </p:cSld>
+  <p:clrMapOvr>
+    <a:masterClrMapping/>
+  </p:clrMapOvr>
+  <p:transition xmlns:p14="http://schemas.microsoft.com/office/powerpoint/2010/main" spd="med" advClick="1"/>
+</p:sld>
+</file>
+
+<file path=ppt/slides/slide14.xml><?xml version="1.0" encoding="utf-8"?>
+<p:sld xmlns:a="http://schemas.openxmlformats.org/drawingml/2006/main" xmlns:r="http://schemas.openxmlformats.org/officeDocument/2006/relationships" xmlns:p="http://schemas.openxmlformats.org/presentationml/2006/main" xmlns:m="http://schemas.openxmlformats.org/officeDocument/2006/math" xmlns:a14="http://schemas.microsoft.com/office/drawing/2010/main" showMasterSp="1" showMasterPhAnim="1">
+  <p:cSld>
+    <p:spTree>
+      <p:nvGrpSpPr>
+        <p:cNvPr id="1" name=""/>
+        <p:cNvGrpSpPr/>
+        <p:nvPr/>
+      </p:nvGrpSpPr>
+      <p:grpSpPr>
+        <a:xfrm>
+          <a:off x="0" y="0"/>
+          <a:ext cx="0" cy="0"/>
+          <a:chOff x="0" y="0"/>
+          <a:chExt cx="0" cy="0"/>
+        </a:xfrm>
+      </p:grpSpPr>
+      <p:sp>
+        <p:nvSpPr>
+          <p:cNvPr id="373" name="Title 4"/>
+          <p:cNvSpPr txBox="1"/>
+          <p:nvPr>
+            <p:ph type="title"/>
+          </p:nvPr>
+        </p:nvSpPr>
+        <p:spPr>
+          <a:xfrm>
+            <a:off x="1774725" y="426125"/>
+            <a:ext cx="9312376" cy="972718"/>
+          </a:xfrm>
+          <a:prstGeom prst="rect">
+            <a:avLst/>
+          </a:prstGeom>
+        </p:spPr>
+        <p:txBody>
+          <a:bodyPr/>
+          <a:lstStyle/>
+          <a:p>
+            <a:pPr/>
+            <a:r>
+              <a:t>Popular component: Isotropic_sqw</a:t>
+            </a:r>
+          </a:p>
+        </p:txBody>
+      </p:sp>
+      <p:sp>
+        <p:nvSpPr>
+          <p:cNvPr id="374" name="Content Placeholder 5"/>
+          <p:cNvSpPr txBox="1"/>
+          <p:nvPr>
+            <p:ph type="body" idx="1"/>
+          </p:nvPr>
+        </p:nvSpPr>
+        <p:spPr>
+          <a:xfrm>
+            <a:off x="1774799" y="1706398"/>
+            <a:ext cx="9312376" cy="4545581"/>
+          </a:xfrm>
+          <a:prstGeom prst="rect">
+            <a:avLst/>
+          </a:prstGeom>
+        </p:spPr>
+        <p:txBody>
+          <a:bodyPr/>
+          <a:lstStyle/>
+          <a:p>
+            <a:pPr/>
+            <a:r>
+              <a:t>Isotropic processes (powder, liquid, …)</a:t>
+            </a:r>
+          </a:p>
+          <a:p>
+            <a:pPr/>
+            <a:r>
+              <a:t>Use data files to describe S(q,w) directly, coherent and incoherent</a:t>
+            </a:r>
+          </a:p>
+          <a:p>
+            <a:pPr/>
+            <a:r>
+              <a:t>Supports concentric</a:t>
+            </a:r>
+          </a:p>
+        </p:txBody>
+      </p:sp>
+      <p:sp>
+        <p:nvSpPr>
+          <p:cNvPr id="375" name="Slide Number Placeholder 3"/>
+          <p:cNvSpPr txBox="1"/>
+          <p:nvPr>
+            <p:ph type="sldNum" sz="quarter" idx="2"/>
+          </p:nvPr>
+        </p:nvSpPr>
+        <p:spPr>
+          <a:prstGeom prst="rect">
+            <a:avLst/>
+          </a:prstGeom>
+          <a:extLst>
+            <a:ext uri="{C572A759-6A51-4108-AA02-DFA0A04FC94B}">
+              <ma14:wrappingTextBoxFlag xmlns:ma14="http://schemas.microsoft.com/office/mac/drawingml/2011/main" val="1"/>
+            </a:ext>
+          </a:extLst>
+        </p:spPr>
+        <p:txBody>
+          <a:bodyPr/>
+          <a:lstStyle/>
+          <a:p>
+            <a:pPr/>
+            <a:fld id="{86CB4B4D-7CA3-9044-876B-883B54F8677D}" type="slidenum"/>
+          </a:p>
+        </p:txBody>
+      </p:sp>
+      <p:pic>
+        <p:nvPicPr>
+          <p:cNvPr id="376" name="Picture 6" descr="Picture 6"/>
+          <p:cNvPicPr>
+            <a:picLocks noChangeAspect="1"/>
+          </p:cNvPicPr>
+          <p:nvPr/>
+        </p:nvPicPr>
+        <p:blipFill>
+          <a:blip r:embed="rId2">
+            <a:extLst/>
+          </a:blip>
+          <a:stretch>
+            <a:fillRect/>
+          </a:stretch>
+        </p:blipFill>
+        <p:spPr>
+          <a:xfrm>
+            <a:off x="2411540" y="3070875"/>
+            <a:ext cx="8277587" cy="3181103"/>
+          </a:xfrm>
+          <a:prstGeom prst="rect">
+            <a:avLst/>
+          </a:prstGeom>
+          <a:ln w="12700">
+            <a:miter lim="400000"/>
+          </a:ln>
+        </p:spPr>
+      </p:pic>
+      <p:sp>
+        <p:nvSpPr>
+          <p:cNvPr id="377" name="TextBox 1"/>
+          <p:cNvSpPr txBox="1"/>
+          <p:nvPr/>
+        </p:nvSpPr>
+        <p:spPr>
+          <a:xfrm>
+            <a:off x="7665256" y="5812718"/>
+            <a:ext cx="375425" cy="345629"/>
+          </a:xfrm>
+          <a:prstGeom prst="rect">
+            <a:avLst/>
+          </a:prstGeom>
+          <a:ln w="12700">
+            <a:miter lim="400000"/>
+          </a:ln>
+          <a:extLst>
+            <a:ext uri="{C572A759-6A51-4108-AA02-DFA0A04FC94B}">
+              <ma14:wrappingTextBoxFlag xmlns:ma14="http://schemas.microsoft.com/office/mac/drawingml/2011/main" val="1"/>
+            </a:ext>
+          </a:extLst>
+        </p:spPr>
+        <p:txBody>
+          <a:bodyPr lIns="0" tIns="0" rIns="0" bIns="0">
+            <a:spAutoFit/>
+          </a:bodyPr>
+          <a:lstStyle>
+            <a:lvl1pPr>
+              <a:defRPr sz="2400"/>
+            </a:lvl1pPr>
+          </a:lstStyle>
+          <a:p>
+            <a:pPr/>
+            <a:r>
+              <a:t>q</a:t>
+            </a:r>
+          </a:p>
+        </p:txBody>
+      </p:sp>
+      <p:sp>
+        <p:nvSpPr>
+          <p:cNvPr id="378" name="TextBox 7"/>
+          <p:cNvSpPr txBox="1"/>
+          <p:nvPr/>
+        </p:nvSpPr>
+        <p:spPr>
+          <a:xfrm>
+            <a:off x="10637247" y="5789974"/>
+            <a:ext cx="375425" cy="345629"/>
+          </a:xfrm>
+          <a:prstGeom prst="rect">
+            <a:avLst/>
+          </a:prstGeom>
+          <a:ln w="12700">
+            <a:miter lim="400000"/>
+          </a:ln>
+          <a:extLst>
+            <a:ext uri="{C572A759-6A51-4108-AA02-DFA0A04FC94B}">
+              <ma14:wrappingTextBoxFlag xmlns:ma14="http://schemas.microsoft.com/office/mac/drawingml/2011/main" val="1"/>
+            </a:ext>
+          </a:extLst>
+        </p:spPr>
+        <p:txBody>
+          <a:bodyPr lIns="0" tIns="0" rIns="0" bIns="0">
+            <a:spAutoFit/>
+          </a:bodyPr>
+          <a:lstStyle>
+            <a:lvl1pPr>
+              <a:defRPr sz="2400"/>
+            </a:lvl1pPr>
+          </a:lstStyle>
+          <a:p>
+            <a:pPr/>
+            <a:r>
+              <a:t>q</a:t>
+            </a:r>
+          </a:p>
+        </p:txBody>
+      </p:sp>
+      <p:sp>
+        <p:nvSpPr>
+          <p:cNvPr id="379" name="TextBox 8"/>
+          <p:cNvSpPr txBox="1"/>
+          <p:nvPr/>
+        </p:nvSpPr>
+        <p:spPr>
+          <a:xfrm>
+            <a:off x="5228573" y="3323295"/>
+            <a:ext cx="729206" cy="444501"/>
+          </a:xfrm>
+          <a:prstGeom prst="rect">
+            <a:avLst/>
+          </a:prstGeom>
+          <a:ln w="12700">
+            <a:miter lim="400000"/>
+          </a:ln>
+          <a:extLst>
+            <a:ext uri="{C572A759-6A51-4108-AA02-DFA0A04FC94B}">
+              <ma14:wrappingTextBoxFlag xmlns:ma14="http://schemas.microsoft.com/office/mac/drawingml/2011/main" val="1"/>
+            </a:ext>
+          </a:extLst>
+        </p:spPr>
+        <p:txBody>
+          <a:bodyPr lIns="0" tIns="0" rIns="0" bIns="0">
+            <a:spAutoFit/>
+          </a:bodyPr>
+          <a:lstStyle>
+            <a:lvl1pPr>
+              <a:defRPr sz="3000"/>
+            </a:lvl1pPr>
+          </a:lstStyle>
+          <a:p>
+            <a:pPr/>
+            <a:r>
+              <a:t>⍵</a:t>
+            </a:r>
+          </a:p>
+        </p:txBody>
+      </p:sp>
+      <p:sp>
+        <p:nvSpPr>
+          <p:cNvPr id="380" name="TextBox 10"/>
+          <p:cNvSpPr txBox="1"/>
+          <p:nvPr/>
+        </p:nvSpPr>
+        <p:spPr>
+          <a:xfrm>
+            <a:off x="4332053" y="5892844"/>
+            <a:ext cx="1040047" cy="355601"/>
+          </a:xfrm>
+          <a:prstGeom prst="rect">
+            <a:avLst/>
+          </a:prstGeom>
+          <a:ln w="12700">
+            <a:miter lim="400000"/>
+          </a:ln>
+          <a:extLst>
+            <a:ext uri="{C572A759-6A51-4108-AA02-DFA0A04FC94B}">
+              <ma14:wrappingTextBoxFlag xmlns:ma14="http://schemas.microsoft.com/office/mac/drawingml/2011/main" val="1"/>
+            </a:ext>
+          </a:extLst>
+        </p:spPr>
+        <p:txBody>
+          <a:bodyPr lIns="0" tIns="0" rIns="0" bIns="0">
+            <a:spAutoFit/>
+          </a:bodyPr>
+          <a:lstStyle>
+            <a:lvl1pPr>
+              <a:defRPr sz="2400"/>
+            </a:lvl1pPr>
+          </a:lstStyle>
+          <a:p>
+            <a:pPr/>
+            <a:r>
+              <a:t>P(⍵)</a:t>
+            </a:r>
+          </a:p>
+        </p:txBody>
+      </p:sp>
+      <p:sp>
+        <p:nvSpPr>
+          <p:cNvPr id="381" name="TextBox 11"/>
+          <p:cNvSpPr txBox="1"/>
+          <p:nvPr/>
+        </p:nvSpPr>
+        <p:spPr>
+          <a:xfrm rot="19151016">
+            <a:off x="7697928" y="3105299"/>
+            <a:ext cx="1302072" cy="355601"/>
+          </a:xfrm>
+          <a:prstGeom prst="rect">
+            <a:avLst/>
+          </a:prstGeom>
+          <a:ln w="12700">
+            <a:miter lim="400000"/>
+          </a:ln>
+          <a:extLst>
+            <a:ext uri="{C572A759-6A51-4108-AA02-DFA0A04FC94B}">
+              <ma14:wrappingTextBoxFlag xmlns:ma14="http://schemas.microsoft.com/office/mac/drawingml/2011/main" val="1"/>
+            </a:ext>
+          </a:extLst>
+        </p:spPr>
+        <p:txBody>
+          <a:bodyPr lIns="0" tIns="0" rIns="0" bIns="0">
+            <a:spAutoFit/>
+          </a:bodyPr>
+          <a:lstStyle>
+            <a:lvl1pPr>
+              <a:defRPr sz="2400"/>
+            </a:lvl1pPr>
+          </a:lstStyle>
+          <a:p>
+            <a:pPr/>
+            <a:r>
+              <a:t>P(Q|⍵)</a:t>
+            </a:r>
+          </a:p>
+        </p:txBody>
+      </p:sp>
+    </p:spTree>
+  </p:cSld>
+  <p:clrMapOvr>
+    <a:masterClrMapping/>
+  </p:clrMapOvr>
+  <p:transition xmlns:p14="http://schemas.microsoft.com/office/powerpoint/2010/main" spd="med" advClick="1"/>
+</p:sld>
+</file>
+
+<file path=ppt/slides/slide15.xml><?xml version="1.0" encoding="utf-8"?>
+<p:sld xmlns:a="http://schemas.openxmlformats.org/drawingml/2006/main" xmlns:r="http://schemas.openxmlformats.org/officeDocument/2006/relationships" xmlns:p="http://schemas.openxmlformats.org/presentationml/2006/main" xmlns:m="http://schemas.openxmlformats.org/officeDocument/2006/math" xmlns:a14="http://schemas.microsoft.com/office/drawing/2010/main" showMasterSp="1" showMasterPhAnim="1">
+  <p:cSld>
+    <p:spTree>
+      <p:nvGrpSpPr>
+        <p:cNvPr id="1" name=""/>
+        <p:cNvGrpSpPr/>
+        <p:nvPr/>
+      </p:nvGrpSpPr>
+      <p:grpSpPr>
+        <a:xfrm>
+          <a:off x="0" y="0"/>
+          <a:ext cx="0" cy="0"/>
+          <a:chOff x="0" y="0"/>
+          <a:chExt cx="0" cy="0"/>
+        </a:xfrm>
+      </p:grpSpPr>
+      <p:sp>
+        <p:nvSpPr>
+          <p:cNvPr id="383" name="Title 4"/>
+          <p:cNvSpPr txBox="1"/>
+          <p:nvPr>
+            <p:ph type="title"/>
+          </p:nvPr>
+        </p:nvSpPr>
+        <p:spPr>
+          <a:xfrm>
+            <a:off x="1774725" y="426125"/>
+            <a:ext cx="9312376" cy="972718"/>
+          </a:xfrm>
+          <a:prstGeom prst="rect">
+            <a:avLst/>
+          </a:prstGeom>
+        </p:spPr>
+        <p:txBody>
+          <a:bodyPr/>
+          <a:lstStyle/>
+          <a:p>
+            <a:pPr/>
+            <a:r>
+              <a:t>Popular component: Isotropic_sqw</a:t>
+            </a:r>
+          </a:p>
+        </p:txBody>
+      </p:sp>
+      <p:sp>
+        <p:nvSpPr>
+          <p:cNvPr id="384" name="Content Placeholder 5"/>
+          <p:cNvSpPr txBox="1"/>
+          <p:nvPr>
+            <p:ph type="body" idx="1"/>
+          </p:nvPr>
+        </p:nvSpPr>
+        <p:spPr>
+          <a:xfrm>
+            <a:off x="1774799" y="1706398"/>
+            <a:ext cx="9312376" cy="4545581"/>
+          </a:xfrm>
+          <a:prstGeom prst="rect">
+            <a:avLst/>
+          </a:prstGeom>
+        </p:spPr>
+        <p:txBody>
+          <a:bodyPr/>
+          <a:lstStyle/>
+          <a:p>
+            <a:pPr/>
+            <a:r>
+              <a:t>Rb liquid in time of flight</a:t>
+            </a:r>
+          </a:p>
+          <a:p>
+            <a:pPr/>
+            <a:r>
+              <a:t>Coherent and incoherent</a:t>
+            </a:r>
+          </a:p>
+        </p:txBody>
+      </p:sp>
+      <p:sp>
+        <p:nvSpPr>
+          <p:cNvPr id="385" name="Slide Number Placeholder 3"/>
+          <p:cNvSpPr txBox="1"/>
+          <p:nvPr>
+            <p:ph type="sldNum" sz="quarter" idx="2"/>
+          </p:nvPr>
+        </p:nvSpPr>
+        <p:spPr>
+          <a:prstGeom prst="rect">
+            <a:avLst/>
+          </a:prstGeom>
+          <a:extLst>
+            <a:ext uri="{C572A759-6A51-4108-AA02-DFA0A04FC94B}">
+              <ma14:wrappingTextBoxFlag xmlns:ma14="http://schemas.microsoft.com/office/mac/drawingml/2011/main" val="1"/>
+            </a:ext>
+          </a:extLst>
+        </p:spPr>
+        <p:txBody>
+          <a:bodyPr/>
+          <a:lstStyle/>
+          <a:p>
+            <a:pPr/>
+            <a:fld id="{86CB4B4D-7CA3-9044-876B-883B54F8677D}" type="slidenum"/>
+          </a:p>
+        </p:txBody>
+      </p:sp>
+      <p:pic>
+        <p:nvPicPr>
+          <p:cNvPr id="386" name="Picture 2" descr="Picture 2"/>
+          <p:cNvPicPr>
+            <a:picLocks noChangeAspect="1"/>
+          </p:cNvPicPr>
+          <p:nvPr/>
+        </p:nvPicPr>
+        <p:blipFill>
+          <a:blip r:embed="rId2">
+            <a:extLst/>
+          </a:blip>
+          <a:stretch>
+            <a:fillRect/>
+          </a:stretch>
+        </p:blipFill>
+        <p:spPr>
+          <a:xfrm>
+            <a:off x="4962052" y="1706397"/>
+            <a:ext cx="7071450" cy="4660112"/>
+          </a:xfrm>
+          <a:prstGeom prst="rect">
+            <a:avLst/>
+          </a:prstGeom>
+          <a:ln w="12700">
+            <a:miter lim="400000"/>
+          </a:ln>
+        </p:spPr>
+      </p:pic>
+    </p:spTree>
+  </p:cSld>
+  <p:clrMapOvr>
+    <a:masterClrMapping/>
+  </p:clrMapOvr>
+  <p:transition xmlns:p14="http://schemas.microsoft.com/office/powerpoint/2010/main" spd="med" advClick="1"/>
+</p:sld>
+</file>
+
+<file path=ppt/slides/slide16.xml><?xml version="1.0" encoding="utf-8"?>
+<p:sld xmlns:a="http://schemas.openxmlformats.org/drawingml/2006/main" xmlns:r="http://schemas.openxmlformats.org/officeDocument/2006/relationships" xmlns:p="http://schemas.openxmlformats.org/presentationml/2006/main" xmlns:m="http://schemas.openxmlformats.org/officeDocument/2006/math" xmlns:a14="http://schemas.microsoft.com/office/drawing/2010/main" showMasterSp="1" showMasterPhAnim="1">
+  <p:cSld>
+    <p:spTree>
+      <p:nvGrpSpPr>
+        <p:cNvPr id="1" name=""/>
+        <p:cNvGrpSpPr/>
+        <p:nvPr/>
+      </p:nvGrpSpPr>
+      <p:grpSpPr>
+        <a:xfrm>
+          <a:off x="0" y="0"/>
+          <a:ext cx="0" cy="0"/>
+          <a:chOff x="0" y="0"/>
+          <a:chExt cx="0" cy="0"/>
+        </a:xfrm>
+      </p:grpSpPr>
+      <p:sp>
+        <p:nvSpPr>
+          <p:cNvPr id="388" name="Title 4"/>
+          <p:cNvSpPr txBox="1"/>
+          <p:nvPr>
+            <p:ph type="title"/>
+          </p:nvPr>
+        </p:nvSpPr>
+        <p:spPr>
+          <a:xfrm>
+            <a:off x="1774725" y="426125"/>
+            <a:ext cx="9312376" cy="972718"/>
+          </a:xfrm>
+          <a:prstGeom prst="rect">
+            <a:avLst/>
+          </a:prstGeom>
+        </p:spPr>
+        <p:txBody>
+          <a:bodyPr/>
+          <a:lstStyle/>
+          <a:p>
+            <a:pPr/>
+            <a:r>
+              <a:t>Inelastic scattering in McStas</a:t>
+            </a:r>
+          </a:p>
+        </p:txBody>
+      </p:sp>
+      <p:sp>
+        <p:nvSpPr>
+          <p:cNvPr id="389" name="Content Placeholder 5"/>
+          <p:cNvSpPr txBox="1"/>
+          <p:nvPr>
+            <p:ph type="body" idx="1"/>
+          </p:nvPr>
+        </p:nvSpPr>
+        <p:spPr>
+          <a:xfrm>
+            <a:off x="1774799" y="1706398"/>
+            <a:ext cx="9312376" cy="4545581"/>
+          </a:xfrm>
+          <a:prstGeom prst="rect">
+            <a:avLst/>
+          </a:prstGeom>
+        </p:spPr>
+        <p:txBody>
+          <a:bodyPr/>
+          <a:lstStyle/>
+          <a:p>
+            <a:pPr/>
+            <a:r>
+              <a:t>Monte carlo sampling issues</a:t>
+            </a:r>
+          </a:p>
+          <a:p>
+            <a:pPr/>
+            <a:r>
+              <a:t>Need to sum over large amount of possible final states to find cross section</a:t>
+            </a:r>
+          </a:p>
+          <a:p>
+            <a:pPr/>
+            <a:r>
+              <a:t>Need large amount of rays to sample all the options</a:t>
+            </a:r>
+          </a:p>
+        </p:txBody>
+      </p:sp>
+      <p:sp>
+        <p:nvSpPr>
+          <p:cNvPr id="390" name="Slide Number Placeholder 3"/>
+          <p:cNvSpPr txBox="1"/>
+          <p:nvPr>
+            <p:ph type="sldNum" sz="quarter" idx="2"/>
+          </p:nvPr>
+        </p:nvSpPr>
+        <p:spPr>
+          <a:prstGeom prst="rect">
+            <a:avLst/>
+          </a:prstGeom>
+          <a:extLst>
+            <a:ext uri="{C572A759-6A51-4108-AA02-DFA0A04FC94B}">
+              <ma14:wrappingTextBoxFlag xmlns:ma14="http://schemas.microsoft.com/office/mac/drawingml/2011/main" val="1"/>
+            </a:ext>
+          </a:extLst>
+        </p:spPr>
+        <p:txBody>
+          <a:bodyPr/>
+          <a:lstStyle/>
+          <a:p>
+            <a:pPr/>
+            <a:fld id="{86CB4B4D-7CA3-9044-876B-883B54F8677D}" type="slidenum"/>
+          </a:p>
+        </p:txBody>
+      </p:sp>
+      <p:sp>
+        <p:nvSpPr>
+          <p:cNvPr id="391" name="Straight Arrow Connector 2"/>
+          <p:cNvSpPr/>
+          <p:nvPr/>
+        </p:nvSpPr>
+        <p:spPr>
+          <a:xfrm flipV="1">
+            <a:off x="2509786" y="4857750"/>
+            <a:ext cx="5669282" cy="1120141"/>
+          </a:xfrm>
+          <a:prstGeom prst="line">
+            <a:avLst/>
+          </a:prstGeom>
+          <a:ln w="50800">
+            <a:solidFill>
+              <a:schemeClr val="accent1"/>
+            </a:solidFill>
+            <a:tailEnd type="triangle"/>
+          </a:ln>
+          <a:effectLst>
+            <a:outerShdw sx="100000" sy="100000" kx="0" ky="0" algn="b" rotWithShape="0" blurRad="38100" dist="20000" dir="5400000">
+              <a:srgbClr val="000000">
+                <a:alpha val="38000"/>
+              </a:srgbClr>
+            </a:outerShdw>
+          </a:effectLst>
+        </p:spPr>
+        <p:txBody>
+          <a:bodyPr lIns="45719" rIns="45719"/>
+          <a:lstStyle/>
+          <a:p>
+            <a:pPr/>
+          </a:p>
+        </p:txBody>
+      </p:sp>
+      <p:sp>
+        <p:nvSpPr>
+          <p:cNvPr id="392" name="Straight Arrow Connector 7"/>
+          <p:cNvSpPr/>
+          <p:nvPr/>
+        </p:nvSpPr>
+        <p:spPr>
+          <a:xfrm flipH="1" flipV="1">
+            <a:off x="1774724" y="4229099"/>
+            <a:ext cx="2624824" cy="1924052"/>
+          </a:xfrm>
+          <a:prstGeom prst="line">
+            <a:avLst/>
+          </a:prstGeom>
+          <a:ln w="50800">
+            <a:solidFill>
+              <a:schemeClr val="accent1"/>
+            </a:solidFill>
+            <a:tailEnd type="triangle"/>
+          </a:ln>
+          <a:effectLst>
+            <a:outerShdw sx="100000" sy="100000" kx="0" ky="0" algn="b" rotWithShape="0" blurRad="38100" dist="20000" dir="5400000">
+              <a:srgbClr val="000000">
+                <a:alpha val="38000"/>
+              </a:srgbClr>
+            </a:outerShdw>
+          </a:effectLst>
+        </p:spPr>
+        <p:txBody>
+          <a:bodyPr lIns="45719" rIns="45719"/>
+          <a:lstStyle/>
+          <a:p>
+            <a:pPr/>
+          </a:p>
+        </p:txBody>
+      </p:sp>
+      <p:sp>
+        <p:nvSpPr>
+          <p:cNvPr id="393" name="Straight Arrow Connector 9"/>
+          <p:cNvSpPr/>
+          <p:nvPr/>
+        </p:nvSpPr>
+        <p:spPr>
+          <a:xfrm flipV="1">
+            <a:off x="3786137" y="2948939"/>
+            <a:ext cx="1" cy="3379472"/>
+          </a:xfrm>
+          <a:prstGeom prst="line">
+            <a:avLst/>
+          </a:prstGeom>
+          <a:ln w="50800">
+            <a:solidFill>
+              <a:schemeClr val="accent1"/>
+            </a:solidFill>
+            <a:tailEnd type="triangle"/>
+          </a:ln>
+          <a:effectLst>
+            <a:outerShdw sx="100000" sy="100000" kx="0" ky="0" algn="b" rotWithShape="0" blurRad="38100" dist="20000" dir="5400000">
+              <a:srgbClr val="000000">
+                <a:alpha val="38000"/>
+              </a:srgbClr>
+            </a:outerShdw>
+          </a:effectLst>
+        </p:spPr>
+        <p:txBody>
+          <a:bodyPr lIns="45719" rIns="45719"/>
+          <a:lstStyle/>
+          <a:p>
+            <a:pPr/>
+          </a:p>
+        </p:txBody>
+      </p:sp>
+      <p:sp>
+        <p:nvSpPr>
+          <p:cNvPr id="394" name="Straight Connector 15"/>
+          <p:cNvSpPr/>
+          <p:nvPr/>
+        </p:nvSpPr>
+        <p:spPr>
+          <a:xfrm>
+            <a:off x="4297679" y="4057650"/>
+            <a:ext cx="502920" cy="240031"/>
+          </a:xfrm>
+          <a:prstGeom prst="line">
+            <a:avLst/>
+          </a:prstGeom>
+          <a:ln w="25400">
+            <a:solidFill>
+              <a:schemeClr val="accent1"/>
+            </a:solidFill>
+          </a:ln>
+          <a:effectLst>
+            <a:outerShdw sx="100000" sy="100000" kx="0" ky="0" algn="b" rotWithShape="0" blurRad="38100" dist="20000" dir="5400000">
+              <a:srgbClr val="000000">
+                <a:alpha val="38000"/>
+              </a:srgbClr>
+            </a:outerShdw>
+          </a:effectLst>
+        </p:spPr>
+        <p:txBody>
+          <a:bodyPr lIns="45719" rIns="45719"/>
+          <a:lstStyle/>
+          <a:p>
+            <a:pPr/>
+          </a:p>
+        </p:txBody>
+      </p:sp>
+      <p:sp>
+        <p:nvSpPr>
+          <p:cNvPr id="395" name="Straight Connector 20"/>
+          <p:cNvSpPr/>
+          <p:nvPr/>
+        </p:nvSpPr>
+        <p:spPr>
+          <a:xfrm>
+            <a:off x="4791009" y="4060847"/>
+            <a:ext cx="1" cy="234200"/>
+          </a:xfrm>
+          <a:prstGeom prst="line">
+            <a:avLst/>
+          </a:prstGeom>
+          <a:ln w="25400">
+            <a:solidFill>
+              <a:schemeClr val="accent1"/>
+            </a:solidFill>
+          </a:ln>
+          <a:effectLst>
+            <a:outerShdw sx="100000" sy="100000" kx="0" ky="0" algn="b" rotWithShape="0" blurRad="38100" dist="20000" dir="5400000">
+              <a:srgbClr val="000000">
+                <a:alpha val="38000"/>
+              </a:srgbClr>
+            </a:outerShdw>
+          </a:effectLst>
+        </p:spPr>
+        <p:txBody>
+          <a:bodyPr lIns="45719" rIns="45719"/>
+          <a:lstStyle/>
+          <a:p>
+            <a:pPr/>
+          </a:p>
+        </p:txBody>
+      </p:sp>
+      <p:sp>
+        <p:nvSpPr>
+          <p:cNvPr id="396" name="Straight Connector 22"/>
+          <p:cNvSpPr/>
+          <p:nvPr/>
+        </p:nvSpPr>
+        <p:spPr>
+          <a:xfrm>
+            <a:off x="4307165" y="3839174"/>
+            <a:ext cx="1" cy="234200"/>
+          </a:xfrm>
+          <a:prstGeom prst="line">
+            <a:avLst/>
+          </a:prstGeom>
+          <a:ln w="25400">
+            <a:solidFill>
+              <a:schemeClr val="accent1"/>
+            </a:solidFill>
+          </a:ln>
+          <a:effectLst>
+            <a:outerShdw sx="100000" sy="100000" kx="0" ky="0" algn="b" rotWithShape="0" blurRad="38100" dist="20000" dir="5400000">
+              <a:srgbClr val="000000">
+                <a:alpha val="38000"/>
+              </a:srgbClr>
+            </a:outerShdw>
+          </a:effectLst>
+        </p:spPr>
+        <p:txBody>
+          <a:bodyPr lIns="45719" rIns="45719"/>
+          <a:lstStyle/>
+          <a:p>
+            <a:pPr/>
+          </a:p>
+        </p:txBody>
+      </p:sp>
+      <p:sp>
+        <p:nvSpPr>
+          <p:cNvPr id="397" name="Straight Connector 23"/>
+          <p:cNvSpPr/>
+          <p:nvPr/>
+        </p:nvSpPr>
+        <p:spPr>
+          <a:xfrm>
+            <a:off x="4959395" y="4026870"/>
+            <a:ext cx="1" cy="234200"/>
+          </a:xfrm>
+          <a:prstGeom prst="line">
+            <a:avLst/>
+          </a:prstGeom>
+          <a:ln w="25400">
+            <a:solidFill>
+              <a:schemeClr val="accent1"/>
+            </a:solidFill>
+          </a:ln>
+          <a:effectLst>
+            <a:outerShdw sx="100000" sy="100000" kx="0" ky="0" algn="b" rotWithShape="0" blurRad="38100" dist="20000" dir="5400000">
+              <a:srgbClr val="000000">
+                <a:alpha val="38000"/>
+              </a:srgbClr>
+            </a:outerShdw>
+          </a:effectLst>
+        </p:spPr>
+        <p:txBody>
+          <a:bodyPr lIns="45719" rIns="45719"/>
+          <a:lstStyle/>
+          <a:p>
+            <a:pPr/>
+          </a:p>
+        </p:txBody>
+      </p:sp>
+      <p:sp>
+        <p:nvSpPr>
+          <p:cNvPr id="398" name="Straight Connector 24"/>
+          <p:cNvSpPr/>
+          <p:nvPr/>
+        </p:nvSpPr>
+        <p:spPr>
+          <a:xfrm>
+            <a:off x="4465960" y="3792411"/>
+            <a:ext cx="1" cy="234200"/>
+          </a:xfrm>
+          <a:prstGeom prst="line">
+            <a:avLst/>
+          </a:prstGeom>
+          <a:ln w="25400">
+            <a:solidFill>
+              <a:schemeClr val="accent1"/>
+            </a:solidFill>
+          </a:ln>
+          <a:effectLst>
+            <a:outerShdw sx="100000" sy="100000" kx="0" ky="0" algn="b" rotWithShape="0" blurRad="38100" dist="20000" dir="5400000">
+              <a:srgbClr val="000000">
+                <a:alpha val="38000"/>
+              </a:srgbClr>
+            </a:outerShdw>
+          </a:effectLst>
+        </p:spPr>
+        <p:txBody>
+          <a:bodyPr lIns="45719" rIns="45719"/>
+          <a:lstStyle/>
+          <a:p>
+            <a:pPr/>
+          </a:p>
+        </p:txBody>
+      </p:sp>
+      <p:sp>
+        <p:nvSpPr>
+          <p:cNvPr id="399" name="Straight Connector 25"/>
+          <p:cNvSpPr/>
+          <p:nvPr/>
+        </p:nvSpPr>
+        <p:spPr>
+          <a:xfrm>
+            <a:off x="4296614" y="3835977"/>
+            <a:ext cx="502920" cy="240031"/>
+          </a:xfrm>
+          <a:prstGeom prst="line">
+            <a:avLst/>
+          </a:prstGeom>
+          <a:ln w="25400">
+            <a:solidFill>
+              <a:schemeClr val="accent1"/>
+            </a:solidFill>
+          </a:ln>
+          <a:effectLst>
+            <a:outerShdw sx="100000" sy="100000" kx="0" ky="0" algn="b" rotWithShape="0" blurRad="38100" dist="20000" dir="5400000">
+              <a:srgbClr val="000000">
+                <a:alpha val="38000"/>
+              </a:srgbClr>
+            </a:outerShdw>
+          </a:effectLst>
+        </p:spPr>
+        <p:txBody>
+          <a:bodyPr lIns="45719" rIns="45719"/>
+          <a:lstStyle/>
+          <a:p>
+            <a:pPr/>
+          </a:p>
+        </p:txBody>
+      </p:sp>
+      <p:sp>
+        <p:nvSpPr>
+          <p:cNvPr id="400" name="Straight Connector 26"/>
+          <p:cNvSpPr/>
+          <p:nvPr/>
+        </p:nvSpPr>
+        <p:spPr>
+          <a:xfrm>
+            <a:off x="4455409" y="3796545"/>
+            <a:ext cx="502920" cy="240031"/>
+          </a:xfrm>
+          <a:prstGeom prst="line">
+            <a:avLst/>
+          </a:prstGeom>
+          <a:ln w="25400">
+            <a:solidFill>
+              <a:schemeClr val="accent1"/>
+            </a:solidFill>
+          </a:ln>
+          <a:effectLst>
+            <a:outerShdw sx="100000" sy="100000" kx="0" ky="0" algn="b" rotWithShape="0" blurRad="38100" dist="20000" dir="5400000">
+              <a:srgbClr val="000000">
+                <a:alpha val="38000"/>
+              </a:srgbClr>
+            </a:outerShdw>
+          </a:effectLst>
+        </p:spPr>
+        <p:txBody>
+          <a:bodyPr lIns="45719" rIns="45719"/>
+          <a:lstStyle/>
+          <a:p>
+            <a:pPr/>
+          </a:p>
+        </p:txBody>
+      </p:sp>
+      <p:sp>
+        <p:nvSpPr>
+          <p:cNvPr id="401" name="Straight Connector 27"/>
+          <p:cNvSpPr/>
+          <p:nvPr/>
+        </p:nvSpPr>
+        <p:spPr>
+          <a:xfrm>
+            <a:off x="4460738" y="4012889"/>
+            <a:ext cx="502920" cy="240031"/>
+          </a:xfrm>
+          <a:prstGeom prst="line">
+            <a:avLst/>
+          </a:prstGeom>
+          <a:ln w="25400">
+            <a:solidFill>
+              <a:schemeClr val="accent1"/>
+            </a:solidFill>
+          </a:ln>
+          <a:effectLst>
+            <a:outerShdw sx="100000" sy="100000" kx="0" ky="0" algn="b" rotWithShape="0" blurRad="38100" dist="20000" dir="5400000">
+              <a:srgbClr val="000000">
+                <a:alpha val="38000"/>
+              </a:srgbClr>
+            </a:outerShdw>
+          </a:effectLst>
+        </p:spPr>
+        <p:txBody>
+          <a:bodyPr lIns="45719" rIns="45719"/>
+          <a:lstStyle/>
+          <a:p>
+            <a:pPr/>
+          </a:p>
+        </p:txBody>
+      </p:sp>
+      <p:sp>
+        <p:nvSpPr>
+          <p:cNvPr id="402" name="Straight Connector 30"/>
+          <p:cNvSpPr/>
+          <p:nvPr/>
+        </p:nvSpPr>
+        <p:spPr>
+          <a:xfrm flipH="1">
+            <a:off x="4782217" y="4252280"/>
+            <a:ext cx="183040" cy="44750"/>
+          </a:xfrm>
+          <a:prstGeom prst="line">
+            <a:avLst/>
+          </a:prstGeom>
+          <a:ln w="25400">
+            <a:solidFill>
+              <a:schemeClr val="accent1"/>
+            </a:solidFill>
+          </a:ln>
+          <a:effectLst>
+            <a:outerShdw sx="100000" sy="100000" kx="0" ky="0" algn="b" rotWithShape="0" blurRad="38100" dist="20000" dir="5400000">
+              <a:srgbClr val="000000">
+                <a:alpha val="38000"/>
+              </a:srgbClr>
+            </a:outerShdw>
+          </a:effectLst>
+        </p:spPr>
+        <p:txBody>
+          <a:bodyPr lIns="45719" rIns="45719"/>
+          <a:lstStyle/>
+          <a:p>
+            <a:pPr/>
+          </a:p>
+        </p:txBody>
+      </p:sp>
+      <p:sp>
+        <p:nvSpPr>
+          <p:cNvPr id="403" name="Straight Connector 34"/>
+          <p:cNvSpPr/>
+          <p:nvPr/>
+        </p:nvSpPr>
+        <p:spPr>
+          <a:xfrm flipH="1">
+            <a:off x="4785948" y="4033917"/>
+            <a:ext cx="183040" cy="44750"/>
+          </a:xfrm>
+          <a:prstGeom prst="line">
+            <a:avLst/>
+          </a:prstGeom>
+          <a:ln w="25400">
+            <a:solidFill>
+              <a:schemeClr val="accent1"/>
+            </a:solidFill>
+          </a:ln>
+          <a:effectLst>
+            <a:outerShdw sx="100000" sy="100000" kx="0" ky="0" algn="b" rotWithShape="0" blurRad="38100" dist="20000" dir="5400000">
+              <a:srgbClr val="000000">
+                <a:alpha val="38000"/>
+              </a:srgbClr>
+            </a:outerShdw>
+          </a:effectLst>
+        </p:spPr>
+        <p:txBody>
+          <a:bodyPr lIns="45719" rIns="45719"/>
+          <a:lstStyle/>
+          <a:p>
+            <a:pPr/>
+          </a:p>
+        </p:txBody>
+      </p:sp>
+      <p:sp>
+        <p:nvSpPr>
+          <p:cNvPr id="404" name="Straight Connector 35"/>
+          <p:cNvSpPr/>
+          <p:nvPr/>
+        </p:nvSpPr>
+        <p:spPr>
+          <a:xfrm flipH="1">
+            <a:off x="4295710" y="3799456"/>
+            <a:ext cx="183040" cy="44750"/>
+          </a:xfrm>
+          <a:prstGeom prst="line">
+            <a:avLst/>
+          </a:prstGeom>
+          <a:ln w="25400">
+            <a:solidFill>
+              <a:schemeClr val="accent1"/>
+            </a:solidFill>
+          </a:ln>
+          <a:effectLst>
+            <a:outerShdw sx="100000" sy="100000" kx="0" ky="0" algn="b" rotWithShape="0" blurRad="38100" dist="20000" dir="5400000">
+              <a:srgbClr val="000000">
+                <a:alpha val="38000"/>
+              </a:srgbClr>
+            </a:outerShdw>
+          </a:effectLst>
+        </p:spPr>
+        <p:txBody>
+          <a:bodyPr lIns="45719" rIns="45719"/>
+          <a:lstStyle/>
+          <a:p>
+            <a:pPr/>
+          </a:p>
+        </p:txBody>
+      </p:sp>
+      <p:sp>
+        <p:nvSpPr>
+          <p:cNvPr id="405" name="Straight Connector 36"/>
+          <p:cNvSpPr/>
+          <p:nvPr/>
+        </p:nvSpPr>
+        <p:spPr>
+          <a:xfrm flipH="1">
+            <a:off x="4301039" y="4012603"/>
+            <a:ext cx="183040" cy="44750"/>
+          </a:xfrm>
+          <a:prstGeom prst="line">
+            <a:avLst/>
+          </a:prstGeom>
+          <a:ln w="25400">
+            <a:solidFill>
+              <a:schemeClr val="accent1"/>
+            </a:solidFill>
+          </a:ln>
+          <a:effectLst>
+            <a:outerShdw sx="100000" sy="100000" kx="0" ky="0" algn="b" rotWithShape="0" blurRad="38100" dist="20000" dir="5400000">
+              <a:srgbClr val="000000">
+                <a:alpha val="38000"/>
+              </a:srgbClr>
+            </a:outerShdw>
+          </a:effectLst>
+        </p:spPr>
+        <p:txBody>
+          <a:bodyPr lIns="45719" rIns="45719"/>
+          <a:lstStyle/>
+          <a:p>
+            <a:pPr/>
+          </a:p>
+        </p:txBody>
+      </p:sp>
+      <p:sp>
+        <p:nvSpPr>
+          <p:cNvPr id="406" name="TextBox 37"/>
+          <p:cNvSpPr txBox="1"/>
+          <p:nvPr/>
+        </p:nvSpPr>
+        <p:spPr>
+          <a:xfrm>
+            <a:off x="8241278" y="4528758"/>
+            <a:ext cx="672778" cy="491727"/>
+          </a:xfrm>
+          <a:prstGeom prst="rect">
+            <a:avLst/>
+          </a:prstGeom>
+          <a:ln w="12700">
+            <a:miter lim="400000"/>
+          </a:ln>
+          <a:extLst>
+            <a:ext uri="{C572A759-6A51-4108-AA02-DFA0A04FC94B}">
+              <ma14:wrappingTextBoxFlag xmlns:ma14="http://schemas.microsoft.com/office/mac/drawingml/2011/main" val="1"/>
+            </a:ext>
+          </a:extLst>
+        </p:spPr>
+        <p:txBody>
+          <a:bodyPr lIns="0" tIns="0" rIns="0" bIns="0">
+            <a:spAutoFit/>
+          </a:bodyPr>
+          <a:lstStyle/>
+          <a:p>
+            <a:pPr>
+              <a:defRPr sz="3000"/>
+            </a:pPr>
+            <a:r>
+              <a:t>q</a:t>
+            </a:r>
+            <a:r>
+              <a:rPr baseline="-25000"/>
+              <a:t>z</a:t>
+            </a:r>
+          </a:p>
+        </p:txBody>
+      </p:sp>
+      <p:sp>
+        <p:nvSpPr>
+          <p:cNvPr id="407" name="TextBox 38"/>
+          <p:cNvSpPr txBox="1"/>
+          <p:nvPr/>
+        </p:nvSpPr>
+        <p:spPr>
+          <a:xfrm>
+            <a:off x="1837009" y="3595461"/>
+            <a:ext cx="672778" cy="491727"/>
+          </a:xfrm>
+          <a:prstGeom prst="rect">
+            <a:avLst/>
+          </a:prstGeom>
+          <a:ln w="12700">
+            <a:miter lim="400000"/>
+          </a:ln>
+          <a:extLst>
+            <a:ext uri="{C572A759-6A51-4108-AA02-DFA0A04FC94B}">
+              <ma14:wrappingTextBoxFlag xmlns:ma14="http://schemas.microsoft.com/office/mac/drawingml/2011/main" val="1"/>
+            </a:ext>
+          </a:extLst>
+        </p:spPr>
+        <p:txBody>
+          <a:bodyPr lIns="0" tIns="0" rIns="0" bIns="0">
+            <a:spAutoFit/>
+          </a:bodyPr>
+          <a:lstStyle/>
+          <a:p>
+            <a:pPr>
+              <a:defRPr sz="3000"/>
+            </a:pPr>
+            <a:r>
+              <a:t>q</a:t>
+            </a:r>
+            <a:r>
+              <a:rPr baseline="-25000"/>
+              <a:t>x</a:t>
+            </a:r>
+          </a:p>
+        </p:txBody>
+      </p:sp>
+      <p:sp>
+        <p:nvSpPr>
+          <p:cNvPr id="408" name="TextBox 39"/>
+          <p:cNvSpPr txBox="1"/>
+          <p:nvPr/>
+        </p:nvSpPr>
+        <p:spPr>
+          <a:xfrm>
+            <a:off x="3269569" y="2641385"/>
+            <a:ext cx="672778" cy="491726"/>
+          </a:xfrm>
+          <a:prstGeom prst="rect">
+            <a:avLst/>
+          </a:prstGeom>
+          <a:ln w="12700">
+            <a:miter lim="400000"/>
+          </a:ln>
+          <a:extLst>
+            <a:ext uri="{C572A759-6A51-4108-AA02-DFA0A04FC94B}">
+              <ma14:wrappingTextBoxFlag xmlns:ma14="http://schemas.microsoft.com/office/mac/drawingml/2011/main" val="1"/>
+            </a:ext>
+          </a:extLst>
+        </p:spPr>
+        <p:txBody>
+          <a:bodyPr lIns="0" tIns="0" rIns="0" bIns="0">
+            <a:spAutoFit/>
+          </a:bodyPr>
+          <a:lstStyle/>
+          <a:p>
+            <a:pPr>
+              <a:defRPr sz="3000"/>
+            </a:pPr>
+            <a:r>
+              <a:t>q</a:t>
+            </a:r>
+            <a:r>
+              <a:rPr baseline="-25000"/>
+              <a:t>y</a:t>
+            </a:r>
+          </a:p>
+        </p:txBody>
+      </p:sp>
+      <p:sp>
+        <p:nvSpPr>
+          <p:cNvPr id="409" name="TextBox 40"/>
+          <p:cNvSpPr txBox="1"/>
+          <p:nvPr/>
+        </p:nvSpPr>
+        <p:spPr>
+          <a:xfrm>
+            <a:off x="9223268" y="3395405"/>
+            <a:ext cx="2373479" cy="825501"/>
+          </a:xfrm>
+          <a:prstGeom prst="rect">
+            <a:avLst/>
+          </a:prstGeom>
+          <a:ln w="12700">
+            <a:miter lim="400000"/>
+          </a:ln>
+          <a:extLst>
+            <a:ext uri="{C572A759-6A51-4108-AA02-DFA0A04FC94B}">
+              <ma14:wrappingTextBoxFlag xmlns:ma14="http://schemas.microsoft.com/office/mac/drawingml/2011/main" val="1"/>
+            </a:ext>
+          </a:extLst>
+        </p:spPr>
+        <p:txBody>
+          <a:bodyPr lIns="0" tIns="0" rIns="0" bIns="0">
+            <a:spAutoFit/>
+          </a:bodyPr>
+          <a:lstStyle/>
+          <a:p>
+            <a:pPr>
+              <a:defRPr sz="3000"/>
+            </a:pPr>
+            <a:r>
+              <a:t>+</a:t>
+            </a:r>
+            <a:r>
+              <a:rPr sz="5600"/>
+              <a:t>⍵</a:t>
+            </a:r>
+          </a:p>
+        </p:txBody>
+      </p:sp>
+      <p:sp>
+        <p:nvSpPr>
+          <p:cNvPr id="410" name="TextBox 28"/>
+          <p:cNvSpPr txBox="1"/>
+          <p:nvPr/>
+        </p:nvSpPr>
+        <p:spPr>
+          <a:xfrm>
+            <a:off x="5025988" y="3617545"/>
+            <a:ext cx="672778" cy="374146"/>
+          </a:xfrm>
+          <a:prstGeom prst="rect">
+            <a:avLst/>
+          </a:prstGeom>
+          <a:ln w="12700">
+            <a:miter lim="400000"/>
+          </a:ln>
+          <a:extLst>
+            <a:ext uri="{C572A759-6A51-4108-AA02-DFA0A04FC94B}">
+              <ma14:wrappingTextBoxFlag xmlns:ma14="http://schemas.microsoft.com/office/mac/drawingml/2011/main" val="1"/>
+            </a:ext>
+          </a:extLst>
+        </p:spPr>
+        <p:txBody>
+          <a:bodyPr lIns="0" tIns="0" rIns="0" bIns="0">
+            <a:spAutoFit/>
+          </a:bodyPr>
+          <a:lstStyle/>
+          <a:p>
+            <a:pPr>
+              <a:defRPr sz="2200"/>
+            </a:pPr>
+            <a:r>
+              <a:t>dq</a:t>
+            </a:r>
+            <a:r>
+              <a:rPr baseline="-25000"/>
+              <a:t>y</a:t>
+            </a:r>
+          </a:p>
+        </p:txBody>
+      </p:sp>
+      <p:sp>
+        <p:nvSpPr>
+          <p:cNvPr id="411" name="TextBox 29"/>
+          <p:cNvSpPr txBox="1"/>
+          <p:nvPr/>
+        </p:nvSpPr>
+        <p:spPr>
+          <a:xfrm>
+            <a:off x="4131838" y="3937925"/>
+            <a:ext cx="672778" cy="374147"/>
+          </a:xfrm>
+          <a:prstGeom prst="rect">
+            <a:avLst/>
+          </a:prstGeom>
+          <a:ln w="12700">
+            <a:miter lim="400000"/>
+          </a:ln>
+          <a:extLst>
+            <a:ext uri="{C572A759-6A51-4108-AA02-DFA0A04FC94B}">
+              <ma14:wrappingTextBoxFlag xmlns:ma14="http://schemas.microsoft.com/office/mac/drawingml/2011/main" val="1"/>
+            </a:ext>
+          </a:extLst>
+        </p:spPr>
+        <p:txBody>
+          <a:bodyPr lIns="0" tIns="0" rIns="0" bIns="0">
+            <a:spAutoFit/>
+          </a:bodyPr>
+          <a:lstStyle/>
+          <a:p>
+            <a:pPr>
+              <a:defRPr sz="2200"/>
+            </a:pPr>
+            <a:r>
+              <a:t>dq</a:t>
+            </a:r>
+            <a:r>
+              <a:rPr baseline="-25000"/>
+              <a:t>x</a:t>
+            </a:r>
+          </a:p>
+        </p:txBody>
+      </p:sp>
+      <p:sp>
+        <p:nvSpPr>
+          <p:cNvPr id="412" name="TextBox 31"/>
+          <p:cNvSpPr txBox="1"/>
+          <p:nvPr/>
+        </p:nvSpPr>
+        <p:spPr>
+          <a:xfrm>
+            <a:off x="4905212" y="4088143"/>
+            <a:ext cx="672779" cy="374147"/>
+          </a:xfrm>
+          <a:prstGeom prst="rect">
+            <a:avLst/>
+          </a:prstGeom>
+          <a:ln w="12700">
+            <a:miter lim="400000"/>
+          </a:ln>
+          <a:extLst>
+            <a:ext uri="{C572A759-6A51-4108-AA02-DFA0A04FC94B}">
+              <ma14:wrappingTextBoxFlag xmlns:ma14="http://schemas.microsoft.com/office/mac/drawingml/2011/main" val="1"/>
+            </a:ext>
+          </a:extLst>
+        </p:spPr>
+        <p:txBody>
+          <a:bodyPr lIns="0" tIns="0" rIns="0" bIns="0">
+            <a:spAutoFit/>
+          </a:bodyPr>
+          <a:lstStyle/>
+          <a:p>
+            <a:pPr>
+              <a:defRPr sz="2200"/>
+            </a:pPr>
+            <a:r>
+              <a:t>dq</a:t>
+            </a:r>
+            <a:r>
+              <a:rPr baseline="-25000"/>
+              <a:t>z</a:t>
+            </a:r>
+          </a:p>
+        </p:txBody>
+      </p:sp>
+      <p:sp>
+        <p:nvSpPr>
+          <p:cNvPr id="413" name="TextBox 32"/>
+          <p:cNvSpPr txBox="1"/>
+          <p:nvPr/>
+        </p:nvSpPr>
+        <p:spPr>
+          <a:xfrm>
+            <a:off x="4292239" y="3203595"/>
+            <a:ext cx="672778" cy="355601"/>
+          </a:xfrm>
+          <a:prstGeom prst="rect">
+            <a:avLst/>
+          </a:prstGeom>
+          <a:ln w="12700">
+            <a:miter lim="400000"/>
+          </a:ln>
+          <a:extLst>
+            <a:ext uri="{C572A759-6A51-4108-AA02-DFA0A04FC94B}">
+              <ma14:wrappingTextBoxFlag xmlns:ma14="http://schemas.microsoft.com/office/mac/drawingml/2011/main" val="1"/>
+            </a:ext>
+          </a:extLst>
+        </p:spPr>
+        <p:txBody>
+          <a:bodyPr lIns="0" tIns="0" rIns="0" bIns="0">
+            <a:spAutoFit/>
+          </a:bodyPr>
+          <a:lstStyle/>
+          <a:p>
+            <a:pPr>
+              <a:defRPr sz="2200"/>
+            </a:pPr>
+            <a:r>
+              <a:t>+d</a:t>
+            </a:r>
+            <a:r>
+              <a:rPr sz="2400"/>
+              <a:t>⍵</a:t>
+            </a:r>
+          </a:p>
+        </p:txBody>
+      </p:sp>
+    </p:spTree>
+  </p:cSld>
+  <p:clrMapOvr>
+    <a:masterClrMapping/>
+  </p:clrMapOvr>
+  <p:transition xmlns:p14="http://schemas.microsoft.com/office/powerpoint/2010/main" spd="med" advClick="1"/>
+</p:sld>
+</file>
+
+<file path=ppt/slides/slide17.xml><?xml version="1.0" encoding="utf-8"?>
+<p:sld xmlns:a="http://schemas.openxmlformats.org/drawingml/2006/main" xmlns:r="http://schemas.openxmlformats.org/officeDocument/2006/relationships" xmlns:p="http://schemas.openxmlformats.org/presentationml/2006/main" xmlns:m="http://schemas.openxmlformats.org/officeDocument/2006/math" xmlns:a14="http://schemas.microsoft.com/office/drawing/2010/main" showMasterSp="1" showMasterPhAnim="1">
+  <p:cSld>
+    <p:spTree>
+      <p:nvGrpSpPr>
+        <p:cNvPr id="1" name=""/>
+        <p:cNvGrpSpPr/>
+        <p:nvPr/>
+      </p:nvGrpSpPr>
+      <p:grpSpPr>
+        <a:xfrm>
+          <a:off x="0" y="0"/>
+          <a:ext cx="0" cy="0"/>
+          <a:chOff x="0" y="0"/>
+          <a:chExt cx="0" cy="0"/>
+        </a:xfrm>
+      </p:grpSpPr>
+      <p:sp>
+        <p:nvSpPr>
+          <p:cNvPr id="415" name="Title 4"/>
+          <p:cNvSpPr txBox="1"/>
+          <p:nvPr>
+            <p:ph type="title"/>
+          </p:nvPr>
+        </p:nvSpPr>
+        <p:spPr>
+          <a:xfrm>
+            <a:off x="1774725" y="426125"/>
+            <a:ext cx="9312376" cy="972718"/>
+          </a:xfrm>
+          <a:prstGeom prst="rect">
+            <a:avLst/>
+          </a:prstGeom>
+        </p:spPr>
+        <p:txBody>
+          <a:bodyPr/>
+          <a:lstStyle/>
+          <a:p>
+            <a:pPr/>
+            <a:r>
+              <a:t>TAS</a:t>
+            </a:r>
+          </a:p>
+        </p:txBody>
+      </p:sp>
+      <p:sp>
+        <p:nvSpPr>
+          <p:cNvPr id="416" name="Content Placeholder 5"/>
+          <p:cNvSpPr txBox="1"/>
+          <p:nvPr>
+            <p:ph type="body" idx="1"/>
+          </p:nvPr>
+        </p:nvSpPr>
+        <p:spPr>
+          <a:prstGeom prst="rect">
+            <a:avLst/>
+          </a:prstGeom>
+        </p:spPr>
+        <p:txBody>
+          <a:bodyPr/>
+          <a:lstStyle/>
+          <a:p>
+            <a:pPr/>
+            <a:r>
+              <a:t>Only a small fraction of neutrons arrive, most are simulated in vain</a:t>
+            </a:r>
+          </a:p>
+        </p:txBody>
+      </p:sp>
+      <p:sp>
+        <p:nvSpPr>
+          <p:cNvPr id="417" name="Slide Number Placeholder 3"/>
+          <p:cNvSpPr txBox="1"/>
+          <p:nvPr>
+            <p:ph type="sldNum" sz="quarter" idx="2"/>
+          </p:nvPr>
+        </p:nvSpPr>
+        <p:spPr>
+          <a:prstGeom prst="rect">
+            <a:avLst/>
+          </a:prstGeom>
+          <a:extLst>
+            <a:ext uri="{C572A759-6A51-4108-AA02-DFA0A04FC94B}">
+              <ma14:wrappingTextBoxFlag xmlns:ma14="http://schemas.microsoft.com/office/mac/drawingml/2011/main" val="1"/>
+            </a:ext>
+          </a:extLst>
+        </p:spPr>
+        <p:txBody>
+          <a:bodyPr/>
+          <a:lstStyle/>
+          <a:p>
+            <a:pPr/>
+            <a:fld id="{86CB4B4D-7CA3-9044-876B-883B54F8677D}" type="slidenum"/>
+          </a:p>
+        </p:txBody>
+      </p:sp>
+      <p:pic>
+        <p:nvPicPr>
+          <p:cNvPr id="418" name="Picture 2" descr="Picture 2"/>
           <p:cNvPicPr>
             <a:picLocks noChangeAspect="1"/>
           </p:cNvPicPr>
@@ -18651,7 +20324,7 @@
 </p:sld>
 </file>
 
-<file path=ppt/slides/slide12.xml><?xml version="1.0" encoding="utf-8"?>
+<file path=ppt/slides/slide18.xml><?xml version="1.0" encoding="utf-8"?>
 <p:sld xmlns:a="http://schemas.openxmlformats.org/drawingml/2006/main" xmlns:r="http://schemas.openxmlformats.org/officeDocument/2006/relationships" xmlns:p="http://schemas.openxmlformats.org/presentationml/2006/main" xmlns:m="http://schemas.openxmlformats.org/officeDocument/2006/math" xmlns:a14="http://schemas.microsoft.com/office/drawing/2010/main" showMasterSp="1" showMasterPhAnim="1">
   <p:cSld>
     <p:spTree>
@@ -18670,7 +20343,7 @@
       </p:grpSpPr>
       <p:sp>
         <p:nvSpPr>
-          <p:cNvPr id="386" name="Title 4"/>
+          <p:cNvPr id="420" name="Title 4"/>
           <p:cNvSpPr txBox="1"/>
           <p:nvPr>
             <p:ph type="title"/>
@@ -18698,7 +20371,7 @@
       </p:sp>
       <p:sp>
         <p:nvSpPr>
-          <p:cNvPr id="387" name="Content Placeholder 5"/>
+          <p:cNvPr id="421" name="Content Placeholder 5"/>
           <p:cNvSpPr txBox="1"/>
           <p:nvPr>
             <p:ph type="body" idx="1"/>
@@ -18722,7 +20395,7 @@
       </p:sp>
       <p:sp>
         <p:nvSpPr>
-          <p:cNvPr id="388" name="Slide Number Placeholder 3"/>
+          <p:cNvPr id="422" name="Slide Number Placeholder 3"/>
           <p:cNvSpPr txBox="1"/>
           <p:nvPr>
             <p:ph type="sldNum" sz="quarter" idx="2"/>
@@ -18749,7 +20422,7 @@
       </p:sp>
       <p:pic>
         <p:nvPicPr>
-          <p:cNvPr id="389" name="Picture 3" descr="Picture 3"/>
+          <p:cNvPr id="423" name="Picture 3" descr="Picture 3"/>
           <p:cNvPicPr>
             <a:picLocks noChangeAspect="1"/>
           </p:cNvPicPr>
@@ -18785,7 +20458,7 @@
 </p:sld>
 </file>
 
-<file path=ppt/slides/slide13.xml><?xml version="1.0" encoding="utf-8"?>
+<file path=ppt/slides/slide19.xml><?xml version="1.0" encoding="utf-8"?>
 <p:sld xmlns:a="http://schemas.openxmlformats.org/drawingml/2006/main" xmlns:r="http://schemas.openxmlformats.org/officeDocument/2006/relationships" xmlns:p="http://schemas.openxmlformats.org/presentationml/2006/main" xmlns:m="http://schemas.openxmlformats.org/officeDocument/2006/math" xmlns:a14="http://schemas.microsoft.com/office/drawing/2010/main" showMasterSp="1" showMasterPhAnim="1">
   <p:cSld>
     <p:spTree>
@@ -18804,7 +20477,7 @@
       </p:grpSpPr>
       <p:sp>
         <p:nvSpPr>
-          <p:cNvPr id="391" name="Title 4"/>
+          <p:cNvPr id="425" name="Title 4"/>
           <p:cNvSpPr txBox="1"/>
           <p:nvPr>
             <p:ph type="title"/>
@@ -18832,7 +20505,7 @@
       </p:sp>
       <p:sp>
         <p:nvSpPr>
-          <p:cNvPr id="392" name="Content Placeholder 5"/>
+          <p:cNvPr id="426" name="Content Placeholder 5"/>
           <p:cNvSpPr txBox="1"/>
           <p:nvPr>
             <p:ph type="body" idx="1"/>
@@ -18872,134 +20545,7 @@
       </p:sp>
       <p:sp>
         <p:nvSpPr>
-          <p:cNvPr id="393" name="Slide Number Placeholder 3"/>
-          <p:cNvSpPr txBox="1"/>
-          <p:nvPr>
-            <p:ph type="sldNum" sz="quarter" idx="2"/>
-          </p:nvPr>
-        </p:nvSpPr>
-        <p:spPr>
-          <a:prstGeom prst="rect">
-            <a:avLst/>
-          </a:prstGeom>
-          <a:extLst>
-            <a:ext uri="{C572A759-6A51-4108-AA02-DFA0A04FC94B}">
-              <ma14:wrappingTextBoxFlag xmlns:ma14="http://schemas.microsoft.com/office/mac/drawingml/2011/main" val="1"/>
-            </a:ext>
-          </a:extLst>
-        </p:spPr>
-        <p:txBody>
-          <a:bodyPr/>
-          <a:lstStyle/>
-          <a:p>
-            <a:pPr/>
-            <a:fld id="{86CB4B4D-7CA3-9044-876B-883B54F8677D}" type="slidenum"/>
-          </a:p>
-        </p:txBody>
-      </p:sp>
-    </p:spTree>
-  </p:cSld>
-  <p:clrMapOvr>
-    <a:masterClrMapping/>
-  </p:clrMapOvr>
-  <p:transition xmlns:p14="http://schemas.microsoft.com/office/powerpoint/2010/main" spd="med" advClick="1"/>
-</p:sld>
-</file>
-
-<file path=ppt/slides/slide14.xml><?xml version="1.0" encoding="utf-8"?>
-<p:sld xmlns:a="http://schemas.openxmlformats.org/drawingml/2006/main" xmlns:r="http://schemas.openxmlformats.org/officeDocument/2006/relationships" xmlns:p="http://schemas.openxmlformats.org/presentationml/2006/main" xmlns:m="http://schemas.openxmlformats.org/officeDocument/2006/math" xmlns:a14="http://schemas.microsoft.com/office/drawing/2010/main" showMasterSp="1" showMasterPhAnim="1">
-  <p:cSld>
-    <p:spTree>
-      <p:nvGrpSpPr>
-        <p:cNvPr id="1" name=""/>
-        <p:cNvGrpSpPr/>
-        <p:nvPr/>
-      </p:nvGrpSpPr>
-      <p:grpSpPr>
-        <a:xfrm>
-          <a:off x="0" y="0"/>
-          <a:ext cx="0" cy="0"/>
-          <a:chOff x="0" y="0"/>
-          <a:chExt cx="0" cy="0"/>
-        </a:xfrm>
-      </p:grpSpPr>
-      <p:sp>
-        <p:nvSpPr>
-          <p:cNvPr id="395" name="Title 4"/>
-          <p:cNvSpPr txBox="1"/>
-          <p:nvPr>
-            <p:ph type="title"/>
-          </p:nvPr>
-        </p:nvSpPr>
-        <p:spPr>
-          <a:xfrm>
-            <a:off x="1774725" y="426125"/>
-            <a:ext cx="9312376" cy="972718"/>
-          </a:xfrm>
-          <a:prstGeom prst="rect">
-            <a:avLst/>
-          </a:prstGeom>
-        </p:spPr>
-        <p:txBody>
-          <a:bodyPr/>
-          <a:lstStyle/>
-          <a:p>
-            <a:pPr/>
-            <a:r>
-              <a:t>Exercise</a:t>
-            </a:r>
-          </a:p>
-        </p:txBody>
-      </p:sp>
-      <p:sp>
-        <p:nvSpPr>
-          <p:cNvPr id="396" name="Content Placeholder 5"/>
-          <p:cNvSpPr txBox="1"/>
-          <p:nvPr>
-            <p:ph type="body" idx="1"/>
-          </p:nvPr>
-        </p:nvSpPr>
-        <p:spPr>
-          <a:xfrm>
-            <a:off x="1774799" y="1706398"/>
-            <a:ext cx="9312376" cy="4545581"/>
-          </a:xfrm>
-          <a:prstGeom prst="rect">
-            <a:avLst/>
-          </a:prstGeom>
-        </p:spPr>
-        <p:txBody>
-          <a:bodyPr/>
-          <a:lstStyle/>
-          <a:p>
-            <a:pPr>
-              <a:defRPr sz="2200"/>
-            </a:pPr>
-            <a:r>
-              <a:t>Use provided TAS instrument to scan the phonon dispersion</a:t>
-            </a:r>
-          </a:p>
-          <a:p>
-            <a:pPr>
-              <a:defRPr sz="2200"/>
-            </a:pPr>
-            <a:r>
-              <a:t>Requires that you work in folder containing components from the zip file</a:t>
-            </a:r>
-          </a:p>
-          <a:p>
-            <a:pPr>
-              <a:defRPr sz="2200"/>
-            </a:pPr>
-            <a:r>
-              <a:t>Further explanation on github</a:t>
-            </a:r>
-          </a:p>
-        </p:txBody>
-      </p:sp>
-      <p:sp>
-        <p:nvSpPr>
-          <p:cNvPr id="397" name="Slide Number Placeholder 3"/>
+          <p:cNvPr id="427" name="Slide Number Placeholder 3"/>
           <p:cNvSpPr txBox="1"/>
           <p:nvPr>
             <p:ph type="sldNum" sz="quarter" idx="2"/>
@@ -19073,7 +20619,7 @@
           <a:p>
             <a:pPr/>
             <a:r>
-              <a:t>Inelastic scattering in McStas</a:t>
+              <a:t>Further samples in McStas</a:t>
             </a:r>
           </a:p>
         </p:txBody>
@@ -19101,13 +20647,16 @@
           <a:p>
             <a:pPr/>
             <a:r>
-              <a:t>Introduction to inelastic scattering</a:t>
+              <a:t>Models for SANS and reflectometry</a:t>
             </a:r>
+          </a:p>
+          <a:p>
+            <a:pPr/>
           </a:p>
           <a:p>
             <a:pPr/>
             <a:r>
-              <a:t>Included components</a:t>
+              <a:t>Inelastic scattering, examples:</a:t>
             </a:r>
           </a:p>
           <a:p>
@@ -19121,26 +20670,12 @@
             <a:r>
               <a:t>Isotropic_sqw</a:t>
             </a:r>
-          </a:p>
-          <a:p>
-            <a:pPr/>
-            <a:r>
-              <a:t>Sampling performnace with data approach</a:t>
-            </a:r>
-          </a:p>
-          <a:p>
-            <a:pPr/>
+            <a:br/>
           </a:p>
           <a:p>
             <a:pPr/>
             <a:r>
               <a:t>McStas performance, TAS / Chopper </a:t>
-            </a:r>
-          </a:p>
-          <a:p>
-            <a:pPr/>
-            <a:r>
-              <a:t>Exercise</a:t>
             </a:r>
           </a:p>
         </p:txBody>
@@ -19200,78 +20735,7 @@
       </p:grpSpPr>
       <p:sp>
         <p:nvSpPr>
-          <p:cNvPr id="298" name="Title 4"/>
-          <p:cNvSpPr txBox="1"/>
-          <p:nvPr>
-            <p:ph type="title"/>
-          </p:nvPr>
-        </p:nvSpPr>
-        <p:spPr>
-          <a:xfrm>
-            <a:off x="1774725" y="426125"/>
-            <a:ext cx="9312376" cy="972718"/>
-          </a:xfrm>
-          <a:prstGeom prst="rect">
-            <a:avLst/>
-          </a:prstGeom>
-        </p:spPr>
-        <p:txBody>
-          <a:bodyPr/>
-          <a:lstStyle/>
-          <a:p>
-            <a:pPr/>
-            <a:r>
-              <a:t>Inelastic scattering S(q,w)</a:t>
-            </a:r>
-          </a:p>
-        </p:txBody>
-      </p:sp>
-      <p:sp>
-        <p:nvSpPr>
-          <p:cNvPr id="299" name="Content Placeholder 5"/>
-          <p:cNvSpPr txBox="1"/>
-          <p:nvPr>
-            <p:ph type="body" idx="1"/>
-          </p:nvPr>
-        </p:nvSpPr>
-        <p:spPr>
-          <a:xfrm>
-            <a:off x="1774799" y="1706398"/>
-            <a:ext cx="9312376" cy="4545581"/>
-          </a:xfrm>
-          <a:prstGeom prst="rect">
-            <a:avLst/>
-          </a:prstGeom>
-        </p:spPr>
-        <p:txBody>
-          <a:bodyPr/>
-          <a:lstStyle/>
-          <a:p>
-            <a:pPr/>
-            <a:r>
-              <a:t>partial differential cross section</a:t>
-            </a:r>
-          </a:p>
-          <a:p>
-            <a:pPr/>
-            <a:r>
-              <a:t>Scattering function</a:t>
-            </a:r>
-          </a:p>
-          <a:p>
-            <a:pPr/>
-          </a:p>
-          <a:p>
-            <a:pPr/>
-            <a:r>
-              <a:t>Phonons, Spin waves, … </a:t>
-            </a:r>
-          </a:p>
-        </p:txBody>
-      </p:sp>
-      <p:sp>
-        <p:nvSpPr>
-          <p:cNvPr id="300" name="Slide Number Placeholder 3"/>
+          <p:cNvPr id="298" name="Slide Number"/>
           <p:cNvSpPr txBox="1"/>
           <p:nvPr>
             <p:ph type="sldNum" sz="quarter" idx="2"/>
@@ -19296,9 +20760,49 @@
           </a:p>
         </p:txBody>
       </p:sp>
+      <p:sp>
+        <p:nvSpPr>
+          <p:cNvPr id="299" name="TextShape 1"/>
+          <p:cNvSpPr txBox="1"/>
+          <p:nvPr/>
+        </p:nvSpPr>
+        <p:spPr>
+          <a:xfrm>
+            <a:off x="2730718" y="1257510"/>
+            <a:ext cx="6186268" cy="394767"/>
+          </a:xfrm>
+          <a:prstGeom prst="rect">
+            <a:avLst/>
+          </a:prstGeom>
+          <a:ln w="12700">
+            <a:miter lim="400000"/>
+          </a:ln>
+          <a:extLst>
+            <a:ext uri="{C572A759-6A51-4108-AA02-DFA0A04FC94B}">
+              <ma14:wrappingTextBoxFlag xmlns:ma14="http://schemas.microsoft.com/office/mac/drawingml/2011/main" val="1"/>
+            </a:ext>
+          </a:extLst>
+        </p:spPr>
+        <p:txBody>
+          <a:bodyPr lIns="0" tIns="0" rIns="0" bIns="0">
+            <a:spAutoFit/>
+          </a:bodyPr>
+          <a:lstStyle>
+            <a:lvl1pPr>
+              <a:defRPr spc="0" sz="2800"/>
+            </a:lvl1pPr>
+          </a:lstStyle>
+          <a:p>
+            <a:pPr/>
+            <a:r>
+              <a:t>Small angle scattering SANS</a:t>
+            </a:r>
+          </a:p>
+        </p:txBody>
+      </p:sp>
       <p:pic>
         <p:nvPicPr>
-          <p:cNvPr id="301" name="Picture 2" descr="Picture 2"/>
+          <p:cNvPr id="300" name="Picture 3" descr="Picture 3"/>
           <p:cNvPicPr>
             <a:picLocks noChangeAspect="1"/>
           </p:cNvPicPr>
@@ -19314,8 +20818,8 @@
         </p:blipFill>
         <p:spPr>
           <a:xfrm>
-            <a:off x="3115753" y="3345038"/>
-            <a:ext cx="3745649" cy="876387"/>
+            <a:off x="2174200" y="3143551"/>
+            <a:ext cx="3514273" cy="3029165"/>
           </a:xfrm>
           <a:prstGeom prst="rect">
             <a:avLst/>
@@ -19327,7 +20831,7 @@
       </p:pic>
       <p:pic>
         <p:nvPicPr>
-          <p:cNvPr id="302" name="Picture 4" descr="Picture 4"/>
+          <p:cNvPr id="301" name="Picture 4" descr="Picture 4"/>
           <p:cNvPicPr>
             <a:picLocks noChangeAspect="1"/>
           </p:cNvPicPr>
@@ -19343,8 +20847,8 @@
         </p:blipFill>
         <p:spPr>
           <a:xfrm>
-            <a:off x="3537272" y="4221424"/>
-            <a:ext cx="6359081" cy="776108"/>
+            <a:off x="6999556" y="3385170"/>
+            <a:ext cx="3099802" cy="1193672"/>
           </a:xfrm>
           <a:prstGeom prst="rect">
             <a:avLst/>
@@ -19354,6 +20858,78 @@
           </a:ln>
         </p:spPr>
       </p:pic>
+      <p:sp>
+        <p:nvSpPr>
+          <p:cNvPr id="302" name="CustomShape 2"/>
+          <p:cNvSpPr txBox="1"/>
+          <p:nvPr/>
+        </p:nvSpPr>
+        <p:spPr>
+          <a:xfrm>
+            <a:off x="3257914" y="1924223"/>
+            <a:ext cx="6403344" cy="1472779"/>
+          </a:xfrm>
+          <a:prstGeom prst="rect">
+            <a:avLst/>
+          </a:prstGeom>
+          <a:ln w="12700">
+            <a:miter lim="400000"/>
+          </a:ln>
+          <a:extLst>
+            <a:ext uri="{C572A759-6A51-4108-AA02-DFA0A04FC94B}">
+              <ma14:wrappingTextBoxFlag xmlns:ma14="http://schemas.microsoft.com/office/mac/drawingml/2011/main" val="1"/>
+            </a:ext>
+          </a:extLst>
+        </p:spPr>
+        <p:txBody>
+          <a:bodyPr lIns="23848" tIns="23848" rIns="23848" bIns="23848">
+            <a:spAutoFit/>
+          </a:bodyPr>
+          <a:lstStyle/>
+          <a:p>
+            <a:pPr marL="166890" indent="-166530">
+              <a:buClr>
+                <a:srgbClr val="000000"/>
+              </a:buClr>
+              <a:buSzPct val="171000"/>
+              <a:buFont typeface="Arial"/>
+              <a:buChar char="•"/>
+              <a:defRPr spc="0" sz="1800"/>
+            </a:pPr>
+            <a:r>
+              <a:t>SANS method can be used for many types of material</a:t>
+            </a:r>
+          </a:p>
+          <a:p>
+            <a:pPr marL="166890" indent="-166530">
+              <a:buClr>
+                <a:srgbClr val="000000"/>
+              </a:buClr>
+              <a:buSzPct val="171000"/>
+              <a:buFont typeface="Arial"/>
+              <a:buChar char="•"/>
+              <a:defRPr spc="0" sz="1800"/>
+            </a:pPr>
+            <a:r>
+              <a:t>Often: Molecule + Liquid (buffer solution)</a:t>
+            </a:r>
+          </a:p>
+          <a:p>
+            <a:pPr marL="166890" indent="-166530">
+              <a:buClr>
+                <a:srgbClr val="000000"/>
+              </a:buClr>
+              <a:buSzPct val="171000"/>
+              <a:buFont typeface="Arial"/>
+              <a:buChar char="•"/>
+              <a:defRPr spc="0" sz="1800"/>
+            </a:pPr>
+            <a:r>
+              <a:t>Isotropic scattering</a:t>
+            </a:r>
+          </a:p>
+        </p:txBody>
+      </p:sp>
     </p:spTree>
   </p:cSld>
   <p:clrMapOvr>
@@ -19382,63 +20958,7 @@
       </p:grpSpPr>
       <p:sp>
         <p:nvSpPr>
-          <p:cNvPr id="304" name="Title 4"/>
-          <p:cNvSpPr txBox="1"/>
-          <p:nvPr>
-            <p:ph type="title"/>
-          </p:nvPr>
-        </p:nvSpPr>
-        <p:spPr>
-          <a:xfrm>
-            <a:off x="1774725" y="426125"/>
-            <a:ext cx="9312376" cy="972718"/>
-          </a:xfrm>
-          <a:prstGeom prst="rect">
-            <a:avLst/>
-          </a:prstGeom>
-        </p:spPr>
-        <p:txBody>
-          <a:bodyPr/>
-          <a:lstStyle/>
-          <a:p>
-            <a:pPr/>
-            <a:r>
-              <a:t>Popular component: Phonon_simple</a:t>
-            </a:r>
-          </a:p>
-        </p:txBody>
-      </p:sp>
-      <p:sp>
-        <p:nvSpPr>
-          <p:cNvPr id="305" name="Content Placeholder 5"/>
-          <p:cNvSpPr txBox="1"/>
-          <p:nvPr>
-            <p:ph type="body" idx="1"/>
-          </p:nvPr>
-        </p:nvSpPr>
-        <p:spPr>
-          <a:xfrm>
-            <a:off x="1774799" y="1706398"/>
-            <a:ext cx="9312376" cy="4545581"/>
-          </a:xfrm>
-          <a:prstGeom prst="rect">
-            <a:avLst/>
-          </a:prstGeom>
-        </p:spPr>
-        <p:txBody>
-          <a:bodyPr/>
-          <a:lstStyle/>
-          <a:p>
-            <a:pPr/>
-            <a:r>
-              <a:t>One isotropic acustic phonon branch in all Briullion zones on FCC bravis single crystal</a:t>
-            </a:r>
-          </a:p>
-        </p:txBody>
-      </p:sp>
-      <p:sp>
-        <p:nvSpPr>
-          <p:cNvPr id="306" name="Slide Number Placeholder 3"/>
+          <p:cNvPr id="304" name="Slide Number"/>
           <p:cNvSpPr txBox="1"/>
           <p:nvPr>
             <p:ph type="sldNum" sz="quarter" idx="2"/>
@@ -19463,9 +20983,49 @@
           </a:p>
         </p:txBody>
       </p:sp>
+      <p:sp>
+        <p:nvSpPr>
+          <p:cNvPr id="305" name="TextShape 1"/>
+          <p:cNvSpPr txBox="1"/>
+          <p:nvPr/>
+        </p:nvSpPr>
+        <p:spPr>
+          <a:xfrm>
+            <a:off x="2730718" y="1257510"/>
+            <a:ext cx="6186268" cy="394767"/>
+          </a:xfrm>
+          <a:prstGeom prst="rect">
+            <a:avLst/>
+          </a:prstGeom>
+          <a:ln w="12700">
+            <a:miter lim="400000"/>
+          </a:ln>
+          <a:extLst>
+            <a:ext uri="{C572A759-6A51-4108-AA02-DFA0A04FC94B}">
+              <ma14:wrappingTextBoxFlag xmlns:ma14="http://schemas.microsoft.com/office/mac/drawingml/2011/main" val="1"/>
+            </a:ext>
+          </a:extLst>
+        </p:spPr>
+        <p:txBody>
+          <a:bodyPr lIns="0" tIns="0" rIns="0" bIns="0">
+            <a:spAutoFit/>
+          </a:bodyPr>
+          <a:lstStyle>
+            <a:lvl1pPr>
+              <a:defRPr spc="0" sz="2800"/>
+            </a:lvl1pPr>
+          </a:lstStyle>
+          <a:p>
+            <a:pPr/>
+            <a:r>
+              <a:t>SANS</a:t>
+            </a:r>
+          </a:p>
+        </p:txBody>
+      </p:sp>
       <p:pic>
         <p:nvPicPr>
-          <p:cNvPr id="307" name="Picture 6" descr="Picture 6"/>
+          <p:cNvPr id="306" name="Picture 5" descr="Picture 5"/>
           <p:cNvPicPr>
             <a:picLocks noChangeAspect="1"/>
           </p:cNvPicPr>
@@ -19475,15 +21035,14 @@
           <a:blip r:embed="rId2">
             <a:extLst/>
           </a:blip>
-          <a:srcRect l="0" t="0" r="16862" b="0"/>
           <a:stretch>
             <a:fillRect/>
           </a:stretch>
         </p:blipFill>
         <p:spPr>
           <a:xfrm>
-            <a:off x="2047243" y="2351413"/>
-            <a:ext cx="7143057" cy="1483037"/>
+            <a:off x="8162834" y="3173533"/>
+            <a:ext cx="3244876" cy="1249588"/>
           </a:xfrm>
           <a:prstGeom prst="rect">
             <a:avLst/>
@@ -19495,14 +21054,14 @@
       </p:pic>
       <p:sp>
         <p:nvSpPr>
-          <p:cNvPr id="308" name="TextBox 3"/>
+          <p:cNvPr id="307" name="TextShape 2"/>
           <p:cNvSpPr txBox="1"/>
           <p:nvPr/>
         </p:nvSpPr>
         <p:spPr>
           <a:xfrm>
-            <a:off x="8388381" y="3728920"/>
-            <a:ext cx="3201455" cy="2758441"/>
+            <a:off x="2639042" y="1509509"/>
+            <a:ext cx="4807261" cy="4817644"/>
           </a:xfrm>
           <a:prstGeom prst="rect">
             <a:avLst/>
@@ -19522,250 +21081,234 @@
           </a:bodyPr>
           <a:lstStyle/>
           <a:p>
-            <a:pPr marL="285750" indent="-285750">
-              <a:buSzPct val="100000"/>
+            <a:pPr>
+              <a:defRPr i="1" spc="0" sz="2600"/>
+            </a:pPr>
+          </a:p>
+          <a:p>
+            <a:pPr>
+              <a:defRPr spc="0" sz="1400"/>
+            </a:pPr>
+            <a:r>
+              <a:t>S</a:t>
+            </a:r>
+            <a:r>
+              <a:t>mall </a:t>
+            </a:r>
+            <a:r>
+              <a:t>A</a:t>
+            </a:r>
+            <a:r>
+              <a:t>ngle </a:t>
+            </a:r>
+            <a:r>
+              <a:t>N</a:t>
+            </a:r>
+            <a:r>
+              <a:t>eutron </a:t>
+            </a:r>
+            <a:r>
+              <a:t>S</a:t>
+            </a:r>
+            <a:r>
+              <a:t>cattering</a:t>
+            </a:r>
+            <a:endParaRPr i="1"/>
+          </a:p>
+          <a:p>
+            <a:pPr marL="166889" indent="-166530">
+              <a:buClr>
+                <a:srgbClr val="000000"/>
+              </a:buClr>
+              <a:buSzPct val="171000"/>
               <a:buFont typeface="Arial"/>
               <a:buChar char="•"/>
+              <a:defRPr spc="0" sz="1400"/>
             </a:pPr>
             <a:r>
-              <a:t>M - Atomic mass</a:t>
+              <a:t>Elastic Scattering</a:t>
             </a:r>
-          </a:p>
-          <a:p>
-            <a:pPr marL="285750" indent="-285750">
-              <a:buSzPct val="100000"/>
+            <a:endParaRPr i="1"/>
+          </a:p>
+          <a:p>
+            <a:pPr>
+              <a:defRPr i="1" spc="0" sz="1400"/>
+            </a:pPr>
+          </a:p>
+          <a:p>
+            <a:pPr marL="166889" indent="-166530">
+              <a:buClr>
+                <a:srgbClr val="000000"/>
+              </a:buClr>
+              <a:buSzPct val="171000"/>
               <a:buFont typeface="Arial"/>
               <a:buChar char="•"/>
+              <a:defRPr spc="0" sz="1400"/>
             </a:pPr>
             <a:r>
-              <a:t>b – scattering length</a:t>
+              <a:t>Small angle -&gt; small q  -&gt; big r</a:t>
             </a:r>
-          </a:p>
-          <a:p>
-            <a:pPr marL="285750" indent="-285750">
-              <a:buSzPct val="100000"/>
+            <a:endParaRPr i="1"/>
+          </a:p>
+          <a:p>
+            <a:pPr>
+              <a:defRPr i="1" spc="0" sz="1400"/>
+            </a:pPr>
+          </a:p>
+          <a:p>
+            <a:pPr marL="166889" indent="-166530">
+              <a:buClr>
+                <a:srgbClr val="000000"/>
+              </a:buClr>
+              <a:buSzPct val="171000"/>
               <a:buFont typeface="Arial"/>
               <a:buChar char="•"/>
-              <a:defRPr i="1"/>
+              <a:defRPr spc="0" sz="1400"/>
             </a:pPr>
             <a:r>
-              <a:t>n </a:t>
+              <a:t>Gain information on the molecular scale 10-100Å</a:t>
             </a:r>
-            <a:r>
-              <a:rPr i="0"/>
-              <a:t>– bose factor</a:t>
-            </a:r>
-            <a:endParaRPr i="0"/>
-          </a:p>
-          <a:p>
-            <a:pPr marL="285750" indent="-285750">
-              <a:buSzPct val="100000"/>
+            <a:endParaRPr i="1"/>
+          </a:p>
+          <a:p>
+            <a:pPr>
+              <a:defRPr i="1" spc="0" sz="1400"/>
+            </a:pPr>
+          </a:p>
+          <a:p>
+            <a:pPr>
+              <a:defRPr i="1" spc="0" sz="1400"/>
+            </a:pPr>
+          </a:p>
+          <a:p>
+            <a:pPr marL="166889" indent="-166530">
+              <a:buClr>
+                <a:srgbClr val="000000"/>
+              </a:buClr>
+              <a:buSzPct val="171000"/>
               <a:buFont typeface="Arial"/>
               <a:buChar char="•"/>
+              <a:defRPr spc="0" sz="1400"/>
             </a:pPr>
             <a:r>
-              <a:t>a – fcc lattice spacing</a:t>
+              <a:t>Low signal to noise </a:t>
             </a:r>
-          </a:p>
-          <a:p>
-            <a:pPr marL="285750" indent="-285750">
-              <a:buSzPct val="100000"/>
+            <a:endParaRPr i="1"/>
+          </a:p>
+          <a:p>
+            <a:pPr marL="166889" indent="-166530">
+              <a:buClr>
+                <a:srgbClr val="000000"/>
+              </a:buClr>
+              <a:buSzPct val="171000"/>
               <a:buFont typeface="Arial"/>
               <a:buChar char="•"/>
+              <a:defRPr spc="0" sz="1400"/>
             </a:pPr>
             <a:r>
-              <a:t>c - speed of sound</a:t>
+              <a:t>Contrast method</a:t>
             </a:r>
-          </a:p>
-          <a:p>
-            <a:pPr marL="285750" indent="-285750">
-              <a:buSzPct val="100000"/>
+            <a:endParaRPr i="1"/>
+          </a:p>
+          <a:p>
+            <a:pPr>
+              <a:defRPr i="1" spc="0" sz="1400"/>
+            </a:pPr>
+          </a:p>
+          <a:p>
+            <a:pPr marL="166889" indent="-166530">
+              <a:buClr>
+                <a:srgbClr val="000000"/>
+              </a:buClr>
+              <a:buSzPct val="171000"/>
               <a:buFont typeface="Arial"/>
               <a:buChar char="•"/>
+              <a:defRPr spc="0" sz="1400"/>
             </a:pPr>
             <a:r>
-              <a:t>𝜿 – measured q vector</a:t>
+              <a:t>Instrument requirements: good collimation, long flight distance after detector. </a:t>
             </a:r>
-          </a:p>
-          <a:p>
-            <a:pPr marL="285750" indent="-285750">
-              <a:buSzPct val="100000"/>
-              <a:buFont typeface="Arial"/>
-              <a:buChar char="•"/>
-              <a:defRPr b="1"/>
-            </a:pPr>
-            <a:r>
-              <a:t>q </a:t>
-            </a:r>
-            <a:r>
-              <a:rPr b="0"/>
-              <a:t>– Phonon scattering vector</a:t>
-            </a:r>
-            <a:r>
-              <a:t>  </a:t>
-            </a:r>
+            <a:endParaRPr i="1"/>
           </a:p>
         </p:txBody>
       </p:sp>
-      <p:pic>
-        <p:nvPicPr>
-          <p:cNvPr id="309" name="Picture 5" descr="Picture 5"/>
-          <p:cNvPicPr>
-            <a:picLocks noChangeAspect="1"/>
-          </p:cNvPicPr>
+      <p:grpSp>
+        <p:nvGrpSpPr>
+          <p:cNvPr id="310" name="Group"/>
+          <p:cNvGrpSpPr/>
           <p:nvPr/>
-        </p:nvPicPr>
-        <p:blipFill>
-          <a:blip r:embed="rId3">
-            <a:extLst/>
-          </a:blip>
-          <a:stretch>
-            <a:fillRect/>
-          </a:stretch>
-        </p:blipFill>
-        <p:spPr>
+        </p:nvGrpSpPr>
+        <p:grpSpPr>
           <a:xfrm>
-            <a:off x="3205770" y="4130990"/>
-            <a:ext cx="2413001" cy="457201"/>
+            <a:off x="7062724" y="1115078"/>
+            <a:ext cx="3761934" cy="1430994"/>
+            <a:chOff x="0" y="0"/>
+            <a:chExt cx="3761932" cy="1430992"/>
           </a:xfrm>
-          <a:prstGeom prst="rect">
-            <a:avLst/>
-          </a:prstGeom>
-          <a:ln w="12700">
-            <a:miter lim="400000"/>
-          </a:ln>
-        </p:spPr>
-      </p:pic>
-      <p:pic>
-        <p:nvPicPr>
-          <p:cNvPr id="310" name="Picture 8" descr="Picture 8"/>
-          <p:cNvPicPr>
-            <a:picLocks noChangeAspect="1"/>
-          </p:cNvPicPr>
-          <p:nvPr/>
-        </p:nvPicPr>
-        <p:blipFill>
-          <a:blip r:embed="rId4">
-            <a:extLst/>
-          </a:blip>
-          <a:stretch>
-            <a:fillRect/>
-          </a:stretch>
-        </p:blipFill>
-        <p:spPr>
-          <a:xfrm>
-            <a:off x="3598250" y="4590927"/>
-            <a:ext cx="838201" cy="406401"/>
-          </a:xfrm>
-          <a:prstGeom prst="rect">
-            <a:avLst/>
-          </a:prstGeom>
-          <a:ln w="12700">
-            <a:miter lim="400000"/>
-          </a:ln>
-        </p:spPr>
-      </p:pic>
-      <p:pic>
-        <p:nvPicPr>
-          <p:cNvPr id="311" name="Picture 10" descr="Picture 10"/>
-          <p:cNvPicPr>
-            <a:picLocks noChangeAspect="1"/>
-          </p:cNvPicPr>
-          <p:nvPr/>
-        </p:nvPicPr>
-        <p:blipFill>
-          <a:blip r:embed="rId5">
-            <a:extLst/>
-          </a:blip>
-          <a:stretch>
-            <a:fillRect/>
-          </a:stretch>
-        </p:blipFill>
-        <p:spPr>
-          <a:xfrm>
-            <a:off x="4633309" y="4578227"/>
-            <a:ext cx="2349501" cy="419101"/>
-          </a:xfrm>
-          <a:prstGeom prst="rect">
-            <a:avLst/>
-          </a:prstGeom>
-          <a:ln w="12700">
-            <a:miter lim="400000"/>
-          </a:ln>
-        </p:spPr>
-      </p:pic>
-      <p:sp>
-        <p:nvSpPr>
-          <p:cNvPr id="312" name="TextBox 11"/>
-          <p:cNvSpPr txBox="1"/>
-          <p:nvPr/>
-        </p:nvSpPr>
-        <p:spPr>
-          <a:xfrm>
-            <a:off x="2139841" y="4599204"/>
-            <a:ext cx="3913719" cy="221953"/>
-          </a:xfrm>
-          <a:prstGeom prst="rect">
-            <a:avLst/>
-          </a:prstGeom>
-          <a:ln w="12700">
-            <a:miter lim="400000"/>
-          </a:ln>
-          <a:extLst>
-            <a:ext uri="{C572A759-6A51-4108-AA02-DFA0A04FC94B}">
-              <ma14:wrappingTextBoxFlag xmlns:ma14="http://schemas.microsoft.com/office/mac/drawingml/2011/main" val="1"/>
-            </a:ext>
-          </a:extLst>
-        </p:spPr>
-        <p:txBody>
-          <a:bodyPr lIns="0" tIns="0" rIns="0" bIns="0">
-            <a:spAutoFit/>
-          </a:bodyPr>
-          <a:lstStyle/>
-          <a:p>
-            <a:pPr/>
-            <a:r>
-              <a:t>For FCC Bravis</a:t>
-            </a:r>
-          </a:p>
-        </p:txBody>
-      </p:sp>
-      <p:sp>
-        <p:nvSpPr>
-          <p:cNvPr id="313" name="TextBox 15"/>
-          <p:cNvSpPr txBox="1"/>
-          <p:nvPr/>
-        </p:nvSpPr>
-        <p:spPr>
-          <a:xfrm>
-            <a:off x="2139841" y="4120034"/>
-            <a:ext cx="1172194" cy="221954"/>
-          </a:xfrm>
-          <a:prstGeom prst="rect">
-            <a:avLst/>
-          </a:prstGeom>
-          <a:ln w="12700">
-            <a:miter lim="400000"/>
-          </a:ln>
-          <a:extLst>
-            <a:ext uri="{C572A759-6A51-4108-AA02-DFA0A04FC94B}">
-              <ma14:wrappingTextBoxFlag xmlns:ma14="http://schemas.microsoft.com/office/mac/drawingml/2011/main" val="1"/>
-            </a:ext>
-          </a:extLst>
-        </p:spPr>
-        <p:txBody>
-          <a:bodyPr lIns="0" tIns="0" rIns="0" bIns="0">
-            <a:spAutoFit/>
-          </a:bodyPr>
-          <a:lstStyle/>
-          <a:p>
-            <a:pPr/>
-            <a:r>
-              <a:t>Dispersion</a:t>
-            </a:r>
-          </a:p>
-        </p:txBody>
-      </p:sp>
+        </p:grpSpPr>
+        <p:pic>
+          <p:nvPicPr>
+            <p:cNvPr id="308" name="Picture 6" descr="Picture 6"/>
+            <p:cNvPicPr>
+              <a:picLocks noChangeAspect="1"/>
+            </p:cNvPicPr>
+            <p:nvPr/>
+          </p:nvPicPr>
+          <p:blipFill>
+            <a:blip r:embed="rId3">
+              <a:extLst/>
+            </a:blip>
+            <a:stretch>
+              <a:fillRect/>
+            </a:stretch>
+          </p:blipFill>
+          <p:spPr>
+            <a:xfrm>
+              <a:off x="2139814" y="156611"/>
+              <a:ext cx="1622119" cy="585422"/>
+            </a:xfrm>
+            <a:prstGeom prst="rect">
+              <a:avLst/>
+            </a:prstGeom>
+            <a:ln w="12700" cap="flat">
+              <a:noFill/>
+              <a:miter lim="400000"/>
+            </a:ln>
+            <a:effectLst/>
+          </p:spPr>
+        </p:pic>
+        <p:pic>
+          <p:nvPicPr>
+            <p:cNvPr id="309" name="Picture 7" descr="Picture 7"/>
+            <p:cNvPicPr>
+              <a:picLocks noChangeAspect="1"/>
+            </p:cNvPicPr>
+            <p:nvPr/>
+          </p:nvPicPr>
+          <p:blipFill>
+            <a:blip r:embed="rId4">
+              <a:extLst/>
+            </a:blip>
+            <a:stretch>
+              <a:fillRect/>
+            </a:stretch>
+          </p:blipFill>
+          <p:spPr>
+            <a:xfrm>
+              <a:off x="0" y="0"/>
+              <a:ext cx="2014461" cy="1430993"/>
+            </a:xfrm>
+            <a:prstGeom prst="rect">
+              <a:avLst/>
+            </a:prstGeom>
+            <a:ln w="12700" cap="flat">
+              <a:noFill/>
+              <a:miter lim="400000"/>
+            </a:ln>
+            <a:effectLst/>
+          </p:spPr>
+        </p:pic>
+      </p:grpSp>
     </p:spTree>
   </p:cSld>
   <p:clrMapOvr>
@@ -19794,127 +21337,7 @@
       </p:grpSpPr>
       <p:sp>
         <p:nvSpPr>
-          <p:cNvPr id="315" name="Title 4"/>
-          <p:cNvSpPr txBox="1"/>
-          <p:nvPr>
-            <p:ph type="title"/>
-          </p:nvPr>
-        </p:nvSpPr>
-        <p:spPr>
-          <a:xfrm>
-            <a:off x="1774725" y="426125"/>
-            <a:ext cx="9312376" cy="972718"/>
-          </a:xfrm>
-          <a:prstGeom prst="rect">
-            <a:avLst/>
-          </a:prstGeom>
-        </p:spPr>
-        <p:txBody>
-          <a:bodyPr/>
-          <a:lstStyle/>
-          <a:p>
-            <a:pPr/>
-            <a:r>
-              <a:t>Popular component: Phonon_simple</a:t>
-            </a:r>
-          </a:p>
-        </p:txBody>
-      </p:sp>
-      <p:sp>
-        <p:nvSpPr>
-          <p:cNvPr id="316" name="Straight Connector 12"/>
-          <p:cNvSpPr/>
-          <p:nvPr/>
-        </p:nvSpPr>
-        <p:spPr>
-          <a:xfrm>
-            <a:off x="2605190" y="21980"/>
-            <a:ext cx="4767944" cy="1"/>
-          </a:xfrm>
-          <a:prstGeom prst="line">
-            <a:avLst/>
-          </a:prstGeom>
-          <a:ln w="47625">
-            <a:solidFill>
-              <a:schemeClr val="accent1"/>
-            </a:solidFill>
-          </a:ln>
-          <a:effectLst>
-            <a:outerShdw sx="100000" sy="100000" kx="0" ky="0" algn="b" rotWithShape="0" blurRad="38100" dist="20000" dir="5400000">
-              <a:srgbClr val="000000">
-                <a:alpha val="38000"/>
-              </a:srgbClr>
-            </a:outerShdw>
-          </a:effectLst>
-        </p:spPr>
-        <p:txBody>
-          <a:bodyPr lIns="45719" rIns="45719"/>
-          <a:lstStyle/>
-          <a:p>
-            <a:pPr/>
-          </a:p>
-        </p:txBody>
-      </p:sp>
-      <p:pic>
-        <p:nvPicPr>
-          <p:cNvPr id="317" name="Picture 15" descr="Picture 15"/>
-          <p:cNvPicPr>
-            <a:picLocks noChangeAspect="1"/>
-          </p:cNvPicPr>
-          <p:nvPr/>
-        </p:nvPicPr>
-        <p:blipFill>
-          <a:blip r:embed="rId2">
-            <a:extLst/>
-          </a:blip>
-          <a:stretch>
-            <a:fillRect/>
-          </a:stretch>
-        </p:blipFill>
-        <p:spPr>
-          <a:xfrm>
-            <a:off x="6947027" y="2144227"/>
-            <a:ext cx="4876801" cy="3797301"/>
-          </a:xfrm>
-          <a:prstGeom prst="rect">
-            <a:avLst/>
-          </a:prstGeom>
-          <a:ln w="12700">
-            <a:miter lim="400000"/>
-          </a:ln>
-        </p:spPr>
-      </p:pic>
-      <p:sp>
-        <p:nvSpPr>
-          <p:cNvPr id="318" name="Content Placeholder 5"/>
-          <p:cNvSpPr txBox="1"/>
-          <p:nvPr>
-            <p:ph type="body" idx="1"/>
-          </p:nvPr>
-        </p:nvSpPr>
-        <p:spPr>
-          <a:xfrm>
-            <a:off x="1774799" y="1706398"/>
-            <a:ext cx="9312376" cy="4545581"/>
-          </a:xfrm>
-          <a:prstGeom prst="rect">
-            <a:avLst/>
-          </a:prstGeom>
-        </p:spPr>
-        <p:txBody>
-          <a:bodyPr/>
-          <a:lstStyle/>
-          <a:p>
-            <a:pPr/>
-            <a:r>
-              <a:t>Dispersion relation, theory and mcstas</a:t>
-            </a:r>
-          </a:p>
-        </p:txBody>
-      </p:sp>
-      <p:sp>
-        <p:nvSpPr>
-          <p:cNvPr id="319" name="Slide Number Placeholder 3"/>
+          <p:cNvPr id="312" name="Slide Number"/>
           <p:cNvSpPr txBox="1"/>
           <p:nvPr>
             <p:ph type="sldNum" sz="quarter" idx="2"/>
@@ -19941,86 +21364,14 @@
       </p:sp>
       <p:sp>
         <p:nvSpPr>
-          <p:cNvPr id="320" name="Straight Arrow Connector 2"/>
-          <p:cNvSpPr/>
-          <p:nvPr/>
-        </p:nvSpPr>
-        <p:spPr>
-          <a:xfrm>
-            <a:off x="1619659" y="5810830"/>
-            <a:ext cx="4301081" cy="1"/>
-          </a:xfrm>
-          <a:prstGeom prst="line">
-            <a:avLst/>
-          </a:prstGeom>
-          <a:ln w="63500">
-            <a:solidFill>
-              <a:schemeClr val="accent1"/>
-            </a:solidFill>
-            <a:tailEnd type="triangle"/>
-          </a:ln>
-          <a:effectLst>
-            <a:outerShdw sx="100000" sy="100000" kx="0" ky="0" algn="b" rotWithShape="0" blurRad="38100" dist="20000" dir="5400000">
-              <a:srgbClr val="000000">
-                <a:alpha val="38000"/>
-              </a:srgbClr>
-            </a:outerShdw>
-          </a:effectLst>
-        </p:spPr>
-        <p:txBody>
-          <a:bodyPr lIns="45719" rIns="45719"/>
-          <a:lstStyle/>
-          <a:p>
-            <a:pPr/>
-          </a:p>
-        </p:txBody>
-      </p:sp>
-      <p:sp>
-        <p:nvSpPr>
-          <p:cNvPr id="321" name="Straight Arrow Connector 7"/>
-          <p:cNvSpPr/>
-          <p:nvPr/>
-        </p:nvSpPr>
-        <p:spPr>
-          <a:xfrm flipV="1">
-            <a:off x="1934105" y="2477562"/>
-            <a:ext cx="1" cy="3578267"/>
-          </a:xfrm>
-          <a:prstGeom prst="line">
-            <a:avLst/>
-          </a:prstGeom>
-          <a:ln w="63500">
-            <a:solidFill>
-              <a:schemeClr val="accent1"/>
-            </a:solidFill>
-            <a:tailEnd type="triangle"/>
-          </a:ln>
-          <a:effectLst>
-            <a:outerShdw sx="100000" sy="100000" kx="0" ky="0" algn="b" rotWithShape="0" blurRad="38100" dist="20000" dir="5400000">
-              <a:srgbClr val="000000">
-                <a:alpha val="38000"/>
-              </a:srgbClr>
-            </a:outerShdw>
-          </a:effectLst>
-        </p:spPr>
-        <p:txBody>
-          <a:bodyPr lIns="45719" rIns="45719"/>
-          <a:lstStyle/>
-          <a:p>
-            <a:pPr/>
-          </a:p>
-        </p:txBody>
-      </p:sp>
-      <p:sp>
-        <p:nvSpPr>
-          <p:cNvPr id="322" name="TextBox 5"/>
+          <p:cNvPr id="313" name="TextShape 1"/>
           <p:cNvSpPr txBox="1"/>
           <p:nvPr/>
         </p:nvSpPr>
         <p:spPr>
           <a:xfrm>
-            <a:off x="6029328" y="5589296"/>
-            <a:ext cx="672778" cy="419337"/>
+            <a:off x="5228426" y="1067208"/>
+            <a:ext cx="6186268" cy="394768"/>
           </a:xfrm>
           <a:prstGeom prst="rect">
             <a:avLst/>
@@ -20040,67 +21391,27 @@
           </a:bodyPr>
           <a:lstStyle>
             <a:lvl1pPr>
-              <a:defRPr sz="3000"/>
+              <a:defRPr spc="0" sz="2800"/>
             </a:lvl1pPr>
           </a:lstStyle>
           <a:p>
             <a:pPr/>
             <a:r>
-              <a:t>q</a:t>
+              <a:t>SANS other samples</a:t>
             </a:r>
           </a:p>
         </p:txBody>
       </p:sp>
       <p:sp>
         <p:nvSpPr>
-          <p:cNvPr id="323" name="TextBox 6"/>
+          <p:cNvPr id="314" name="TextShape 2"/>
           <p:cNvSpPr txBox="1"/>
           <p:nvPr/>
         </p:nvSpPr>
         <p:spPr>
           <a:xfrm>
-            <a:off x="1424798" y="2248875"/>
-            <a:ext cx="729206" cy="444501"/>
-          </a:xfrm>
-          <a:prstGeom prst="rect">
-            <a:avLst/>
-          </a:prstGeom>
-          <a:ln w="12700">
-            <a:miter lim="400000"/>
-          </a:ln>
-          <a:extLst>
-            <a:ext uri="{C572A759-6A51-4108-AA02-DFA0A04FC94B}">
-              <ma14:wrappingTextBoxFlag xmlns:ma14="http://schemas.microsoft.com/office/mac/drawingml/2011/main" val="1"/>
-            </a:ext>
-          </a:extLst>
-        </p:spPr>
-        <p:txBody>
-          <a:bodyPr lIns="0" tIns="0" rIns="0" bIns="0">
-            <a:spAutoFit/>
-          </a:bodyPr>
-          <a:lstStyle>
-            <a:lvl1pPr>
-              <a:defRPr sz="3000"/>
-            </a:lvl1pPr>
-          </a:lstStyle>
-          <a:p>
-            <a:pPr/>
-            <a:r>
-              <a:t>⍵</a:t>
-            </a:r>
-          </a:p>
-        </p:txBody>
-      </p:sp>
-      <p:sp>
-        <p:nvSpPr>
-          <p:cNvPr id="324" name="TextBox 11"/>
-          <p:cNvSpPr txBox="1"/>
-          <p:nvPr/>
-        </p:nvSpPr>
-        <p:spPr>
-          <a:xfrm>
-            <a:off x="4009950" y="5652987"/>
-            <a:ext cx="672778" cy="491726"/>
+            <a:off x="5225448" y="2066065"/>
+            <a:ext cx="4748880" cy="4423944"/>
           </a:xfrm>
           <a:prstGeom prst="rect">
             <a:avLst/>
@@ -20120,78 +21431,343 @@
           </a:bodyPr>
           <a:lstStyle/>
           <a:p>
-            <a:pPr>
-              <a:defRPr sz="3000"/>
+            <a:pPr marL="200279" indent="-199919">
+              <a:buClr>
+                <a:srgbClr val="000000"/>
+              </a:buClr>
+              <a:buSzPct val="171000"/>
+              <a:buFont typeface="Arial"/>
+              <a:buChar char="•"/>
+              <a:defRPr spc="0" sz="1400"/>
             </a:pPr>
             <a:r>
-              <a:t>q</a:t>
+              <a:t>SANS_AnySamp.comp </a:t>
             </a:r>
+            <a:endParaRPr i="1"/>
+          </a:p>
+          <a:p>
+            <a:pPr marL="200279" indent="-199919">
+              <a:buClr>
+                <a:srgbClr val="000000"/>
+              </a:buClr>
+              <a:buSzPct val="171000"/>
+              <a:buFont typeface="Arial"/>
+              <a:buChar char="•"/>
+              <a:defRPr spc="0" sz="1400"/>
+            </a:pPr>
             <a:r>
-              <a:rPr baseline="-25000"/>
-              <a:t>0</a:t>
+              <a:t>SANS_DebyeS.comp </a:t>
+            </a:r>
+            <a:endParaRPr i="1"/>
+          </a:p>
+          <a:p>
+            <a:pPr marL="200279" indent="-199919">
+              <a:buClr>
+                <a:srgbClr val="000000"/>
+              </a:buClr>
+              <a:buSzPct val="171000"/>
+              <a:buFont typeface="Arial"/>
+              <a:buChar char="•"/>
+              <a:defRPr spc="0" sz="1400"/>
+            </a:pPr>
+            <a:r>
+              <a:t>SANSCylinders.comp </a:t>
+            </a:r>
+            <a:endParaRPr i="1"/>
+          </a:p>
+          <a:p>
+            <a:pPr marL="200279" indent="-199919">
+              <a:buClr>
+                <a:srgbClr val="000000"/>
+              </a:buClr>
+              <a:buSzPct val="171000"/>
+              <a:buFont typeface="Arial"/>
+              <a:buChar char="•"/>
+              <a:defRPr spc="0" sz="1400"/>
+            </a:pPr>
+            <a:r>
+              <a:t>SANSEllipticCylinders.comp </a:t>
+            </a:r>
+            <a:endParaRPr i="1"/>
+          </a:p>
+          <a:p>
+            <a:pPr marL="200279" indent="-199919">
+              <a:buClr>
+                <a:srgbClr val="000000"/>
+              </a:buClr>
+              <a:buSzPct val="171000"/>
+              <a:buFont typeface="Arial"/>
+              <a:buChar char="•"/>
+              <a:defRPr spc="0" sz="1400"/>
+            </a:pPr>
+            <a:r>
+              <a:t>SANSGuinier.comp </a:t>
+            </a:r>
+            <a:endParaRPr i="1"/>
+          </a:p>
+          <a:p>
+            <a:pPr marL="200279" indent="-199919">
+              <a:buClr>
+                <a:srgbClr val="000000"/>
+              </a:buClr>
+              <a:buSzPct val="171000"/>
+              <a:buFont typeface="Arial"/>
+              <a:buChar char="•"/>
+              <a:defRPr spc="0" sz="1400"/>
+            </a:pPr>
+            <a:r>
+              <a:t>SANSLiposomes.comp </a:t>
+            </a:r>
+            <a:endParaRPr i="1"/>
+          </a:p>
+          <a:p>
+            <a:pPr marL="200279" indent="-199919">
+              <a:buClr>
+                <a:srgbClr val="000000"/>
+              </a:buClr>
+              <a:buSzPct val="171000"/>
+              <a:buFont typeface="Arial"/>
+              <a:buChar char="•"/>
+              <a:defRPr spc="0" sz="1400"/>
+            </a:pPr>
+            <a:r>
+              <a:t>SANSNanodiscs.comp </a:t>
+            </a:r>
+            <a:endParaRPr i="1"/>
+          </a:p>
+          <a:p>
+            <a:pPr marL="200279" indent="-199919">
+              <a:buClr>
+                <a:srgbClr val="000000"/>
+              </a:buClr>
+              <a:buSzPct val="171000"/>
+              <a:buFont typeface="Arial"/>
+              <a:buChar char="•"/>
+              <a:defRPr spc="0" sz="1400"/>
+            </a:pPr>
+            <a:r>
+              <a:t>SANSNanodiscsFast.comp </a:t>
+            </a:r>
+            <a:endParaRPr i="1"/>
+          </a:p>
+          <a:p>
+            <a:pPr marL="200279" indent="-199919">
+              <a:buClr>
+                <a:srgbClr val="000000"/>
+              </a:buClr>
+              <a:buSzPct val="171000"/>
+              <a:buFont typeface="Arial"/>
+              <a:buChar char="•"/>
+              <a:defRPr spc="0" sz="1400"/>
+            </a:pPr>
+            <a:r>
+              <a:t>SANSNanodiscsWithTags. </a:t>
+            </a:r>
+            <a:endParaRPr i="1"/>
+          </a:p>
+          <a:p>
+            <a:pPr marL="200279" indent="-199919">
+              <a:buClr>
+                <a:srgbClr val="000000"/>
+              </a:buClr>
+              <a:buSzPct val="171000"/>
+              <a:buFont typeface="Arial"/>
+              <a:buChar char="•"/>
+              <a:defRPr spc="0" sz="1400"/>
+            </a:pPr>
+            <a:r>
+              <a:t>SANSNanodiscsWithTagsFast</a:t>
+            </a:r>
+            <a:endParaRPr i="1"/>
+          </a:p>
+          <a:p>
+            <a:pPr marL="200279" indent="-199919">
+              <a:buClr>
+                <a:srgbClr val="000000"/>
+              </a:buClr>
+              <a:buSzPct val="171000"/>
+              <a:buFont typeface="Arial"/>
+              <a:buChar char="•"/>
+              <a:defRPr spc="0" sz="1400"/>
+            </a:pPr>
+            <a:r>
+              <a:t>SANSPDB.comp </a:t>
+            </a:r>
+            <a:endParaRPr i="1"/>
+          </a:p>
+          <a:p>
+            <a:pPr marL="200279" indent="-199919">
+              <a:buClr>
+                <a:srgbClr val="000000"/>
+              </a:buClr>
+              <a:buSzPct val="171000"/>
+              <a:buFont typeface="Arial"/>
+              <a:buChar char="•"/>
+              <a:defRPr spc="0" sz="1400"/>
+            </a:pPr>
+            <a:r>
+              <a:t>SANSPDBFAST.comp </a:t>
+            </a:r>
+            <a:endParaRPr i="1"/>
+          </a:p>
+          <a:p>
+            <a:pPr marL="200279" indent="-199919">
+              <a:buClr>
+                <a:srgbClr val="000000"/>
+              </a:buClr>
+              <a:buSzPct val="171000"/>
+              <a:buFont typeface="Arial"/>
+              <a:buChar char="•"/>
+              <a:defRPr spc="0" sz="1400"/>
+            </a:pPr>
+            <a:r>
+              <a:t>SANSShells.comp </a:t>
+            </a:r>
+            <a:endParaRPr i="1"/>
+          </a:p>
+          <a:p>
+            <a:pPr marL="200279" indent="-199919">
+              <a:buClr>
+                <a:srgbClr val="000000"/>
+              </a:buClr>
+              <a:buSzPct val="171000"/>
+              <a:buFont typeface="Arial"/>
+              <a:buChar char="•"/>
+              <a:defRPr spc="0" sz="1400"/>
+            </a:pPr>
+            <a:r>
+              <a:t>SANSSpheres.comp </a:t>
             </a:r>
           </a:p>
         </p:txBody>
       </p:sp>
       <p:sp>
         <p:nvSpPr>
-          <p:cNvPr id="325" name="Oval 8"/>
+          <p:cNvPr id="315" name="CustomShape 3"/>
           <p:cNvSpPr/>
           <p:nvPr/>
         </p:nvSpPr>
         <p:spPr>
           <a:xfrm>
-            <a:off x="2960393" y="-3863874"/>
-            <a:ext cx="2411707" cy="9675261"/>
-          </a:xfrm>
-          <a:prstGeom prst="ellipse">
-            <a:avLst/>
-          </a:prstGeom>
-          <a:solidFill>
-            <a:srgbClr val="FFFFFF"/>
-          </a:solidFill>
-          <a:ln w="50800">
-            <a:solidFill>
-              <a:schemeClr val="accent1"/>
-            </a:solidFill>
-          </a:ln>
-        </p:spPr>
-        <p:txBody>
-          <a:bodyPr lIns="46799" tIns="46799" rIns="46799" bIns="46799" anchor="ctr"/>
-          <a:lstStyle/>
-          <a:p>
-            <a:pPr/>
-          </a:p>
-        </p:txBody>
-      </p:sp>
-      <p:sp>
-        <p:nvSpPr>
-          <p:cNvPr id="326" name="Rectangle 9"/>
-          <p:cNvSpPr/>
-          <p:nvPr/>
-        </p:nvSpPr>
-        <p:spPr>
-          <a:xfrm>
-            <a:off x="2721163" y="-942373"/>
-            <a:ext cx="4213669" cy="3944653"/>
+            <a:off x="2899373" y="921673"/>
+            <a:ext cx="2141776" cy="2482625"/>
           </a:xfrm>
           <a:prstGeom prst="rect">
             <a:avLst/>
           </a:prstGeom>
           <a:solidFill>
-            <a:srgbClr val="FFFFFF"/>
+            <a:srgbClr val="FF0000">
+              <a:alpha val="30000"/>
+            </a:srgbClr>
           </a:solidFill>
-          <a:ln w="25400">
+          <a:ln w="3175">
             <a:solidFill>
-              <a:srgbClr val="FFFFFF"/>
+              <a:srgbClr val="FF0000"/>
             </a:solidFill>
           </a:ln>
+          <a:extLst>
+            <a:ext uri="{C572A759-6A51-4108-AA02-DFA0A04FC94B}">
+              <ma14:wrappingTextBoxFlag xmlns:ma14="http://schemas.microsoft.com/office/mac/drawingml/2011/main" val="1"/>
+            </a:ext>
+          </a:extLst>
         </p:spPr>
         <p:txBody>
-          <a:bodyPr lIns="46799" tIns="46799" rIns="46799" bIns="46799" anchor="ctr"/>
+          <a:bodyPr lIns="23848" tIns="23848" rIns="23848" bIns="23848" anchor="ctr">
+            <a:spAutoFit/>
+          </a:bodyPr>
           <a:lstStyle/>
           <a:p>
+            <a:pPr>
+              <a:defRPr spc="0"/>
+            </a:pPr>
+            <a:r>
+              <a:t>McStas has a suite of SANS-models:</a:t>
+            </a:r>
+            <a:endParaRPr spc="0" sz="1400"/>
+          </a:p>
+          <a:p>
+            <a:pPr>
+              <a:defRPr spc="0"/>
+            </a:pPr>
+            <a:r>
+              <a:t>Try ellipsoidal and </a:t>
+            </a:r>
+            <a:endParaRPr spc="0" sz="1400"/>
+          </a:p>
+          <a:p>
+            <a:pPr>
+              <a:defRPr spc="0"/>
+            </a:pPr>
+            <a:r>
+              <a:t>cylindrical particles </a:t>
+            </a:r>
+            <a:endParaRPr spc="0" sz="1400"/>
+          </a:p>
+          <a:p>
+            <a:pPr>
+              <a:defRPr spc="0"/>
+            </a:pPr>
+            <a:r>
+              <a:t>-or-</a:t>
+            </a:r>
+            <a:endParaRPr spc="0" sz="1400"/>
+          </a:p>
+          <a:p>
+            <a:pPr>
+              <a:defRPr spc="0"/>
+            </a:pPr>
+            <a:r>
+              <a:t>Elliptic cylinders</a:t>
+            </a:r>
+            <a:endParaRPr spc="0" sz="1400"/>
+          </a:p>
+          <a:p>
+            <a:pPr>
+              <a:defRPr spc="0"/>
+            </a:pPr>
+            <a:r>
+              <a:t>Go for Nanodiscs and Liposomes</a:t>
+            </a:r>
+          </a:p>
+        </p:txBody>
+      </p:sp>
+      <p:sp>
+        <p:nvSpPr>
+          <p:cNvPr id="316" name="TextShape 4"/>
+          <p:cNvSpPr txBox="1"/>
+          <p:nvPr/>
+        </p:nvSpPr>
+        <p:spPr>
+          <a:xfrm rot="697800">
+            <a:off x="3072067" y="4651492"/>
+            <a:ext cx="1647638" cy="448281"/>
+          </a:xfrm>
+          <a:prstGeom prst="rect">
+            <a:avLst/>
+          </a:prstGeom>
+          <a:ln w="12700">
+            <a:miter lim="400000"/>
+          </a:ln>
+          <a:extLst>
+            <a:ext uri="{C572A759-6A51-4108-AA02-DFA0A04FC94B}">
+              <ma14:wrappingTextBoxFlag xmlns:ma14="http://schemas.microsoft.com/office/mac/drawingml/2011/main" val="1"/>
+            </a:ext>
+          </a:extLst>
+        </p:spPr>
+        <p:txBody>
+          <a:bodyPr lIns="23848" tIns="23848" rIns="23848" bIns="23848">
+            <a:spAutoFit/>
+          </a:bodyPr>
+          <a:lstStyle>
+            <a:lvl1pPr>
+              <a:defRPr spc="0" sz="1400"/>
+            </a:lvl1pPr>
+          </a:lstStyle>
+          <a:p>
             <a:pPr/>
+            <a:r>
+              <a:t>Also – SASmodels from SASview</a:t>
+            </a:r>
           </a:p>
         </p:txBody>
       </p:sp>
@@ -20223,63 +21799,7 @@
       </p:grpSpPr>
       <p:sp>
         <p:nvSpPr>
-          <p:cNvPr id="328" name="Title 4"/>
-          <p:cNvSpPr txBox="1"/>
-          <p:nvPr>
-            <p:ph type="title"/>
-          </p:nvPr>
-        </p:nvSpPr>
-        <p:spPr>
-          <a:xfrm>
-            <a:off x="1774725" y="426125"/>
-            <a:ext cx="9312376" cy="972718"/>
-          </a:xfrm>
-          <a:prstGeom prst="rect">
-            <a:avLst/>
-          </a:prstGeom>
-        </p:spPr>
-        <p:txBody>
-          <a:bodyPr/>
-          <a:lstStyle/>
-          <a:p>
-            <a:pPr/>
-            <a:r>
-              <a:t>Popular component: Phonon_simple</a:t>
-            </a:r>
-          </a:p>
-        </p:txBody>
-      </p:sp>
-      <p:sp>
-        <p:nvSpPr>
-          <p:cNvPr id="329" name="Content Placeholder 5"/>
-          <p:cNvSpPr txBox="1"/>
-          <p:nvPr>
-            <p:ph type="body" idx="1"/>
-          </p:nvPr>
-        </p:nvSpPr>
-        <p:spPr>
-          <a:xfrm>
-            <a:off x="1774799" y="1706398"/>
-            <a:ext cx="9312376" cy="4545581"/>
-          </a:xfrm>
-          <a:prstGeom prst="rect">
-            <a:avLst/>
-          </a:prstGeom>
-        </p:spPr>
-        <p:txBody>
-          <a:bodyPr/>
-          <a:lstStyle/>
-          <a:p>
-            <a:pPr/>
-            <a:r>
-              <a:t>Example of the output</a:t>
-            </a:r>
-          </a:p>
-        </p:txBody>
-      </p:sp>
-      <p:sp>
-        <p:nvSpPr>
-          <p:cNvPr id="330" name="Slide Number Placeholder 3"/>
+          <p:cNvPr id="318" name="Slide Number"/>
           <p:cNvSpPr txBox="1"/>
           <p:nvPr>
             <p:ph type="sldNum" sz="quarter" idx="2"/>
@@ -20304,46 +21824,16 @@
           </a:p>
         </p:txBody>
       </p:sp>
-      <p:pic>
-        <p:nvPicPr>
-          <p:cNvPr id="331" name="Picture 2" descr="Picture 2"/>
-          <p:cNvPicPr>
-            <a:picLocks noChangeAspect="1"/>
-          </p:cNvPicPr>
-          <p:nvPr/>
-        </p:nvPicPr>
-        <p:blipFill>
-          <a:blip r:embed="rId2">
-            <a:extLst/>
-          </a:blip>
-          <a:srcRect l="0" t="0" r="0" b="1625"/>
-          <a:stretch>
-            <a:fillRect/>
-          </a:stretch>
-        </p:blipFill>
-        <p:spPr>
-          <a:xfrm>
-            <a:off x="5326379" y="1543862"/>
-            <a:ext cx="6679835" cy="4879799"/>
-          </a:xfrm>
-          <a:prstGeom prst="rect">
-            <a:avLst/>
-          </a:prstGeom>
-          <a:ln w="12700">
-            <a:miter lim="400000"/>
-          </a:ln>
-        </p:spPr>
-      </p:pic>
       <p:sp>
         <p:nvSpPr>
-          <p:cNvPr id="332" name="TextBox 3"/>
+          <p:cNvPr id="319" name="TextShape 1"/>
           <p:cNvSpPr txBox="1"/>
           <p:nvPr/>
         </p:nvSpPr>
         <p:spPr>
           <a:xfrm>
-            <a:off x="7109459" y="1543863"/>
-            <a:ext cx="3566160" cy="345629"/>
+            <a:off x="2730718" y="1257510"/>
+            <a:ext cx="6186268" cy="394767"/>
           </a:xfrm>
           <a:prstGeom prst="rect">
             <a:avLst/>
@@ -20363,17 +21853,112 @@
           </a:bodyPr>
           <a:lstStyle>
             <a:lvl1pPr>
-              <a:defRPr sz="2400">
-                <a:solidFill>
-                  <a:srgbClr val="FFFFFF"/>
-                </a:solidFill>
-              </a:defRPr>
+              <a:defRPr spc="0" sz="2800"/>
             </a:lvl1pPr>
           </a:lstStyle>
           <a:p>
             <a:pPr/>
             <a:r>
-              <a:t>4 meV energy transfer</a:t>
+              <a:t>SANS spheres</a:t>
+            </a:r>
+          </a:p>
+        </p:txBody>
+      </p:sp>
+      <p:pic>
+        <p:nvPicPr>
+          <p:cNvPr id="320" name="image156.png" descr="image156.png"/>
+          <p:cNvPicPr>
+            <a:picLocks noChangeAspect="1"/>
+          </p:cNvPicPr>
+          <p:nvPr/>
+        </p:nvPicPr>
+        <p:blipFill>
+          <a:blip r:embed="rId2">
+            <a:extLst/>
+          </a:blip>
+          <a:stretch>
+            <a:fillRect/>
+          </a:stretch>
+        </p:blipFill>
+        <p:spPr>
+          <a:xfrm>
+            <a:off x="2954129" y="1823766"/>
+            <a:ext cx="3870497" cy="3207320"/>
+          </a:xfrm>
+          <a:prstGeom prst="rect">
+            <a:avLst/>
+          </a:prstGeom>
+          <a:ln w="12700">
+            <a:miter lim="400000"/>
+          </a:ln>
+        </p:spPr>
+      </p:pic>
+      <p:sp>
+        <p:nvSpPr>
+          <p:cNvPr id="321" name="CustomShape 2"/>
+          <p:cNvSpPr/>
+          <p:nvPr/>
+        </p:nvSpPr>
+        <p:spPr>
+          <a:xfrm rot="55201">
+            <a:off x="2900518" y="2211254"/>
+            <a:ext cx="1405338" cy="775359"/>
+          </a:xfrm>
+          <a:prstGeom prst="ellipse">
+            <a:avLst/>
+          </a:prstGeom>
+          <a:ln w="25400">
+            <a:solidFill>
+              <a:srgbClr val="800080"/>
+            </a:solidFill>
+          </a:ln>
+        </p:spPr>
+        <p:txBody>
+          <a:bodyPr lIns="35136" tIns="35136" rIns="35136" bIns="35136" anchor="ctr"/>
+          <a:lstStyle/>
+          <a:p>
+            <a:pPr/>
+          </a:p>
+        </p:txBody>
+      </p:sp>
+      <p:sp>
+        <p:nvSpPr>
+          <p:cNvPr id="322" name="TextShape 3"/>
+          <p:cNvSpPr txBox="1"/>
+          <p:nvPr/>
+        </p:nvSpPr>
+        <p:spPr>
+          <a:xfrm>
+            <a:off x="7422761" y="1471897"/>
+            <a:ext cx="3371672" cy="858179"/>
+          </a:xfrm>
+          <a:prstGeom prst="rect">
+            <a:avLst/>
+          </a:prstGeom>
+          <a:ln w="25400">
+            <a:solidFill>
+              <a:srgbClr val="A1467E"/>
+            </a:solidFill>
+          </a:ln>
+          <a:extLst>
+            <a:ext uri="{C572A759-6A51-4108-AA02-DFA0A04FC94B}">
+              <ma14:wrappingTextBoxFlag xmlns:ma14="http://schemas.microsoft.com/office/mac/drawingml/2011/main" val="1"/>
+            </a:ext>
+          </a:extLst>
+        </p:spPr>
+        <p:txBody>
+          <a:bodyPr lIns="38920" tIns="38920" rIns="38920" bIns="38920">
+            <a:spAutoFit/>
+          </a:bodyPr>
+          <a:lstStyle>
+            <a:lvl1pPr>
+              <a:defRPr spc="0" sz="1700"/>
+            </a:lvl1pPr>
+          </a:lstStyle>
+          <a:p>
+            <a:pPr/>
+            <a:r>
+              <a:t>Dilute, monodisperse, hard spheres in solution, with given contrast and radius</a:t>
             </a:r>
           </a:p>
         </p:txBody>
@@ -20406,75 +21991,7 @@
       </p:grpSpPr>
       <p:sp>
         <p:nvSpPr>
-          <p:cNvPr id="334" name="Title 4"/>
-          <p:cNvSpPr txBox="1"/>
-          <p:nvPr>
-            <p:ph type="title"/>
-          </p:nvPr>
-        </p:nvSpPr>
-        <p:spPr>
-          <a:xfrm>
-            <a:off x="1774725" y="426125"/>
-            <a:ext cx="9312376" cy="972718"/>
-          </a:xfrm>
-          <a:prstGeom prst="rect">
-            <a:avLst/>
-          </a:prstGeom>
-        </p:spPr>
-        <p:txBody>
-          <a:bodyPr/>
-          <a:lstStyle/>
-          <a:p>
-            <a:pPr/>
-            <a:r>
-              <a:t>Popular component: Isotropic_sqw</a:t>
-            </a:r>
-          </a:p>
-        </p:txBody>
-      </p:sp>
-      <p:sp>
-        <p:nvSpPr>
-          <p:cNvPr id="335" name="Content Placeholder 5"/>
-          <p:cNvSpPr txBox="1"/>
-          <p:nvPr>
-            <p:ph type="body" idx="1"/>
-          </p:nvPr>
-        </p:nvSpPr>
-        <p:spPr>
-          <a:xfrm>
-            <a:off x="1774799" y="1706398"/>
-            <a:ext cx="9312376" cy="4545581"/>
-          </a:xfrm>
-          <a:prstGeom prst="rect">
-            <a:avLst/>
-          </a:prstGeom>
-        </p:spPr>
-        <p:txBody>
-          <a:bodyPr/>
-          <a:lstStyle/>
-          <a:p>
-            <a:pPr/>
-            <a:r>
-              <a:t>Isotropic processes (powder, liquid, …)</a:t>
-            </a:r>
-          </a:p>
-          <a:p>
-            <a:pPr/>
-            <a:r>
-              <a:t>Use data files to describe S(q,w) directly, coherent and incoherent</a:t>
-            </a:r>
-          </a:p>
-          <a:p>
-            <a:pPr/>
-            <a:r>
-              <a:t>Supports concentric</a:t>
-            </a:r>
-          </a:p>
-        </p:txBody>
-      </p:sp>
-      <p:sp>
-        <p:nvSpPr>
-          <p:cNvPr id="336" name="Slide Number Placeholder 3"/>
+          <p:cNvPr id="324" name="Slide Number"/>
           <p:cNvSpPr txBox="1"/>
           <p:nvPr>
             <p:ph type="sldNum" sz="quarter" idx="2"/>
@@ -20499,9 +22016,49 @@
           </a:p>
         </p:txBody>
       </p:sp>
+      <p:sp>
+        <p:nvSpPr>
+          <p:cNvPr id="325" name="TextShape 1"/>
+          <p:cNvSpPr txBox="1"/>
+          <p:nvPr/>
+        </p:nvSpPr>
+        <p:spPr>
+          <a:xfrm>
+            <a:off x="2730718" y="1257510"/>
+            <a:ext cx="6186268" cy="394767"/>
+          </a:xfrm>
+          <a:prstGeom prst="rect">
+            <a:avLst/>
+          </a:prstGeom>
+          <a:ln w="12700">
+            <a:miter lim="400000"/>
+          </a:ln>
+          <a:extLst>
+            <a:ext uri="{C572A759-6A51-4108-AA02-DFA0A04FC94B}">
+              <ma14:wrappingTextBoxFlag xmlns:ma14="http://schemas.microsoft.com/office/mac/drawingml/2011/main" val="1"/>
+            </a:ext>
+          </a:extLst>
+        </p:spPr>
+        <p:txBody>
+          <a:bodyPr lIns="0" tIns="0" rIns="0" bIns="0">
+            <a:spAutoFit/>
+          </a:bodyPr>
+          <a:lstStyle>
+            <a:lvl1pPr>
+              <a:defRPr spc="0" sz="2800"/>
+            </a:lvl1pPr>
+          </a:lstStyle>
+          <a:p>
+            <a:pPr/>
+            <a:r>
+              <a:t>SasView_models</a:t>
+            </a:r>
+          </a:p>
+        </p:txBody>
+      </p:sp>
       <p:pic>
         <p:nvPicPr>
-          <p:cNvPr id="337" name="Picture 2" descr="Picture 2"/>
+          <p:cNvPr id="326" name="image157.png" descr="image157.png"/>
           <p:cNvPicPr>
             <a:picLocks noChangeAspect="1"/>
           </p:cNvPicPr>
@@ -20517,8 +22074,8 @@
         </p:blipFill>
         <p:spPr>
           <a:xfrm>
-            <a:off x="7315451" y="2539710"/>
-            <a:ext cx="4318001" cy="3962673"/>
+            <a:off x="2858545" y="1787898"/>
+            <a:ext cx="4450680" cy="3757359"/>
           </a:xfrm>
           <a:prstGeom prst="rect">
             <a:avLst/>
@@ -20556,75 +22113,7 @@
       </p:grpSpPr>
       <p:sp>
         <p:nvSpPr>
-          <p:cNvPr id="339" name="Title 4"/>
-          <p:cNvSpPr txBox="1"/>
-          <p:nvPr>
-            <p:ph type="title"/>
-          </p:nvPr>
-        </p:nvSpPr>
-        <p:spPr>
-          <a:xfrm>
-            <a:off x="1774725" y="426125"/>
-            <a:ext cx="9312376" cy="972718"/>
-          </a:xfrm>
-          <a:prstGeom prst="rect">
-            <a:avLst/>
-          </a:prstGeom>
-        </p:spPr>
-        <p:txBody>
-          <a:bodyPr/>
-          <a:lstStyle/>
-          <a:p>
-            <a:pPr/>
-            <a:r>
-              <a:t>Popular component: Isotropic_sqw</a:t>
-            </a:r>
-          </a:p>
-        </p:txBody>
-      </p:sp>
-      <p:sp>
-        <p:nvSpPr>
-          <p:cNvPr id="340" name="Content Placeholder 5"/>
-          <p:cNvSpPr txBox="1"/>
-          <p:nvPr>
-            <p:ph type="body" idx="1"/>
-          </p:nvPr>
-        </p:nvSpPr>
-        <p:spPr>
-          <a:xfrm>
-            <a:off x="1774799" y="1706398"/>
-            <a:ext cx="9312376" cy="4545581"/>
-          </a:xfrm>
-          <a:prstGeom prst="rect">
-            <a:avLst/>
-          </a:prstGeom>
-        </p:spPr>
-        <p:txBody>
-          <a:bodyPr/>
-          <a:lstStyle/>
-          <a:p>
-            <a:pPr/>
-            <a:r>
-              <a:t>Isotropic processes (powder, liquid, …)</a:t>
-            </a:r>
-          </a:p>
-          <a:p>
-            <a:pPr/>
-            <a:r>
-              <a:t>Use data files to describe S(q,w) directly, coherent and incoherent</a:t>
-            </a:r>
-          </a:p>
-          <a:p>
-            <a:pPr/>
-            <a:r>
-              <a:t>Supports concentric</a:t>
-            </a:r>
-          </a:p>
-        </p:txBody>
-      </p:sp>
-      <p:sp>
-        <p:nvSpPr>
-          <p:cNvPr id="341" name="Slide Number Placeholder 3"/>
+          <p:cNvPr id="328" name="Slide Number"/>
           <p:cNvSpPr txBox="1"/>
           <p:nvPr>
             <p:ph type="sldNum" sz="quarter" idx="2"/>
@@ -20649,45 +22138,16 @@
           </a:p>
         </p:txBody>
       </p:sp>
-      <p:pic>
-        <p:nvPicPr>
-          <p:cNvPr id="342" name="Picture 6" descr="Picture 6"/>
-          <p:cNvPicPr>
-            <a:picLocks noChangeAspect="1"/>
-          </p:cNvPicPr>
-          <p:nvPr/>
-        </p:nvPicPr>
-        <p:blipFill>
-          <a:blip r:embed="rId2">
-            <a:extLst/>
-          </a:blip>
-          <a:stretch>
-            <a:fillRect/>
-          </a:stretch>
-        </p:blipFill>
-        <p:spPr>
-          <a:xfrm>
-            <a:off x="2411540" y="3070875"/>
-            <a:ext cx="8277587" cy="3181103"/>
-          </a:xfrm>
-          <a:prstGeom prst="rect">
-            <a:avLst/>
-          </a:prstGeom>
-          <a:ln w="12700">
-            <a:miter lim="400000"/>
-          </a:ln>
-        </p:spPr>
-      </p:pic>
       <p:sp>
         <p:nvSpPr>
-          <p:cNvPr id="343" name="TextBox 1"/>
+          <p:cNvPr id="329" name="TextShape 1"/>
           <p:cNvSpPr txBox="1"/>
           <p:nvPr/>
         </p:nvSpPr>
         <p:spPr>
           <a:xfrm>
-            <a:off x="7665256" y="5812718"/>
-            <a:ext cx="375425" cy="345629"/>
+            <a:off x="2730718" y="1257510"/>
+            <a:ext cx="6186268" cy="394767"/>
           </a:xfrm>
           <a:prstGeom prst="rect">
             <a:avLst/>
@@ -20707,27 +22167,37 @@
           </a:bodyPr>
           <a:lstStyle>
             <a:lvl1pPr>
-              <a:defRPr sz="2400"/>
+              <a:defRPr spc="0" sz="2800"/>
             </a:lvl1pPr>
           </a:lstStyle>
           <a:p>
             <a:pPr/>
             <a:r>
-              <a:t>q</a:t>
+              <a:t>SasView_models</a:t>
             </a:r>
           </a:p>
         </p:txBody>
       </p:sp>
-      <p:sp>
-        <p:nvSpPr>
-          <p:cNvPr id="344" name="TextBox 7"/>
-          <p:cNvSpPr txBox="1"/>
+      <p:pic>
+        <p:nvPicPr>
+          <p:cNvPr id="330" name="image158.png" descr="image158.png"/>
+          <p:cNvPicPr>
+            <a:picLocks noChangeAspect="1"/>
+          </p:cNvPicPr>
           <p:nvPr/>
-        </p:nvSpPr>
+        </p:nvPicPr>
+        <p:blipFill>
+          <a:blip r:embed="rId2">
+            <a:extLst/>
+          </a:blip>
+          <a:stretch>
+            <a:fillRect/>
+          </a:stretch>
+        </p:blipFill>
         <p:spPr>
           <a:xfrm>
-            <a:off x="10637247" y="5789974"/>
-            <a:ext cx="375425" cy="345629"/>
+            <a:off x="2366315" y="2405284"/>
+            <a:ext cx="8596670" cy="2386365"/>
           </a:xfrm>
           <a:prstGeom prst="rect">
             <a:avLst/>
@@ -20735,149 +22205,8 @@
           <a:ln w="12700">
             <a:miter lim="400000"/>
           </a:ln>
-          <a:extLst>
-            <a:ext uri="{C572A759-6A51-4108-AA02-DFA0A04FC94B}">
-              <ma14:wrappingTextBoxFlag xmlns:ma14="http://schemas.microsoft.com/office/mac/drawingml/2011/main" val="1"/>
-            </a:ext>
-          </a:extLst>
         </p:spPr>
-        <p:txBody>
-          <a:bodyPr lIns="0" tIns="0" rIns="0" bIns="0">
-            <a:spAutoFit/>
-          </a:bodyPr>
-          <a:lstStyle>
-            <a:lvl1pPr>
-              <a:defRPr sz="2400"/>
-            </a:lvl1pPr>
-          </a:lstStyle>
-          <a:p>
-            <a:pPr/>
-            <a:r>
-              <a:t>q</a:t>
-            </a:r>
-          </a:p>
-        </p:txBody>
-      </p:sp>
-      <p:sp>
-        <p:nvSpPr>
-          <p:cNvPr id="345" name="TextBox 8"/>
-          <p:cNvSpPr txBox="1"/>
-          <p:nvPr/>
-        </p:nvSpPr>
-        <p:spPr>
-          <a:xfrm>
-            <a:off x="5228573" y="3323295"/>
-            <a:ext cx="729206" cy="444501"/>
-          </a:xfrm>
-          <a:prstGeom prst="rect">
-            <a:avLst/>
-          </a:prstGeom>
-          <a:ln w="12700">
-            <a:miter lim="400000"/>
-          </a:ln>
-          <a:extLst>
-            <a:ext uri="{C572A759-6A51-4108-AA02-DFA0A04FC94B}">
-              <ma14:wrappingTextBoxFlag xmlns:ma14="http://schemas.microsoft.com/office/mac/drawingml/2011/main" val="1"/>
-            </a:ext>
-          </a:extLst>
-        </p:spPr>
-        <p:txBody>
-          <a:bodyPr lIns="0" tIns="0" rIns="0" bIns="0">
-            <a:spAutoFit/>
-          </a:bodyPr>
-          <a:lstStyle>
-            <a:lvl1pPr>
-              <a:defRPr sz="3000"/>
-            </a:lvl1pPr>
-          </a:lstStyle>
-          <a:p>
-            <a:pPr/>
-            <a:r>
-              <a:t>⍵</a:t>
-            </a:r>
-          </a:p>
-        </p:txBody>
-      </p:sp>
-      <p:sp>
-        <p:nvSpPr>
-          <p:cNvPr id="346" name="TextBox 10"/>
-          <p:cNvSpPr txBox="1"/>
-          <p:nvPr/>
-        </p:nvSpPr>
-        <p:spPr>
-          <a:xfrm>
-            <a:off x="4332053" y="5892844"/>
-            <a:ext cx="1040047" cy="355601"/>
-          </a:xfrm>
-          <a:prstGeom prst="rect">
-            <a:avLst/>
-          </a:prstGeom>
-          <a:ln w="12700">
-            <a:miter lim="400000"/>
-          </a:ln>
-          <a:extLst>
-            <a:ext uri="{C572A759-6A51-4108-AA02-DFA0A04FC94B}">
-              <ma14:wrappingTextBoxFlag xmlns:ma14="http://schemas.microsoft.com/office/mac/drawingml/2011/main" val="1"/>
-            </a:ext>
-          </a:extLst>
-        </p:spPr>
-        <p:txBody>
-          <a:bodyPr lIns="0" tIns="0" rIns="0" bIns="0">
-            <a:spAutoFit/>
-          </a:bodyPr>
-          <a:lstStyle>
-            <a:lvl1pPr>
-              <a:defRPr sz="2400"/>
-            </a:lvl1pPr>
-          </a:lstStyle>
-          <a:p>
-            <a:pPr/>
-            <a:r>
-              <a:t>P(⍵)</a:t>
-            </a:r>
-          </a:p>
-        </p:txBody>
-      </p:sp>
-      <p:sp>
-        <p:nvSpPr>
-          <p:cNvPr id="347" name="TextBox 11"/>
-          <p:cNvSpPr txBox="1"/>
-          <p:nvPr/>
-        </p:nvSpPr>
-        <p:spPr>
-          <a:xfrm rot="19151016">
-            <a:off x="7697928" y="3105299"/>
-            <a:ext cx="1302072" cy="355601"/>
-          </a:xfrm>
-          <a:prstGeom prst="rect">
-            <a:avLst/>
-          </a:prstGeom>
-          <a:ln w="12700">
-            <a:miter lim="400000"/>
-          </a:ln>
-          <a:extLst>
-            <a:ext uri="{C572A759-6A51-4108-AA02-DFA0A04FC94B}">
-              <ma14:wrappingTextBoxFlag xmlns:ma14="http://schemas.microsoft.com/office/mac/drawingml/2011/main" val="1"/>
-            </a:ext>
-          </a:extLst>
-        </p:spPr>
-        <p:txBody>
-          <a:bodyPr lIns="0" tIns="0" rIns="0" bIns="0">
-            <a:spAutoFit/>
-          </a:bodyPr>
-          <a:lstStyle>
-            <a:lvl1pPr>
-              <a:defRPr sz="2400"/>
-            </a:lvl1pPr>
-          </a:lstStyle>
-          <a:p>
-            <a:pPr/>
-            <a:r>
-              <a:t>P(Q|⍵)</a:t>
-            </a:r>
-          </a:p>
-        </p:txBody>
-      </p:sp>
+      </p:pic>
     </p:spTree>
   </p:cSld>
   <p:clrMapOvr>
@@ -20906,7 +22235,7 @@
       </p:grpSpPr>
       <p:sp>
         <p:nvSpPr>
-          <p:cNvPr id="349" name="Title 4"/>
+          <p:cNvPr id="332" name="Title 4"/>
           <p:cNvSpPr txBox="1"/>
           <p:nvPr>
             <p:ph type="title"/>
@@ -20927,14 +22256,14 @@
           <a:p>
             <a:pPr/>
             <a:r>
-              <a:t>Popular component: Isotropic_sqw</a:t>
+              <a:t>Inelastic scattering S(q,w)</a:t>
             </a:r>
           </a:p>
         </p:txBody>
       </p:sp>
       <p:sp>
         <p:nvSpPr>
-          <p:cNvPr id="350" name="Content Placeholder 5"/>
+          <p:cNvPr id="333" name="Content Placeholder 5"/>
           <p:cNvSpPr txBox="1"/>
           <p:nvPr>
             <p:ph type="body" idx="1"/>
@@ -20955,20 +22284,29 @@
           <a:p>
             <a:pPr/>
             <a:r>
-              <a:t>Rb liquid in time of flight</a:t>
+              <a:t>partial differential cross section</a:t>
             </a:r>
           </a:p>
           <a:p>
             <a:pPr/>
             <a:r>
-              <a:t>Coherent and incoherent</a:t>
+              <a:t>Scattering function</a:t>
+            </a:r>
+          </a:p>
+          <a:p>
+            <a:pPr/>
+          </a:p>
+          <a:p>
+            <a:pPr/>
+            <a:r>
+              <a:t>Phonons, Spin waves, … </a:t>
             </a:r>
           </a:p>
         </p:txBody>
       </p:sp>
       <p:sp>
         <p:nvSpPr>
-          <p:cNvPr id="351" name="Slide Number Placeholder 3"/>
+          <p:cNvPr id="334" name="Slide Number Placeholder 3"/>
           <p:cNvSpPr txBox="1"/>
           <p:nvPr>
             <p:ph type="sldNum" sz="quarter" idx="2"/>
@@ -20995,7 +22333,7 @@
       </p:sp>
       <p:pic>
         <p:nvPicPr>
-          <p:cNvPr id="352" name="Picture 2" descr="Picture 2"/>
+          <p:cNvPr id="335" name="Picture 2" descr="Picture 2"/>
           <p:cNvPicPr>
             <a:picLocks noChangeAspect="1"/>
           </p:cNvPicPr>
@@ -21011,8 +22349,37 @@
         </p:blipFill>
         <p:spPr>
           <a:xfrm>
-            <a:off x="4962052" y="1706397"/>
-            <a:ext cx="7071450" cy="4660112"/>
+            <a:off x="3115753" y="3345038"/>
+            <a:ext cx="3745649" cy="876387"/>
+          </a:xfrm>
+          <a:prstGeom prst="rect">
+            <a:avLst/>
+          </a:prstGeom>
+          <a:ln w="12700">
+            <a:miter lim="400000"/>
+          </a:ln>
+        </p:spPr>
+      </p:pic>
+      <p:pic>
+        <p:nvPicPr>
+          <p:cNvPr id="336" name="Picture 4" descr="Picture 4"/>
+          <p:cNvPicPr>
+            <a:picLocks noChangeAspect="1"/>
+          </p:cNvPicPr>
+          <p:nvPr/>
+        </p:nvPicPr>
+        <p:blipFill>
+          <a:blip r:embed="rId3">
+            <a:extLst/>
+          </a:blip>
+          <a:stretch>
+            <a:fillRect/>
+          </a:stretch>
+        </p:blipFill>
+        <p:spPr>
+          <a:xfrm>
+            <a:off x="3537272" y="4221424"/>
+            <a:ext cx="6359081" cy="776108"/>
           </a:xfrm>
           <a:prstGeom prst="rect">
             <a:avLst/>

--- a/ESS_May_2021/Thursday_May_6th/2_Samples_II/More_samples.pptx
+++ b/ESS_May_2021/Thursday_May_6th/2_Samples_II/More_samples.pptx
@@ -17481,52 +17481,6 @@
           </a:p>
         </p:txBody>
       </p:sp>
-      <p:sp>
-        <p:nvSpPr>
-          <p:cNvPr id="292" name="Subtitle 4"/>
-          <p:cNvSpPr txBox="1"/>
-          <p:nvPr/>
-        </p:nvSpPr>
-        <p:spPr>
-          <a:xfrm>
-            <a:off x="5423705" y="4844643"/>
-            <a:ext cx="10840031" cy="1660657"/>
-          </a:xfrm>
-          <a:prstGeom prst="rect">
-            <a:avLst/>
-          </a:prstGeom>
-          <a:ln w="12700">
-            <a:miter lim="400000"/>
-          </a:ln>
-          <a:extLst>
-            <a:ext uri="{C572A759-6A51-4108-AA02-DFA0A04FC94B}">
-              <ma14:wrappingTextBoxFlag xmlns:ma14="http://schemas.microsoft.com/office/mac/drawingml/2011/main" val="1"/>
-            </a:ext>
-          </a:extLst>
-        </p:spPr>
-        <p:txBody>
-          <a:bodyPr lIns="0" tIns="0" rIns="0" bIns="0" anchor="b">
-            <a:normAutofit fontScale="100000" lnSpcReduction="0"/>
-          </a:bodyPr>
-          <a:lstStyle>
-            <a:lvl1pPr>
-              <a:lnSpc>
-                <a:spcPct val="110000"/>
-              </a:lnSpc>
-              <a:spcBef>
-                <a:spcPts val="0"/>
-              </a:spcBef>
-              <a:defRPr sz="2000"/>
-            </a:lvl1pPr>
-          </a:lstStyle>
-          <a:p>
-            <a:pPr/>
-            <a:r>
-              <a:t>Slides adapted from Mads Bertelsen, ESS DMSC</a:t>
-            </a:r>
-          </a:p>
-        </p:txBody>
-      </p:sp>
     </p:spTree>
   </p:cSld>
   <p:clrMapOvr>
@@ -17555,7 +17509,7 @@
       </p:grpSpPr>
       <p:sp>
         <p:nvSpPr>
-          <p:cNvPr id="338" name="Title 4"/>
+          <p:cNvPr id="337" name="Title 4"/>
           <p:cNvSpPr txBox="1"/>
           <p:nvPr>
             <p:ph type="title"/>
@@ -17583,7 +17537,7 @@
       </p:sp>
       <p:sp>
         <p:nvSpPr>
-          <p:cNvPr id="339" name="Content Placeholder 5"/>
+          <p:cNvPr id="338" name="Content Placeholder 5"/>
           <p:cNvSpPr txBox="1"/>
           <p:nvPr>
             <p:ph type="body" idx="1"/>
@@ -17611,7 +17565,7 @@
       </p:sp>
       <p:sp>
         <p:nvSpPr>
-          <p:cNvPr id="340" name="Slide Number Placeholder 3"/>
+          <p:cNvPr id="339" name="Slide Number Placeholder 3"/>
           <p:cNvSpPr txBox="1"/>
           <p:nvPr>
             <p:ph type="sldNum" sz="quarter" idx="2"/>
@@ -17638,7 +17592,7 @@
       </p:sp>
       <p:pic>
         <p:nvPicPr>
-          <p:cNvPr id="341" name="Picture 6" descr="Picture 6"/>
+          <p:cNvPr id="340" name="Picture 6" descr="Picture 6"/>
           <p:cNvPicPr>
             <a:picLocks noChangeAspect="1"/>
           </p:cNvPicPr>
@@ -17668,7 +17622,7 @@
       </p:pic>
       <p:sp>
         <p:nvSpPr>
-          <p:cNvPr id="342" name="TextBox 3"/>
+          <p:cNvPr id="341" name="TextBox 3"/>
           <p:cNvSpPr txBox="1"/>
           <p:nvPr/>
         </p:nvSpPr>
@@ -17782,7 +17736,7 @@
       </p:sp>
       <p:pic>
         <p:nvPicPr>
-          <p:cNvPr id="343" name="Picture 5" descr="Picture 5"/>
+          <p:cNvPr id="342" name="Picture 5" descr="Picture 5"/>
           <p:cNvPicPr>
             <a:picLocks noChangeAspect="1"/>
           </p:cNvPicPr>
@@ -17811,7 +17765,7 @@
       </p:pic>
       <p:pic>
         <p:nvPicPr>
-          <p:cNvPr id="344" name="Picture 8" descr="Picture 8"/>
+          <p:cNvPr id="343" name="Picture 8" descr="Picture 8"/>
           <p:cNvPicPr>
             <a:picLocks noChangeAspect="1"/>
           </p:cNvPicPr>
@@ -17840,7 +17794,7 @@
       </p:pic>
       <p:pic>
         <p:nvPicPr>
-          <p:cNvPr id="345" name="Picture 10" descr="Picture 10"/>
+          <p:cNvPr id="344" name="Picture 10" descr="Picture 10"/>
           <p:cNvPicPr>
             <a:picLocks noChangeAspect="1"/>
           </p:cNvPicPr>
@@ -17869,7 +17823,7 @@
       </p:pic>
       <p:sp>
         <p:nvSpPr>
-          <p:cNvPr id="346" name="TextBox 11"/>
+          <p:cNvPr id="345" name="TextBox 11"/>
           <p:cNvSpPr txBox="1"/>
           <p:nvPr/>
         </p:nvSpPr>
@@ -17905,7 +17859,7 @@
       </p:sp>
       <p:sp>
         <p:nvSpPr>
-          <p:cNvPr id="347" name="TextBox 15"/>
+          <p:cNvPr id="346" name="TextBox 15"/>
           <p:cNvSpPr txBox="1"/>
           <p:nvPr/>
         </p:nvSpPr>
@@ -17967,35 +17921,7 @@
       </p:grpSpPr>
       <p:sp>
         <p:nvSpPr>
-          <p:cNvPr id="349" name="Title 4"/>
-          <p:cNvSpPr txBox="1"/>
-          <p:nvPr>
-            <p:ph type="title"/>
-          </p:nvPr>
-        </p:nvSpPr>
-        <p:spPr>
-          <a:xfrm>
-            <a:off x="1774725" y="426125"/>
-            <a:ext cx="9312376" cy="972718"/>
-          </a:xfrm>
-          <a:prstGeom prst="rect">
-            <a:avLst/>
-          </a:prstGeom>
-        </p:spPr>
-        <p:txBody>
-          <a:bodyPr/>
-          <a:lstStyle/>
-          <a:p>
-            <a:pPr/>
-            <a:r>
-              <a:t>Popular component: Phonon_simple</a:t>
-            </a:r>
-          </a:p>
-        </p:txBody>
-      </p:sp>
-      <p:sp>
-        <p:nvSpPr>
-          <p:cNvPr id="350" name="Straight Connector 12"/>
+          <p:cNvPr id="348" name="Straight Connector 12"/>
           <p:cNvSpPr/>
           <p:nvPr/>
         </p:nvSpPr>
@@ -18030,7 +17956,7 @@
       </p:sp>
       <p:pic>
         <p:nvPicPr>
-          <p:cNvPr id="351" name="Picture 15" descr="Picture 15"/>
+          <p:cNvPr id="349" name="Picture 15" descr="Picture 15"/>
           <p:cNvPicPr>
             <a:picLocks noChangeAspect="1"/>
           </p:cNvPicPr>
@@ -18059,35 +17985,7 @@
       </p:pic>
       <p:sp>
         <p:nvSpPr>
-          <p:cNvPr id="352" name="Content Placeholder 5"/>
-          <p:cNvSpPr txBox="1"/>
-          <p:nvPr>
-            <p:ph type="body" idx="1"/>
-          </p:nvPr>
-        </p:nvSpPr>
-        <p:spPr>
-          <a:xfrm>
-            <a:off x="1774799" y="1706398"/>
-            <a:ext cx="9312376" cy="4545581"/>
-          </a:xfrm>
-          <a:prstGeom prst="rect">
-            <a:avLst/>
-          </a:prstGeom>
-        </p:spPr>
-        <p:txBody>
-          <a:bodyPr/>
-          <a:lstStyle/>
-          <a:p>
-            <a:pPr/>
-            <a:r>
-              <a:t>Dispersion relation, theory and mcstas</a:t>
-            </a:r>
-          </a:p>
-        </p:txBody>
-      </p:sp>
-      <p:sp>
-        <p:nvSpPr>
-          <p:cNvPr id="353" name="Slide Number Placeholder 3"/>
+          <p:cNvPr id="350" name="Slide Number Placeholder 3"/>
           <p:cNvSpPr txBox="1"/>
           <p:nvPr>
             <p:ph type="sldNum" sz="quarter" idx="2"/>
@@ -18114,7 +18012,7 @@
       </p:sp>
       <p:sp>
         <p:nvSpPr>
-          <p:cNvPr id="354" name="Straight Arrow Connector 2"/>
+          <p:cNvPr id="351" name="Straight Arrow Connector 2"/>
           <p:cNvSpPr/>
           <p:nvPr/>
         </p:nvSpPr>
@@ -18150,7 +18048,7 @@
       </p:sp>
       <p:sp>
         <p:nvSpPr>
-          <p:cNvPr id="355" name="Straight Arrow Connector 7"/>
+          <p:cNvPr id="352" name="Straight Arrow Connector 7"/>
           <p:cNvSpPr/>
           <p:nvPr/>
         </p:nvSpPr>
@@ -18186,7 +18084,7 @@
       </p:sp>
       <p:sp>
         <p:nvSpPr>
-          <p:cNvPr id="356" name="TextBox 5"/>
+          <p:cNvPr id="353" name="TextBox 5"/>
           <p:cNvSpPr txBox="1"/>
           <p:nvPr/>
         </p:nvSpPr>
@@ -18226,7 +18124,7 @@
       </p:sp>
       <p:sp>
         <p:nvSpPr>
-          <p:cNvPr id="357" name="TextBox 6"/>
+          <p:cNvPr id="354" name="TextBox 6"/>
           <p:cNvSpPr txBox="1"/>
           <p:nvPr/>
         </p:nvSpPr>
@@ -18266,7 +18164,7 @@
       </p:sp>
       <p:sp>
         <p:nvSpPr>
-          <p:cNvPr id="358" name="TextBox 11"/>
+          <p:cNvPr id="355" name="TextBox 11"/>
           <p:cNvSpPr txBox="1"/>
           <p:nvPr/>
         </p:nvSpPr>
@@ -18308,7 +18206,7 @@
       </p:sp>
       <p:sp>
         <p:nvSpPr>
-          <p:cNvPr id="359" name="Oval 8"/>
+          <p:cNvPr id="356" name="Oval 8"/>
           <p:cNvSpPr/>
           <p:nvPr/>
         </p:nvSpPr>
@@ -18339,14 +18237,14 @@
       </p:sp>
       <p:sp>
         <p:nvSpPr>
-          <p:cNvPr id="360" name="Rectangle 9"/>
+          <p:cNvPr id="357" name="Rectangle 9"/>
           <p:cNvSpPr/>
           <p:nvPr/>
         </p:nvSpPr>
         <p:spPr>
           <a:xfrm>
-            <a:off x="2721163" y="-942373"/>
-            <a:ext cx="4213669" cy="3944653"/>
+            <a:off x="2721163" y="-1517901"/>
+            <a:ext cx="4213669" cy="4520181"/>
           </a:xfrm>
           <a:prstGeom prst="rect">
             <a:avLst/>
@@ -18365,6 +18263,62 @@
           <a:lstStyle/>
           <a:p>
             <a:pPr/>
+          </a:p>
+        </p:txBody>
+      </p:sp>
+      <p:sp>
+        <p:nvSpPr>
+          <p:cNvPr id="358" name="Title 4"/>
+          <p:cNvSpPr txBox="1"/>
+          <p:nvPr>
+            <p:ph type="title"/>
+          </p:nvPr>
+        </p:nvSpPr>
+        <p:spPr>
+          <a:xfrm>
+            <a:off x="1774725" y="426125"/>
+            <a:ext cx="9312376" cy="972718"/>
+          </a:xfrm>
+          <a:prstGeom prst="rect">
+            <a:avLst/>
+          </a:prstGeom>
+        </p:spPr>
+        <p:txBody>
+          <a:bodyPr/>
+          <a:lstStyle/>
+          <a:p>
+            <a:pPr/>
+            <a:r>
+              <a:t>Popular component: Phonon_simple</a:t>
+            </a:r>
+          </a:p>
+        </p:txBody>
+      </p:sp>
+      <p:sp>
+        <p:nvSpPr>
+          <p:cNvPr id="359" name="Content Placeholder 5"/>
+          <p:cNvSpPr txBox="1"/>
+          <p:nvPr>
+            <p:ph type="body" idx="1"/>
+          </p:nvPr>
+        </p:nvSpPr>
+        <p:spPr>
+          <a:xfrm>
+            <a:off x="1774799" y="1706398"/>
+            <a:ext cx="9312376" cy="4545581"/>
+          </a:xfrm>
+          <a:prstGeom prst="rect">
+            <a:avLst/>
+          </a:prstGeom>
+        </p:spPr>
+        <p:txBody>
+          <a:bodyPr/>
+          <a:lstStyle/>
+          <a:p>
+            <a:pPr/>
+            <a:r>
+              <a:t>Dispersion relation, theory and mcstas</a:t>
+            </a:r>
           </a:p>
         </p:txBody>
       </p:sp>
@@ -18396,7 +18350,7 @@
       </p:grpSpPr>
       <p:sp>
         <p:nvSpPr>
-          <p:cNvPr id="362" name="Title 4"/>
+          <p:cNvPr id="361" name="Title 4"/>
           <p:cNvSpPr txBox="1"/>
           <p:nvPr>
             <p:ph type="title"/>
@@ -18424,7 +18378,7 @@
       </p:sp>
       <p:sp>
         <p:nvSpPr>
-          <p:cNvPr id="363" name="Content Placeholder 5"/>
+          <p:cNvPr id="362" name="Content Placeholder 5"/>
           <p:cNvSpPr txBox="1"/>
           <p:nvPr>
             <p:ph type="body" idx="1"/>
@@ -18452,7 +18406,7 @@
       </p:sp>
       <p:sp>
         <p:nvSpPr>
-          <p:cNvPr id="364" name="Slide Number Placeholder 3"/>
+          <p:cNvPr id="363" name="Slide Number Placeholder 3"/>
           <p:cNvSpPr txBox="1"/>
           <p:nvPr>
             <p:ph type="sldNum" sz="quarter" idx="2"/>
@@ -18479,7 +18433,7 @@
       </p:sp>
       <p:pic>
         <p:nvPicPr>
-          <p:cNvPr id="365" name="Picture 2" descr="Picture 2"/>
+          <p:cNvPr id="364" name="Picture 2" descr="Picture 2"/>
           <p:cNvPicPr>
             <a:picLocks noChangeAspect="1"/>
           </p:cNvPicPr>
@@ -18509,7 +18463,7 @@
       </p:pic>
       <p:sp>
         <p:nvSpPr>
-          <p:cNvPr id="366" name="TextBox 3"/>
+          <p:cNvPr id="365" name="TextBox 3"/>
           <p:cNvSpPr txBox="1"/>
           <p:nvPr/>
         </p:nvSpPr>
@@ -18579,7 +18533,7 @@
       </p:grpSpPr>
       <p:sp>
         <p:nvSpPr>
-          <p:cNvPr id="368" name="Title 4"/>
+          <p:cNvPr id="367" name="Title 4"/>
           <p:cNvSpPr txBox="1"/>
           <p:nvPr>
             <p:ph type="title"/>
@@ -18607,7 +18561,7 @@
       </p:sp>
       <p:sp>
         <p:nvSpPr>
-          <p:cNvPr id="369" name="Content Placeholder 5"/>
+          <p:cNvPr id="368" name="Content Placeholder 5"/>
           <p:cNvSpPr txBox="1"/>
           <p:nvPr>
             <p:ph type="body" idx="1"/>
@@ -18647,7 +18601,7 @@
       </p:sp>
       <p:sp>
         <p:nvSpPr>
-          <p:cNvPr id="370" name="Slide Number Placeholder 3"/>
+          <p:cNvPr id="369" name="Slide Number Placeholder 3"/>
           <p:cNvSpPr txBox="1"/>
           <p:nvPr>
             <p:ph type="sldNum" sz="quarter" idx="2"/>
@@ -18674,7 +18628,7 @@
       </p:sp>
       <p:pic>
         <p:nvPicPr>
-          <p:cNvPr id="371" name="Picture 2" descr="Picture 2"/>
+          <p:cNvPr id="370" name="Picture 2" descr="Picture 2"/>
           <p:cNvPicPr>
             <a:picLocks noChangeAspect="1"/>
           </p:cNvPicPr>
@@ -18729,7 +18683,7 @@
       </p:grpSpPr>
       <p:sp>
         <p:nvSpPr>
-          <p:cNvPr id="373" name="Title 4"/>
+          <p:cNvPr id="372" name="Title 4"/>
           <p:cNvSpPr txBox="1"/>
           <p:nvPr>
             <p:ph type="title"/>
@@ -18757,7 +18711,7 @@
       </p:sp>
       <p:sp>
         <p:nvSpPr>
-          <p:cNvPr id="374" name="Content Placeholder 5"/>
+          <p:cNvPr id="373" name="Content Placeholder 5"/>
           <p:cNvSpPr txBox="1"/>
           <p:nvPr>
             <p:ph type="body" idx="1"/>
@@ -18797,7 +18751,7 @@
       </p:sp>
       <p:sp>
         <p:nvSpPr>
-          <p:cNvPr id="375" name="Slide Number Placeholder 3"/>
+          <p:cNvPr id="374" name="Slide Number Placeholder 3"/>
           <p:cNvSpPr txBox="1"/>
           <p:nvPr>
             <p:ph type="sldNum" sz="quarter" idx="2"/>
@@ -18824,7 +18778,7 @@
       </p:sp>
       <p:pic>
         <p:nvPicPr>
-          <p:cNvPr id="376" name="Picture 6" descr="Picture 6"/>
+          <p:cNvPr id="375" name="Picture 6" descr="Picture 6"/>
           <p:cNvPicPr>
             <a:picLocks noChangeAspect="1"/>
           </p:cNvPicPr>
@@ -18853,7 +18807,7 @@
       </p:pic>
       <p:sp>
         <p:nvSpPr>
-          <p:cNvPr id="377" name="TextBox 1"/>
+          <p:cNvPr id="376" name="TextBox 1"/>
           <p:cNvSpPr txBox="1"/>
           <p:nvPr/>
         </p:nvSpPr>
@@ -18893,7 +18847,7 @@
       </p:sp>
       <p:sp>
         <p:nvSpPr>
-          <p:cNvPr id="378" name="TextBox 7"/>
+          <p:cNvPr id="377" name="TextBox 7"/>
           <p:cNvSpPr txBox="1"/>
           <p:nvPr/>
         </p:nvSpPr>
@@ -18933,7 +18887,7 @@
       </p:sp>
       <p:sp>
         <p:nvSpPr>
-          <p:cNvPr id="379" name="TextBox 8"/>
+          <p:cNvPr id="378" name="TextBox 8"/>
           <p:cNvSpPr txBox="1"/>
           <p:nvPr/>
         </p:nvSpPr>
@@ -18973,7 +18927,7 @@
       </p:sp>
       <p:sp>
         <p:nvSpPr>
-          <p:cNvPr id="380" name="TextBox 10"/>
+          <p:cNvPr id="379" name="TextBox 10"/>
           <p:cNvSpPr txBox="1"/>
           <p:nvPr/>
         </p:nvSpPr>
@@ -19013,7 +18967,7 @@
       </p:sp>
       <p:sp>
         <p:nvSpPr>
-          <p:cNvPr id="381" name="TextBox 11"/>
+          <p:cNvPr id="380" name="TextBox 11"/>
           <p:cNvSpPr txBox="1"/>
           <p:nvPr/>
         </p:nvSpPr>
@@ -19079,7 +19033,7 @@
       </p:grpSpPr>
       <p:sp>
         <p:nvSpPr>
-          <p:cNvPr id="383" name="Title 4"/>
+          <p:cNvPr id="382" name="Title 4"/>
           <p:cNvSpPr txBox="1"/>
           <p:nvPr>
             <p:ph type="title"/>
@@ -19107,7 +19061,7 @@
       </p:sp>
       <p:sp>
         <p:nvSpPr>
-          <p:cNvPr id="384" name="Content Placeholder 5"/>
+          <p:cNvPr id="383" name="Content Placeholder 5"/>
           <p:cNvSpPr txBox="1"/>
           <p:nvPr>
             <p:ph type="body" idx="1"/>
@@ -19141,7 +19095,7 @@
       </p:sp>
       <p:sp>
         <p:nvSpPr>
-          <p:cNvPr id="385" name="Slide Number Placeholder 3"/>
+          <p:cNvPr id="384" name="Slide Number Placeholder 3"/>
           <p:cNvSpPr txBox="1"/>
           <p:nvPr>
             <p:ph type="sldNum" sz="quarter" idx="2"/>
@@ -19168,7 +19122,7 @@
       </p:sp>
       <p:pic>
         <p:nvPicPr>
-          <p:cNvPr id="386" name="Picture 2" descr="Picture 2"/>
+          <p:cNvPr id="385" name="Picture 2" descr="Picture 2"/>
           <p:cNvPicPr>
             <a:picLocks noChangeAspect="1"/>
           </p:cNvPicPr>
@@ -19223,7 +19177,7 @@
       </p:grpSpPr>
       <p:sp>
         <p:nvSpPr>
-          <p:cNvPr id="388" name="Title 4"/>
+          <p:cNvPr id="387" name="Title 4"/>
           <p:cNvSpPr txBox="1"/>
           <p:nvPr>
             <p:ph type="title"/>
@@ -19251,7 +19205,7 @@
       </p:sp>
       <p:sp>
         <p:nvSpPr>
-          <p:cNvPr id="389" name="Content Placeholder 5"/>
+          <p:cNvPr id="388" name="Content Placeholder 5"/>
           <p:cNvSpPr txBox="1"/>
           <p:nvPr>
             <p:ph type="body" idx="1"/>
@@ -19291,7 +19245,7 @@
       </p:sp>
       <p:sp>
         <p:nvSpPr>
-          <p:cNvPr id="390" name="Slide Number Placeholder 3"/>
+          <p:cNvPr id="389" name="Slide Number Placeholder 3"/>
           <p:cNvSpPr txBox="1"/>
           <p:nvPr>
             <p:ph type="sldNum" sz="quarter" idx="2"/>
@@ -19318,7 +19272,7 @@
       </p:sp>
       <p:sp>
         <p:nvSpPr>
-          <p:cNvPr id="391" name="Straight Arrow Connector 2"/>
+          <p:cNvPr id="390" name="Straight Arrow Connector 2"/>
           <p:cNvSpPr/>
           <p:nvPr/>
         </p:nvSpPr>
@@ -19354,7 +19308,7 @@
       </p:sp>
       <p:sp>
         <p:nvSpPr>
-          <p:cNvPr id="392" name="Straight Arrow Connector 7"/>
+          <p:cNvPr id="391" name="Straight Arrow Connector 7"/>
           <p:cNvSpPr/>
           <p:nvPr/>
         </p:nvSpPr>
@@ -19390,7 +19344,7 @@
       </p:sp>
       <p:sp>
         <p:nvSpPr>
-          <p:cNvPr id="393" name="Straight Arrow Connector 9"/>
+          <p:cNvPr id="392" name="Straight Arrow Connector 9"/>
           <p:cNvSpPr/>
           <p:nvPr/>
         </p:nvSpPr>
@@ -19426,7 +19380,7 @@
       </p:sp>
       <p:sp>
         <p:nvSpPr>
-          <p:cNvPr id="394" name="Straight Connector 15"/>
+          <p:cNvPr id="393" name="Straight Connector 15"/>
           <p:cNvSpPr/>
           <p:nvPr/>
         </p:nvSpPr>
@@ -19461,7 +19415,7 @@
       </p:sp>
       <p:sp>
         <p:nvSpPr>
-          <p:cNvPr id="395" name="Straight Connector 20"/>
+          <p:cNvPr id="394" name="Straight Connector 20"/>
           <p:cNvSpPr/>
           <p:nvPr/>
         </p:nvSpPr>
@@ -19496,7 +19450,7 @@
       </p:sp>
       <p:sp>
         <p:nvSpPr>
-          <p:cNvPr id="396" name="Straight Connector 22"/>
+          <p:cNvPr id="395" name="Straight Connector 22"/>
           <p:cNvSpPr/>
           <p:nvPr/>
         </p:nvSpPr>
@@ -19531,7 +19485,7 @@
       </p:sp>
       <p:sp>
         <p:nvSpPr>
-          <p:cNvPr id="397" name="Straight Connector 23"/>
+          <p:cNvPr id="396" name="Straight Connector 23"/>
           <p:cNvSpPr/>
           <p:nvPr/>
         </p:nvSpPr>
@@ -19566,7 +19520,7 @@
       </p:sp>
       <p:sp>
         <p:nvSpPr>
-          <p:cNvPr id="398" name="Straight Connector 24"/>
+          <p:cNvPr id="397" name="Straight Connector 24"/>
           <p:cNvSpPr/>
           <p:nvPr/>
         </p:nvSpPr>
@@ -19601,7 +19555,7 @@
       </p:sp>
       <p:sp>
         <p:nvSpPr>
-          <p:cNvPr id="399" name="Straight Connector 25"/>
+          <p:cNvPr id="398" name="Straight Connector 25"/>
           <p:cNvSpPr/>
           <p:nvPr/>
         </p:nvSpPr>
@@ -19636,7 +19590,7 @@
       </p:sp>
       <p:sp>
         <p:nvSpPr>
-          <p:cNvPr id="400" name="Straight Connector 26"/>
+          <p:cNvPr id="399" name="Straight Connector 26"/>
           <p:cNvSpPr/>
           <p:nvPr/>
         </p:nvSpPr>
@@ -19671,7 +19625,7 @@
       </p:sp>
       <p:sp>
         <p:nvSpPr>
-          <p:cNvPr id="401" name="Straight Connector 27"/>
+          <p:cNvPr id="400" name="Straight Connector 27"/>
           <p:cNvSpPr/>
           <p:nvPr/>
         </p:nvSpPr>
@@ -19706,7 +19660,7 @@
       </p:sp>
       <p:sp>
         <p:nvSpPr>
-          <p:cNvPr id="402" name="Straight Connector 30"/>
+          <p:cNvPr id="401" name="Straight Connector 30"/>
           <p:cNvSpPr/>
           <p:nvPr/>
         </p:nvSpPr>
@@ -19741,7 +19695,7 @@
       </p:sp>
       <p:sp>
         <p:nvSpPr>
-          <p:cNvPr id="403" name="Straight Connector 34"/>
+          <p:cNvPr id="402" name="Straight Connector 34"/>
           <p:cNvSpPr/>
           <p:nvPr/>
         </p:nvSpPr>
@@ -19776,7 +19730,7 @@
       </p:sp>
       <p:sp>
         <p:nvSpPr>
-          <p:cNvPr id="404" name="Straight Connector 35"/>
+          <p:cNvPr id="403" name="Straight Connector 35"/>
           <p:cNvSpPr/>
           <p:nvPr/>
         </p:nvSpPr>
@@ -19811,7 +19765,7 @@
       </p:sp>
       <p:sp>
         <p:nvSpPr>
-          <p:cNvPr id="405" name="Straight Connector 36"/>
+          <p:cNvPr id="404" name="Straight Connector 36"/>
           <p:cNvSpPr/>
           <p:nvPr/>
         </p:nvSpPr>
@@ -19846,7 +19800,7 @@
       </p:sp>
       <p:sp>
         <p:nvSpPr>
-          <p:cNvPr id="406" name="TextBox 37"/>
+          <p:cNvPr id="405" name="TextBox 37"/>
           <p:cNvSpPr txBox="1"/>
           <p:nvPr/>
         </p:nvSpPr>
@@ -19888,7 +19842,7 @@
       </p:sp>
       <p:sp>
         <p:nvSpPr>
-          <p:cNvPr id="407" name="TextBox 38"/>
+          <p:cNvPr id="406" name="TextBox 38"/>
           <p:cNvSpPr txBox="1"/>
           <p:nvPr/>
         </p:nvSpPr>
@@ -19930,7 +19884,7 @@
       </p:sp>
       <p:sp>
         <p:nvSpPr>
-          <p:cNvPr id="408" name="TextBox 39"/>
+          <p:cNvPr id="407" name="TextBox 39"/>
           <p:cNvSpPr txBox="1"/>
           <p:nvPr/>
         </p:nvSpPr>
@@ -19972,7 +19926,7 @@
       </p:sp>
       <p:sp>
         <p:nvSpPr>
-          <p:cNvPr id="409" name="TextBox 40"/>
+          <p:cNvPr id="408" name="TextBox 40"/>
           <p:cNvSpPr txBox="1"/>
           <p:nvPr/>
         </p:nvSpPr>
@@ -20014,7 +19968,7 @@
       </p:sp>
       <p:sp>
         <p:nvSpPr>
-          <p:cNvPr id="410" name="TextBox 28"/>
+          <p:cNvPr id="409" name="TextBox 28"/>
           <p:cNvSpPr txBox="1"/>
           <p:nvPr/>
         </p:nvSpPr>
@@ -20056,7 +20010,7 @@
       </p:sp>
       <p:sp>
         <p:nvSpPr>
-          <p:cNvPr id="411" name="TextBox 29"/>
+          <p:cNvPr id="410" name="TextBox 29"/>
           <p:cNvSpPr txBox="1"/>
           <p:nvPr/>
         </p:nvSpPr>
@@ -20098,7 +20052,7 @@
       </p:sp>
       <p:sp>
         <p:nvSpPr>
-          <p:cNvPr id="412" name="TextBox 31"/>
+          <p:cNvPr id="411" name="TextBox 31"/>
           <p:cNvSpPr txBox="1"/>
           <p:nvPr/>
         </p:nvSpPr>
@@ -20140,7 +20094,7 @@
       </p:sp>
       <p:sp>
         <p:nvSpPr>
-          <p:cNvPr id="413" name="TextBox 32"/>
+          <p:cNvPr id="412" name="TextBox 32"/>
           <p:cNvSpPr txBox="1"/>
           <p:nvPr/>
         </p:nvSpPr>
@@ -20208,7 +20162,7 @@
       </p:grpSpPr>
       <p:sp>
         <p:nvSpPr>
-          <p:cNvPr id="415" name="Title 4"/>
+          <p:cNvPr id="414" name="Title 4"/>
           <p:cNvSpPr txBox="1"/>
           <p:nvPr>
             <p:ph type="title"/>
@@ -20216,7 +20170,7 @@
         </p:nvSpPr>
         <p:spPr>
           <a:xfrm>
-            <a:off x="1774725" y="426125"/>
+            <a:off x="1927209" y="157033"/>
             <a:ext cx="9312376" cy="972718"/>
           </a:xfrm>
           <a:prstGeom prst="rect">
@@ -20236,13 +20190,17 @@
       </p:sp>
       <p:sp>
         <p:nvSpPr>
-          <p:cNvPr id="416" name="Content Placeholder 5"/>
+          <p:cNvPr id="415" name="Content Placeholder 5"/>
           <p:cNvSpPr txBox="1"/>
           <p:nvPr>
             <p:ph type="body" idx="1"/>
           </p:nvPr>
         </p:nvSpPr>
         <p:spPr>
+          <a:xfrm>
+            <a:off x="1800889" y="1156211"/>
+            <a:ext cx="9312376" cy="4545578"/>
+          </a:xfrm>
           <a:prstGeom prst="rect">
             <a:avLst/>
           </a:prstGeom>
@@ -20260,7 +20218,7 @@
       </p:sp>
       <p:sp>
         <p:nvSpPr>
-          <p:cNvPr id="417" name="Slide Number Placeholder 3"/>
+          <p:cNvPr id="416" name="Slide Number Placeholder 3"/>
           <p:cNvSpPr txBox="1"/>
           <p:nvPr>
             <p:ph type="sldNum" sz="quarter" idx="2"/>
@@ -20287,7 +20245,7 @@
       </p:sp>
       <p:pic>
         <p:nvPicPr>
-          <p:cNvPr id="418" name="Picture 2" descr="Picture 2"/>
+          <p:cNvPr id="417" name="Picture 2" descr="Picture 2"/>
           <p:cNvPicPr>
             <a:picLocks noChangeAspect="1"/>
           </p:cNvPicPr>
@@ -20343,7 +20301,7 @@
       </p:grpSpPr>
       <p:sp>
         <p:nvSpPr>
-          <p:cNvPr id="420" name="Title 4"/>
+          <p:cNvPr id="419" name="Title 4"/>
           <p:cNvSpPr txBox="1"/>
           <p:nvPr>
             <p:ph type="title"/>
@@ -20351,7 +20309,7 @@
         </p:nvSpPr>
         <p:spPr>
           <a:xfrm>
-            <a:off x="1774725" y="426125"/>
+            <a:off x="1774725" y="297698"/>
             <a:ext cx="9312376" cy="972718"/>
           </a:xfrm>
           <a:prstGeom prst="rect">
@@ -20371,31 +20329,7 @@
       </p:sp>
       <p:sp>
         <p:nvSpPr>
-          <p:cNvPr id="421" name="Content Placeholder 5"/>
-          <p:cNvSpPr txBox="1"/>
-          <p:nvPr>
-            <p:ph type="body" idx="1"/>
-          </p:nvPr>
-        </p:nvSpPr>
-        <p:spPr>
-          <a:prstGeom prst="rect">
-            <a:avLst/>
-          </a:prstGeom>
-        </p:spPr>
-        <p:txBody>
-          <a:bodyPr/>
-          <a:lstStyle/>
-          <a:p>
-            <a:pPr/>
-            <a:r>
-              <a:t>Only a small fraction of neutrons arrive, most are simulated in vain</a:t>
-            </a:r>
-          </a:p>
-        </p:txBody>
-      </p:sp>
-      <p:sp>
-        <p:nvSpPr>
-          <p:cNvPr id="422" name="Slide Number Placeholder 3"/>
+          <p:cNvPr id="420" name="Slide Number Placeholder 3"/>
           <p:cNvSpPr txBox="1"/>
           <p:nvPr>
             <p:ph type="sldNum" sz="quarter" idx="2"/>
@@ -20422,7 +20356,7 @@
       </p:sp>
       <p:pic>
         <p:nvPicPr>
-          <p:cNvPr id="423" name="Picture 3" descr="Picture 3"/>
+          <p:cNvPr id="421" name="Picture 3" descr="Picture 3"/>
           <p:cNvPicPr>
             <a:picLocks noChangeAspect="1"/>
           </p:cNvPicPr>
@@ -20449,6 +20383,34 @@
           </a:ln>
         </p:spPr>
       </p:pic>
+      <p:sp>
+        <p:nvSpPr>
+          <p:cNvPr id="422" name="Content Placeholder 5"/>
+          <p:cNvSpPr txBox="1"/>
+          <p:nvPr>
+            <p:ph type="body" idx="1"/>
+          </p:nvPr>
+        </p:nvSpPr>
+        <p:spPr>
+          <a:xfrm>
+            <a:off x="1643980" y="1429811"/>
+            <a:ext cx="9312375" cy="4545578"/>
+          </a:xfrm>
+          <a:prstGeom prst="rect">
+            <a:avLst/>
+          </a:prstGeom>
+        </p:spPr>
+        <p:txBody>
+          <a:bodyPr/>
+          <a:lstStyle/>
+          <a:p>
+            <a:pPr/>
+            <a:r>
+              <a:t>Only a small fraction of neutrons arrive, most are simulated in vain</a:t>
+            </a:r>
+          </a:p>
+        </p:txBody>
+      </p:sp>
     </p:spTree>
   </p:cSld>
   <p:clrMapOvr>
@@ -20477,7 +20439,7 @@
       </p:grpSpPr>
       <p:sp>
         <p:nvSpPr>
-          <p:cNvPr id="425" name="Title 4"/>
+          <p:cNvPr id="424" name="Title 4"/>
           <p:cNvSpPr txBox="1"/>
           <p:nvPr>
             <p:ph type="title"/>
@@ -20505,7 +20467,7 @@
       </p:sp>
       <p:sp>
         <p:nvSpPr>
-          <p:cNvPr id="426" name="Content Placeholder 5"/>
+          <p:cNvPr id="425" name="Content Placeholder 5"/>
           <p:cNvSpPr txBox="1"/>
           <p:nvPr>
             <p:ph type="body" idx="1"/>
@@ -20545,7 +20507,7 @@
       </p:sp>
       <p:sp>
         <p:nvSpPr>
-          <p:cNvPr id="427" name="Slide Number Placeholder 3"/>
+          <p:cNvPr id="426" name="Slide Number Placeholder 3"/>
           <p:cNvSpPr txBox="1"/>
           <p:nvPr>
             <p:ph type="sldNum" sz="quarter" idx="2"/>
@@ -20598,7 +20560,7 @@
       </p:grpSpPr>
       <p:sp>
         <p:nvSpPr>
-          <p:cNvPr id="294" name="Title 4"/>
+          <p:cNvPr id="293" name="Title 4"/>
           <p:cNvSpPr txBox="1"/>
           <p:nvPr>
             <p:ph type="title"/>
@@ -20626,7 +20588,7 @@
       </p:sp>
       <p:sp>
         <p:nvSpPr>
-          <p:cNvPr id="295" name="Content Placeholder 5"/>
+          <p:cNvPr id="294" name="Content Placeholder 5"/>
           <p:cNvSpPr txBox="1"/>
           <p:nvPr>
             <p:ph type="body" idx="1"/>
@@ -20647,11 +20609,35 @@
           <a:p>
             <a:pPr/>
             <a:r>
-              <a:t>Models for SANS and reflectometry</a:t>
+              <a:t>A look at the “</a:t>
             </a:r>
+            <a:r>
+              <a:rPr u="sng">
+                <a:solidFill>
+                  <a:schemeClr val="accent2"/>
+                </a:solidFill>
+                <a:uFill>
+                  <a:solidFill>
+                    <a:schemeClr val="accent2"/>
+                  </a:solidFill>
+                </a:uFill>
+                <a:hlinkClick r:id="rId2" invalidUrl="" action="" tgtFrame="" tooltip="" history="1" highlightClick="0" endSnd="0"/>
+              </a:rPr>
+              <a:t>Sample functionality matrix</a:t>
+            </a:r>
+            <a:r>
+              <a:t>”</a:t>
+            </a:r>
           </a:p>
           <a:p>
             <a:pPr/>
+          </a:p>
+          <a:p>
+            <a:pPr/>
+            <a:r>
+              <a:t>Models for SANS </a:t>
+            </a:r>
+            <a:br/>
           </a:p>
           <a:p>
             <a:pPr/>
@@ -20682,7 +20668,7 @@
       </p:sp>
       <p:sp>
         <p:nvSpPr>
-          <p:cNvPr id="296" name="Slide Number Placeholder 3"/>
+          <p:cNvPr id="295" name="Slide Number Placeholder 3"/>
           <p:cNvSpPr txBox="1"/>
           <p:nvPr>
             <p:ph type="sldNum" sz="quarter" idx="2"/>
@@ -20735,7 +20721,7 @@
       </p:grpSpPr>
       <p:sp>
         <p:nvSpPr>
-          <p:cNvPr id="298" name="Slide Number"/>
+          <p:cNvPr id="297" name="Slide Number"/>
           <p:cNvSpPr txBox="1"/>
           <p:nvPr>
             <p:ph type="sldNum" sz="quarter" idx="2"/>
@@ -20762,7 +20748,7 @@
       </p:sp>
       <p:sp>
         <p:nvSpPr>
-          <p:cNvPr id="299" name="TextShape 1"/>
+          <p:cNvPr id="298" name="TextShape 1"/>
           <p:cNvSpPr txBox="1"/>
           <p:nvPr/>
         </p:nvSpPr>
@@ -20802,7 +20788,7 @@
       </p:sp>
       <p:pic>
         <p:nvPicPr>
-          <p:cNvPr id="300" name="Picture 3" descr="Picture 3"/>
+          <p:cNvPr id="299" name="Picture 3" descr="Picture 3"/>
           <p:cNvPicPr>
             <a:picLocks noChangeAspect="1"/>
           </p:cNvPicPr>
@@ -20831,7 +20817,7 @@
       </p:pic>
       <p:pic>
         <p:nvPicPr>
-          <p:cNvPr id="301" name="Picture 4" descr="Picture 4"/>
+          <p:cNvPr id="300" name="Picture 4" descr="Picture 4"/>
           <p:cNvPicPr>
             <a:picLocks noChangeAspect="1"/>
           </p:cNvPicPr>
@@ -20860,7 +20846,7 @@
       </p:pic>
       <p:sp>
         <p:nvSpPr>
-          <p:cNvPr id="302" name="CustomShape 2"/>
+          <p:cNvPr id="301" name="CustomShape 2"/>
           <p:cNvSpPr txBox="1"/>
           <p:nvPr/>
         </p:nvSpPr>
@@ -20958,7 +20944,7 @@
       </p:grpSpPr>
       <p:sp>
         <p:nvSpPr>
-          <p:cNvPr id="304" name="Slide Number"/>
+          <p:cNvPr id="303" name="Slide Number"/>
           <p:cNvSpPr txBox="1"/>
           <p:nvPr>
             <p:ph type="sldNum" sz="quarter" idx="2"/>
@@ -20985,7 +20971,7 @@
       </p:sp>
       <p:sp>
         <p:nvSpPr>
-          <p:cNvPr id="305" name="TextShape 1"/>
+          <p:cNvPr id="304" name="TextShape 1"/>
           <p:cNvSpPr txBox="1"/>
           <p:nvPr/>
         </p:nvSpPr>
@@ -21025,7 +21011,7 @@
       </p:sp>
       <p:pic>
         <p:nvPicPr>
-          <p:cNvPr id="306" name="Picture 5" descr="Picture 5"/>
+          <p:cNvPr id="305" name="Picture 5" descr="Picture 5"/>
           <p:cNvPicPr>
             <a:picLocks noChangeAspect="1"/>
           </p:cNvPicPr>
@@ -21054,7 +21040,7 @@
       </p:pic>
       <p:sp>
         <p:nvSpPr>
-          <p:cNvPr id="307" name="TextShape 2"/>
+          <p:cNvPr id="306" name="TextShape 2"/>
           <p:cNvSpPr txBox="1"/>
           <p:nvPr/>
         </p:nvSpPr>
@@ -21234,7 +21220,7 @@
       </p:sp>
       <p:grpSp>
         <p:nvGrpSpPr>
-          <p:cNvPr id="310" name="Group"/>
+          <p:cNvPr id="309" name="Group"/>
           <p:cNvGrpSpPr/>
           <p:nvPr/>
         </p:nvGrpSpPr>
@@ -21248,7 +21234,7 @@
         </p:grpSpPr>
         <p:pic>
           <p:nvPicPr>
-            <p:cNvPr id="308" name="Picture 6" descr="Picture 6"/>
+            <p:cNvPr id="307" name="Picture 6" descr="Picture 6"/>
             <p:cNvPicPr>
               <a:picLocks noChangeAspect="1"/>
             </p:cNvPicPr>
@@ -21279,7 +21265,7 @@
         </p:pic>
         <p:pic>
           <p:nvPicPr>
-            <p:cNvPr id="309" name="Picture 7" descr="Picture 7"/>
+            <p:cNvPr id="308" name="Picture 7" descr="Picture 7"/>
             <p:cNvPicPr>
               <a:picLocks noChangeAspect="1"/>
             </p:cNvPicPr>
@@ -21337,7 +21323,7 @@
       </p:grpSpPr>
       <p:sp>
         <p:nvSpPr>
-          <p:cNvPr id="312" name="Slide Number"/>
+          <p:cNvPr id="311" name="Slide Number"/>
           <p:cNvSpPr txBox="1"/>
           <p:nvPr>
             <p:ph type="sldNum" sz="quarter" idx="2"/>
@@ -21364,7 +21350,7 @@
       </p:sp>
       <p:sp>
         <p:nvSpPr>
-          <p:cNvPr id="313" name="TextShape 1"/>
+          <p:cNvPr id="312" name="TextShape 1"/>
           <p:cNvSpPr txBox="1"/>
           <p:nvPr/>
         </p:nvSpPr>
@@ -21404,7 +21390,7 @@
       </p:sp>
       <p:sp>
         <p:nvSpPr>
-          <p:cNvPr id="314" name="TextShape 2"/>
+          <p:cNvPr id="313" name="TextShape 2"/>
           <p:cNvSpPr txBox="1"/>
           <p:nvPr/>
         </p:nvSpPr>
@@ -21643,7 +21629,7 @@
       </p:sp>
       <p:sp>
         <p:nvSpPr>
-          <p:cNvPr id="315" name="CustomShape 3"/>
+          <p:cNvPr id="314" name="CustomShape 3"/>
           <p:cNvSpPr/>
           <p:nvPr/>
         </p:nvSpPr>
@@ -21733,7 +21719,7 @@
       </p:sp>
       <p:sp>
         <p:nvSpPr>
-          <p:cNvPr id="316" name="TextShape 4"/>
+          <p:cNvPr id="315" name="TextShape 4"/>
           <p:cNvSpPr txBox="1"/>
           <p:nvPr/>
         </p:nvSpPr>
@@ -21799,7 +21785,7 @@
       </p:grpSpPr>
       <p:sp>
         <p:nvSpPr>
-          <p:cNvPr id="318" name="Slide Number"/>
+          <p:cNvPr id="317" name="Slide Number"/>
           <p:cNvSpPr txBox="1"/>
           <p:nvPr>
             <p:ph type="sldNum" sz="quarter" idx="2"/>
@@ -21826,7 +21812,7 @@
       </p:sp>
       <p:sp>
         <p:nvSpPr>
-          <p:cNvPr id="319" name="TextShape 1"/>
+          <p:cNvPr id="318" name="TextShape 1"/>
           <p:cNvSpPr txBox="1"/>
           <p:nvPr/>
         </p:nvSpPr>
@@ -21866,7 +21852,7 @@
       </p:sp>
       <p:pic>
         <p:nvPicPr>
-          <p:cNvPr id="320" name="image156.png" descr="image156.png"/>
+          <p:cNvPr id="319" name="image156.png" descr="image156.png"/>
           <p:cNvPicPr>
             <a:picLocks noChangeAspect="1"/>
           </p:cNvPicPr>
@@ -21895,7 +21881,7 @@
       </p:pic>
       <p:sp>
         <p:nvSpPr>
-          <p:cNvPr id="321" name="CustomShape 2"/>
+          <p:cNvPr id="320" name="CustomShape 2"/>
           <p:cNvSpPr/>
           <p:nvPr/>
         </p:nvSpPr>
@@ -21923,7 +21909,7 @@
       </p:sp>
       <p:sp>
         <p:nvSpPr>
-          <p:cNvPr id="322" name="TextShape 3"/>
+          <p:cNvPr id="321" name="TextShape 3"/>
           <p:cNvSpPr txBox="1"/>
           <p:nvPr/>
         </p:nvSpPr>
@@ -21991,7 +21977,7 @@
       </p:grpSpPr>
       <p:sp>
         <p:nvSpPr>
-          <p:cNvPr id="324" name="Slide Number"/>
+          <p:cNvPr id="323" name="Slide Number"/>
           <p:cNvSpPr txBox="1"/>
           <p:nvPr>
             <p:ph type="sldNum" sz="quarter" idx="2"/>
@@ -22018,7 +22004,7 @@
       </p:sp>
       <p:sp>
         <p:nvSpPr>
-          <p:cNvPr id="325" name="TextShape 1"/>
+          <p:cNvPr id="324" name="TextShape 1"/>
           <p:cNvSpPr txBox="1"/>
           <p:nvPr/>
         </p:nvSpPr>
@@ -22058,7 +22044,7 @@
       </p:sp>
       <p:pic>
         <p:nvPicPr>
-          <p:cNvPr id="326" name="image157.png" descr="image157.png"/>
+          <p:cNvPr id="325" name="image157.png" descr="image157.png"/>
           <p:cNvPicPr>
             <a:picLocks noChangeAspect="1"/>
           </p:cNvPicPr>
@@ -22113,7 +22099,7 @@
       </p:grpSpPr>
       <p:sp>
         <p:nvSpPr>
-          <p:cNvPr id="328" name="Slide Number"/>
+          <p:cNvPr id="327" name="Slide Number"/>
           <p:cNvSpPr txBox="1"/>
           <p:nvPr>
             <p:ph type="sldNum" sz="quarter" idx="2"/>
@@ -22140,7 +22126,7 @@
       </p:sp>
       <p:sp>
         <p:nvSpPr>
-          <p:cNvPr id="329" name="TextShape 1"/>
+          <p:cNvPr id="328" name="TextShape 1"/>
           <p:cNvSpPr txBox="1"/>
           <p:nvPr/>
         </p:nvSpPr>
@@ -22180,7 +22166,7 @@
       </p:sp>
       <p:pic>
         <p:nvPicPr>
-          <p:cNvPr id="330" name="image158.png" descr="image158.png"/>
+          <p:cNvPr id="329" name="image158.png" descr="image158.png"/>
           <p:cNvPicPr>
             <a:picLocks noChangeAspect="1"/>
           </p:cNvPicPr>
@@ -22235,7 +22221,7 @@
       </p:grpSpPr>
       <p:sp>
         <p:nvSpPr>
-          <p:cNvPr id="332" name="Title 4"/>
+          <p:cNvPr id="331" name="Title 4"/>
           <p:cNvSpPr txBox="1"/>
           <p:nvPr>
             <p:ph type="title"/>
@@ -22263,7 +22249,7 @@
       </p:sp>
       <p:sp>
         <p:nvSpPr>
-          <p:cNvPr id="333" name="Content Placeholder 5"/>
+          <p:cNvPr id="332" name="Content Placeholder 5"/>
           <p:cNvSpPr txBox="1"/>
           <p:nvPr>
             <p:ph type="body" idx="1"/>
@@ -22306,7 +22292,7 @@
       </p:sp>
       <p:sp>
         <p:nvSpPr>
-          <p:cNvPr id="334" name="Slide Number Placeholder 3"/>
+          <p:cNvPr id="333" name="Slide Number Placeholder 3"/>
           <p:cNvSpPr txBox="1"/>
           <p:nvPr>
             <p:ph type="sldNum" sz="quarter" idx="2"/>
@@ -22333,7 +22319,7 @@
       </p:sp>
       <p:pic>
         <p:nvPicPr>
-          <p:cNvPr id="335" name="Picture 2" descr="Picture 2"/>
+          <p:cNvPr id="334" name="Picture 2" descr="Picture 2"/>
           <p:cNvPicPr>
             <a:picLocks noChangeAspect="1"/>
           </p:cNvPicPr>
@@ -22362,7 +22348,7 @@
       </p:pic>
       <p:pic>
         <p:nvPicPr>
-          <p:cNvPr id="336" name="Picture 4" descr="Picture 4"/>
+          <p:cNvPr id="335" name="Picture 4" descr="Picture 4"/>
           <p:cNvPicPr>
             <a:picLocks noChangeAspect="1"/>
           </p:cNvPicPr>

--- a/ESS_May_2021/Thursday_May_6th/2_Samples_II/More_samples.pptx
+++ b/ESS_May_2021/Thursday_May_6th/2_Samples_II/More_samples.pptx
@@ -26,7 +26,6 @@
     <p:sldId id="271" r:id="rId23"/>
     <p:sldId id="272" r:id="rId24"/>
     <p:sldId id="273" r:id="rId25"/>
-    <p:sldId id="274" r:id="rId26"/>
   </p:sldIdLst>
   <p:sldSz cx="12179300" cy="6858000"/>
   <p:notesSz cx="6858000" cy="9144000"/>
@@ -17374,6 +17373,14 @@
               <a:t>Further samples…</a:t>
             </a:r>
           </a:p>
+          <a:p>
+            <a:pPr>
+              <a:defRPr sz="4100"/>
+            </a:pPr>
+            <a:r>
+              <a:t>SANS, reflectometry, inelastic scattering</a:t>
+            </a:r>
+          </a:p>
         </p:txBody>
       </p:sp>
       <p:sp>
@@ -17509,7 +17516,7 @@
       </p:grpSpPr>
       <p:sp>
         <p:nvSpPr>
-          <p:cNvPr id="337" name="Title 4"/>
+          <p:cNvPr id="340" name="McStas samples with inelastic options"/>
           <p:cNvSpPr txBox="1"/>
           <p:nvPr>
             <p:ph type="title"/>
@@ -17517,8 +17524,8 @@
         </p:nvSpPr>
         <p:spPr>
           <a:xfrm>
-            <a:off x="1774725" y="426125"/>
-            <a:ext cx="9312376" cy="972718"/>
+            <a:off x="2337250" y="-243692"/>
+            <a:ext cx="9312375" cy="795814"/>
           </a:xfrm>
           <a:prstGeom prst="rect">
             <a:avLst/>
@@ -17530,24 +17537,20 @@
           <a:p>
             <a:pPr/>
             <a:r>
-              <a:t>Popular component: Phonon_simple</a:t>
+              <a:t>McStas samples with inelastic options</a:t>
             </a:r>
           </a:p>
         </p:txBody>
       </p:sp>
       <p:sp>
         <p:nvSpPr>
-          <p:cNvPr id="338" name="Content Placeholder 5"/>
+          <p:cNvPr id="341" name="Double-click to edit"/>
           <p:cNvSpPr txBox="1"/>
           <p:nvPr>
             <p:ph type="body" idx="1"/>
           </p:nvPr>
         </p:nvSpPr>
         <p:spPr>
-          <a:xfrm>
-            <a:off x="1774799" y="1706398"/>
-            <a:ext cx="9312376" cy="4545581"/>
-          </a:xfrm>
           <a:prstGeom prst="rect">
             <a:avLst/>
           </a:prstGeom>
@@ -17557,15 +17560,12 @@
           <a:lstStyle/>
           <a:p>
             <a:pPr/>
-            <a:r>
-              <a:t>One isotropic acoustic phonon branch in all Brillouin zones on FCC Bravais single crystal</a:t>
-            </a:r>
           </a:p>
         </p:txBody>
       </p:sp>
       <p:sp>
         <p:nvSpPr>
-          <p:cNvPr id="339" name="Slide Number Placeholder 3"/>
+          <p:cNvPr id="342" name="Slide Number"/>
           <p:cNvSpPr txBox="1"/>
           <p:nvPr>
             <p:ph type="sldNum" sz="quarter" idx="2"/>
@@ -17592,7 +17592,7 @@
       </p:sp>
       <p:pic>
         <p:nvPicPr>
-          <p:cNvPr id="340" name="Picture 6" descr="Picture 6"/>
+          <p:cNvPr id="343" name="Screenshot 2021-05-05 at 21.58.17.png" descr="Screenshot 2021-05-05 at 21.58.17.png"/>
           <p:cNvPicPr>
             <a:picLocks noChangeAspect="1"/>
           </p:cNvPicPr>
@@ -17602,15 +17602,14 @@
           <a:blip r:embed="rId2">
             <a:extLst/>
           </a:blip>
-          <a:srcRect l="0" t="0" r="16862" b="0"/>
           <a:stretch>
             <a:fillRect/>
           </a:stretch>
         </p:blipFill>
         <p:spPr>
           <a:xfrm>
-            <a:off x="2047243" y="2351413"/>
-            <a:ext cx="7143057" cy="1483037"/>
+            <a:off x="597422" y="1774570"/>
+            <a:ext cx="10984456" cy="5099926"/>
           </a:xfrm>
           <a:prstGeom prst="rect">
             <a:avLst/>
@@ -17620,123 +17619,9 @@
           </a:ln>
         </p:spPr>
       </p:pic>
-      <p:sp>
-        <p:nvSpPr>
-          <p:cNvPr id="341" name="TextBox 3"/>
-          <p:cNvSpPr txBox="1"/>
-          <p:nvPr/>
-        </p:nvSpPr>
-        <p:spPr>
-          <a:xfrm>
-            <a:off x="8388381" y="3728920"/>
-            <a:ext cx="3201455" cy="2758441"/>
-          </a:xfrm>
-          <a:prstGeom prst="rect">
-            <a:avLst/>
-          </a:prstGeom>
-          <a:ln w="12700">
-            <a:miter lim="400000"/>
-          </a:ln>
-          <a:extLst>
-            <a:ext uri="{C572A759-6A51-4108-AA02-DFA0A04FC94B}">
-              <ma14:wrappingTextBoxFlag xmlns:ma14="http://schemas.microsoft.com/office/mac/drawingml/2011/main" val="1"/>
-            </a:ext>
-          </a:extLst>
-        </p:spPr>
-        <p:txBody>
-          <a:bodyPr lIns="0" tIns="0" rIns="0" bIns="0">
-            <a:spAutoFit/>
-          </a:bodyPr>
-          <a:lstStyle/>
-          <a:p>
-            <a:pPr marL="285750" indent="-285750">
-              <a:buSzPct val="100000"/>
-              <a:buFont typeface="Arial"/>
-              <a:buChar char="•"/>
-            </a:pPr>
-            <a:r>
-              <a:t>M - Atomic mass</a:t>
-            </a:r>
-          </a:p>
-          <a:p>
-            <a:pPr marL="285750" indent="-285750">
-              <a:buSzPct val="100000"/>
-              <a:buFont typeface="Arial"/>
-              <a:buChar char="•"/>
-            </a:pPr>
-            <a:r>
-              <a:t>b – scattering length</a:t>
-            </a:r>
-          </a:p>
-          <a:p>
-            <a:pPr marL="285750" indent="-285750">
-              <a:buSzPct val="100000"/>
-              <a:buFont typeface="Arial"/>
-              <a:buChar char="•"/>
-              <a:defRPr i="1"/>
-            </a:pPr>
-            <a:r>
-              <a:t>n </a:t>
-            </a:r>
-            <a:r>
-              <a:rPr i="0"/>
-              <a:t>– bose factor</a:t>
-            </a:r>
-            <a:endParaRPr i="0"/>
-          </a:p>
-          <a:p>
-            <a:pPr marL="285750" indent="-285750">
-              <a:buSzPct val="100000"/>
-              <a:buFont typeface="Arial"/>
-              <a:buChar char="•"/>
-            </a:pPr>
-            <a:r>
-              <a:t>a – fcc lattice spacing</a:t>
-            </a:r>
-          </a:p>
-          <a:p>
-            <a:pPr marL="285750" indent="-285750">
-              <a:buSzPct val="100000"/>
-              <a:buFont typeface="Arial"/>
-              <a:buChar char="•"/>
-            </a:pPr>
-            <a:r>
-              <a:t>c - speed of sound</a:t>
-            </a:r>
-          </a:p>
-          <a:p>
-            <a:pPr marL="285750" indent="-285750">
-              <a:buSzPct val="100000"/>
-              <a:buFont typeface="Arial"/>
-              <a:buChar char="•"/>
-            </a:pPr>
-            <a:r>
-              <a:t>𝜿 – measured q vector</a:t>
-            </a:r>
-          </a:p>
-          <a:p>
-            <a:pPr marL="285750" indent="-285750">
-              <a:buSzPct val="100000"/>
-              <a:buFont typeface="Arial"/>
-              <a:buChar char="•"/>
-              <a:defRPr b="1"/>
-            </a:pPr>
-            <a:r>
-              <a:t>q </a:t>
-            </a:r>
-            <a:r>
-              <a:rPr b="0"/>
-              <a:t>– Phonon scattering vector</a:t>
-            </a:r>
-            <a:r>
-              <a:t>  </a:t>
-            </a:r>
-          </a:p>
-        </p:txBody>
-      </p:sp>
       <p:pic>
         <p:nvPicPr>
-          <p:cNvPr id="342" name="Picture 5" descr="Picture 5"/>
+          <p:cNvPr id="344" name="Screenshot 2021-05-05 at 21.54.43.png" descr="Screenshot 2021-05-05 at 21.54.43.png"/>
           <p:cNvPicPr>
             <a:picLocks noChangeAspect="1"/>
           </p:cNvPicPr>
@@ -17752,8 +17637,8 @@
         </p:blipFill>
         <p:spPr>
           <a:xfrm>
-            <a:off x="3205770" y="4130990"/>
-            <a:ext cx="2413001" cy="457201"/>
+            <a:off x="581472" y="667274"/>
+            <a:ext cx="11016356" cy="1151612"/>
           </a:xfrm>
           <a:prstGeom prst="rect">
             <a:avLst/>
@@ -17763,16 +17648,504 @@
           </a:ln>
         </p:spPr>
       </p:pic>
+    </p:spTree>
+  </p:cSld>
+  <p:clrMapOvr>
+    <a:masterClrMapping/>
+  </p:clrMapOvr>
+  <p:transition xmlns:p14="http://schemas.microsoft.com/office/powerpoint/2010/main" spd="med" advClick="1"/>
+</p:sld>
+</file>
+
+<file path=ppt/slides/slide11.xml><?xml version="1.0" encoding="utf-8"?>
+<p:sld xmlns:a="http://schemas.openxmlformats.org/drawingml/2006/main" xmlns:r="http://schemas.openxmlformats.org/officeDocument/2006/relationships" xmlns:p="http://schemas.openxmlformats.org/presentationml/2006/main" xmlns:m="http://schemas.openxmlformats.org/officeDocument/2006/math" xmlns:a14="http://schemas.microsoft.com/office/drawing/2010/main" showMasterSp="1" showMasterPhAnim="1">
+  <p:cSld>
+    <p:spTree>
+      <p:nvGrpSpPr>
+        <p:cNvPr id="1" name=""/>
+        <p:cNvGrpSpPr/>
+        <p:nvPr/>
+      </p:nvGrpSpPr>
+      <p:grpSpPr>
+        <a:xfrm>
+          <a:off x="0" y="0"/>
+          <a:ext cx="0" cy="0"/>
+          <a:chOff x="0" y="0"/>
+          <a:chExt cx="0" cy="0"/>
+        </a:xfrm>
+      </p:grpSpPr>
+      <p:grpSp>
+        <p:nvGrpSpPr>
+          <p:cNvPr id="355" name="Group"/>
+          <p:cNvGrpSpPr/>
+          <p:nvPr/>
+        </p:nvGrpSpPr>
+        <p:grpSpPr>
+          <a:xfrm>
+            <a:off x="1424799" y="-3863873"/>
+            <a:ext cx="10399029" cy="10115851"/>
+            <a:chOff x="0" y="0"/>
+            <a:chExt cx="10399028" cy="10115851"/>
+          </a:xfrm>
+        </p:grpSpPr>
+        <p:pic>
+          <p:nvPicPr>
+            <p:cNvPr id="346" name="Picture 15" descr="Picture 15"/>
+            <p:cNvPicPr>
+              <a:picLocks noChangeAspect="1"/>
+            </p:cNvPicPr>
+            <p:nvPr/>
+          </p:nvPicPr>
+          <p:blipFill>
+            <a:blip r:embed="rId2">
+              <a:extLst/>
+            </a:blip>
+            <a:stretch>
+              <a:fillRect/>
+            </a:stretch>
+          </p:blipFill>
+          <p:spPr>
+            <a:xfrm>
+              <a:off x="5522228" y="6008100"/>
+              <a:ext cx="4876801" cy="3797301"/>
+            </a:xfrm>
+            <a:prstGeom prst="rect">
+              <a:avLst/>
+            </a:prstGeom>
+            <a:ln w="12700" cap="flat">
+              <a:noFill/>
+              <a:miter lim="400000"/>
+            </a:ln>
+            <a:effectLst/>
+          </p:spPr>
+        </p:pic>
+        <p:sp>
+          <p:nvSpPr>
+            <p:cNvPr id="347" name="Straight Arrow Connector 2"/>
+            <p:cNvSpPr/>
+            <p:nvPr/>
+          </p:nvSpPr>
+          <p:spPr>
+            <a:xfrm>
+              <a:off x="194860" y="9674704"/>
+              <a:ext cx="4301081" cy="1"/>
+            </a:xfrm>
+            <a:prstGeom prst="line">
+              <a:avLst/>
+            </a:prstGeom>
+            <a:noFill/>
+            <a:ln w="63500" cap="flat">
+              <a:solidFill>
+                <a:schemeClr val="accent1"/>
+              </a:solidFill>
+              <a:prstDash val="solid"/>
+              <a:round/>
+              <a:tailEnd type="triangle" w="med" len="med"/>
+            </a:ln>
+            <a:effectLst>
+              <a:outerShdw sx="100000" sy="100000" kx="0" ky="0" algn="b" rotWithShape="0" blurRad="38100" dist="20000" dir="5400000">
+                <a:srgbClr val="000000">
+                  <a:alpha val="38000"/>
+                </a:srgbClr>
+              </a:outerShdw>
+            </a:effectLst>
+          </p:spPr>
+          <p:txBody>
+            <a:bodyPr wrap="square" lIns="45719" tIns="45719" rIns="45719" bIns="45719" numCol="1" anchor="t">
+              <a:noAutofit/>
+            </a:bodyPr>
+            <a:lstStyle/>
+            <a:p>
+              <a:pPr/>
+            </a:p>
+          </p:txBody>
+        </p:sp>
+        <p:sp>
+          <p:nvSpPr>
+            <p:cNvPr id="348" name="Straight Arrow Connector 7"/>
+            <p:cNvSpPr/>
+            <p:nvPr/>
+          </p:nvSpPr>
+          <p:spPr>
+            <a:xfrm flipV="1">
+              <a:off x="509306" y="6341435"/>
+              <a:ext cx="1" cy="3578267"/>
+            </a:xfrm>
+            <a:prstGeom prst="line">
+              <a:avLst/>
+            </a:prstGeom>
+            <a:noFill/>
+            <a:ln w="63500" cap="flat">
+              <a:solidFill>
+                <a:schemeClr val="accent1"/>
+              </a:solidFill>
+              <a:prstDash val="solid"/>
+              <a:round/>
+              <a:tailEnd type="triangle" w="med" len="med"/>
+            </a:ln>
+            <a:effectLst>
+              <a:outerShdw sx="100000" sy="100000" kx="0" ky="0" algn="b" rotWithShape="0" blurRad="38100" dist="20000" dir="5400000">
+                <a:srgbClr val="000000">
+                  <a:alpha val="38000"/>
+                </a:srgbClr>
+              </a:outerShdw>
+            </a:effectLst>
+          </p:spPr>
+          <p:txBody>
+            <a:bodyPr wrap="square" lIns="45719" tIns="45719" rIns="45719" bIns="45719" numCol="1" anchor="t">
+              <a:noAutofit/>
+            </a:bodyPr>
+            <a:lstStyle/>
+            <a:p>
+              <a:pPr/>
+            </a:p>
+          </p:txBody>
+        </p:sp>
+        <p:sp>
+          <p:nvSpPr>
+            <p:cNvPr id="349" name="TextBox 5"/>
+            <p:cNvSpPr txBox="1"/>
+            <p:nvPr/>
+          </p:nvSpPr>
+          <p:spPr>
+            <a:xfrm>
+              <a:off x="4604529" y="9453169"/>
+              <a:ext cx="672778" cy="419337"/>
+            </a:xfrm>
+            <a:prstGeom prst="rect">
+              <a:avLst/>
+            </a:prstGeom>
+            <a:noFill/>
+            <a:ln w="12700" cap="flat">
+              <a:noFill/>
+              <a:miter lim="400000"/>
+            </a:ln>
+            <a:effectLst/>
+            <a:extLst>
+              <a:ext uri="{C572A759-6A51-4108-AA02-DFA0A04FC94B}">
+                <ma14:wrappingTextBoxFlag xmlns:ma14="http://schemas.microsoft.com/office/mac/drawingml/2011/main" val="1"/>
+              </a:ext>
+            </a:extLst>
+          </p:spPr>
+          <p:txBody>
+            <a:bodyPr wrap="square" lIns="0" tIns="0" rIns="0" bIns="0" numCol="1" anchor="t">
+              <a:spAutoFit/>
+            </a:bodyPr>
+            <a:lstStyle>
+              <a:lvl1pPr>
+                <a:defRPr sz="3000"/>
+              </a:lvl1pPr>
+            </a:lstStyle>
+            <a:p>
+              <a:pPr/>
+              <a:r>
+                <a:t>q</a:t>
+              </a:r>
+            </a:p>
+          </p:txBody>
+        </p:sp>
+        <p:sp>
+          <p:nvSpPr>
+            <p:cNvPr id="350" name="TextBox 6"/>
+            <p:cNvSpPr txBox="1"/>
+            <p:nvPr/>
+          </p:nvSpPr>
+          <p:spPr>
+            <a:xfrm>
+              <a:off x="0" y="6112748"/>
+              <a:ext cx="729206" cy="444501"/>
+            </a:xfrm>
+            <a:prstGeom prst="rect">
+              <a:avLst/>
+            </a:prstGeom>
+            <a:noFill/>
+            <a:ln w="12700" cap="flat">
+              <a:noFill/>
+              <a:miter lim="400000"/>
+            </a:ln>
+            <a:effectLst/>
+            <a:extLst>
+              <a:ext uri="{C572A759-6A51-4108-AA02-DFA0A04FC94B}">
+                <ma14:wrappingTextBoxFlag xmlns:ma14="http://schemas.microsoft.com/office/mac/drawingml/2011/main" val="1"/>
+              </a:ext>
+            </a:extLst>
+          </p:spPr>
+          <p:txBody>
+            <a:bodyPr wrap="square" lIns="0" tIns="0" rIns="0" bIns="0" numCol="1" anchor="t">
+              <a:spAutoFit/>
+            </a:bodyPr>
+            <a:lstStyle>
+              <a:lvl1pPr>
+                <a:defRPr sz="3000"/>
+              </a:lvl1pPr>
+            </a:lstStyle>
+            <a:p>
+              <a:pPr/>
+              <a:r>
+                <a:t>⍵</a:t>
+              </a:r>
+            </a:p>
+          </p:txBody>
+        </p:sp>
+        <p:sp>
+          <p:nvSpPr>
+            <p:cNvPr id="351" name="TextBox 11"/>
+            <p:cNvSpPr txBox="1"/>
+            <p:nvPr/>
+          </p:nvSpPr>
+          <p:spPr>
+            <a:xfrm>
+              <a:off x="2585151" y="9516860"/>
+              <a:ext cx="672778" cy="491726"/>
+            </a:xfrm>
+            <a:prstGeom prst="rect">
+              <a:avLst/>
+            </a:prstGeom>
+            <a:noFill/>
+            <a:ln w="12700" cap="flat">
+              <a:noFill/>
+              <a:miter lim="400000"/>
+            </a:ln>
+            <a:effectLst/>
+            <a:extLst>
+              <a:ext uri="{C572A759-6A51-4108-AA02-DFA0A04FC94B}">
+                <ma14:wrappingTextBoxFlag xmlns:ma14="http://schemas.microsoft.com/office/mac/drawingml/2011/main" val="1"/>
+              </a:ext>
+            </a:extLst>
+          </p:spPr>
+          <p:txBody>
+            <a:bodyPr wrap="square" lIns="0" tIns="0" rIns="0" bIns="0" numCol="1" anchor="t">
+              <a:spAutoFit/>
+            </a:bodyPr>
+            <a:lstStyle/>
+            <a:p>
+              <a:pPr>
+                <a:defRPr sz="3000"/>
+              </a:pPr>
+              <a:r>
+                <a:t>q</a:t>
+              </a:r>
+              <a:r>
+                <a:rPr baseline="-25000"/>
+                <a:t>0</a:t>
+              </a:r>
+            </a:p>
+          </p:txBody>
+        </p:sp>
+        <p:sp>
+          <p:nvSpPr>
+            <p:cNvPr id="352" name="Oval 8"/>
+            <p:cNvSpPr/>
+            <p:nvPr/>
+          </p:nvSpPr>
+          <p:spPr>
+            <a:xfrm>
+              <a:off x="1535594" y="0"/>
+              <a:ext cx="2411708" cy="9675260"/>
+            </a:xfrm>
+            <a:prstGeom prst="ellipse">
+              <a:avLst/>
+            </a:prstGeom>
+            <a:solidFill>
+              <a:srgbClr val="FFFFFF"/>
+            </a:solidFill>
+            <a:ln w="50800" cap="flat">
+              <a:solidFill>
+                <a:schemeClr val="accent1"/>
+              </a:solidFill>
+              <a:prstDash val="solid"/>
+              <a:round/>
+            </a:ln>
+            <a:effectLst/>
+          </p:spPr>
+          <p:txBody>
+            <a:bodyPr wrap="square" lIns="46799" tIns="46799" rIns="46799" bIns="46799" numCol="1" anchor="ctr">
+              <a:noAutofit/>
+            </a:bodyPr>
+            <a:lstStyle/>
+            <a:p>
+              <a:pPr/>
+            </a:p>
+          </p:txBody>
+        </p:sp>
+        <p:sp>
+          <p:nvSpPr>
+            <p:cNvPr id="353" name="Rectangle 9"/>
+            <p:cNvSpPr/>
+            <p:nvPr/>
+          </p:nvSpPr>
+          <p:spPr>
+            <a:xfrm>
+              <a:off x="1296364" y="2345972"/>
+              <a:ext cx="4213669" cy="4520181"/>
+            </a:xfrm>
+            <a:prstGeom prst="rect">
+              <a:avLst/>
+            </a:prstGeom>
+            <a:solidFill>
+              <a:srgbClr val="FFFFFF"/>
+            </a:solidFill>
+            <a:ln w="25400" cap="flat">
+              <a:solidFill>
+                <a:srgbClr val="FFFFFF"/>
+              </a:solidFill>
+              <a:prstDash val="solid"/>
+              <a:round/>
+            </a:ln>
+            <a:effectLst/>
+          </p:spPr>
+          <p:txBody>
+            <a:bodyPr wrap="square" lIns="46799" tIns="46799" rIns="46799" bIns="46799" numCol="1" anchor="ctr">
+              <a:noAutofit/>
+            </a:bodyPr>
+            <a:lstStyle/>
+            <a:p>
+              <a:pPr/>
+            </a:p>
+          </p:txBody>
+        </p:sp>
+        <p:sp>
+          <p:nvSpPr>
+            <p:cNvPr id="354" name="Content Placeholder 5"/>
+            <p:cNvSpPr txBox="1"/>
+            <p:nvPr/>
+          </p:nvSpPr>
+          <p:spPr>
+            <a:xfrm>
+              <a:off x="350000" y="5570272"/>
+              <a:ext cx="9312377" cy="4545580"/>
+            </a:xfrm>
+            <a:prstGeom prst="rect">
+              <a:avLst/>
+            </a:prstGeom>
+            <a:noFill/>
+            <a:ln w="12700" cap="flat">
+              <a:noFill/>
+              <a:miter lim="400000"/>
+            </a:ln>
+            <a:effectLst/>
+            <a:extLst>
+              <a:ext uri="{C572A759-6A51-4108-AA02-DFA0A04FC94B}">
+                <ma14:wrappingTextBoxFlag xmlns:ma14="http://schemas.microsoft.com/office/mac/drawingml/2011/main" val="1"/>
+              </a:ext>
+            </a:extLst>
+          </p:spPr>
+          <p:txBody>
+            <a:bodyPr wrap="square" lIns="0" tIns="0" rIns="0" bIns="0" numCol="1" anchor="t">
+              <a:normAutofit fontScale="100000" lnSpcReduction="0"/>
+            </a:bodyPr>
+            <a:lstStyle>
+              <a:lvl1pPr marL="198000" indent="-198000">
+                <a:spcBef>
+                  <a:spcPts val="400"/>
+                </a:spcBef>
+                <a:buSzPct val="100000"/>
+                <a:buChar char="•"/>
+                <a:defRPr sz="1800"/>
+              </a:lvl1pPr>
+            </a:lstStyle>
+            <a:p>
+              <a:pPr/>
+              <a:r>
+                <a:t>Dispersion relation, theory and mcstas</a:t>
+              </a:r>
+            </a:p>
+          </p:txBody>
+        </p:sp>
+      </p:grpSp>
+      <p:sp>
+        <p:nvSpPr>
+          <p:cNvPr id="356" name="Title 4"/>
+          <p:cNvSpPr txBox="1"/>
+          <p:nvPr>
+            <p:ph type="title"/>
+          </p:nvPr>
+        </p:nvSpPr>
+        <p:spPr>
+          <a:xfrm>
+            <a:off x="2028725" y="-81875"/>
+            <a:ext cx="9312376" cy="972718"/>
+          </a:xfrm>
+          <a:prstGeom prst="rect">
+            <a:avLst/>
+          </a:prstGeom>
+        </p:spPr>
+        <p:txBody>
+          <a:bodyPr/>
+          <a:lstStyle/>
+          <a:p>
+            <a:pPr/>
+            <a:r>
+              <a:t>Example component: Phonon_simple</a:t>
+            </a:r>
+          </a:p>
+        </p:txBody>
+      </p:sp>
+      <p:sp>
+        <p:nvSpPr>
+          <p:cNvPr id="357" name="Content Placeholder 5"/>
+          <p:cNvSpPr txBox="1"/>
+          <p:nvPr>
+            <p:ph type="body" idx="1"/>
+          </p:nvPr>
+        </p:nvSpPr>
+        <p:spPr>
+          <a:xfrm>
+            <a:off x="1734025" y="1023010"/>
+            <a:ext cx="9312377" cy="4545580"/>
+          </a:xfrm>
+          <a:prstGeom prst="rect">
+            <a:avLst/>
+          </a:prstGeom>
+        </p:spPr>
+        <p:txBody>
+          <a:bodyPr/>
+          <a:lstStyle/>
+          <a:p>
+            <a:pPr/>
+            <a:r>
+              <a:t>One isotropic acoustic phonon branch in all Brillouin zones on FCC Bravais single crystal</a:t>
+            </a:r>
+          </a:p>
+        </p:txBody>
+      </p:sp>
+      <p:sp>
+        <p:nvSpPr>
+          <p:cNvPr id="358" name="Slide Number Placeholder 3"/>
+          <p:cNvSpPr txBox="1"/>
+          <p:nvPr>
+            <p:ph type="sldNum" sz="quarter" idx="2"/>
+          </p:nvPr>
+        </p:nvSpPr>
+        <p:spPr>
+          <a:prstGeom prst="rect">
+            <a:avLst/>
+          </a:prstGeom>
+          <a:extLst>
+            <a:ext uri="{C572A759-6A51-4108-AA02-DFA0A04FC94B}">
+              <ma14:wrappingTextBoxFlag xmlns:ma14="http://schemas.microsoft.com/office/mac/drawingml/2011/main" val="1"/>
+            </a:ext>
+          </a:extLst>
+        </p:spPr>
+        <p:txBody>
+          <a:bodyPr/>
+          <a:lstStyle/>
+          <a:p>
+            <a:pPr/>
+            <a:fld id="{86CB4B4D-7CA3-9044-876B-883B54F8677D}" type="slidenum"/>
+          </a:p>
+        </p:txBody>
+      </p:sp>
       <p:pic>
         <p:nvPicPr>
-          <p:cNvPr id="343" name="Picture 8" descr="Picture 8"/>
+          <p:cNvPr id="359" name="Picture 5" descr="Picture 5"/>
           <p:cNvPicPr>
             <a:picLocks noChangeAspect="1"/>
           </p:cNvPicPr>
           <p:nvPr/>
         </p:nvPicPr>
         <p:blipFill>
-          <a:blip r:embed="rId4">
+          <a:blip r:embed="rId3">
             <a:extLst/>
           </a:blip>
           <a:stretch>
@@ -17781,37 +18154,8 @@
         </p:blipFill>
         <p:spPr>
           <a:xfrm>
-            <a:off x="3598250" y="4590927"/>
-            <a:ext cx="838201" cy="406401"/>
-          </a:xfrm>
-          <a:prstGeom prst="rect">
-            <a:avLst/>
-          </a:prstGeom>
-          <a:ln w="12700">
-            <a:miter lim="400000"/>
-          </a:ln>
-        </p:spPr>
-      </p:pic>
-      <p:pic>
-        <p:nvPicPr>
-          <p:cNvPr id="344" name="Picture 10" descr="Picture 10"/>
-          <p:cNvPicPr>
-            <a:picLocks noChangeAspect="1"/>
-          </p:cNvPicPr>
-          <p:nvPr/>
-        </p:nvPicPr>
-        <p:blipFill>
-          <a:blip r:embed="rId5">
-            <a:extLst/>
-          </a:blip>
-          <a:stretch>
-            <a:fillRect/>
-          </a:stretch>
-        </p:blipFill>
-        <p:spPr>
-          <a:xfrm>
-            <a:off x="4633309" y="4578227"/>
-            <a:ext cx="2349501" cy="419101"/>
+            <a:off x="3199659" y="1250860"/>
+            <a:ext cx="2413001" cy="457201"/>
           </a:xfrm>
           <a:prstGeom prst="rect">
             <a:avLst/>
@@ -17823,49 +18167,13 @@
       </p:pic>
       <p:sp>
         <p:nvSpPr>
-          <p:cNvPr id="345" name="TextBox 11"/>
+          <p:cNvPr id="360" name="TextBox 15"/>
           <p:cNvSpPr txBox="1"/>
           <p:nvPr/>
         </p:nvSpPr>
         <p:spPr>
           <a:xfrm>
-            <a:off x="2139841" y="4599204"/>
-            <a:ext cx="3913719" cy="221953"/>
-          </a:xfrm>
-          <a:prstGeom prst="rect">
-            <a:avLst/>
-          </a:prstGeom>
-          <a:ln w="12700">
-            <a:miter lim="400000"/>
-          </a:ln>
-          <a:extLst>
-            <a:ext uri="{C572A759-6A51-4108-AA02-DFA0A04FC94B}">
-              <ma14:wrappingTextBoxFlag xmlns:ma14="http://schemas.microsoft.com/office/mac/drawingml/2011/main" val="1"/>
-            </a:ext>
-          </a:extLst>
-        </p:spPr>
-        <p:txBody>
-          <a:bodyPr lIns="0" tIns="0" rIns="0" bIns="0">
-            <a:spAutoFit/>
-          </a:bodyPr>
-          <a:lstStyle/>
-          <a:p>
-            <a:pPr/>
-            <a:r>
-              <a:t>For FCC Bravis</a:t>
-            </a:r>
-          </a:p>
-        </p:txBody>
-      </p:sp>
-      <p:sp>
-        <p:nvSpPr>
-          <p:cNvPr id="346" name="TextBox 15"/>
-          <p:cNvSpPr txBox="1"/>
-          <p:nvPr/>
-        </p:nvSpPr>
-        <p:spPr>
-          <a:xfrm>
-            <a:off x="2139841" y="4120034"/>
+            <a:off x="2055238" y="1368483"/>
             <a:ext cx="1172194" cy="221954"/>
           </a:xfrm>
           <a:prstGeom prst="rect">
@@ -17902,7 +18210,7 @@
 </p:sld>
 </file>
 
-<file path=ppt/slides/slide11.xml><?xml version="1.0" encoding="utf-8"?>
+<file path=ppt/slides/slide12.xml><?xml version="1.0" encoding="utf-8"?>
 <p:sld xmlns:a="http://schemas.openxmlformats.org/drawingml/2006/main" xmlns:r="http://schemas.openxmlformats.org/officeDocument/2006/relationships" xmlns:p="http://schemas.openxmlformats.org/presentationml/2006/main" xmlns:m="http://schemas.openxmlformats.org/officeDocument/2006/math" xmlns:a14="http://schemas.microsoft.com/office/drawing/2010/main" showMasterSp="1" showMasterPhAnim="1">
   <p:cSld>
     <p:spTree>
@@ -17921,354 +18229,7 @@
       </p:grpSpPr>
       <p:sp>
         <p:nvSpPr>
-          <p:cNvPr id="348" name="Straight Connector 12"/>
-          <p:cNvSpPr/>
-          <p:nvPr/>
-        </p:nvSpPr>
-        <p:spPr>
-          <a:xfrm>
-            <a:off x="2605190" y="21980"/>
-            <a:ext cx="4767944" cy="1"/>
-          </a:xfrm>
-          <a:prstGeom prst="line">
-            <a:avLst/>
-          </a:prstGeom>
-          <a:ln w="47625">
-            <a:solidFill>
-              <a:schemeClr val="accent1"/>
-            </a:solidFill>
-          </a:ln>
-          <a:effectLst>
-            <a:outerShdw sx="100000" sy="100000" kx="0" ky="0" algn="b" rotWithShape="0" blurRad="38100" dist="20000" dir="5400000">
-              <a:srgbClr val="000000">
-                <a:alpha val="38000"/>
-              </a:srgbClr>
-            </a:outerShdw>
-          </a:effectLst>
-        </p:spPr>
-        <p:txBody>
-          <a:bodyPr lIns="45719" rIns="45719"/>
-          <a:lstStyle/>
-          <a:p>
-            <a:pPr/>
-          </a:p>
-        </p:txBody>
-      </p:sp>
-      <p:pic>
-        <p:nvPicPr>
-          <p:cNvPr id="349" name="Picture 15" descr="Picture 15"/>
-          <p:cNvPicPr>
-            <a:picLocks noChangeAspect="1"/>
-          </p:cNvPicPr>
-          <p:nvPr/>
-        </p:nvPicPr>
-        <p:blipFill>
-          <a:blip r:embed="rId2">
-            <a:extLst/>
-          </a:blip>
-          <a:stretch>
-            <a:fillRect/>
-          </a:stretch>
-        </p:blipFill>
-        <p:spPr>
-          <a:xfrm>
-            <a:off x="6947027" y="2144227"/>
-            <a:ext cx="4876801" cy="3797301"/>
-          </a:xfrm>
-          <a:prstGeom prst="rect">
-            <a:avLst/>
-          </a:prstGeom>
-          <a:ln w="12700">
-            <a:miter lim="400000"/>
-          </a:ln>
-        </p:spPr>
-      </p:pic>
-      <p:sp>
-        <p:nvSpPr>
-          <p:cNvPr id="350" name="Slide Number Placeholder 3"/>
-          <p:cNvSpPr txBox="1"/>
-          <p:nvPr>
-            <p:ph type="sldNum" sz="quarter" idx="2"/>
-          </p:nvPr>
-        </p:nvSpPr>
-        <p:spPr>
-          <a:prstGeom prst="rect">
-            <a:avLst/>
-          </a:prstGeom>
-          <a:extLst>
-            <a:ext uri="{C572A759-6A51-4108-AA02-DFA0A04FC94B}">
-              <ma14:wrappingTextBoxFlag xmlns:ma14="http://schemas.microsoft.com/office/mac/drawingml/2011/main" val="1"/>
-            </a:ext>
-          </a:extLst>
-        </p:spPr>
-        <p:txBody>
-          <a:bodyPr/>
-          <a:lstStyle/>
-          <a:p>
-            <a:pPr/>
-            <a:fld id="{86CB4B4D-7CA3-9044-876B-883B54F8677D}" type="slidenum"/>
-          </a:p>
-        </p:txBody>
-      </p:sp>
-      <p:sp>
-        <p:nvSpPr>
-          <p:cNvPr id="351" name="Straight Arrow Connector 2"/>
-          <p:cNvSpPr/>
-          <p:nvPr/>
-        </p:nvSpPr>
-        <p:spPr>
-          <a:xfrm>
-            <a:off x="1619659" y="5810830"/>
-            <a:ext cx="4301081" cy="1"/>
-          </a:xfrm>
-          <a:prstGeom prst="line">
-            <a:avLst/>
-          </a:prstGeom>
-          <a:ln w="63500">
-            <a:solidFill>
-              <a:schemeClr val="accent1"/>
-            </a:solidFill>
-            <a:tailEnd type="triangle"/>
-          </a:ln>
-          <a:effectLst>
-            <a:outerShdw sx="100000" sy="100000" kx="0" ky="0" algn="b" rotWithShape="0" blurRad="38100" dist="20000" dir="5400000">
-              <a:srgbClr val="000000">
-                <a:alpha val="38000"/>
-              </a:srgbClr>
-            </a:outerShdw>
-          </a:effectLst>
-        </p:spPr>
-        <p:txBody>
-          <a:bodyPr lIns="45719" rIns="45719"/>
-          <a:lstStyle/>
-          <a:p>
-            <a:pPr/>
-          </a:p>
-        </p:txBody>
-      </p:sp>
-      <p:sp>
-        <p:nvSpPr>
-          <p:cNvPr id="352" name="Straight Arrow Connector 7"/>
-          <p:cNvSpPr/>
-          <p:nvPr/>
-        </p:nvSpPr>
-        <p:spPr>
-          <a:xfrm flipV="1">
-            <a:off x="1934105" y="2477562"/>
-            <a:ext cx="1" cy="3578267"/>
-          </a:xfrm>
-          <a:prstGeom prst="line">
-            <a:avLst/>
-          </a:prstGeom>
-          <a:ln w="63500">
-            <a:solidFill>
-              <a:schemeClr val="accent1"/>
-            </a:solidFill>
-            <a:tailEnd type="triangle"/>
-          </a:ln>
-          <a:effectLst>
-            <a:outerShdw sx="100000" sy="100000" kx="0" ky="0" algn="b" rotWithShape="0" blurRad="38100" dist="20000" dir="5400000">
-              <a:srgbClr val="000000">
-                <a:alpha val="38000"/>
-              </a:srgbClr>
-            </a:outerShdw>
-          </a:effectLst>
-        </p:spPr>
-        <p:txBody>
-          <a:bodyPr lIns="45719" rIns="45719"/>
-          <a:lstStyle/>
-          <a:p>
-            <a:pPr/>
-          </a:p>
-        </p:txBody>
-      </p:sp>
-      <p:sp>
-        <p:nvSpPr>
-          <p:cNvPr id="353" name="TextBox 5"/>
-          <p:cNvSpPr txBox="1"/>
-          <p:nvPr/>
-        </p:nvSpPr>
-        <p:spPr>
-          <a:xfrm>
-            <a:off x="6029328" y="5589296"/>
-            <a:ext cx="672778" cy="419337"/>
-          </a:xfrm>
-          <a:prstGeom prst="rect">
-            <a:avLst/>
-          </a:prstGeom>
-          <a:ln w="12700">
-            <a:miter lim="400000"/>
-          </a:ln>
-          <a:extLst>
-            <a:ext uri="{C572A759-6A51-4108-AA02-DFA0A04FC94B}">
-              <ma14:wrappingTextBoxFlag xmlns:ma14="http://schemas.microsoft.com/office/mac/drawingml/2011/main" val="1"/>
-            </a:ext>
-          </a:extLst>
-        </p:spPr>
-        <p:txBody>
-          <a:bodyPr lIns="0" tIns="0" rIns="0" bIns="0">
-            <a:spAutoFit/>
-          </a:bodyPr>
-          <a:lstStyle>
-            <a:lvl1pPr>
-              <a:defRPr sz="3000"/>
-            </a:lvl1pPr>
-          </a:lstStyle>
-          <a:p>
-            <a:pPr/>
-            <a:r>
-              <a:t>q</a:t>
-            </a:r>
-          </a:p>
-        </p:txBody>
-      </p:sp>
-      <p:sp>
-        <p:nvSpPr>
-          <p:cNvPr id="354" name="TextBox 6"/>
-          <p:cNvSpPr txBox="1"/>
-          <p:nvPr/>
-        </p:nvSpPr>
-        <p:spPr>
-          <a:xfrm>
-            <a:off x="1424798" y="2248875"/>
-            <a:ext cx="729206" cy="444501"/>
-          </a:xfrm>
-          <a:prstGeom prst="rect">
-            <a:avLst/>
-          </a:prstGeom>
-          <a:ln w="12700">
-            <a:miter lim="400000"/>
-          </a:ln>
-          <a:extLst>
-            <a:ext uri="{C572A759-6A51-4108-AA02-DFA0A04FC94B}">
-              <ma14:wrappingTextBoxFlag xmlns:ma14="http://schemas.microsoft.com/office/mac/drawingml/2011/main" val="1"/>
-            </a:ext>
-          </a:extLst>
-        </p:spPr>
-        <p:txBody>
-          <a:bodyPr lIns="0" tIns="0" rIns="0" bIns="0">
-            <a:spAutoFit/>
-          </a:bodyPr>
-          <a:lstStyle>
-            <a:lvl1pPr>
-              <a:defRPr sz="3000"/>
-            </a:lvl1pPr>
-          </a:lstStyle>
-          <a:p>
-            <a:pPr/>
-            <a:r>
-              <a:t>⍵</a:t>
-            </a:r>
-          </a:p>
-        </p:txBody>
-      </p:sp>
-      <p:sp>
-        <p:nvSpPr>
-          <p:cNvPr id="355" name="TextBox 11"/>
-          <p:cNvSpPr txBox="1"/>
-          <p:nvPr/>
-        </p:nvSpPr>
-        <p:spPr>
-          <a:xfrm>
-            <a:off x="4009950" y="5652987"/>
-            <a:ext cx="672778" cy="491726"/>
-          </a:xfrm>
-          <a:prstGeom prst="rect">
-            <a:avLst/>
-          </a:prstGeom>
-          <a:ln w="12700">
-            <a:miter lim="400000"/>
-          </a:ln>
-          <a:extLst>
-            <a:ext uri="{C572A759-6A51-4108-AA02-DFA0A04FC94B}">
-              <ma14:wrappingTextBoxFlag xmlns:ma14="http://schemas.microsoft.com/office/mac/drawingml/2011/main" val="1"/>
-            </a:ext>
-          </a:extLst>
-        </p:spPr>
-        <p:txBody>
-          <a:bodyPr lIns="0" tIns="0" rIns="0" bIns="0">
-            <a:spAutoFit/>
-          </a:bodyPr>
-          <a:lstStyle/>
-          <a:p>
-            <a:pPr>
-              <a:defRPr sz="3000"/>
-            </a:pPr>
-            <a:r>
-              <a:t>q</a:t>
-            </a:r>
-            <a:r>
-              <a:rPr baseline="-25000"/>
-              <a:t>0</a:t>
-            </a:r>
-          </a:p>
-        </p:txBody>
-      </p:sp>
-      <p:sp>
-        <p:nvSpPr>
-          <p:cNvPr id="356" name="Oval 8"/>
-          <p:cNvSpPr/>
-          <p:nvPr/>
-        </p:nvSpPr>
-        <p:spPr>
-          <a:xfrm>
-            <a:off x="2960393" y="-3863874"/>
-            <a:ext cx="2411707" cy="9675261"/>
-          </a:xfrm>
-          <a:prstGeom prst="ellipse">
-            <a:avLst/>
-          </a:prstGeom>
-          <a:solidFill>
-            <a:srgbClr val="FFFFFF"/>
-          </a:solidFill>
-          <a:ln w="50800">
-            <a:solidFill>
-              <a:schemeClr val="accent1"/>
-            </a:solidFill>
-          </a:ln>
-        </p:spPr>
-        <p:txBody>
-          <a:bodyPr lIns="46799" tIns="46799" rIns="46799" bIns="46799" anchor="ctr"/>
-          <a:lstStyle/>
-          <a:p>
-            <a:pPr/>
-          </a:p>
-        </p:txBody>
-      </p:sp>
-      <p:sp>
-        <p:nvSpPr>
-          <p:cNvPr id="357" name="Rectangle 9"/>
-          <p:cNvSpPr/>
-          <p:nvPr/>
-        </p:nvSpPr>
-        <p:spPr>
-          <a:xfrm>
-            <a:off x="2721163" y="-1517901"/>
-            <a:ext cx="4213669" cy="4520181"/>
-          </a:xfrm>
-          <a:prstGeom prst="rect">
-            <a:avLst/>
-          </a:prstGeom>
-          <a:solidFill>
-            <a:srgbClr val="FFFFFF"/>
-          </a:solidFill>
-          <a:ln w="25400">
-            <a:solidFill>
-              <a:srgbClr val="FFFFFF"/>
-            </a:solidFill>
-          </a:ln>
-        </p:spPr>
-        <p:txBody>
-          <a:bodyPr lIns="46799" tIns="46799" rIns="46799" bIns="46799" anchor="ctr"/>
-          <a:lstStyle/>
-          <a:p>
-            <a:pPr/>
-          </a:p>
-        </p:txBody>
-      </p:sp>
-      <p:sp>
-        <p:nvSpPr>
-          <p:cNvPr id="358" name="Title 4"/>
+          <p:cNvPr id="362" name="Title 4"/>
           <p:cNvSpPr txBox="1"/>
           <p:nvPr>
             <p:ph type="title"/>
@@ -18289,96 +18250,14 @@
           <a:p>
             <a:pPr/>
             <a:r>
-              <a:t>Popular component: Phonon_simple</a:t>
+              <a:t>Example component: Phonon_simple</a:t>
             </a:r>
           </a:p>
         </p:txBody>
       </p:sp>
       <p:sp>
         <p:nvSpPr>
-          <p:cNvPr id="359" name="Content Placeholder 5"/>
-          <p:cNvSpPr txBox="1"/>
-          <p:nvPr>
-            <p:ph type="body" idx="1"/>
-          </p:nvPr>
-        </p:nvSpPr>
-        <p:spPr>
-          <a:xfrm>
-            <a:off x="1774799" y="1706398"/>
-            <a:ext cx="9312376" cy="4545581"/>
-          </a:xfrm>
-          <a:prstGeom prst="rect">
-            <a:avLst/>
-          </a:prstGeom>
-        </p:spPr>
-        <p:txBody>
-          <a:bodyPr/>
-          <a:lstStyle/>
-          <a:p>
-            <a:pPr/>
-            <a:r>
-              <a:t>Dispersion relation, theory and mcstas</a:t>
-            </a:r>
-          </a:p>
-        </p:txBody>
-      </p:sp>
-    </p:spTree>
-  </p:cSld>
-  <p:clrMapOvr>
-    <a:masterClrMapping/>
-  </p:clrMapOvr>
-  <p:transition xmlns:p14="http://schemas.microsoft.com/office/powerpoint/2010/main" spd="med" advClick="1"/>
-</p:sld>
-</file>
-
-<file path=ppt/slides/slide12.xml><?xml version="1.0" encoding="utf-8"?>
-<p:sld xmlns:a="http://schemas.openxmlformats.org/drawingml/2006/main" xmlns:r="http://schemas.openxmlformats.org/officeDocument/2006/relationships" xmlns:p="http://schemas.openxmlformats.org/presentationml/2006/main" xmlns:m="http://schemas.openxmlformats.org/officeDocument/2006/math" xmlns:a14="http://schemas.microsoft.com/office/drawing/2010/main" showMasterSp="1" showMasterPhAnim="1">
-  <p:cSld>
-    <p:spTree>
-      <p:nvGrpSpPr>
-        <p:cNvPr id="1" name=""/>
-        <p:cNvGrpSpPr/>
-        <p:nvPr/>
-      </p:nvGrpSpPr>
-      <p:grpSpPr>
-        <a:xfrm>
-          <a:off x="0" y="0"/>
-          <a:ext cx="0" cy="0"/>
-          <a:chOff x="0" y="0"/>
-          <a:chExt cx="0" cy="0"/>
-        </a:xfrm>
-      </p:grpSpPr>
-      <p:sp>
-        <p:nvSpPr>
-          <p:cNvPr id="361" name="Title 4"/>
-          <p:cNvSpPr txBox="1"/>
-          <p:nvPr>
-            <p:ph type="title"/>
-          </p:nvPr>
-        </p:nvSpPr>
-        <p:spPr>
-          <a:xfrm>
-            <a:off x="1774725" y="426125"/>
-            <a:ext cx="9312376" cy="972718"/>
-          </a:xfrm>
-          <a:prstGeom prst="rect">
-            <a:avLst/>
-          </a:prstGeom>
-        </p:spPr>
-        <p:txBody>
-          <a:bodyPr/>
-          <a:lstStyle/>
-          <a:p>
-            <a:pPr/>
-            <a:r>
-              <a:t>Popular component: Phonon_simple</a:t>
-            </a:r>
-          </a:p>
-        </p:txBody>
-      </p:sp>
-      <p:sp>
-        <p:nvSpPr>
-          <p:cNvPr id="362" name="Content Placeholder 5"/>
+          <p:cNvPr id="363" name="Content Placeholder 5"/>
           <p:cNvSpPr txBox="1"/>
           <p:nvPr>
             <p:ph type="body" idx="1"/>
@@ -18402,11 +18281,40 @@
               <a:t>Example of the output</a:t>
             </a:r>
           </a:p>
+          <a:p>
+            <a:pPr/>
+            <a:r>
+              <a:t>Elastic scattering only</a:t>
+            </a:r>
+          </a:p>
+          <a:p>
+            <a:pPr/>
+            <a:r>
+              <a:t>Combine with Single_crystal</a:t>
+            </a:r>
+            <a:br/>
+            <a:r>
+              <a:t>for elastic-inelastic scattering</a:t>
+            </a:r>
+            <a:br/>
+            <a:br/>
+            <a:br/>
+          </a:p>
+          <a:p>
+            <a:pPr/>
+            <a:r>
+              <a:t>Magnon_fcc is conceptually</a:t>
+            </a:r>
+            <a:br/>
+            <a:r>
+              <a:t>very similar</a:t>
+            </a:r>
+          </a:p>
         </p:txBody>
       </p:sp>
       <p:sp>
         <p:nvSpPr>
-          <p:cNvPr id="363" name="Slide Number Placeholder 3"/>
+          <p:cNvPr id="364" name="Slide Number Placeholder 3"/>
           <p:cNvSpPr txBox="1"/>
           <p:nvPr>
             <p:ph type="sldNum" sz="quarter" idx="2"/>
@@ -18433,7 +18341,7 @@
       </p:sp>
       <p:pic>
         <p:nvPicPr>
-          <p:cNvPr id="364" name="Picture 2" descr="Picture 2"/>
+          <p:cNvPr id="365" name="Picture 2" descr="Picture 2"/>
           <p:cNvPicPr>
             <a:picLocks noChangeAspect="1"/>
           </p:cNvPicPr>
@@ -18463,7 +18371,7 @@
       </p:pic>
       <p:sp>
         <p:nvSpPr>
-          <p:cNvPr id="365" name="TextBox 3"/>
+          <p:cNvPr id="366" name="TextBox 3"/>
           <p:cNvSpPr txBox="1"/>
           <p:nvPr/>
         </p:nvSpPr>
@@ -18533,7 +18441,7 @@
       </p:grpSpPr>
       <p:sp>
         <p:nvSpPr>
-          <p:cNvPr id="367" name="Title 4"/>
+          <p:cNvPr id="368" name="Title 4"/>
           <p:cNvSpPr txBox="1"/>
           <p:nvPr>
             <p:ph type="title"/>
@@ -18554,14 +18462,14 @@
           <a:p>
             <a:pPr/>
             <a:r>
-              <a:t>Popular component: Isotropic_sqw</a:t>
+              <a:t>Example component: Isotropic_sqw</a:t>
             </a:r>
           </a:p>
         </p:txBody>
       </p:sp>
       <p:sp>
         <p:nvSpPr>
-          <p:cNvPr id="368" name="Content Placeholder 5"/>
+          <p:cNvPr id="369" name="Content Placeholder 5"/>
           <p:cNvSpPr txBox="1"/>
           <p:nvPr>
             <p:ph type="body" idx="1"/>
@@ -18569,8 +18477,8 @@
         </p:nvSpPr>
         <p:spPr>
           <a:xfrm>
-            <a:off x="1774799" y="1706398"/>
-            <a:ext cx="9312376" cy="4545581"/>
+            <a:off x="1774725" y="1477260"/>
+            <a:ext cx="9312376" cy="4545580"/>
           </a:xfrm>
           <a:prstGeom prst="rect">
             <a:avLst/>
@@ -18588,20 +18496,20 @@
           <a:p>
             <a:pPr/>
             <a:r>
-              <a:t>Use data files to describe S(q,w) directly, coherent and incoherent</a:t>
+              <a:t>Use data files to describe S(|q|,w) directly, coherent and incoherent  - isotropic scattering</a:t>
             </a:r>
           </a:p>
           <a:p>
             <a:pPr/>
             <a:r>
-              <a:t>Supports concentric</a:t>
+              <a:t>Supports concentric geometries</a:t>
             </a:r>
           </a:p>
         </p:txBody>
       </p:sp>
       <p:sp>
         <p:nvSpPr>
-          <p:cNvPr id="369" name="Slide Number Placeholder 3"/>
+          <p:cNvPr id="370" name="Slide Number Placeholder 3"/>
           <p:cNvSpPr txBox="1"/>
           <p:nvPr>
             <p:ph type="sldNum" sz="quarter" idx="2"/>
@@ -18628,7 +18536,7 @@
       </p:sp>
       <p:pic>
         <p:nvPicPr>
-          <p:cNvPr id="370" name="Picture 2" descr="Picture 2"/>
+          <p:cNvPr id="371" name="Picture 2" descr="Picture 2"/>
           <p:cNvPicPr>
             <a:picLocks noChangeAspect="1"/>
           </p:cNvPicPr>
@@ -18646,6 +18554,35 @@
           <a:xfrm>
             <a:off x="7315451" y="2539710"/>
             <a:ext cx="4318001" cy="3962673"/>
+          </a:xfrm>
+          <a:prstGeom prst="rect">
+            <a:avLst/>
+          </a:prstGeom>
+          <a:ln w="12700">
+            <a:miter lim="400000"/>
+          </a:ln>
+        </p:spPr>
+      </p:pic>
+      <p:pic>
+        <p:nvPicPr>
+          <p:cNvPr id="372" name="Picture 2" descr="Picture 2"/>
+          <p:cNvPicPr>
+            <a:picLocks noChangeAspect="1"/>
+          </p:cNvPicPr>
+          <p:nvPr/>
+        </p:nvPicPr>
+        <p:blipFill>
+          <a:blip r:embed="rId3">
+            <a:extLst/>
+          </a:blip>
+          <a:stretch>
+            <a:fillRect/>
+          </a:stretch>
+        </p:blipFill>
+        <p:spPr>
+          <a:xfrm>
+            <a:off x="1649990" y="2675584"/>
+            <a:ext cx="5600765" cy="3690925"/>
           </a:xfrm>
           <a:prstGeom prst="rect">
             <a:avLst/>
@@ -18683,17 +18620,13 @@
       </p:grpSpPr>
       <p:sp>
         <p:nvSpPr>
-          <p:cNvPr id="372" name="Title 4"/>
+          <p:cNvPr id="374" name="Example component"/>
           <p:cNvSpPr txBox="1"/>
           <p:nvPr>
             <p:ph type="title"/>
           </p:nvPr>
         </p:nvSpPr>
         <p:spPr>
-          <a:xfrm>
-            <a:off x="1774725" y="426125"/>
-            <a:ext cx="9312376" cy="972718"/>
-          </a:xfrm>
           <a:prstGeom prst="rect">
             <a:avLst/>
           </a:prstGeom>
@@ -18704,24 +18637,20 @@
           <a:p>
             <a:pPr/>
             <a:r>
-              <a:t>Popular component: Isotropic_sqw</a:t>
+              <a:t>Example component</a:t>
             </a:r>
           </a:p>
         </p:txBody>
       </p:sp>
       <p:sp>
         <p:nvSpPr>
-          <p:cNvPr id="373" name="Content Placeholder 5"/>
+          <p:cNvPr id="375" name="Single_crystal_inelastic…"/>
           <p:cNvSpPr txBox="1"/>
           <p:nvPr>
             <p:ph type="body" idx="1"/>
           </p:nvPr>
         </p:nvSpPr>
         <p:spPr>
-          <a:xfrm>
-            <a:off x="1774799" y="1706398"/>
-            <a:ext cx="9312376" cy="4545581"/>
-          </a:xfrm>
           <a:prstGeom prst="rect">
             <a:avLst/>
           </a:prstGeom>
@@ -18732,26 +18661,35 @@
           <a:p>
             <a:pPr/>
             <a:r>
-              <a:t>Isotropic processes (powder, liquid, …)</a:t>
+              <a:t>Single_crystal_inelastic</a:t>
             </a:r>
           </a:p>
           <a:p>
             <a:pPr/>
             <a:r>
-              <a:t>Use data files to describe S(q,w) directly, coherent and incoherent</a:t>
+              <a:t>Contribution from Duc Le, ISIS</a:t>
             </a:r>
           </a:p>
           <a:p>
             <a:pPr/>
             <a:r>
-              <a:t>Supports concentric</a:t>
+              <a:t>“Marriage” between Single_crystal and 4D equivalent of Isotropic_Sqw</a:t>
+            </a:r>
+          </a:p>
+          <a:p>
+            <a:pPr/>
+          </a:p>
+          <a:p>
+            <a:pPr/>
+            <a:r>
+              <a:t>BIG tables, lots of memory, close to impossible to use for anything but “locally” in reciprocal space, i.e. in TAS settings</a:t>
             </a:r>
           </a:p>
         </p:txBody>
       </p:sp>
       <p:sp>
         <p:nvSpPr>
-          <p:cNvPr id="374" name="Slide Number Placeholder 3"/>
+          <p:cNvPr id="376" name="Slide Number"/>
           <p:cNvSpPr txBox="1"/>
           <p:nvPr>
             <p:ph type="sldNum" sz="quarter" idx="2"/>
@@ -18773,235 +18711,6 @@
           <a:p>
             <a:pPr/>
             <a:fld id="{86CB4B4D-7CA3-9044-876B-883B54F8677D}" type="slidenum"/>
-          </a:p>
-        </p:txBody>
-      </p:sp>
-      <p:pic>
-        <p:nvPicPr>
-          <p:cNvPr id="375" name="Picture 6" descr="Picture 6"/>
-          <p:cNvPicPr>
-            <a:picLocks noChangeAspect="1"/>
-          </p:cNvPicPr>
-          <p:nvPr/>
-        </p:nvPicPr>
-        <p:blipFill>
-          <a:blip r:embed="rId2">
-            <a:extLst/>
-          </a:blip>
-          <a:stretch>
-            <a:fillRect/>
-          </a:stretch>
-        </p:blipFill>
-        <p:spPr>
-          <a:xfrm>
-            <a:off x="2411540" y="3070875"/>
-            <a:ext cx="8277587" cy="3181103"/>
-          </a:xfrm>
-          <a:prstGeom prst="rect">
-            <a:avLst/>
-          </a:prstGeom>
-          <a:ln w="12700">
-            <a:miter lim="400000"/>
-          </a:ln>
-        </p:spPr>
-      </p:pic>
-      <p:sp>
-        <p:nvSpPr>
-          <p:cNvPr id="376" name="TextBox 1"/>
-          <p:cNvSpPr txBox="1"/>
-          <p:nvPr/>
-        </p:nvSpPr>
-        <p:spPr>
-          <a:xfrm>
-            <a:off x="7665256" y="5812718"/>
-            <a:ext cx="375425" cy="345629"/>
-          </a:xfrm>
-          <a:prstGeom prst="rect">
-            <a:avLst/>
-          </a:prstGeom>
-          <a:ln w="12700">
-            <a:miter lim="400000"/>
-          </a:ln>
-          <a:extLst>
-            <a:ext uri="{C572A759-6A51-4108-AA02-DFA0A04FC94B}">
-              <ma14:wrappingTextBoxFlag xmlns:ma14="http://schemas.microsoft.com/office/mac/drawingml/2011/main" val="1"/>
-            </a:ext>
-          </a:extLst>
-        </p:spPr>
-        <p:txBody>
-          <a:bodyPr lIns="0" tIns="0" rIns="0" bIns="0">
-            <a:spAutoFit/>
-          </a:bodyPr>
-          <a:lstStyle>
-            <a:lvl1pPr>
-              <a:defRPr sz="2400"/>
-            </a:lvl1pPr>
-          </a:lstStyle>
-          <a:p>
-            <a:pPr/>
-            <a:r>
-              <a:t>q</a:t>
-            </a:r>
-          </a:p>
-        </p:txBody>
-      </p:sp>
-      <p:sp>
-        <p:nvSpPr>
-          <p:cNvPr id="377" name="TextBox 7"/>
-          <p:cNvSpPr txBox="1"/>
-          <p:nvPr/>
-        </p:nvSpPr>
-        <p:spPr>
-          <a:xfrm>
-            <a:off x="10637247" y="5789974"/>
-            <a:ext cx="375425" cy="345629"/>
-          </a:xfrm>
-          <a:prstGeom prst="rect">
-            <a:avLst/>
-          </a:prstGeom>
-          <a:ln w="12700">
-            <a:miter lim="400000"/>
-          </a:ln>
-          <a:extLst>
-            <a:ext uri="{C572A759-6A51-4108-AA02-DFA0A04FC94B}">
-              <ma14:wrappingTextBoxFlag xmlns:ma14="http://schemas.microsoft.com/office/mac/drawingml/2011/main" val="1"/>
-            </a:ext>
-          </a:extLst>
-        </p:spPr>
-        <p:txBody>
-          <a:bodyPr lIns="0" tIns="0" rIns="0" bIns="0">
-            <a:spAutoFit/>
-          </a:bodyPr>
-          <a:lstStyle>
-            <a:lvl1pPr>
-              <a:defRPr sz="2400"/>
-            </a:lvl1pPr>
-          </a:lstStyle>
-          <a:p>
-            <a:pPr/>
-            <a:r>
-              <a:t>q</a:t>
-            </a:r>
-          </a:p>
-        </p:txBody>
-      </p:sp>
-      <p:sp>
-        <p:nvSpPr>
-          <p:cNvPr id="378" name="TextBox 8"/>
-          <p:cNvSpPr txBox="1"/>
-          <p:nvPr/>
-        </p:nvSpPr>
-        <p:spPr>
-          <a:xfrm>
-            <a:off x="5228573" y="3323295"/>
-            <a:ext cx="729206" cy="444501"/>
-          </a:xfrm>
-          <a:prstGeom prst="rect">
-            <a:avLst/>
-          </a:prstGeom>
-          <a:ln w="12700">
-            <a:miter lim="400000"/>
-          </a:ln>
-          <a:extLst>
-            <a:ext uri="{C572A759-6A51-4108-AA02-DFA0A04FC94B}">
-              <ma14:wrappingTextBoxFlag xmlns:ma14="http://schemas.microsoft.com/office/mac/drawingml/2011/main" val="1"/>
-            </a:ext>
-          </a:extLst>
-        </p:spPr>
-        <p:txBody>
-          <a:bodyPr lIns="0" tIns="0" rIns="0" bIns="0">
-            <a:spAutoFit/>
-          </a:bodyPr>
-          <a:lstStyle>
-            <a:lvl1pPr>
-              <a:defRPr sz="3000"/>
-            </a:lvl1pPr>
-          </a:lstStyle>
-          <a:p>
-            <a:pPr/>
-            <a:r>
-              <a:t>⍵</a:t>
-            </a:r>
-          </a:p>
-        </p:txBody>
-      </p:sp>
-      <p:sp>
-        <p:nvSpPr>
-          <p:cNvPr id="379" name="TextBox 10"/>
-          <p:cNvSpPr txBox="1"/>
-          <p:nvPr/>
-        </p:nvSpPr>
-        <p:spPr>
-          <a:xfrm>
-            <a:off x="4332053" y="5892844"/>
-            <a:ext cx="1040047" cy="355601"/>
-          </a:xfrm>
-          <a:prstGeom prst="rect">
-            <a:avLst/>
-          </a:prstGeom>
-          <a:ln w="12700">
-            <a:miter lim="400000"/>
-          </a:ln>
-          <a:extLst>
-            <a:ext uri="{C572A759-6A51-4108-AA02-DFA0A04FC94B}">
-              <ma14:wrappingTextBoxFlag xmlns:ma14="http://schemas.microsoft.com/office/mac/drawingml/2011/main" val="1"/>
-            </a:ext>
-          </a:extLst>
-        </p:spPr>
-        <p:txBody>
-          <a:bodyPr lIns="0" tIns="0" rIns="0" bIns="0">
-            <a:spAutoFit/>
-          </a:bodyPr>
-          <a:lstStyle>
-            <a:lvl1pPr>
-              <a:defRPr sz="2400"/>
-            </a:lvl1pPr>
-          </a:lstStyle>
-          <a:p>
-            <a:pPr/>
-            <a:r>
-              <a:t>P(⍵)</a:t>
-            </a:r>
-          </a:p>
-        </p:txBody>
-      </p:sp>
-      <p:sp>
-        <p:nvSpPr>
-          <p:cNvPr id="380" name="TextBox 11"/>
-          <p:cNvSpPr txBox="1"/>
-          <p:nvPr/>
-        </p:nvSpPr>
-        <p:spPr>
-          <a:xfrm rot="19151016">
-            <a:off x="7697928" y="3105299"/>
-            <a:ext cx="1302072" cy="355601"/>
-          </a:xfrm>
-          <a:prstGeom prst="rect">
-            <a:avLst/>
-          </a:prstGeom>
-          <a:ln w="12700">
-            <a:miter lim="400000"/>
-          </a:ln>
-          <a:extLst>
-            <a:ext uri="{C572A759-6A51-4108-AA02-DFA0A04FC94B}">
-              <ma14:wrappingTextBoxFlag xmlns:ma14="http://schemas.microsoft.com/office/mac/drawingml/2011/main" val="1"/>
-            </a:ext>
-          </a:extLst>
-        </p:spPr>
-        <p:txBody>
-          <a:bodyPr lIns="0" tIns="0" rIns="0" bIns="0">
-            <a:spAutoFit/>
-          </a:bodyPr>
-          <a:lstStyle>
-            <a:lvl1pPr>
-              <a:defRPr sz="2400"/>
-            </a:lvl1pPr>
-          </a:lstStyle>
-          <a:p>
-            <a:pPr/>
-            <a:r>
-              <a:t>P(Q|⍵)</a:t>
-            </a:r>
           </a:p>
         </p:txBody>
       </p:sp>
@@ -19033,151 +18742,7 @@
       </p:grpSpPr>
       <p:sp>
         <p:nvSpPr>
-          <p:cNvPr id="382" name="Title 4"/>
-          <p:cNvSpPr txBox="1"/>
-          <p:nvPr>
-            <p:ph type="title"/>
-          </p:nvPr>
-        </p:nvSpPr>
-        <p:spPr>
-          <a:xfrm>
-            <a:off x="1774725" y="426125"/>
-            <a:ext cx="9312376" cy="972718"/>
-          </a:xfrm>
-          <a:prstGeom prst="rect">
-            <a:avLst/>
-          </a:prstGeom>
-        </p:spPr>
-        <p:txBody>
-          <a:bodyPr/>
-          <a:lstStyle/>
-          <a:p>
-            <a:pPr/>
-            <a:r>
-              <a:t>Popular component: Isotropic_sqw</a:t>
-            </a:r>
-          </a:p>
-        </p:txBody>
-      </p:sp>
-      <p:sp>
-        <p:nvSpPr>
-          <p:cNvPr id="383" name="Content Placeholder 5"/>
-          <p:cNvSpPr txBox="1"/>
-          <p:nvPr>
-            <p:ph type="body" idx="1"/>
-          </p:nvPr>
-        </p:nvSpPr>
-        <p:spPr>
-          <a:xfrm>
-            <a:off x="1774799" y="1706398"/>
-            <a:ext cx="9312376" cy="4545581"/>
-          </a:xfrm>
-          <a:prstGeom prst="rect">
-            <a:avLst/>
-          </a:prstGeom>
-        </p:spPr>
-        <p:txBody>
-          <a:bodyPr/>
-          <a:lstStyle/>
-          <a:p>
-            <a:pPr/>
-            <a:r>
-              <a:t>Rb liquid in time of flight</a:t>
-            </a:r>
-          </a:p>
-          <a:p>
-            <a:pPr/>
-            <a:r>
-              <a:t>Coherent and incoherent</a:t>
-            </a:r>
-          </a:p>
-        </p:txBody>
-      </p:sp>
-      <p:sp>
-        <p:nvSpPr>
-          <p:cNvPr id="384" name="Slide Number Placeholder 3"/>
-          <p:cNvSpPr txBox="1"/>
-          <p:nvPr>
-            <p:ph type="sldNum" sz="quarter" idx="2"/>
-          </p:nvPr>
-        </p:nvSpPr>
-        <p:spPr>
-          <a:prstGeom prst="rect">
-            <a:avLst/>
-          </a:prstGeom>
-          <a:extLst>
-            <a:ext uri="{C572A759-6A51-4108-AA02-DFA0A04FC94B}">
-              <ma14:wrappingTextBoxFlag xmlns:ma14="http://schemas.microsoft.com/office/mac/drawingml/2011/main" val="1"/>
-            </a:ext>
-          </a:extLst>
-        </p:spPr>
-        <p:txBody>
-          <a:bodyPr/>
-          <a:lstStyle/>
-          <a:p>
-            <a:pPr/>
-            <a:fld id="{86CB4B4D-7CA3-9044-876B-883B54F8677D}" type="slidenum"/>
-          </a:p>
-        </p:txBody>
-      </p:sp>
-      <p:pic>
-        <p:nvPicPr>
-          <p:cNvPr id="385" name="Picture 2" descr="Picture 2"/>
-          <p:cNvPicPr>
-            <a:picLocks noChangeAspect="1"/>
-          </p:cNvPicPr>
-          <p:nvPr/>
-        </p:nvPicPr>
-        <p:blipFill>
-          <a:blip r:embed="rId2">
-            <a:extLst/>
-          </a:blip>
-          <a:stretch>
-            <a:fillRect/>
-          </a:stretch>
-        </p:blipFill>
-        <p:spPr>
-          <a:xfrm>
-            <a:off x="4962052" y="1706397"/>
-            <a:ext cx="7071450" cy="4660112"/>
-          </a:xfrm>
-          <a:prstGeom prst="rect">
-            <a:avLst/>
-          </a:prstGeom>
-          <a:ln w="12700">
-            <a:miter lim="400000"/>
-          </a:ln>
-        </p:spPr>
-      </p:pic>
-    </p:spTree>
-  </p:cSld>
-  <p:clrMapOvr>
-    <a:masterClrMapping/>
-  </p:clrMapOvr>
-  <p:transition xmlns:p14="http://schemas.microsoft.com/office/powerpoint/2010/main" spd="med" advClick="1"/>
-</p:sld>
-</file>
-
-<file path=ppt/slides/slide16.xml><?xml version="1.0" encoding="utf-8"?>
-<p:sld xmlns:a="http://schemas.openxmlformats.org/drawingml/2006/main" xmlns:r="http://schemas.openxmlformats.org/officeDocument/2006/relationships" xmlns:p="http://schemas.openxmlformats.org/presentationml/2006/main" xmlns:m="http://schemas.openxmlformats.org/officeDocument/2006/math" xmlns:a14="http://schemas.microsoft.com/office/drawing/2010/main" showMasterSp="1" showMasterPhAnim="1">
-  <p:cSld>
-    <p:spTree>
-      <p:nvGrpSpPr>
-        <p:cNvPr id="1" name=""/>
-        <p:cNvGrpSpPr/>
-        <p:nvPr/>
-      </p:nvGrpSpPr>
-      <p:grpSpPr>
-        <a:xfrm>
-          <a:off x="0" y="0"/>
-          <a:ext cx="0" cy="0"/>
-          <a:chOff x="0" y="0"/>
-          <a:chExt cx="0" cy="0"/>
-        </a:xfrm>
-      </p:grpSpPr>
-      <p:sp>
-        <p:nvSpPr>
-          <p:cNvPr id="387" name="Title 4"/>
+          <p:cNvPr id="378" name="Title 4"/>
           <p:cNvSpPr txBox="1"/>
           <p:nvPr>
             <p:ph type="title"/>
@@ -19205,7 +18770,7 @@
       </p:sp>
       <p:sp>
         <p:nvSpPr>
-          <p:cNvPr id="388" name="Content Placeholder 5"/>
+          <p:cNvPr id="379" name="Content Placeholder 5"/>
           <p:cNvSpPr txBox="1"/>
           <p:nvPr>
             <p:ph type="body" idx="1"/>
@@ -19245,7 +18810,7 @@
       </p:sp>
       <p:sp>
         <p:nvSpPr>
-          <p:cNvPr id="389" name="Slide Number Placeholder 3"/>
+          <p:cNvPr id="380" name="Slide Number Placeholder 3"/>
           <p:cNvSpPr txBox="1"/>
           <p:nvPr>
             <p:ph type="sldNum" sz="quarter" idx="2"/>
@@ -19272,7 +18837,7 @@
       </p:sp>
       <p:sp>
         <p:nvSpPr>
-          <p:cNvPr id="390" name="Straight Arrow Connector 2"/>
+          <p:cNvPr id="381" name="Straight Arrow Connector 2"/>
           <p:cNvSpPr/>
           <p:nvPr/>
         </p:nvSpPr>
@@ -19308,7 +18873,7 @@
       </p:sp>
       <p:sp>
         <p:nvSpPr>
-          <p:cNvPr id="391" name="Straight Arrow Connector 7"/>
+          <p:cNvPr id="382" name="Straight Arrow Connector 7"/>
           <p:cNvSpPr/>
           <p:nvPr/>
         </p:nvSpPr>
@@ -19344,7 +18909,7 @@
       </p:sp>
       <p:sp>
         <p:nvSpPr>
-          <p:cNvPr id="392" name="Straight Arrow Connector 9"/>
+          <p:cNvPr id="383" name="Straight Arrow Connector 9"/>
           <p:cNvSpPr/>
           <p:nvPr/>
         </p:nvSpPr>
@@ -19380,7 +18945,7 @@
       </p:sp>
       <p:sp>
         <p:nvSpPr>
-          <p:cNvPr id="393" name="Straight Connector 15"/>
+          <p:cNvPr id="384" name="Straight Connector 15"/>
           <p:cNvSpPr/>
           <p:nvPr/>
         </p:nvSpPr>
@@ -19415,7 +18980,7 @@
       </p:sp>
       <p:sp>
         <p:nvSpPr>
-          <p:cNvPr id="394" name="Straight Connector 20"/>
+          <p:cNvPr id="385" name="Straight Connector 20"/>
           <p:cNvSpPr/>
           <p:nvPr/>
         </p:nvSpPr>
@@ -19450,7 +19015,7 @@
       </p:sp>
       <p:sp>
         <p:nvSpPr>
-          <p:cNvPr id="395" name="Straight Connector 22"/>
+          <p:cNvPr id="386" name="Straight Connector 22"/>
           <p:cNvSpPr/>
           <p:nvPr/>
         </p:nvSpPr>
@@ -19485,7 +19050,7 @@
       </p:sp>
       <p:sp>
         <p:nvSpPr>
-          <p:cNvPr id="396" name="Straight Connector 23"/>
+          <p:cNvPr id="387" name="Straight Connector 23"/>
           <p:cNvSpPr/>
           <p:nvPr/>
         </p:nvSpPr>
@@ -19520,7 +19085,7 @@
       </p:sp>
       <p:sp>
         <p:nvSpPr>
-          <p:cNvPr id="397" name="Straight Connector 24"/>
+          <p:cNvPr id="388" name="Straight Connector 24"/>
           <p:cNvSpPr/>
           <p:nvPr/>
         </p:nvSpPr>
@@ -19555,7 +19120,7 @@
       </p:sp>
       <p:sp>
         <p:nvSpPr>
-          <p:cNvPr id="398" name="Straight Connector 25"/>
+          <p:cNvPr id="389" name="Straight Connector 25"/>
           <p:cNvSpPr/>
           <p:nvPr/>
         </p:nvSpPr>
@@ -19590,7 +19155,7 @@
       </p:sp>
       <p:sp>
         <p:nvSpPr>
-          <p:cNvPr id="399" name="Straight Connector 26"/>
+          <p:cNvPr id="390" name="Straight Connector 26"/>
           <p:cNvSpPr/>
           <p:nvPr/>
         </p:nvSpPr>
@@ -19625,7 +19190,7 @@
       </p:sp>
       <p:sp>
         <p:nvSpPr>
-          <p:cNvPr id="400" name="Straight Connector 27"/>
+          <p:cNvPr id="391" name="Straight Connector 27"/>
           <p:cNvSpPr/>
           <p:nvPr/>
         </p:nvSpPr>
@@ -19660,7 +19225,7 @@
       </p:sp>
       <p:sp>
         <p:nvSpPr>
-          <p:cNvPr id="401" name="Straight Connector 30"/>
+          <p:cNvPr id="392" name="Straight Connector 30"/>
           <p:cNvSpPr/>
           <p:nvPr/>
         </p:nvSpPr>
@@ -19695,7 +19260,7 @@
       </p:sp>
       <p:sp>
         <p:nvSpPr>
-          <p:cNvPr id="402" name="Straight Connector 34"/>
+          <p:cNvPr id="393" name="Straight Connector 34"/>
           <p:cNvSpPr/>
           <p:nvPr/>
         </p:nvSpPr>
@@ -19730,7 +19295,7 @@
       </p:sp>
       <p:sp>
         <p:nvSpPr>
-          <p:cNvPr id="403" name="Straight Connector 35"/>
+          <p:cNvPr id="394" name="Straight Connector 35"/>
           <p:cNvSpPr/>
           <p:nvPr/>
         </p:nvSpPr>
@@ -19765,7 +19330,7 @@
       </p:sp>
       <p:sp>
         <p:nvSpPr>
-          <p:cNvPr id="404" name="Straight Connector 36"/>
+          <p:cNvPr id="395" name="Straight Connector 36"/>
           <p:cNvSpPr/>
           <p:nvPr/>
         </p:nvSpPr>
@@ -19800,7 +19365,7 @@
       </p:sp>
       <p:sp>
         <p:nvSpPr>
-          <p:cNvPr id="405" name="TextBox 37"/>
+          <p:cNvPr id="396" name="TextBox 37"/>
           <p:cNvSpPr txBox="1"/>
           <p:nvPr/>
         </p:nvSpPr>
@@ -19842,7 +19407,7 @@
       </p:sp>
       <p:sp>
         <p:nvSpPr>
-          <p:cNvPr id="406" name="TextBox 38"/>
+          <p:cNvPr id="397" name="TextBox 38"/>
           <p:cNvSpPr txBox="1"/>
           <p:nvPr/>
         </p:nvSpPr>
@@ -19884,7 +19449,7 @@
       </p:sp>
       <p:sp>
         <p:nvSpPr>
-          <p:cNvPr id="407" name="TextBox 39"/>
+          <p:cNvPr id="398" name="TextBox 39"/>
           <p:cNvSpPr txBox="1"/>
           <p:nvPr/>
         </p:nvSpPr>
@@ -19926,7 +19491,7 @@
       </p:sp>
       <p:sp>
         <p:nvSpPr>
-          <p:cNvPr id="408" name="TextBox 40"/>
+          <p:cNvPr id="399" name="TextBox 40"/>
           <p:cNvSpPr txBox="1"/>
           <p:nvPr/>
         </p:nvSpPr>
@@ -19968,7 +19533,7 @@
       </p:sp>
       <p:sp>
         <p:nvSpPr>
-          <p:cNvPr id="409" name="TextBox 28"/>
+          <p:cNvPr id="400" name="TextBox 28"/>
           <p:cNvSpPr txBox="1"/>
           <p:nvPr/>
         </p:nvSpPr>
@@ -20010,7 +19575,7 @@
       </p:sp>
       <p:sp>
         <p:nvSpPr>
-          <p:cNvPr id="410" name="TextBox 29"/>
+          <p:cNvPr id="401" name="TextBox 29"/>
           <p:cNvSpPr txBox="1"/>
           <p:nvPr/>
         </p:nvSpPr>
@@ -20052,7 +19617,7 @@
       </p:sp>
       <p:sp>
         <p:nvSpPr>
-          <p:cNvPr id="411" name="TextBox 31"/>
+          <p:cNvPr id="402" name="TextBox 31"/>
           <p:cNvSpPr txBox="1"/>
           <p:nvPr/>
         </p:nvSpPr>
@@ -20094,7 +19659,7 @@
       </p:sp>
       <p:sp>
         <p:nvSpPr>
-          <p:cNvPr id="412" name="TextBox 32"/>
+          <p:cNvPr id="403" name="TextBox 32"/>
           <p:cNvSpPr txBox="1"/>
           <p:nvPr/>
         </p:nvSpPr>
@@ -20143,7 +19708,7 @@
 </p:sld>
 </file>
 
-<file path=ppt/slides/slide17.xml><?xml version="1.0" encoding="utf-8"?>
+<file path=ppt/slides/slide16.xml><?xml version="1.0" encoding="utf-8"?>
 <p:sld xmlns:a="http://schemas.openxmlformats.org/drawingml/2006/main" xmlns:r="http://schemas.openxmlformats.org/officeDocument/2006/relationships" xmlns:p="http://schemas.openxmlformats.org/presentationml/2006/main" xmlns:m="http://schemas.openxmlformats.org/officeDocument/2006/math" xmlns:a14="http://schemas.microsoft.com/office/drawing/2010/main" showMasterSp="1" showMasterPhAnim="1">
   <p:cSld>
     <p:spTree>
@@ -20162,7 +19727,7 @@
       </p:grpSpPr>
       <p:sp>
         <p:nvSpPr>
-          <p:cNvPr id="414" name="Title 4"/>
+          <p:cNvPr id="405" name="Title 4"/>
           <p:cNvSpPr txBox="1"/>
           <p:nvPr>
             <p:ph type="title"/>
@@ -20190,7 +19755,7 @@
       </p:sp>
       <p:sp>
         <p:nvSpPr>
-          <p:cNvPr id="415" name="Content Placeholder 5"/>
+          <p:cNvPr id="406" name="Content Placeholder 5"/>
           <p:cNvSpPr txBox="1"/>
           <p:nvPr>
             <p:ph type="body" idx="1"/>
@@ -20218,7 +19783,7 @@
       </p:sp>
       <p:sp>
         <p:nvSpPr>
-          <p:cNvPr id="416" name="Slide Number Placeholder 3"/>
+          <p:cNvPr id="407" name="Slide Number Placeholder 3"/>
           <p:cNvSpPr txBox="1"/>
           <p:nvPr>
             <p:ph type="sldNum" sz="quarter" idx="2"/>
@@ -20245,7 +19810,7 @@
       </p:sp>
       <p:pic>
         <p:nvPicPr>
-          <p:cNvPr id="417" name="Picture 2" descr="Picture 2"/>
+          <p:cNvPr id="408" name="Picture 2" descr="Picture 2"/>
           <p:cNvPicPr>
             <a:picLocks noChangeAspect="1"/>
           </p:cNvPicPr>
@@ -20282,7 +19847,7 @@
 </p:sld>
 </file>
 
-<file path=ppt/slides/slide18.xml><?xml version="1.0" encoding="utf-8"?>
+<file path=ppt/slides/slide17.xml><?xml version="1.0" encoding="utf-8"?>
 <p:sld xmlns:a="http://schemas.openxmlformats.org/drawingml/2006/main" xmlns:r="http://schemas.openxmlformats.org/officeDocument/2006/relationships" xmlns:p="http://schemas.openxmlformats.org/presentationml/2006/main" xmlns:m="http://schemas.openxmlformats.org/officeDocument/2006/math" xmlns:a14="http://schemas.microsoft.com/office/drawing/2010/main" showMasterSp="1" showMasterPhAnim="1">
   <p:cSld>
     <p:spTree>
@@ -20301,7 +19866,7 @@
       </p:grpSpPr>
       <p:sp>
         <p:nvSpPr>
-          <p:cNvPr id="419" name="Title 4"/>
+          <p:cNvPr id="410" name="Title 4"/>
           <p:cNvSpPr txBox="1"/>
           <p:nvPr>
             <p:ph type="title"/>
@@ -20329,7 +19894,7 @@
       </p:sp>
       <p:sp>
         <p:nvSpPr>
-          <p:cNvPr id="420" name="Slide Number Placeholder 3"/>
+          <p:cNvPr id="411" name="Slide Number Placeholder 3"/>
           <p:cNvSpPr txBox="1"/>
           <p:nvPr>
             <p:ph type="sldNum" sz="quarter" idx="2"/>
@@ -20356,7 +19921,7 @@
       </p:sp>
       <p:pic>
         <p:nvPicPr>
-          <p:cNvPr id="421" name="Picture 3" descr="Picture 3"/>
+          <p:cNvPr id="412" name="Picture 3" descr="Picture 3"/>
           <p:cNvPicPr>
             <a:picLocks noChangeAspect="1"/>
           </p:cNvPicPr>
@@ -20385,7 +19950,7 @@
       </p:pic>
       <p:sp>
         <p:nvSpPr>
-          <p:cNvPr id="422" name="Content Placeholder 5"/>
+          <p:cNvPr id="413" name="Content Placeholder 5"/>
           <p:cNvSpPr txBox="1"/>
           <p:nvPr>
             <p:ph type="body" idx="1"/>
@@ -20393,8 +19958,8 @@
         </p:nvSpPr>
         <p:spPr>
           <a:xfrm>
-            <a:off x="1643980" y="1429811"/>
-            <a:ext cx="9312375" cy="4545578"/>
+            <a:off x="1643980" y="1429810"/>
+            <a:ext cx="9312375" cy="4545579"/>
           </a:xfrm>
           <a:prstGeom prst="rect">
             <a:avLst/>
@@ -20420,7 +19985,7 @@
 </p:sld>
 </file>
 
-<file path=ppt/slides/slide19.xml><?xml version="1.0" encoding="utf-8"?>
+<file path=ppt/slides/slide18.xml><?xml version="1.0" encoding="utf-8"?>
 <p:sld xmlns:a="http://schemas.openxmlformats.org/drawingml/2006/main" xmlns:r="http://schemas.openxmlformats.org/officeDocument/2006/relationships" xmlns:p="http://schemas.openxmlformats.org/presentationml/2006/main" xmlns:m="http://schemas.openxmlformats.org/officeDocument/2006/math" xmlns:a14="http://schemas.microsoft.com/office/drawing/2010/main" showMasterSp="1" showMasterPhAnim="1">
   <p:cSld>
     <p:spTree>
@@ -20439,7 +20004,7 @@
       </p:grpSpPr>
       <p:sp>
         <p:nvSpPr>
-          <p:cNvPr id="424" name="Title 4"/>
+          <p:cNvPr id="415" name="Title 4"/>
           <p:cNvSpPr txBox="1"/>
           <p:nvPr>
             <p:ph type="title"/>
@@ -20460,14 +20025,14 @@
           <a:p>
             <a:pPr/>
             <a:r>
-              <a:t>Conclusion</a:t>
+              <a:t>Conclusions</a:t>
             </a:r>
           </a:p>
         </p:txBody>
       </p:sp>
       <p:sp>
         <p:nvSpPr>
-          <p:cNvPr id="425" name="Content Placeholder 5"/>
+          <p:cNvPr id="416" name="Content Placeholder 5"/>
           <p:cNvSpPr txBox="1"/>
           <p:nvPr>
             <p:ph type="body" idx="1"/>
@@ -20475,8 +20040,8 @@
         </p:nvSpPr>
         <p:spPr>
           <a:xfrm>
-            <a:off x="1774799" y="1706398"/>
-            <a:ext cx="9312376" cy="4545581"/>
+            <a:off x="1774725" y="2014562"/>
+            <a:ext cx="9312376" cy="4545580"/>
           </a:xfrm>
           <a:prstGeom prst="rect">
             <a:avLst/>
@@ -20488,17 +20053,65 @@
           <a:p>
             <a:pPr/>
             <a:r>
-              <a:t>Inelastic scattering supported in McStas, but could use more sample components</a:t>
+              <a:t>SANS</a:t>
+            </a:r>
+          </a:p>
+          <a:p>
+            <a:pPr lvl="1">
+              <a:buChar char="•"/>
+            </a:pPr>
+            <a:r>
+              <a:t>Lots of choice, many models (challenge can be to decide what to choose)</a:t>
+            </a:r>
+          </a:p>
+          <a:p>
+            <a:pPr lvl="1">
+              <a:buChar char="•"/>
+            </a:pPr>
+          </a:p>
+          <a:p>
+            <a:pPr/>
+            <a:r>
+              <a:t>Reflectometry:</a:t>
+            </a:r>
+          </a:p>
+          <a:p>
+            <a:pPr lvl="1">
+              <a:buChar char="•"/>
+            </a:pPr>
+            <a:r>
+              <a:t>Only little choice, Multilayer_sample or “a mirror”</a:t>
             </a:r>
           </a:p>
           <a:p>
             <a:pPr/>
+          </a:p>
+          <a:p>
+            <a:pPr/>
+            <a:r>
+              <a:t>Inelastic scattering</a:t>
+            </a:r>
+          </a:p>
+          <a:p>
+            <a:pPr lvl="1">
+              <a:buChar char="•"/>
+            </a:pPr>
+            <a:r>
+              <a:t>Inelastic scattering supported in McStas, not all cases fully covered</a:t>
+            </a:r>
+          </a:p>
+          <a:p>
+            <a:pPr lvl="1">
+              <a:buChar char="•"/>
+            </a:pPr>
             <a:r>
               <a:t>Longer computational times required</a:t>
             </a:r>
           </a:p>
           <a:p>
-            <a:pPr/>
+            <a:pPr lvl="1">
+              <a:buChar char="•"/>
+            </a:pPr>
             <a:r>
               <a:t>Advantages from simulation especially important for spectroscopy (resolution function)</a:t>
             </a:r>
@@ -20507,7 +20120,7 @@
       </p:sp>
       <p:sp>
         <p:nvSpPr>
-          <p:cNvPr id="426" name="Slide Number Placeholder 3"/>
+          <p:cNvPr id="417" name="Slide Number Placeholder 3"/>
           <p:cNvSpPr txBox="1"/>
           <p:nvPr>
             <p:ph type="sldNum" sz="quarter" idx="2"/>
@@ -20719,9 +20332,38 @@
           <a:chExt cx="0" cy="0"/>
         </a:xfrm>
       </p:grpSpPr>
+      <p:pic>
+        <p:nvPicPr>
+          <p:cNvPr id="297" name="Picture 4" descr="Picture 4"/>
+          <p:cNvPicPr>
+            <a:picLocks noChangeAspect="1"/>
+          </p:cNvPicPr>
+          <p:nvPr/>
+        </p:nvPicPr>
+        <p:blipFill>
+          <a:blip r:embed="rId2">
+            <a:extLst/>
+          </a:blip>
+          <a:stretch>
+            <a:fillRect/>
+          </a:stretch>
+        </p:blipFill>
+        <p:spPr>
+          <a:xfrm>
+            <a:off x="3847720" y="5321299"/>
+            <a:ext cx="3099802" cy="1193672"/>
+          </a:xfrm>
+          <a:prstGeom prst="rect">
+            <a:avLst/>
+          </a:prstGeom>
+          <a:ln w="12700">
+            <a:miter lim="400000"/>
+          </a:ln>
+        </p:spPr>
+      </p:pic>
       <p:sp>
         <p:nvSpPr>
-          <p:cNvPr id="297" name="Slide Number"/>
+          <p:cNvPr id="298" name="Slide Number"/>
           <p:cNvSpPr txBox="1"/>
           <p:nvPr>
             <p:ph type="sldNum" sz="quarter" idx="2"/>
@@ -20748,14 +20390,14 @@
       </p:sp>
       <p:sp>
         <p:nvSpPr>
-          <p:cNvPr id="298" name="TextShape 1"/>
+          <p:cNvPr id="299" name="TextShape 1"/>
           <p:cNvSpPr txBox="1"/>
           <p:nvPr/>
         </p:nvSpPr>
         <p:spPr>
           <a:xfrm>
-            <a:off x="2730718" y="1257510"/>
-            <a:ext cx="6186268" cy="394767"/>
+            <a:off x="2304486" y="564166"/>
+            <a:ext cx="6186269" cy="394768"/>
           </a:xfrm>
           <a:prstGeom prst="rect">
             <a:avLst/>
@@ -20788,36 +20430,7 @@
       </p:sp>
       <p:pic>
         <p:nvPicPr>
-          <p:cNvPr id="299" name="Picture 3" descr="Picture 3"/>
-          <p:cNvPicPr>
-            <a:picLocks noChangeAspect="1"/>
-          </p:cNvPicPr>
-          <p:nvPr/>
-        </p:nvPicPr>
-        <p:blipFill>
-          <a:blip r:embed="rId2">
-            <a:extLst/>
-          </a:blip>
-          <a:stretch>
-            <a:fillRect/>
-          </a:stretch>
-        </p:blipFill>
-        <p:spPr>
-          <a:xfrm>
-            <a:off x="2174200" y="3143551"/>
-            <a:ext cx="3514273" cy="3029165"/>
-          </a:xfrm>
-          <a:prstGeom prst="rect">
-            <a:avLst/>
-          </a:prstGeom>
-          <a:ln w="12700">
-            <a:miter lim="400000"/>
-          </a:ln>
-        </p:spPr>
-      </p:pic>
-      <p:pic>
-        <p:nvPicPr>
-          <p:cNvPr id="300" name="Picture 4" descr="Picture 4"/>
+          <p:cNvPr id="300" name="Picture 3" descr="Picture 3"/>
           <p:cNvPicPr>
             <a:picLocks noChangeAspect="1"/>
           </p:cNvPicPr>
@@ -20833,8 +20446,8 @@
         </p:blipFill>
         <p:spPr>
           <a:xfrm>
-            <a:off x="6999556" y="3385170"/>
-            <a:ext cx="3099802" cy="1193672"/>
+            <a:off x="1611675" y="3182797"/>
+            <a:ext cx="3514274" cy="3029165"/>
           </a:xfrm>
           <a:prstGeom prst="rect">
             <a:avLst/>
@@ -20852,7 +20465,7 @@
         </p:nvSpPr>
         <p:spPr>
           <a:xfrm>
-            <a:off x="3257914" y="1924223"/>
+            <a:off x="1884309" y="1782334"/>
             <a:ext cx="6403344" cy="1472779"/>
           </a:xfrm>
           <a:prstGeom prst="rect">
@@ -20916,138 +20529,16 @@
           </a:p>
         </p:txBody>
       </p:sp>
-    </p:spTree>
-  </p:cSld>
-  <p:clrMapOvr>
-    <a:masterClrMapping/>
-  </p:clrMapOvr>
-  <p:transition xmlns:p14="http://schemas.microsoft.com/office/powerpoint/2010/main" spd="med" advClick="1"/>
-</p:sld>
-</file>
-
-<file path=ppt/slides/slide4.xml><?xml version="1.0" encoding="utf-8"?>
-<p:sld xmlns:a="http://schemas.openxmlformats.org/drawingml/2006/main" xmlns:r="http://schemas.openxmlformats.org/officeDocument/2006/relationships" xmlns:p="http://schemas.openxmlformats.org/presentationml/2006/main" xmlns:m="http://schemas.openxmlformats.org/officeDocument/2006/math" xmlns:a14="http://schemas.microsoft.com/office/drawing/2010/main" showMasterSp="1" showMasterPhAnim="1">
-  <p:cSld>
-    <p:spTree>
-      <p:nvGrpSpPr>
-        <p:cNvPr id="1" name=""/>
-        <p:cNvGrpSpPr/>
-        <p:nvPr/>
-      </p:nvGrpSpPr>
-      <p:grpSpPr>
-        <a:xfrm>
-          <a:off x="0" y="0"/>
-          <a:ext cx="0" cy="0"/>
-          <a:chOff x="0" y="0"/>
-          <a:chExt cx="0" cy="0"/>
-        </a:xfrm>
-      </p:grpSpPr>
       <p:sp>
         <p:nvSpPr>
-          <p:cNvPr id="303" name="Slide Number"/>
-          <p:cNvSpPr txBox="1"/>
-          <p:nvPr>
-            <p:ph type="sldNum" sz="quarter" idx="2"/>
-          </p:nvPr>
-        </p:nvSpPr>
-        <p:spPr>
-          <a:prstGeom prst="rect">
-            <a:avLst/>
-          </a:prstGeom>
-          <a:extLst>
-            <a:ext uri="{C572A759-6A51-4108-AA02-DFA0A04FC94B}">
-              <ma14:wrappingTextBoxFlag xmlns:ma14="http://schemas.microsoft.com/office/mac/drawingml/2011/main" val="1"/>
-            </a:ext>
-          </a:extLst>
-        </p:spPr>
-        <p:txBody>
-          <a:bodyPr/>
-          <a:lstStyle/>
-          <a:p>
-            <a:pPr/>
-            <a:fld id="{86CB4B4D-7CA3-9044-876B-883B54F8677D}" type="slidenum"/>
-          </a:p>
-        </p:txBody>
-      </p:sp>
-      <p:sp>
-        <p:nvSpPr>
-          <p:cNvPr id="304" name="TextShape 1"/>
+          <p:cNvPr id="302" name="TextShape 2"/>
           <p:cNvSpPr txBox="1"/>
           <p:nvPr/>
         </p:nvSpPr>
         <p:spPr>
           <a:xfrm>
-            <a:off x="2730718" y="1257510"/>
-            <a:ext cx="6186268" cy="394767"/>
-          </a:xfrm>
-          <a:prstGeom prst="rect">
-            <a:avLst/>
-          </a:prstGeom>
-          <a:ln w="12700">
-            <a:miter lim="400000"/>
-          </a:ln>
-          <a:extLst>
-            <a:ext uri="{C572A759-6A51-4108-AA02-DFA0A04FC94B}">
-              <ma14:wrappingTextBoxFlag xmlns:ma14="http://schemas.microsoft.com/office/mac/drawingml/2011/main" val="1"/>
-            </a:ext>
-          </a:extLst>
-        </p:spPr>
-        <p:txBody>
-          <a:bodyPr lIns="0" tIns="0" rIns="0" bIns="0">
-            <a:spAutoFit/>
-          </a:bodyPr>
-          <a:lstStyle>
-            <a:lvl1pPr>
-              <a:defRPr spc="0" sz="2800"/>
-            </a:lvl1pPr>
-          </a:lstStyle>
-          <a:p>
-            <a:pPr/>
-            <a:r>
-              <a:t>SANS</a:t>
-            </a:r>
-          </a:p>
-        </p:txBody>
-      </p:sp>
-      <p:pic>
-        <p:nvPicPr>
-          <p:cNvPr id="305" name="Picture 5" descr="Picture 5"/>
-          <p:cNvPicPr>
-            <a:picLocks noChangeAspect="1"/>
-          </p:cNvPicPr>
-          <p:nvPr/>
-        </p:nvPicPr>
-        <p:blipFill>
-          <a:blip r:embed="rId2">
-            <a:extLst/>
-          </a:blip>
-          <a:stretch>
-            <a:fillRect/>
-          </a:stretch>
-        </p:blipFill>
-        <p:spPr>
-          <a:xfrm>
-            <a:off x="8162834" y="3173533"/>
-            <a:ext cx="3244876" cy="1249588"/>
-          </a:xfrm>
-          <a:prstGeom prst="rect">
-            <a:avLst/>
-          </a:prstGeom>
-          <a:ln w="12700">
-            <a:miter lim="400000"/>
-          </a:ln>
-        </p:spPr>
-      </p:pic>
-      <p:sp>
-        <p:nvSpPr>
-          <p:cNvPr id="306" name="TextShape 2"/>
-          <p:cNvSpPr txBox="1"/>
-          <p:nvPr/>
-        </p:nvSpPr>
-        <p:spPr>
-          <a:xfrm>
-            <a:off x="2639042" y="1509509"/>
-            <a:ext cx="4807261" cy="4817644"/>
+            <a:off x="7396786" y="1888885"/>
+            <a:ext cx="4549709" cy="4886224"/>
           </a:xfrm>
           <a:prstGeom prst="rect">
             <a:avLst/>
@@ -21070,6 +20561,7 @@
             <a:pPr>
               <a:defRPr i="1" spc="0" sz="2600"/>
             </a:pPr>
+            <a:br/>
           </a:p>
           <a:p>
             <a:pPr>
@@ -21115,11 +20607,6 @@
               <a:t>Elastic Scattering</a:t>
             </a:r>
             <a:endParaRPr i="1"/>
-          </a:p>
-          <a:p>
-            <a:pPr>
-              <a:defRPr i="1" spc="0" sz="1400"/>
-            </a:pPr>
           </a:p>
           <a:p>
             <a:pPr marL="166889" indent="-166530">
@@ -21220,28 +20707,28 @@
       </p:sp>
       <p:grpSp>
         <p:nvGrpSpPr>
-          <p:cNvPr id="309" name="Group"/>
+          <p:cNvPr id="305" name="Group"/>
           <p:cNvGrpSpPr/>
           <p:nvPr/>
         </p:nvGrpSpPr>
         <p:grpSpPr>
           <a:xfrm>
-            <a:off x="7062724" y="1115078"/>
-            <a:ext cx="3761934" cy="1430994"/>
+            <a:off x="8096199" y="1036586"/>
+            <a:ext cx="3761933" cy="1430994"/>
             <a:chOff x="0" y="0"/>
             <a:chExt cx="3761932" cy="1430992"/>
           </a:xfrm>
         </p:grpSpPr>
         <p:pic>
           <p:nvPicPr>
-            <p:cNvPr id="307" name="Picture 6" descr="Picture 6"/>
+            <p:cNvPr id="303" name="Picture 6" descr="Picture 6"/>
             <p:cNvPicPr>
               <a:picLocks noChangeAspect="1"/>
             </p:cNvPicPr>
             <p:nvPr/>
           </p:nvPicPr>
           <p:blipFill>
-            <a:blip r:embed="rId3">
+            <a:blip r:embed="rId4">
               <a:extLst/>
             </a:blip>
             <a:stretch>
@@ -21265,14 +20752,14 @@
         </p:pic>
         <p:pic>
           <p:nvPicPr>
-            <p:cNvPr id="308" name="Picture 7" descr="Picture 7"/>
+            <p:cNvPr id="304" name="Picture 7" descr="Picture 7"/>
             <p:cNvPicPr>
               <a:picLocks noChangeAspect="1"/>
             </p:cNvPicPr>
             <p:nvPr/>
           </p:nvPicPr>
           <p:blipFill>
-            <a:blip r:embed="rId4">
+            <a:blip r:embed="rId5">
               <a:extLst/>
             </a:blip>
             <a:stretch>
@@ -21295,6 +20782,112 @@
           </p:spPr>
         </p:pic>
       </p:grpSp>
+    </p:spTree>
+  </p:cSld>
+  <p:clrMapOvr>
+    <a:masterClrMapping/>
+  </p:clrMapOvr>
+  <p:transition xmlns:p14="http://schemas.microsoft.com/office/powerpoint/2010/main" spd="med" advClick="1"/>
+</p:sld>
+</file>
+
+<file path=ppt/slides/slide4.xml><?xml version="1.0" encoding="utf-8"?>
+<p:sld xmlns:a="http://schemas.openxmlformats.org/drawingml/2006/main" xmlns:r="http://schemas.openxmlformats.org/officeDocument/2006/relationships" xmlns:p="http://schemas.openxmlformats.org/presentationml/2006/main" xmlns:m="http://schemas.openxmlformats.org/officeDocument/2006/math" xmlns:a14="http://schemas.microsoft.com/office/drawing/2010/main" showMasterSp="1" showMasterPhAnim="1">
+  <p:cSld>
+    <p:spTree>
+      <p:nvGrpSpPr>
+        <p:cNvPr id="1" name=""/>
+        <p:cNvGrpSpPr/>
+        <p:nvPr/>
+      </p:nvGrpSpPr>
+      <p:grpSpPr>
+        <a:xfrm>
+          <a:off x="0" y="0"/>
+          <a:ext cx="0" cy="0"/>
+          <a:chOff x="0" y="0"/>
+          <a:chExt cx="0" cy="0"/>
+        </a:xfrm>
+      </p:grpSpPr>
+      <p:sp>
+        <p:nvSpPr>
+          <p:cNvPr id="307" name="SANS models in McStas"/>
+          <p:cNvSpPr txBox="1"/>
+          <p:nvPr>
+            <p:ph type="title"/>
+          </p:nvPr>
+        </p:nvSpPr>
+        <p:spPr>
+          <a:prstGeom prst="rect">
+            <a:avLst/>
+          </a:prstGeom>
+        </p:spPr>
+        <p:txBody>
+          <a:bodyPr/>
+          <a:lstStyle/>
+          <a:p>
+            <a:pPr/>
+            <a:r>
+              <a:t>SANS models in McStas</a:t>
+            </a:r>
+          </a:p>
+        </p:txBody>
+      </p:sp>
+      <p:sp>
+        <p:nvSpPr>
+          <p:cNvPr id="308" name="Slide Number"/>
+          <p:cNvSpPr txBox="1"/>
+          <p:nvPr>
+            <p:ph type="sldNum" sz="quarter" idx="2"/>
+          </p:nvPr>
+        </p:nvSpPr>
+        <p:spPr>
+          <a:prstGeom prst="rect">
+            <a:avLst/>
+          </a:prstGeom>
+          <a:extLst>
+            <a:ext uri="{C572A759-6A51-4108-AA02-DFA0A04FC94B}">
+              <ma14:wrappingTextBoxFlag xmlns:ma14="http://schemas.microsoft.com/office/mac/drawingml/2011/main" val="1"/>
+            </a:ext>
+          </a:extLst>
+        </p:spPr>
+        <p:txBody>
+          <a:bodyPr/>
+          <a:lstStyle/>
+          <a:p>
+            <a:pPr/>
+            <a:fld id="{86CB4B4D-7CA3-9044-876B-883B54F8677D}" type="slidenum"/>
+          </a:p>
+        </p:txBody>
+      </p:sp>
+      <p:pic>
+        <p:nvPicPr>
+          <p:cNvPr id="309" name="Screenshot 2021-05-05 at 21.56.51.png" descr="Screenshot 2021-05-05 at 21.56.51.png"/>
+          <p:cNvPicPr>
+            <a:picLocks noChangeAspect="1"/>
+          </p:cNvPicPr>
+          <p:nvPr/>
+        </p:nvPicPr>
+        <p:blipFill>
+          <a:blip r:embed="rId2">
+            <a:extLst/>
+          </a:blip>
+          <a:stretch>
+            <a:fillRect/>
+          </a:stretch>
+        </p:blipFill>
+        <p:spPr>
+          <a:xfrm>
+            <a:off x="-1" y="2105594"/>
+            <a:ext cx="12179301" cy="2866661"/>
+          </a:xfrm>
+          <a:prstGeom prst="rect">
+            <a:avLst/>
+          </a:prstGeom>
+          <a:ln w="12700">
+            <a:miter lim="400000"/>
+          </a:ln>
+        </p:spPr>
+      </p:pic>
     </p:spTree>
   </p:cSld>
   <p:clrMapOvr>
@@ -21356,468 +20949,6 @@
         </p:nvSpPr>
         <p:spPr>
           <a:xfrm>
-            <a:off x="5228426" y="1067208"/>
-            <a:ext cx="6186268" cy="394768"/>
-          </a:xfrm>
-          <a:prstGeom prst="rect">
-            <a:avLst/>
-          </a:prstGeom>
-          <a:ln w="12700">
-            <a:miter lim="400000"/>
-          </a:ln>
-          <a:extLst>
-            <a:ext uri="{C572A759-6A51-4108-AA02-DFA0A04FC94B}">
-              <ma14:wrappingTextBoxFlag xmlns:ma14="http://schemas.microsoft.com/office/mac/drawingml/2011/main" val="1"/>
-            </a:ext>
-          </a:extLst>
-        </p:spPr>
-        <p:txBody>
-          <a:bodyPr lIns="0" tIns="0" rIns="0" bIns="0">
-            <a:spAutoFit/>
-          </a:bodyPr>
-          <a:lstStyle>
-            <a:lvl1pPr>
-              <a:defRPr spc="0" sz="2800"/>
-            </a:lvl1pPr>
-          </a:lstStyle>
-          <a:p>
-            <a:pPr/>
-            <a:r>
-              <a:t>SANS other samples</a:t>
-            </a:r>
-          </a:p>
-        </p:txBody>
-      </p:sp>
-      <p:sp>
-        <p:nvSpPr>
-          <p:cNvPr id="313" name="TextShape 2"/>
-          <p:cNvSpPr txBox="1"/>
-          <p:nvPr/>
-        </p:nvSpPr>
-        <p:spPr>
-          <a:xfrm>
-            <a:off x="5225448" y="2066065"/>
-            <a:ext cx="4748880" cy="4423944"/>
-          </a:xfrm>
-          <a:prstGeom prst="rect">
-            <a:avLst/>
-          </a:prstGeom>
-          <a:ln w="12700">
-            <a:miter lim="400000"/>
-          </a:ln>
-          <a:extLst>
-            <a:ext uri="{C572A759-6A51-4108-AA02-DFA0A04FC94B}">
-              <ma14:wrappingTextBoxFlag xmlns:ma14="http://schemas.microsoft.com/office/mac/drawingml/2011/main" val="1"/>
-            </a:ext>
-          </a:extLst>
-        </p:spPr>
-        <p:txBody>
-          <a:bodyPr lIns="0" tIns="0" rIns="0" bIns="0">
-            <a:spAutoFit/>
-          </a:bodyPr>
-          <a:lstStyle/>
-          <a:p>
-            <a:pPr marL="200279" indent="-199919">
-              <a:buClr>
-                <a:srgbClr val="000000"/>
-              </a:buClr>
-              <a:buSzPct val="171000"/>
-              <a:buFont typeface="Arial"/>
-              <a:buChar char="•"/>
-              <a:defRPr spc="0" sz="1400"/>
-            </a:pPr>
-            <a:r>
-              <a:t>SANS_AnySamp.comp </a:t>
-            </a:r>
-            <a:endParaRPr i="1"/>
-          </a:p>
-          <a:p>
-            <a:pPr marL="200279" indent="-199919">
-              <a:buClr>
-                <a:srgbClr val="000000"/>
-              </a:buClr>
-              <a:buSzPct val="171000"/>
-              <a:buFont typeface="Arial"/>
-              <a:buChar char="•"/>
-              <a:defRPr spc="0" sz="1400"/>
-            </a:pPr>
-            <a:r>
-              <a:t>SANS_DebyeS.comp </a:t>
-            </a:r>
-            <a:endParaRPr i="1"/>
-          </a:p>
-          <a:p>
-            <a:pPr marL="200279" indent="-199919">
-              <a:buClr>
-                <a:srgbClr val="000000"/>
-              </a:buClr>
-              <a:buSzPct val="171000"/>
-              <a:buFont typeface="Arial"/>
-              <a:buChar char="•"/>
-              <a:defRPr spc="0" sz="1400"/>
-            </a:pPr>
-            <a:r>
-              <a:t>SANSCylinders.comp </a:t>
-            </a:r>
-            <a:endParaRPr i="1"/>
-          </a:p>
-          <a:p>
-            <a:pPr marL="200279" indent="-199919">
-              <a:buClr>
-                <a:srgbClr val="000000"/>
-              </a:buClr>
-              <a:buSzPct val="171000"/>
-              <a:buFont typeface="Arial"/>
-              <a:buChar char="•"/>
-              <a:defRPr spc="0" sz="1400"/>
-            </a:pPr>
-            <a:r>
-              <a:t>SANSEllipticCylinders.comp </a:t>
-            </a:r>
-            <a:endParaRPr i="1"/>
-          </a:p>
-          <a:p>
-            <a:pPr marL="200279" indent="-199919">
-              <a:buClr>
-                <a:srgbClr val="000000"/>
-              </a:buClr>
-              <a:buSzPct val="171000"/>
-              <a:buFont typeface="Arial"/>
-              <a:buChar char="•"/>
-              <a:defRPr spc="0" sz="1400"/>
-            </a:pPr>
-            <a:r>
-              <a:t>SANSGuinier.comp </a:t>
-            </a:r>
-            <a:endParaRPr i="1"/>
-          </a:p>
-          <a:p>
-            <a:pPr marL="200279" indent="-199919">
-              <a:buClr>
-                <a:srgbClr val="000000"/>
-              </a:buClr>
-              <a:buSzPct val="171000"/>
-              <a:buFont typeface="Arial"/>
-              <a:buChar char="•"/>
-              <a:defRPr spc="0" sz="1400"/>
-            </a:pPr>
-            <a:r>
-              <a:t>SANSLiposomes.comp </a:t>
-            </a:r>
-            <a:endParaRPr i="1"/>
-          </a:p>
-          <a:p>
-            <a:pPr marL="200279" indent="-199919">
-              <a:buClr>
-                <a:srgbClr val="000000"/>
-              </a:buClr>
-              <a:buSzPct val="171000"/>
-              <a:buFont typeface="Arial"/>
-              <a:buChar char="•"/>
-              <a:defRPr spc="0" sz="1400"/>
-            </a:pPr>
-            <a:r>
-              <a:t>SANSNanodiscs.comp </a:t>
-            </a:r>
-            <a:endParaRPr i="1"/>
-          </a:p>
-          <a:p>
-            <a:pPr marL="200279" indent="-199919">
-              <a:buClr>
-                <a:srgbClr val="000000"/>
-              </a:buClr>
-              <a:buSzPct val="171000"/>
-              <a:buFont typeface="Arial"/>
-              <a:buChar char="•"/>
-              <a:defRPr spc="0" sz="1400"/>
-            </a:pPr>
-            <a:r>
-              <a:t>SANSNanodiscsFast.comp </a:t>
-            </a:r>
-            <a:endParaRPr i="1"/>
-          </a:p>
-          <a:p>
-            <a:pPr marL="200279" indent="-199919">
-              <a:buClr>
-                <a:srgbClr val="000000"/>
-              </a:buClr>
-              <a:buSzPct val="171000"/>
-              <a:buFont typeface="Arial"/>
-              <a:buChar char="•"/>
-              <a:defRPr spc="0" sz="1400"/>
-            </a:pPr>
-            <a:r>
-              <a:t>SANSNanodiscsWithTags. </a:t>
-            </a:r>
-            <a:endParaRPr i="1"/>
-          </a:p>
-          <a:p>
-            <a:pPr marL="200279" indent="-199919">
-              <a:buClr>
-                <a:srgbClr val="000000"/>
-              </a:buClr>
-              <a:buSzPct val="171000"/>
-              <a:buFont typeface="Arial"/>
-              <a:buChar char="•"/>
-              <a:defRPr spc="0" sz="1400"/>
-            </a:pPr>
-            <a:r>
-              <a:t>SANSNanodiscsWithTagsFast</a:t>
-            </a:r>
-            <a:endParaRPr i="1"/>
-          </a:p>
-          <a:p>
-            <a:pPr marL="200279" indent="-199919">
-              <a:buClr>
-                <a:srgbClr val="000000"/>
-              </a:buClr>
-              <a:buSzPct val="171000"/>
-              <a:buFont typeface="Arial"/>
-              <a:buChar char="•"/>
-              <a:defRPr spc="0" sz="1400"/>
-            </a:pPr>
-            <a:r>
-              <a:t>SANSPDB.comp </a:t>
-            </a:r>
-            <a:endParaRPr i="1"/>
-          </a:p>
-          <a:p>
-            <a:pPr marL="200279" indent="-199919">
-              <a:buClr>
-                <a:srgbClr val="000000"/>
-              </a:buClr>
-              <a:buSzPct val="171000"/>
-              <a:buFont typeface="Arial"/>
-              <a:buChar char="•"/>
-              <a:defRPr spc="0" sz="1400"/>
-            </a:pPr>
-            <a:r>
-              <a:t>SANSPDBFAST.comp </a:t>
-            </a:r>
-            <a:endParaRPr i="1"/>
-          </a:p>
-          <a:p>
-            <a:pPr marL="200279" indent="-199919">
-              <a:buClr>
-                <a:srgbClr val="000000"/>
-              </a:buClr>
-              <a:buSzPct val="171000"/>
-              <a:buFont typeface="Arial"/>
-              <a:buChar char="•"/>
-              <a:defRPr spc="0" sz="1400"/>
-            </a:pPr>
-            <a:r>
-              <a:t>SANSShells.comp </a:t>
-            </a:r>
-            <a:endParaRPr i="1"/>
-          </a:p>
-          <a:p>
-            <a:pPr marL="200279" indent="-199919">
-              <a:buClr>
-                <a:srgbClr val="000000"/>
-              </a:buClr>
-              <a:buSzPct val="171000"/>
-              <a:buFont typeface="Arial"/>
-              <a:buChar char="•"/>
-              <a:defRPr spc="0" sz="1400"/>
-            </a:pPr>
-            <a:r>
-              <a:t>SANSSpheres.comp </a:t>
-            </a:r>
-          </a:p>
-        </p:txBody>
-      </p:sp>
-      <p:sp>
-        <p:nvSpPr>
-          <p:cNvPr id="314" name="CustomShape 3"/>
-          <p:cNvSpPr/>
-          <p:nvPr/>
-        </p:nvSpPr>
-        <p:spPr>
-          <a:xfrm>
-            <a:off x="2899373" y="921673"/>
-            <a:ext cx="2141776" cy="2482625"/>
-          </a:xfrm>
-          <a:prstGeom prst="rect">
-            <a:avLst/>
-          </a:prstGeom>
-          <a:solidFill>
-            <a:srgbClr val="FF0000">
-              <a:alpha val="30000"/>
-            </a:srgbClr>
-          </a:solidFill>
-          <a:ln w="3175">
-            <a:solidFill>
-              <a:srgbClr val="FF0000"/>
-            </a:solidFill>
-          </a:ln>
-          <a:extLst>
-            <a:ext uri="{C572A759-6A51-4108-AA02-DFA0A04FC94B}">
-              <ma14:wrappingTextBoxFlag xmlns:ma14="http://schemas.microsoft.com/office/mac/drawingml/2011/main" val="1"/>
-            </a:ext>
-          </a:extLst>
-        </p:spPr>
-        <p:txBody>
-          <a:bodyPr lIns="23848" tIns="23848" rIns="23848" bIns="23848" anchor="ctr">
-            <a:spAutoFit/>
-          </a:bodyPr>
-          <a:lstStyle/>
-          <a:p>
-            <a:pPr>
-              <a:defRPr spc="0"/>
-            </a:pPr>
-            <a:r>
-              <a:t>McStas has a suite of SANS-models:</a:t>
-            </a:r>
-            <a:endParaRPr spc="0" sz="1400"/>
-          </a:p>
-          <a:p>
-            <a:pPr>
-              <a:defRPr spc="0"/>
-            </a:pPr>
-            <a:r>
-              <a:t>Try ellipsoidal and </a:t>
-            </a:r>
-            <a:endParaRPr spc="0" sz="1400"/>
-          </a:p>
-          <a:p>
-            <a:pPr>
-              <a:defRPr spc="0"/>
-            </a:pPr>
-            <a:r>
-              <a:t>cylindrical particles </a:t>
-            </a:r>
-            <a:endParaRPr spc="0" sz="1400"/>
-          </a:p>
-          <a:p>
-            <a:pPr>
-              <a:defRPr spc="0"/>
-            </a:pPr>
-            <a:r>
-              <a:t>-or-</a:t>
-            </a:r>
-            <a:endParaRPr spc="0" sz="1400"/>
-          </a:p>
-          <a:p>
-            <a:pPr>
-              <a:defRPr spc="0"/>
-            </a:pPr>
-            <a:r>
-              <a:t>Elliptic cylinders</a:t>
-            </a:r>
-            <a:endParaRPr spc="0" sz="1400"/>
-          </a:p>
-          <a:p>
-            <a:pPr>
-              <a:defRPr spc="0"/>
-            </a:pPr>
-            <a:r>
-              <a:t>Go for Nanodiscs and Liposomes</a:t>
-            </a:r>
-          </a:p>
-        </p:txBody>
-      </p:sp>
-      <p:sp>
-        <p:nvSpPr>
-          <p:cNvPr id="315" name="TextShape 4"/>
-          <p:cNvSpPr txBox="1"/>
-          <p:nvPr/>
-        </p:nvSpPr>
-        <p:spPr>
-          <a:xfrm rot="697800">
-            <a:off x="3072067" y="4651492"/>
-            <a:ext cx="1647638" cy="448281"/>
-          </a:xfrm>
-          <a:prstGeom prst="rect">
-            <a:avLst/>
-          </a:prstGeom>
-          <a:ln w="12700">
-            <a:miter lim="400000"/>
-          </a:ln>
-          <a:extLst>
-            <a:ext uri="{C572A759-6A51-4108-AA02-DFA0A04FC94B}">
-              <ma14:wrappingTextBoxFlag xmlns:ma14="http://schemas.microsoft.com/office/mac/drawingml/2011/main" val="1"/>
-            </a:ext>
-          </a:extLst>
-        </p:spPr>
-        <p:txBody>
-          <a:bodyPr lIns="23848" tIns="23848" rIns="23848" bIns="23848">
-            <a:spAutoFit/>
-          </a:bodyPr>
-          <a:lstStyle>
-            <a:lvl1pPr>
-              <a:defRPr spc="0" sz="1400"/>
-            </a:lvl1pPr>
-          </a:lstStyle>
-          <a:p>
-            <a:pPr/>
-            <a:r>
-              <a:t>Also – SASmodels from SASview</a:t>
-            </a:r>
-          </a:p>
-        </p:txBody>
-      </p:sp>
-    </p:spTree>
-  </p:cSld>
-  <p:clrMapOvr>
-    <a:masterClrMapping/>
-  </p:clrMapOvr>
-  <p:transition xmlns:p14="http://schemas.microsoft.com/office/powerpoint/2010/main" spd="med" advClick="1"/>
-</p:sld>
-</file>
-
-<file path=ppt/slides/slide6.xml><?xml version="1.0" encoding="utf-8"?>
-<p:sld xmlns:a="http://schemas.openxmlformats.org/drawingml/2006/main" xmlns:r="http://schemas.openxmlformats.org/officeDocument/2006/relationships" xmlns:p="http://schemas.openxmlformats.org/presentationml/2006/main" xmlns:m="http://schemas.openxmlformats.org/officeDocument/2006/math" xmlns:a14="http://schemas.microsoft.com/office/drawing/2010/main" showMasterSp="1" showMasterPhAnim="1">
-  <p:cSld>
-    <p:spTree>
-      <p:nvGrpSpPr>
-        <p:cNvPr id="1" name=""/>
-        <p:cNvGrpSpPr/>
-        <p:nvPr/>
-      </p:nvGrpSpPr>
-      <p:grpSpPr>
-        <a:xfrm>
-          <a:off x="0" y="0"/>
-          <a:ext cx="0" cy="0"/>
-          <a:chOff x="0" y="0"/>
-          <a:chExt cx="0" cy="0"/>
-        </a:xfrm>
-      </p:grpSpPr>
-      <p:sp>
-        <p:nvSpPr>
-          <p:cNvPr id="317" name="Slide Number"/>
-          <p:cNvSpPr txBox="1"/>
-          <p:nvPr>
-            <p:ph type="sldNum" sz="quarter" idx="2"/>
-          </p:nvPr>
-        </p:nvSpPr>
-        <p:spPr>
-          <a:prstGeom prst="rect">
-            <a:avLst/>
-          </a:prstGeom>
-          <a:extLst>
-            <a:ext uri="{C572A759-6A51-4108-AA02-DFA0A04FC94B}">
-              <ma14:wrappingTextBoxFlag xmlns:ma14="http://schemas.microsoft.com/office/mac/drawingml/2011/main" val="1"/>
-            </a:ext>
-          </a:extLst>
-        </p:spPr>
-        <p:txBody>
-          <a:bodyPr/>
-          <a:lstStyle/>
-          <a:p>
-            <a:pPr/>
-            <a:fld id="{86CB4B4D-7CA3-9044-876B-883B54F8677D}" type="slidenum"/>
-          </a:p>
-        </p:txBody>
-      </p:sp>
-      <p:sp>
-        <p:nvSpPr>
-          <p:cNvPr id="318" name="TextShape 1"/>
-          <p:cNvSpPr txBox="1"/>
-          <p:nvPr/>
-        </p:nvSpPr>
-        <p:spPr>
-          <a:xfrm>
             <a:off x="2730718" y="1257510"/>
             <a:ext cx="6186268" cy="394767"/>
           </a:xfrm>
@@ -21845,14 +20976,14 @@
           <a:p>
             <a:pPr/>
             <a:r>
-              <a:t>SANS spheres</a:t>
+              <a:t>Example: SANS spheres</a:t>
             </a:r>
           </a:p>
         </p:txBody>
       </p:sp>
       <p:pic>
         <p:nvPicPr>
-          <p:cNvPr id="319" name="image156.png" descr="image156.png"/>
+          <p:cNvPr id="313" name="image156.png" descr="image156.png"/>
           <p:cNvPicPr>
             <a:picLocks noChangeAspect="1"/>
           </p:cNvPicPr>
@@ -21881,7 +21012,7 @@
       </p:pic>
       <p:sp>
         <p:nvSpPr>
-          <p:cNvPr id="320" name="CustomShape 2"/>
+          <p:cNvPr id="314" name="CustomShape 2"/>
           <p:cNvSpPr/>
           <p:nvPr/>
         </p:nvSpPr>
@@ -21909,7 +21040,7 @@
       </p:sp>
       <p:sp>
         <p:nvSpPr>
-          <p:cNvPr id="321" name="TextShape 3"/>
+          <p:cNvPr id="315" name="TextShape 3"/>
           <p:cNvSpPr txBox="1"/>
           <p:nvPr/>
         </p:nvSpPr>
@@ -21958,7 +21089,7 @@
 </p:sld>
 </file>
 
-<file path=ppt/slides/slide7.xml><?xml version="1.0" encoding="utf-8"?>
+<file path=ppt/slides/slide6.xml><?xml version="1.0" encoding="utf-8"?>
 <p:sld xmlns:a="http://schemas.openxmlformats.org/drawingml/2006/main" xmlns:r="http://schemas.openxmlformats.org/officeDocument/2006/relationships" xmlns:p="http://schemas.openxmlformats.org/presentationml/2006/main" xmlns:m="http://schemas.openxmlformats.org/officeDocument/2006/math" xmlns:a14="http://schemas.microsoft.com/office/drawing/2010/main" showMasterSp="1" showMasterPhAnim="1">
   <p:cSld>
     <p:spTree>
@@ -21977,7 +21108,63 @@
       </p:grpSpPr>
       <p:sp>
         <p:nvSpPr>
-          <p:cNvPr id="323" name="Slide Number"/>
+          <p:cNvPr id="317" name="Reflectometry"/>
+          <p:cNvSpPr txBox="1"/>
+          <p:nvPr>
+            <p:ph type="title"/>
+          </p:nvPr>
+        </p:nvSpPr>
+        <p:spPr>
+          <a:xfrm>
+            <a:off x="1993683" y="-254135"/>
+            <a:ext cx="9312375" cy="972717"/>
+          </a:xfrm>
+          <a:prstGeom prst="rect">
+            <a:avLst/>
+          </a:prstGeom>
+        </p:spPr>
+        <p:txBody>
+          <a:bodyPr/>
+          <a:lstStyle/>
+          <a:p>
+            <a:pPr/>
+            <a:r>
+              <a:t>Reflectometry</a:t>
+            </a:r>
+          </a:p>
+        </p:txBody>
+      </p:sp>
+      <p:sp>
+        <p:nvSpPr>
+          <p:cNvPr id="318" name="Used to probe properties of surfaces and interfaces - solids and liquids"/>
+          <p:cNvSpPr txBox="1"/>
+          <p:nvPr>
+            <p:ph type="body" idx="1"/>
+          </p:nvPr>
+        </p:nvSpPr>
+        <p:spPr>
+          <a:xfrm>
+            <a:off x="1993683" y="895318"/>
+            <a:ext cx="9312375" cy="4545579"/>
+          </a:xfrm>
+          <a:prstGeom prst="rect">
+            <a:avLst/>
+          </a:prstGeom>
+        </p:spPr>
+        <p:txBody>
+          <a:bodyPr/>
+          <a:lstStyle/>
+          <a:p>
+            <a:pPr/>
+            <a:r>
+              <a:t>Used to probe properties of surfaces and interfaces - solids and liquids </a:t>
+            </a:r>
+          </a:p>
+        </p:txBody>
+      </p:sp>
+      <p:sp>
+        <p:nvSpPr>
+          <p:cNvPr id="319" name="Slide Number"/>
           <p:cNvSpPr txBox="1"/>
           <p:nvPr>
             <p:ph type="sldNum" sz="quarter" idx="2"/>
@@ -22002,49 +21189,9 @@
           </a:p>
         </p:txBody>
       </p:sp>
-      <p:sp>
-        <p:nvSpPr>
-          <p:cNvPr id="324" name="TextShape 1"/>
-          <p:cNvSpPr txBox="1"/>
-          <p:nvPr/>
-        </p:nvSpPr>
-        <p:spPr>
-          <a:xfrm>
-            <a:off x="2730718" y="1257510"/>
-            <a:ext cx="6186268" cy="394767"/>
-          </a:xfrm>
-          <a:prstGeom prst="rect">
-            <a:avLst/>
-          </a:prstGeom>
-          <a:ln w="12700">
-            <a:miter lim="400000"/>
-          </a:ln>
-          <a:extLst>
-            <a:ext uri="{C572A759-6A51-4108-AA02-DFA0A04FC94B}">
-              <ma14:wrappingTextBoxFlag xmlns:ma14="http://schemas.microsoft.com/office/mac/drawingml/2011/main" val="1"/>
-            </a:ext>
-          </a:extLst>
-        </p:spPr>
-        <p:txBody>
-          <a:bodyPr lIns="0" tIns="0" rIns="0" bIns="0">
-            <a:spAutoFit/>
-          </a:bodyPr>
-          <a:lstStyle>
-            <a:lvl1pPr>
-              <a:defRPr spc="0" sz="2800"/>
-            </a:lvl1pPr>
-          </a:lstStyle>
-          <a:p>
-            <a:pPr/>
-            <a:r>
-              <a:t>SasView_models</a:t>
-            </a:r>
-          </a:p>
-        </p:txBody>
-      </p:sp>
       <p:pic>
         <p:nvPicPr>
-          <p:cNvPr id="325" name="image157.png" descr="image157.png"/>
+          <p:cNvPr id="320" name="Screenshot 2021-05-05 at 22.24.00.png" descr="Screenshot 2021-05-05 at 22.24.00.png"/>
           <p:cNvPicPr>
             <a:picLocks noChangeAspect="1"/>
           </p:cNvPicPr>
@@ -22060,8 +21207,164 @@
         </p:blipFill>
         <p:spPr>
           <a:xfrm>
-            <a:off x="2858545" y="1787898"/>
-            <a:ext cx="4450680" cy="3757359"/>
+            <a:off x="2849603" y="1348948"/>
+            <a:ext cx="7600535" cy="5522121"/>
+          </a:xfrm>
+          <a:prstGeom prst="rect">
+            <a:avLst/>
+          </a:prstGeom>
+          <a:ln w="12700">
+            <a:miter lim="400000"/>
+          </a:ln>
+        </p:spPr>
+      </p:pic>
+    </p:spTree>
+  </p:cSld>
+  <p:clrMapOvr>
+    <a:masterClrMapping/>
+  </p:clrMapOvr>
+  <p:transition xmlns:p14="http://schemas.microsoft.com/office/powerpoint/2010/main" spd="med" advClick="1"/>
+</p:sld>
+</file>
+
+<file path=ppt/slides/slide7.xml><?xml version="1.0" encoding="utf-8"?>
+<p:sld xmlns:a="http://schemas.openxmlformats.org/drawingml/2006/main" xmlns:r="http://schemas.openxmlformats.org/officeDocument/2006/relationships" xmlns:p="http://schemas.openxmlformats.org/presentationml/2006/main" xmlns:m="http://schemas.openxmlformats.org/officeDocument/2006/math" xmlns:a14="http://schemas.microsoft.com/office/drawing/2010/main" showMasterSp="1" showMasterPhAnim="1">
+  <p:cSld>
+    <p:spTree>
+      <p:nvGrpSpPr>
+        <p:cNvPr id="1" name=""/>
+        <p:cNvGrpSpPr/>
+        <p:nvPr/>
+      </p:nvGrpSpPr>
+      <p:grpSpPr>
+        <a:xfrm>
+          <a:off x="0" y="0"/>
+          <a:ext cx="0" cy="0"/>
+          <a:chOff x="0" y="0"/>
+          <a:chExt cx="0" cy="0"/>
+        </a:xfrm>
+      </p:grpSpPr>
+      <p:sp>
+        <p:nvSpPr>
+          <p:cNvPr id="322" name="Reflectometry samples in McStas"/>
+          <p:cNvSpPr txBox="1"/>
+          <p:nvPr>
+            <p:ph type="title"/>
+          </p:nvPr>
+        </p:nvSpPr>
+        <p:spPr>
+          <a:prstGeom prst="rect">
+            <a:avLst/>
+          </a:prstGeom>
+        </p:spPr>
+        <p:txBody>
+          <a:bodyPr/>
+          <a:lstStyle/>
+          <a:p>
+            <a:pPr/>
+            <a:r>
+              <a:t>Reflectometry samples in McStas</a:t>
+            </a:r>
+          </a:p>
+        </p:txBody>
+      </p:sp>
+      <p:sp>
+        <p:nvSpPr>
+          <p:cNvPr id="323" name="Double-click to edit"/>
+          <p:cNvSpPr txBox="1"/>
+          <p:nvPr>
+            <p:ph type="body" idx="1"/>
+          </p:nvPr>
+        </p:nvSpPr>
+        <p:spPr>
+          <a:prstGeom prst="rect">
+            <a:avLst/>
+          </a:prstGeom>
+        </p:spPr>
+        <p:txBody>
+          <a:bodyPr/>
+          <a:lstStyle/>
+          <a:p>
+            <a:pPr/>
+          </a:p>
+        </p:txBody>
+      </p:sp>
+      <p:sp>
+        <p:nvSpPr>
+          <p:cNvPr id="324" name="Slide Number"/>
+          <p:cNvSpPr txBox="1"/>
+          <p:nvPr>
+            <p:ph type="sldNum" sz="quarter" idx="2"/>
+          </p:nvPr>
+        </p:nvSpPr>
+        <p:spPr>
+          <a:prstGeom prst="rect">
+            <a:avLst/>
+          </a:prstGeom>
+          <a:extLst>
+            <a:ext uri="{C572A759-6A51-4108-AA02-DFA0A04FC94B}">
+              <ma14:wrappingTextBoxFlag xmlns:ma14="http://schemas.microsoft.com/office/mac/drawingml/2011/main" val="1"/>
+            </a:ext>
+          </a:extLst>
+        </p:spPr>
+        <p:txBody>
+          <a:bodyPr/>
+          <a:lstStyle/>
+          <a:p>
+            <a:pPr/>
+            <a:fld id="{86CB4B4D-7CA3-9044-876B-883B54F8677D}" type="slidenum"/>
+          </a:p>
+        </p:txBody>
+      </p:sp>
+      <p:pic>
+        <p:nvPicPr>
+          <p:cNvPr id="325" name="Screenshot 2021-05-05 at 21.57.00.png" descr="Screenshot 2021-05-05 at 21.57.00.png"/>
+          <p:cNvPicPr>
+            <a:picLocks noChangeAspect="1"/>
+          </p:cNvPicPr>
+          <p:nvPr/>
+        </p:nvPicPr>
+        <p:blipFill>
+          <a:blip r:embed="rId2">
+            <a:extLst/>
+          </a:blip>
+          <a:stretch>
+            <a:fillRect/>
+          </a:stretch>
+        </p:blipFill>
+        <p:spPr>
+          <a:xfrm>
+            <a:off x="60572" y="2236244"/>
+            <a:ext cx="12502943" cy="740307"/>
+          </a:xfrm>
+          <a:prstGeom prst="rect">
+            <a:avLst/>
+          </a:prstGeom>
+          <a:ln w="12700">
+            <a:miter lim="400000"/>
+          </a:ln>
+        </p:spPr>
+      </p:pic>
+      <p:pic>
+        <p:nvPicPr>
+          <p:cNvPr id="326" name="Screenshot 2021-05-05 at 22.25.17.png" descr="Screenshot 2021-05-05 at 22.25.17.png"/>
+          <p:cNvPicPr>
+            <a:picLocks noChangeAspect="1"/>
+          </p:cNvPicPr>
+          <p:nvPr/>
+        </p:nvPicPr>
+        <p:blipFill>
+          <a:blip r:embed="rId3">
+            <a:extLst/>
+          </a:blip>
+          <a:stretch>
+            <a:fillRect/>
+          </a:stretch>
+        </p:blipFill>
+        <p:spPr>
+          <a:xfrm>
+            <a:off x="75136" y="2935459"/>
+            <a:ext cx="12321414" cy="815582"/>
           </a:xfrm>
           <a:prstGeom prst="rect">
             <a:avLst/>
@@ -22099,7 +21402,56 @@
       </p:grpSpPr>
       <p:sp>
         <p:nvSpPr>
-          <p:cNvPr id="327" name="Slide Number"/>
+          <p:cNvPr id="328" name="Example: Multilayer_sample"/>
+          <p:cNvSpPr txBox="1"/>
+          <p:nvPr>
+            <p:ph type="title"/>
+          </p:nvPr>
+        </p:nvSpPr>
+        <p:spPr>
+          <a:xfrm>
+            <a:off x="2062528" y="-293381"/>
+            <a:ext cx="9312376" cy="972717"/>
+          </a:xfrm>
+          <a:prstGeom prst="rect">
+            <a:avLst/>
+          </a:prstGeom>
+        </p:spPr>
+        <p:txBody>
+          <a:bodyPr/>
+          <a:lstStyle/>
+          <a:p>
+            <a:pPr/>
+            <a:r>
+              <a:t>Example: Multilayer_sample</a:t>
+            </a:r>
+          </a:p>
+        </p:txBody>
+      </p:sp>
+      <p:sp>
+        <p:nvSpPr>
+          <p:cNvPr id="329" name="Double-click to edit"/>
+          <p:cNvSpPr txBox="1"/>
+          <p:nvPr>
+            <p:ph type="body" idx="1"/>
+          </p:nvPr>
+        </p:nvSpPr>
+        <p:spPr>
+          <a:prstGeom prst="rect">
+            <a:avLst/>
+          </a:prstGeom>
+        </p:spPr>
+        <p:txBody>
+          <a:bodyPr/>
+          <a:lstStyle/>
+          <a:p>
+            <a:pPr/>
+          </a:p>
+        </p:txBody>
+      </p:sp>
+      <p:sp>
+        <p:nvSpPr>
+          <p:cNvPr id="330" name="Slide Number"/>
           <p:cNvSpPr txBox="1"/>
           <p:nvPr>
             <p:ph type="sldNum" sz="quarter" idx="2"/>
@@ -22124,49 +21476,9 @@
           </a:p>
         </p:txBody>
       </p:sp>
-      <p:sp>
-        <p:nvSpPr>
-          <p:cNvPr id="328" name="TextShape 1"/>
-          <p:cNvSpPr txBox="1"/>
-          <p:nvPr/>
-        </p:nvSpPr>
-        <p:spPr>
-          <a:xfrm>
-            <a:off x="2730718" y="1257510"/>
-            <a:ext cx="6186268" cy="394767"/>
-          </a:xfrm>
-          <a:prstGeom prst="rect">
-            <a:avLst/>
-          </a:prstGeom>
-          <a:ln w="12700">
-            <a:miter lim="400000"/>
-          </a:ln>
-          <a:extLst>
-            <a:ext uri="{C572A759-6A51-4108-AA02-DFA0A04FC94B}">
-              <ma14:wrappingTextBoxFlag xmlns:ma14="http://schemas.microsoft.com/office/mac/drawingml/2011/main" val="1"/>
-            </a:ext>
-          </a:extLst>
-        </p:spPr>
-        <p:txBody>
-          <a:bodyPr lIns="0" tIns="0" rIns="0" bIns="0">
-            <a:spAutoFit/>
-          </a:bodyPr>
-          <a:lstStyle>
-            <a:lvl1pPr>
-              <a:defRPr spc="0" sz="2800"/>
-            </a:lvl1pPr>
-          </a:lstStyle>
-          <a:p>
-            <a:pPr/>
-            <a:r>
-              <a:t>SasView_models</a:t>
-            </a:r>
-          </a:p>
-        </p:txBody>
-      </p:sp>
       <p:pic>
         <p:nvPicPr>
-          <p:cNvPr id="329" name="image158.png" descr="image158.png"/>
+          <p:cNvPr id="331" name="Screenshot 2021-05-05 at 22.28.39.png" descr="Screenshot 2021-05-05 at 22.28.39.png"/>
           <p:cNvPicPr>
             <a:picLocks noChangeAspect="1"/>
           </p:cNvPicPr>
@@ -22182,8 +21494,8 @@
         </p:blipFill>
         <p:spPr>
           <a:xfrm>
-            <a:off x="2366315" y="2405284"/>
-            <a:ext cx="8596670" cy="2386365"/>
+            <a:off x="1351364" y="840673"/>
+            <a:ext cx="9056226" cy="6093129"/>
           </a:xfrm>
           <a:prstGeom prst="rect">
             <a:avLst/>
@@ -22219,9 +21531,38 @@
           <a:chExt cx="0" cy="0"/>
         </a:xfrm>
       </p:grpSpPr>
+      <p:pic>
+        <p:nvPicPr>
+          <p:cNvPr id="333" name="Screenshot 2021-05-05 at 22.08.43.png" descr="Screenshot 2021-05-05 at 22.08.43.png"/>
+          <p:cNvPicPr>
+            <a:picLocks noChangeAspect="1"/>
+          </p:cNvPicPr>
+          <p:nvPr/>
+        </p:nvPicPr>
+        <p:blipFill>
+          <a:blip r:embed="rId2">
+            <a:extLst/>
+          </a:blip>
+          <a:stretch>
+            <a:fillRect/>
+          </a:stretch>
+        </p:blipFill>
+        <p:spPr>
+          <a:xfrm>
+            <a:off x="5348679" y="893846"/>
+            <a:ext cx="6750113" cy="2778736"/>
+          </a:xfrm>
+          <a:prstGeom prst="rect">
+            <a:avLst/>
+          </a:prstGeom>
+          <a:ln w="12700">
+            <a:miter lim="400000"/>
+          </a:ln>
+        </p:spPr>
+      </p:pic>
       <p:sp>
         <p:nvSpPr>
-          <p:cNvPr id="331" name="Title 4"/>
+          <p:cNvPr id="334" name="Title 4"/>
           <p:cNvSpPr txBox="1"/>
           <p:nvPr>
             <p:ph type="title"/>
@@ -22249,7 +21590,7 @@
       </p:sp>
       <p:sp>
         <p:nvSpPr>
-          <p:cNvPr id="332" name="Content Placeholder 5"/>
+          <p:cNvPr id="335" name="Content Placeholder 5"/>
           <p:cNvSpPr txBox="1"/>
           <p:nvPr>
             <p:ph type="body" idx="1"/>
@@ -22270,7 +21611,7 @@
           <a:p>
             <a:pPr/>
             <a:r>
-              <a:t>partial differential cross section</a:t>
+              <a:t>Partial differential cross section</a:t>
             </a:r>
           </a:p>
           <a:p>
@@ -22292,7 +21633,7 @@
       </p:sp>
       <p:sp>
         <p:nvSpPr>
-          <p:cNvPr id="333" name="Slide Number Placeholder 3"/>
+          <p:cNvPr id="336" name="Slide Number Placeholder 3"/>
           <p:cNvSpPr txBox="1"/>
           <p:nvPr>
             <p:ph type="sldNum" sz="quarter" idx="2"/>
@@ -22319,36 +21660,7 @@
       </p:sp>
       <p:pic>
         <p:nvPicPr>
-          <p:cNvPr id="334" name="Picture 2" descr="Picture 2"/>
-          <p:cNvPicPr>
-            <a:picLocks noChangeAspect="1"/>
-          </p:cNvPicPr>
-          <p:nvPr/>
-        </p:nvPicPr>
-        <p:blipFill>
-          <a:blip r:embed="rId2">
-            <a:extLst/>
-          </a:blip>
-          <a:stretch>
-            <a:fillRect/>
-          </a:stretch>
-        </p:blipFill>
-        <p:spPr>
-          <a:xfrm>
-            <a:off x="3115753" y="3345038"/>
-            <a:ext cx="3745649" cy="876387"/>
-          </a:xfrm>
-          <a:prstGeom prst="rect">
-            <a:avLst/>
-          </a:prstGeom>
-          <a:ln w="12700">
-            <a:miter lim="400000"/>
-          </a:ln>
-        </p:spPr>
-      </p:pic>
-      <p:pic>
-        <p:nvPicPr>
-          <p:cNvPr id="335" name="Picture 4" descr="Picture 4"/>
+          <p:cNvPr id="337" name="Picture 2" descr="Picture 2"/>
           <p:cNvPicPr>
             <a:picLocks noChangeAspect="1"/>
           </p:cNvPicPr>
@@ -22364,7 +21676,36 @@
         </p:blipFill>
         <p:spPr>
           <a:xfrm>
-            <a:off x="3537272" y="4221424"/>
+            <a:off x="3115753" y="3726038"/>
+            <a:ext cx="3745649" cy="876387"/>
+          </a:xfrm>
+          <a:prstGeom prst="rect">
+            <a:avLst/>
+          </a:prstGeom>
+          <a:ln w="12700">
+            <a:miter lim="400000"/>
+          </a:ln>
+        </p:spPr>
+      </p:pic>
+      <p:pic>
+        <p:nvPicPr>
+          <p:cNvPr id="338" name="Picture 4" descr="Picture 4"/>
+          <p:cNvPicPr>
+            <a:picLocks noChangeAspect="1"/>
+          </p:cNvPicPr>
+          <p:nvPr/>
+        </p:nvPicPr>
+        <p:blipFill>
+          <a:blip r:embed="rId4">
+            <a:extLst/>
+          </a:blip>
+          <a:stretch>
+            <a:fillRect/>
+          </a:stretch>
+        </p:blipFill>
+        <p:spPr>
+          <a:xfrm>
+            <a:off x="3537272" y="4602424"/>
             <a:ext cx="6359081" cy="776108"/>
           </a:xfrm>
           <a:prstGeom prst="rect">

--- a/ESS_May_2021/Thursday_May_6th/2_Samples_II/More_samples.pptx
+++ b/ESS_May_2021/Thursday_May_6th/2_Samples_II/More_samples.pptx
@@ -26,6 +26,8 @@
     <p:sldId id="271" r:id="rId23"/>
     <p:sldId id="272" r:id="rId24"/>
     <p:sldId id="273" r:id="rId25"/>
+    <p:sldId id="274" r:id="rId26"/>
+    <p:sldId id="275" r:id="rId27"/>
   </p:sldIdLst>
   <p:sldSz cx="12179300" cy="6858000"/>
   <p:notesSz cx="6858000" cy="9144000"/>
@@ -17378,7 +17380,7 @@
               <a:defRPr sz="4100"/>
             </a:pPr>
             <a:r>
-              <a:t>SANS, reflectometry, inelastic scattering</a:t>
+              <a:t>SANS, reflectometry, imaging, inelastic scattering</a:t>
             </a:r>
           </a:p>
         </p:txBody>
@@ -17435,56 +17437,6 @@
           <a:p>
             <a:pPr/>
             <a:fld id="{86CB4B4D-7CA3-9044-876B-883B54F8677D}" type="slidenum"/>
-          </a:p>
-        </p:txBody>
-      </p:sp>
-      <p:sp>
-        <p:nvSpPr>
-          <p:cNvPr id="291" name="Subtitle 4"/>
-          <p:cNvSpPr txBox="1"/>
-          <p:nvPr/>
-        </p:nvSpPr>
-        <p:spPr>
-          <a:xfrm>
-            <a:off x="4956574" y="4844643"/>
-            <a:ext cx="10840031" cy="1660657"/>
-          </a:xfrm>
-          <a:prstGeom prst="rect">
-            <a:avLst/>
-          </a:prstGeom>
-          <a:ln w="12700">
-            <a:miter lim="400000"/>
-          </a:ln>
-          <a:extLst>
-            <a:ext uri="{C572A759-6A51-4108-AA02-DFA0A04FC94B}">
-              <ma14:wrappingTextBoxFlag xmlns:ma14="http://schemas.microsoft.com/office/mac/drawingml/2011/main" val="1"/>
-            </a:ext>
-          </a:extLst>
-        </p:spPr>
-        <p:txBody>
-          <a:bodyPr lIns="0" tIns="0" rIns="0" bIns="0" anchor="b">
-            <a:normAutofit fontScale="100000" lnSpcReduction="0"/>
-          </a:bodyPr>
-          <a:lstStyle>
-            <a:lvl1pPr>
-              <a:lnSpc>
-                <a:spcPct val="110000"/>
-              </a:lnSpc>
-              <a:spcBef>
-                <a:spcPts val="0"/>
-              </a:spcBef>
-              <a:defRPr sz="2000">
-                <a:solidFill>
-                  <a:srgbClr val="FFFFFF"/>
-                </a:solidFill>
-              </a:defRPr>
-            </a:lvl1pPr>
-          </a:lstStyle>
-          <a:p>
-            <a:pPr/>
-            <a:r>
-              <a:t>Slides adapted from Mads Bertelsen, ESS DMSC</a:t>
-            </a:r>
           </a:p>
         </p:txBody>
       </p:sp>
@@ -17516,56 +17468,7 @@
       </p:grpSpPr>
       <p:sp>
         <p:nvSpPr>
-          <p:cNvPr id="340" name="McStas samples with inelastic options"/>
-          <p:cNvSpPr txBox="1"/>
-          <p:nvPr>
-            <p:ph type="title"/>
-          </p:nvPr>
-        </p:nvSpPr>
-        <p:spPr>
-          <a:xfrm>
-            <a:off x="2337250" y="-243692"/>
-            <a:ext cx="9312375" cy="795814"/>
-          </a:xfrm>
-          <a:prstGeom prst="rect">
-            <a:avLst/>
-          </a:prstGeom>
-        </p:spPr>
-        <p:txBody>
-          <a:bodyPr/>
-          <a:lstStyle/>
-          <a:p>
-            <a:pPr/>
-            <a:r>
-              <a:t>McStas samples with inelastic options</a:t>
-            </a:r>
-          </a:p>
-        </p:txBody>
-      </p:sp>
-      <p:sp>
-        <p:nvSpPr>
-          <p:cNvPr id="341" name="Double-click to edit"/>
-          <p:cNvSpPr txBox="1"/>
-          <p:nvPr>
-            <p:ph type="body" idx="1"/>
-          </p:nvPr>
-        </p:nvSpPr>
-        <p:spPr>
-          <a:prstGeom prst="rect">
-            <a:avLst/>
-          </a:prstGeom>
-        </p:spPr>
-        <p:txBody>
-          <a:bodyPr/>
-          <a:lstStyle/>
-          <a:p>
-            <a:pPr/>
-          </a:p>
-        </p:txBody>
-      </p:sp>
-      <p:sp>
-        <p:nvSpPr>
-          <p:cNvPr id="342" name="Slide Number"/>
+          <p:cNvPr id="353" name="Slide Number"/>
           <p:cNvSpPr txBox="1"/>
           <p:nvPr>
             <p:ph type="sldNum" sz="quarter" idx="2"/>
@@ -17590,9 +17493,957 @@
           </a:p>
         </p:txBody>
       </p:sp>
+      <p:sp>
+        <p:nvSpPr>
+          <p:cNvPr id="354" name="CustomShape 1"/>
+          <p:cNvSpPr txBox="1"/>
+          <p:nvPr/>
+        </p:nvSpPr>
+        <p:spPr>
+          <a:xfrm>
+            <a:off x="1721308" y="411648"/>
+            <a:ext cx="8332982" cy="851137"/>
+          </a:xfrm>
+          <a:prstGeom prst="rect">
+            <a:avLst/>
+          </a:prstGeom>
+          <a:ln w="12700">
+            <a:miter lim="400000"/>
+          </a:ln>
+          <a:extLst>
+            <a:ext uri="{C572A759-6A51-4108-AA02-DFA0A04FC94B}">
+              <ma14:wrappingTextBoxFlag xmlns:ma14="http://schemas.microsoft.com/office/mac/drawingml/2011/main" val="1"/>
+            </a:ext>
+          </a:extLst>
+        </p:spPr>
+        <p:txBody>
+          <a:bodyPr lIns="0" tIns="0" rIns="0" bIns="0">
+            <a:spAutoFit/>
+          </a:bodyPr>
+          <a:lstStyle/>
+          <a:p>
+            <a:pPr>
+              <a:defRPr spc="0" sz="3000"/>
+            </a:pPr>
+            <a:r>
+              <a:t>Absorption Imaging - simple shapes or OFF’s of</a:t>
+            </a:r>
+            <a:br/>
+            <a:r>
+              <a:t>single-phase material blocks</a:t>
+            </a:r>
+          </a:p>
+        </p:txBody>
+      </p:sp>
+      <p:sp>
+        <p:nvSpPr>
+          <p:cNvPr id="355" name="CustomShape 2"/>
+          <p:cNvSpPr txBox="1"/>
+          <p:nvPr/>
+        </p:nvSpPr>
+        <p:spPr>
+          <a:xfrm>
+            <a:off x="1717762" y="1354772"/>
+            <a:ext cx="8139389" cy="1050824"/>
+          </a:xfrm>
+          <a:prstGeom prst="rect">
+            <a:avLst/>
+          </a:prstGeom>
+          <a:ln w="12700">
+            <a:miter lim="400000"/>
+          </a:ln>
+          <a:extLst>
+            <a:ext uri="{C572A759-6A51-4108-AA02-DFA0A04FC94B}">
+              <ma14:wrappingTextBoxFlag xmlns:ma14="http://schemas.microsoft.com/office/mac/drawingml/2011/main" val="1"/>
+            </a:ext>
+          </a:extLst>
+        </p:spPr>
+        <p:txBody>
+          <a:bodyPr lIns="0" tIns="0" rIns="0" bIns="0">
+            <a:spAutoFit/>
+          </a:bodyPr>
+          <a:lstStyle/>
+          <a:p>
+            <a:pPr>
+              <a:defRPr spc="0" sz="1400"/>
+            </a:pPr>
+            <a:r>
+              <a:t>An additional complex geometry enables to use any point set to describe the material volume (</a:t>
+            </a:r>
+            <a:r>
+              <a:rPr i="1"/>
+              <a:t>geomview </a:t>
+            </a:r>
+            <a:r>
+              <a:t>OFF file). </a:t>
+            </a:r>
+          </a:p>
+          <a:p>
+            <a:pPr>
+              <a:defRPr spc="0" sz="1400"/>
+            </a:pPr>
+          </a:p>
+        </p:txBody>
+      </p:sp>
       <p:pic>
         <p:nvPicPr>
-          <p:cNvPr id="343" name="Screenshot 2021-05-05 at 21.58.17.png" descr="Screenshot 2021-05-05 at 21.58.17.png"/>
+          <p:cNvPr id="356" name="image148.png" descr="image148.png"/>
+          <p:cNvPicPr>
+            <a:picLocks noChangeAspect="1"/>
+          </p:cNvPicPr>
+          <p:nvPr/>
+        </p:nvPicPr>
+        <p:blipFill>
+          <a:blip r:embed="rId2">
+            <a:extLst/>
+          </a:blip>
+          <a:stretch>
+            <a:fillRect/>
+          </a:stretch>
+        </p:blipFill>
+        <p:spPr>
+          <a:xfrm>
+            <a:off x="7846619" y="2472362"/>
+            <a:ext cx="2967333" cy="3743662"/>
+          </a:xfrm>
+          <a:prstGeom prst="rect">
+            <a:avLst/>
+          </a:prstGeom>
+          <a:ln w="12700">
+            <a:miter lim="400000"/>
+          </a:ln>
+        </p:spPr>
+      </p:pic>
+      <p:pic>
+        <p:nvPicPr>
+          <p:cNvPr id="357" name="image149.png" descr="image149.png"/>
+          <p:cNvPicPr>
+            <a:picLocks noChangeAspect="1"/>
+          </p:cNvPicPr>
+          <p:nvPr/>
+        </p:nvPicPr>
+        <p:blipFill>
+          <a:blip r:embed="rId3">
+            <a:extLst/>
+          </a:blip>
+          <a:stretch>
+            <a:fillRect/>
+          </a:stretch>
+        </p:blipFill>
+        <p:spPr>
+          <a:xfrm>
+            <a:off x="5159695" y="4211615"/>
+            <a:ext cx="2073347" cy="2323653"/>
+          </a:xfrm>
+          <a:prstGeom prst="rect">
+            <a:avLst/>
+          </a:prstGeom>
+          <a:ln w="12700">
+            <a:miter lim="400000"/>
+          </a:ln>
+        </p:spPr>
+      </p:pic>
+      <p:pic>
+        <p:nvPicPr>
+          <p:cNvPr id="358" name="image150.png" descr="image150.png"/>
+          <p:cNvPicPr>
+            <a:picLocks noChangeAspect="1"/>
+          </p:cNvPicPr>
+          <p:nvPr/>
+        </p:nvPicPr>
+        <p:blipFill>
+          <a:blip r:embed="rId4">
+            <a:extLst/>
+          </a:blip>
+          <a:stretch>
+            <a:fillRect/>
+          </a:stretch>
+        </p:blipFill>
+        <p:spPr>
+          <a:xfrm>
+            <a:off x="2171397" y="3444347"/>
+            <a:ext cx="2490100" cy="2633422"/>
+          </a:xfrm>
+          <a:prstGeom prst="rect">
+            <a:avLst/>
+          </a:prstGeom>
+          <a:ln w="12700">
+            <a:miter lim="400000"/>
+          </a:ln>
+        </p:spPr>
+      </p:pic>
+      <p:sp>
+        <p:nvSpPr>
+          <p:cNvPr id="359" name="Rectangle"/>
+          <p:cNvSpPr/>
+          <p:nvPr/>
+        </p:nvSpPr>
+        <p:spPr>
+          <a:xfrm>
+            <a:off x="2374955" y="2322035"/>
+            <a:ext cx="2145975" cy="947317"/>
+          </a:xfrm>
+          <a:prstGeom prst="rect">
+            <a:avLst/>
+          </a:prstGeom>
+          <a:solidFill>
+            <a:srgbClr val="FFFFFF"/>
+          </a:solidFill>
+          <a:ln w="25400">
+            <a:solidFill>
+              <a:schemeClr val="accent1"/>
+            </a:solidFill>
+          </a:ln>
+        </p:spPr>
+        <p:txBody>
+          <a:bodyPr lIns="46799" tIns="46799" rIns="46799" bIns="46799" anchor="ctr"/>
+          <a:lstStyle/>
+          <a:p>
+            <a:pPr/>
+          </a:p>
+        </p:txBody>
+      </p:sp>
+      <p:sp>
+        <p:nvSpPr>
+          <p:cNvPr id="360" name="Line"/>
+          <p:cNvSpPr/>
+          <p:nvPr/>
+        </p:nvSpPr>
+        <p:spPr>
+          <a:xfrm flipV="1">
+            <a:off x="2369039" y="2081788"/>
+            <a:ext cx="244825" cy="244825"/>
+          </a:xfrm>
+          <a:prstGeom prst="line">
+            <a:avLst/>
+          </a:prstGeom>
+          <a:ln w="25400">
+            <a:solidFill>
+              <a:schemeClr val="accent1"/>
+            </a:solidFill>
+          </a:ln>
+        </p:spPr>
+        <p:txBody>
+          <a:bodyPr lIns="45719" rIns="45719"/>
+          <a:lstStyle/>
+          <a:p>
+            <a:pPr/>
+          </a:p>
+        </p:txBody>
+      </p:sp>
+      <p:sp>
+        <p:nvSpPr>
+          <p:cNvPr id="361" name="Line"/>
+          <p:cNvSpPr/>
+          <p:nvPr/>
+        </p:nvSpPr>
+        <p:spPr>
+          <a:xfrm flipV="1">
+            <a:off x="4520761" y="3015312"/>
+            <a:ext cx="244825" cy="244825"/>
+          </a:xfrm>
+          <a:prstGeom prst="line">
+            <a:avLst/>
+          </a:prstGeom>
+          <a:ln w="25400">
+            <a:solidFill>
+              <a:schemeClr val="accent1"/>
+            </a:solidFill>
+          </a:ln>
+        </p:spPr>
+        <p:txBody>
+          <a:bodyPr lIns="45719" rIns="45719"/>
+          <a:lstStyle/>
+          <a:p>
+            <a:pPr/>
+          </a:p>
+        </p:txBody>
+      </p:sp>
+      <p:sp>
+        <p:nvSpPr>
+          <p:cNvPr id="362" name="Line"/>
+          <p:cNvSpPr/>
+          <p:nvPr/>
+        </p:nvSpPr>
+        <p:spPr>
+          <a:xfrm flipV="1">
+            <a:off x="4520761" y="2081788"/>
+            <a:ext cx="244825" cy="244825"/>
+          </a:xfrm>
+          <a:prstGeom prst="line">
+            <a:avLst/>
+          </a:prstGeom>
+          <a:ln w="25400">
+            <a:solidFill>
+              <a:schemeClr val="accent1"/>
+            </a:solidFill>
+          </a:ln>
+        </p:spPr>
+        <p:txBody>
+          <a:bodyPr lIns="45719" rIns="45719"/>
+          <a:lstStyle/>
+          <a:p>
+            <a:pPr/>
+          </a:p>
+        </p:txBody>
+      </p:sp>
+      <p:sp>
+        <p:nvSpPr>
+          <p:cNvPr id="363" name="Line"/>
+          <p:cNvSpPr/>
+          <p:nvPr/>
+        </p:nvSpPr>
+        <p:spPr>
+          <a:xfrm flipV="1">
+            <a:off x="4752846" y="2104455"/>
+            <a:ext cx="1" cy="916975"/>
+          </a:xfrm>
+          <a:prstGeom prst="line">
+            <a:avLst/>
+          </a:prstGeom>
+          <a:ln w="25400">
+            <a:solidFill>
+              <a:schemeClr val="accent1"/>
+            </a:solidFill>
+          </a:ln>
+        </p:spPr>
+        <p:txBody>
+          <a:bodyPr lIns="45719" rIns="45719"/>
+          <a:lstStyle/>
+          <a:p>
+            <a:pPr/>
+          </a:p>
+        </p:txBody>
+      </p:sp>
+      <p:sp>
+        <p:nvSpPr>
+          <p:cNvPr id="364" name="Line"/>
+          <p:cNvSpPr/>
+          <p:nvPr/>
+        </p:nvSpPr>
+        <p:spPr>
+          <a:xfrm flipH="1" flipV="1">
+            <a:off x="2594858" y="2086185"/>
+            <a:ext cx="2171375" cy="1"/>
+          </a:xfrm>
+          <a:prstGeom prst="line">
+            <a:avLst/>
+          </a:prstGeom>
+          <a:ln w="25400">
+            <a:solidFill>
+              <a:schemeClr val="accent1"/>
+            </a:solidFill>
+          </a:ln>
+        </p:spPr>
+        <p:txBody>
+          <a:bodyPr lIns="45719" rIns="45719"/>
+          <a:lstStyle/>
+          <a:p>
+            <a:pPr/>
+          </a:p>
+        </p:txBody>
+      </p:sp>
+      <p:sp>
+        <p:nvSpPr>
+          <p:cNvPr id="365" name="Oval"/>
+          <p:cNvSpPr/>
+          <p:nvPr/>
+        </p:nvSpPr>
+        <p:spPr>
+          <a:xfrm>
+            <a:off x="5019028" y="2089284"/>
+            <a:ext cx="987675" cy="947317"/>
+          </a:xfrm>
+          <a:prstGeom prst="ellipse">
+            <a:avLst/>
+          </a:prstGeom>
+          <a:solidFill>
+            <a:srgbClr val="FFFFFF"/>
+          </a:solidFill>
+          <a:ln w="25400">
+            <a:solidFill>
+              <a:schemeClr val="accent1"/>
+            </a:solidFill>
+          </a:ln>
+        </p:spPr>
+        <p:txBody>
+          <a:bodyPr lIns="46799" tIns="46799" rIns="46799" bIns="46799" anchor="ctr"/>
+          <a:lstStyle/>
+          <a:p>
+            <a:pPr/>
+          </a:p>
+        </p:txBody>
+      </p:sp>
+      <p:sp>
+        <p:nvSpPr>
+          <p:cNvPr id="373" name="Connection Line"/>
+          <p:cNvSpPr/>
+          <p:nvPr/>
+        </p:nvSpPr>
+        <p:spPr>
+          <a:xfrm>
+            <a:off x="5015767" y="2614440"/>
+            <a:ext cx="992567" cy="143975"/>
+          </a:xfrm>
+          <a:custGeom>
+            <a:avLst/>
+            <a:gdLst/>
+            <a:ahLst/>
+            <a:cxnLst>
+              <a:cxn ang="0">
+                <a:pos x="wd2" y="hd2"/>
+              </a:cxn>
+              <a:cxn ang="5400000">
+                <a:pos x="wd2" y="hd2"/>
+              </a:cxn>
+              <a:cxn ang="10800000">
+                <a:pos x="wd2" y="hd2"/>
+              </a:cxn>
+              <a:cxn ang="16200000">
+                <a:pos x="wd2" y="hd2"/>
+              </a:cxn>
+            </a:cxnLst>
+            <a:rect l="0" t="0" r="r" b="b"/>
+            <a:pathLst>
+              <a:path w="21600" h="16231" fill="norm" stroke="1" extrusionOk="0">
+                <a:moveTo>
+                  <a:pt x="0" y="2727"/>
+                </a:moveTo>
+                <a:cubicBezTo>
+                  <a:pt x="6228" y="21600"/>
+                  <a:pt x="13428" y="20691"/>
+                  <a:pt x="21600" y="0"/>
+                </a:cubicBezTo>
+              </a:path>
+            </a:pathLst>
+          </a:custGeom>
+          <a:ln w="25400">
+            <a:solidFill>
+              <a:schemeClr val="accent1"/>
+            </a:solidFill>
+          </a:ln>
+        </p:spPr>
+        <p:txBody>
+          <a:bodyPr/>
+          <a:lstStyle/>
+          <a:p>
+            <a:pPr/>
+          </a:p>
+        </p:txBody>
+      </p:sp>
+      <p:sp>
+        <p:nvSpPr>
+          <p:cNvPr id="367" name="Oval"/>
+          <p:cNvSpPr/>
+          <p:nvPr/>
+        </p:nvSpPr>
+        <p:spPr>
+          <a:xfrm>
+            <a:off x="6425364" y="3050807"/>
+            <a:ext cx="1004555" cy="317069"/>
+          </a:xfrm>
+          <a:prstGeom prst="ellipse">
+            <a:avLst/>
+          </a:prstGeom>
+          <a:ln w="25400">
+            <a:solidFill>
+              <a:schemeClr val="accent1">
+                <a:lumOff val="-6000"/>
+              </a:schemeClr>
+            </a:solidFill>
+          </a:ln>
+        </p:spPr>
+        <p:txBody>
+          <a:bodyPr lIns="46799" tIns="46799" rIns="46799" bIns="46799" anchor="ctr"/>
+          <a:lstStyle/>
+          <a:p>
+            <a:pPr/>
+          </a:p>
+        </p:txBody>
+      </p:sp>
+      <p:sp>
+        <p:nvSpPr>
+          <p:cNvPr id="368" name="Oval"/>
+          <p:cNvSpPr/>
+          <p:nvPr/>
+        </p:nvSpPr>
+        <p:spPr>
+          <a:xfrm>
+            <a:off x="6425364" y="1633212"/>
+            <a:ext cx="1004555" cy="317070"/>
+          </a:xfrm>
+          <a:prstGeom prst="ellipse">
+            <a:avLst/>
+          </a:prstGeom>
+          <a:ln w="25400">
+            <a:solidFill>
+              <a:schemeClr val="accent1">
+                <a:lumOff val="-6000"/>
+              </a:schemeClr>
+            </a:solidFill>
+          </a:ln>
+        </p:spPr>
+        <p:txBody>
+          <a:bodyPr lIns="46799" tIns="46799" rIns="46799" bIns="46799" anchor="ctr"/>
+          <a:lstStyle/>
+          <a:p>
+            <a:pPr/>
+          </a:p>
+        </p:txBody>
+      </p:sp>
+      <p:sp>
+        <p:nvSpPr>
+          <p:cNvPr id="369" name="Line"/>
+          <p:cNvSpPr/>
+          <p:nvPr/>
+        </p:nvSpPr>
+        <p:spPr>
+          <a:xfrm flipV="1">
+            <a:off x="6422603" y="1816971"/>
+            <a:ext cx="1" cy="1408658"/>
+          </a:xfrm>
+          <a:prstGeom prst="line">
+            <a:avLst/>
+          </a:prstGeom>
+          <a:ln w="25400">
+            <a:solidFill>
+              <a:schemeClr val="accent1">
+                <a:lumOff val="-6000"/>
+              </a:schemeClr>
+            </a:solidFill>
+          </a:ln>
+        </p:spPr>
+        <p:txBody>
+          <a:bodyPr lIns="45719" rIns="45719"/>
+          <a:lstStyle/>
+          <a:p>
+            <a:pPr/>
+          </a:p>
+        </p:txBody>
+      </p:sp>
+      <p:sp>
+        <p:nvSpPr>
+          <p:cNvPr id="370" name="Line"/>
+          <p:cNvSpPr/>
+          <p:nvPr/>
+        </p:nvSpPr>
+        <p:spPr>
+          <a:xfrm flipV="1">
+            <a:off x="7434874" y="1821773"/>
+            <a:ext cx="1" cy="1408657"/>
+          </a:xfrm>
+          <a:prstGeom prst="line">
+            <a:avLst/>
+          </a:prstGeom>
+          <a:ln w="25400">
+            <a:solidFill>
+              <a:schemeClr val="accent1">
+                <a:lumOff val="-6000"/>
+              </a:schemeClr>
+            </a:solidFill>
+          </a:ln>
+        </p:spPr>
+        <p:txBody>
+          <a:bodyPr lIns="45719" rIns="45719"/>
+          <a:lstStyle/>
+          <a:p>
+            <a:pPr/>
+          </a:p>
+        </p:txBody>
+      </p:sp>
+      <p:sp>
+        <p:nvSpPr>
+          <p:cNvPr id="371" name="Rectangle"/>
+          <p:cNvSpPr/>
+          <p:nvPr/>
+        </p:nvSpPr>
+        <p:spPr>
+          <a:xfrm>
+            <a:off x="6438665" y="2730739"/>
+            <a:ext cx="977952" cy="462005"/>
+          </a:xfrm>
+          <a:prstGeom prst="rect">
+            <a:avLst/>
+          </a:prstGeom>
+          <a:solidFill>
+            <a:srgbClr val="FFFFFF"/>
+          </a:solidFill>
+          <a:ln w="12700">
+            <a:miter lim="400000"/>
+          </a:ln>
+        </p:spPr>
+        <p:txBody>
+          <a:bodyPr lIns="46799" tIns="46799" rIns="46799" bIns="46799" anchor="ctr"/>
+          <a:lstStyle/>
+          <a:p>
+            <a:pPr/>
+          </a:p>
+        </p:txBody>
+      </p:sp>
+      <p:sp>
+        <p:nvSpPr>
+          <p:cNvPr id="372" name="CustomShape 1"/>
+          <p:cNvSpPr txBox="1"/>
+          <p:nvPr/>
+        </p:nvSpPr>
+        <p:spPr>
+          <a:xfrm>
+            <a:off x="1668980" y="3792515"/>
+            <a:ext cx="9714406" cy="1308337"/>
+          </a:xfrm>
+          <a:prstGeom prst="rect">
+            <a:avLst/>
+          </a:prstGeom>
+          <a:solidFill>
+            <a:srgbClr val="FFFFFF"/>
+          </a:solidFill>
+          <a:ln w="25400">
+            <a:solidFill>
+              <a:schemeClr val="accent1">
+                <a:lumOff val="-6000"/>
+              </a:schemeClr>
+            </a:solidFill>
+            <a:miter lim="400000"/>
+          </a:ln>
+          <a:extLst>
+            <a:ext uri="{C572A759-6A51-4108-AA02-DFA0A04FC94B}">
+              <ma14:wrappingTextBoxFlag xmlns:ma14="http://schemas.microsoft.com/office/mac/drawingml/2011/main" val="1"/>
+            </a:ext>
+          </a:extLst>
+        </p:spPr>
+        <p:txBody>
+          <a:bodyPr lIns="0" tIns="0" rIns="0" bIns="0">
+            <a:spAutoFit/>
+          </a:bodyPr>
+          <a:lstStyle>
+            <a:lvl1pPr>
+              <a:defRPr spc="0" sz="3000"/>
+            </a:lvl1pPr>
+          </a:lstStyle>
+          <a:p>
+            <a:pPr/>
+            <a:r>
+              <a:t>New developments are in the pipe e.g. for multi-phase materials, refractive effects, phase-contrast imaging techniques, these are not ready yet.</a:t>
+            </a:r>
+          </a:p>
+        </p:txBody>
+      </p:sp>
+    </p:spTree>
+  </p:cSld>
+  <p:clrMapOvr>
+    <a:masterClrMapping/>
+  </p:clrMapOvr>
+  <p:transition xmlns:p14="http://schemas.microsoft.com/office/powerpoint/2010/main" spd="med" advClick="1"/>
+</p:sld>
+</file>
+
+<file path=ppt/slides/slide11.xml><?xml version="1.0" encoding="utf-8"?>
+<p:sld xmlns:a="http://schemas.openxmlformats.org/drawingml/2006/main" xmlns:r="http://schemas.openxmlformats.org/officeDocument/2006/relationships" xmlns:p="http://schemas.openxmlformats.org/presentationml/2006/main" xmlns:m="http://schemas.openxmlformats.org/officeDocument/2006/math" xmlns:a14="http://schemas.microsoft.com/office/drawing/2010/main" showMasterSp="1" showMasterPhAnim="1">
+  <p:cSld>
+    <p:spTree>
+      <p:nvGrpSpPr>
+        <p:cNvPr id="1" name=""/>
+        <p:cNvGrpSpPr/>
+        <p:nvPr/>
+      </p:nvGrpSpPr>
+      <p:grpSpPr>
+        <a:xfrm>
+          <a:off x="0" y="0"/>
+          <a:ext cx="0" cy="0"/>
+          <a:chOff x="0" y="0"/>
+          <a:chExt cx="0" cy="0"/>
+        </a:xfrm>
+      </p:grpSpPr>
+      <p:pic>
+        <p:nvPicPr>
+          <p:cNvPr id="375" name="Screenshot 2021-05-05 at 22.08.43.png" descr="Screenshot 2021-05-05 at 22.08.43.png"/>
+          <p:cNvPicPr>
+            <a:picLocks noChangeAspect="1"/>
+          </p:cNvPicPr>
+          <p:nvPr/>
+        </p:nvPicPr>
+        <p:blipFill>
+          <a:blip r:embed="rId2">
+            <a:extLst/>
+          </a:blip>
+          <a:stretch>
+            <a:fillRect/>
+          </a:stretch>
+        </p:blipFill>
+        <p:spPr>
+          <a:xfrm>
+            <a:off x="5348679" y="893846"/>
+            <a:ext cx="6750113" cy="2778736"/>
+          </a:xfrm>
+          <a:prstGeom prst="rect">
+            <a:avLst/>
+          </a:prstGeom>
+          <a:ln w="12700">
+            <a:miter lim="400000"/>
+          </a:ln>
+        </p:spPr>
+      </p:pic>
+      <p:sp>
+        <p:nvSpPr>
+          <p:cNvPr id="376" name="Title 4"/>
+          <p:cNvSpPr txBox="1"/>
+          <p:nvPr>
+            <p:ph type="title"/>
+          </p:nvPr>
+        </p:nvSpPr>
+        <p:spPr>
+          <a:xfrm>
+            <a:off x="1774725" y="426125"/>
+            <a:ext cx="9312376" cy="972718"/>
+          </a:xfrm>
+          <a:prstGeom prst="rect">
+            <a:avLst/>
+          </a:prstGeom>
+        </p:spPr>
+        <p:txBody>
+          <a:bodyPr/>
+          <a:lstStyle/>
+          <a:p>
+            <a:pPr/>
+            <a:r>
+              <a:t>Inelastic scattering S(q,w)</a:t>
+            </a:r>
+          </a:p>
+        </p:txBody>
+      </p:sp>
+      <p:sp>
+        <p:nvSpPr>
+          <p:cNvPr id="377" name="Content Placeholder 5"/>
+          <p:cNvSpPr txBox="1"/>
+          <p:nvPr>
+            <p:ph type="body" idx="1"/>
+          </p:nvPr>
+        </p:nvSpPr>
+        <p:spPr>
+          <a:xfrm>
+            <a:off x="1774799" y="1706398"/>
+            <a:ext cx="9312376" cy="4545581"/>
+          </a:xfrm>
+          <a:prstGeom prst="rect">
+            <a:avLst/>
+          </a:prstGeom>
+        </p:spPr>
+        <p:txBody>
+          <a:bodyPr/>
+          <a:lstStyle/>
+          <a:p>
+            <a:pPr/>
+            <a:r>
+              <a:t>Partial differential cross section</a:t>
+            </a:r>
+          </a:p>
+          <a:p>
+            <a:pPr/>
+            <a:r>
+              <a:t>Scattering function</a:t>
+            </a:r>
+          </a:p>
+          <a:p>
+            <a:pPr/>
+          </a:p>
+          <a:p>
+            <a:pPr/>
+            <a:r>
+              <a:t>Phonons, Spin waves, … </a:t>
+            </a:r>
+          </a:p>
+        </p:txBody>
+      </p:sp>
+      <p:sp>
+        <p:nvSpPr>
+          <p:cNvPr id="378" name="Slide Number Placeholder 3"/>
+          <p:cNvSpPr txBox="1"/>
+          <p:nvPr>
+            <p:ph type="sldNum" sz="quarter" idx="2"/>
+          </p:nvPr>
+        </p:nvSpPr>
+        <p:spPr>
+          <a:prstGeom prst="rect">
+            <a:avLst/>
+          </a:prstGeom>
+          <a:extLst>
+            <a:ext uri="{C572A759-6A51-4108-AA02-DFA0A04FC94B}">
+              <ma14:wrappingTextBoxFlag xmlns:ma14="http://schemas.microsoft.com/office/mac/drawingml/2011/main" val="1"/>
+            </a:ext>
+          </a:extLst>
+        </p:spPr>
+        <p:txBody>
+          <a:bodyPr/>
+          <a:lstStyle/>
+          <a:p>
+            <a:pPr/>
+            <a:fld id="{86CB4B4D-7CA3-9044-876B-883B54F8677D}" type="slidenum"/>
+          </a:p>
+        </p:txBody>
+      </p:sp>
+      <p:pic>
+        <p:nvPicPr>
+          <p:cNvPr id="379" name="Picture 2" descr="Picture 2"/>
+          <p:cNvPicPr>
+            <a:picLocks noChangeAspect="1"/>
+          </p:cNvPicPr>
+          <p:nvPr/>
+        </p:nvPicPr>
+        <p:blipFill>
+          <a:blip r:embed="rId3">
+            <a:extLst/>
+          </a:blip>
+          <a:stretch>
+            <a:fillRect/>
+          </a:stretch>
+        </p:blipFill>
+        <p:spPr>
+          <a:xfrm>
+            <a:off x="3115753" y="3726038"/>
+            <a:ext cx="3745649" cy="876387"/>
+          </a:xfrm>
+          <a:prstGeom prst="rect">
+            <a:avLst/>
+          </a:prstGeom>
+          <a:ln w="12700">
+            <a:miter lim="400000"/>
+          </a:ln>
+        </p:spPr>
+      </p:pic>
+      <p:pic>
+        <p:nvPicPr>
+          <p:cNvPr id="380" name="Picture 4" descr="Picture 4"/>
+          <p:cNvPicPr>
+            <a:picLocks noChangeAspect="1"/>
+          </p:cNvPicPr>
+          <p:nvPr/>
+        </p:nvPicPr>
+        <p:blipFill>
+          <a:blip r:embed="rId4">
+            <a:extLst/>
+          </a:blip>
+          <a:stretch>
+            <a:fillRect/>
+          </a:stretch>
+        </p:blipFill>
+        <p:spPr>
+          <a:xfrm>
+            <a:off x="3537272" y="4602424"/>
+            <a:ext cx="6359081" cy="776108"/>
+          </a:xfrm>
+          <a:prstGeom prst="rect">
+            <a:avLst/>
+          </a:prstGeom>
+          <a:ln w="12700">
+            <a:miter lim="400000"/>
+          </a:ln>
+        </p:spPr>
+      </p:pic>
+    </p:spTree>
+  </p:cSld>
+  <p:clrMapOvr>
+    <a:masterClrMapping/>
+  </p:clrMapOvr>
+  <p:transition xmlns:p14="http://schemas.microsoft.com/office/powerpoint/2010/main" spd="med" advClick="1"/>
+</p:sld>
+</file>
+
+<file path=ppt/slides/slide12.xml><?xml version="1.0" encoding="utf-8"?>
+<p:sld xmlns:a="http://schemas.openxmlformats.org/drawingml/2006/main" xmlns:r="http://schemas.openxmlformats.org/officeDocument/2006/relationships" xmlns:p="http://schemas.openxmlformats.org/presentationml/2006/main" xmlns:m="http://schemas.openxmlformats.org/officeDocument/2006/math" xmlns:a14="http://schemas.microsoft.com/office/drawing/2010/main" showMasterSp="1" showMasterPhAnim="1">
+  <p:cSld>
+    <p:spTree>
+      <p:nvGrpSpPr>
+        <p:cNvPr id="1" name=""/>
+        <p:cNvGrpSpPr/>
+        <p:nvPr/>
+      </p:nvGrpSpPr>
+      <p:grpSpPr>
+        <a:xfrm>
+          <a:off x="0" y="0"/>
+          <a:ext cx="0" cy="0"/>
+          <a:chOff x="0" y="0"/>
+          <a:chExt cx="0" cy="0"/>
+        </a:xfrm>
+      </p:grpSpPr>
+      <p:sp>
+        <p:nvSpPr>
+          <p:cNvPr id="382" name="McStas samples with inelastic options"/>
+          <p:cNvSpPr txBox="1"/>
+          <p:nvPr>
+            <p:ph type="title"/>
+          </p:nvPr>
+        </p:nvSpPr>
+        <p:spPr>
+          <a:xfrm>
+            <a:off x="2337250" y="-243692"/>
+            <a:ext cx="9312375" cy="795814"/>
+          </a:xfrm>
+          <a:prstGeom prst="rect">
+            <a:avLst/>
+          </a:prstGeom>
+        </p:spPr>
+        <p:txBody>
+          <a:bodyPr/>
+          <a:lstStyle/>
+          <a:p>
+            <a:pPr/>
+            <a:r>
+              <a:t>McStas samples with inelastic options</a:t>
+            </a:r>
+          </a:p>
+        </p:txBody>
+      </p:sp>
+      <p:sp>
+        <p:nvSpPr>
+          <p:cNvPr id="383" name="Double-click to edit"/>
+          <p:cNvSpPr txBox="1"/>
+          <p:nvPr>
+            <p:ph type="body" idx="1"/>
+          </p:nvPr>
+        </p:nvSpPr>
+        <p:spPr>
+          <a:prstGeom prst="rect">
+            <a:avLst/>
+          </a:prstGeom>
+        </p:spPr>
+        <p:txBody>
+          <a:bodyPr/>
+          <a:lstStyle/>
+          <a:p>
+            <a:pPr/>
+          </a:p>
+        </p:txBody>
+      </p:sp>
+      <p:sp>
+        <p:nvSpPr>
+          <p:cNvPr id="384" name="Slide Number"/>
+          <p:cNvSpPr txBox="1"/>
+          <p:nvPr>
+            <p:ph type="sldNum" sz="quarter" idx="2"/>
+          </p:nvPr>
+        </p:nvSpPr>
+        <p:spPr>
+          <a:prstGeom prst="rect">
+            <a:avLst/>
+          </a:prstGeom>
+          <a:extLst>
+            <a:ext uri="{C572A759-6A51-4108-AA02-DFA0A04FC94B}">
+              <ma14:wrappingTextBoxFlag xmlns:ma14="http://schemas.microsoft.com/office/mac/drawingml/2011/main" val="1"/>
+            </a:ext>
+          </a:extLst>
+        </p:spPr>
+        <p:txBody>
+          <a:bodyPr/>
+          <a:lstStyle/>
+          <a:p>
+            <a:pPr/>
+            <a:fld id="{86CB4B4D-7CA3-9044-876B-883B54F8677D}" type="slidenum"/>
+          </a:p>
+        </p:txBody>
+      </p:sp>
+      <p:pic>
+        <p:nvPicPr>
+          <p:cNvPr id="385" name="Screenshot 2021-05-05 at 21.58.17.png" descr="Screenshot 2021-05-05 at 21.58.17.png"/>
           <p:cNvPicPr>
             <a:picLocks noChangeAspect="1"/>
           </p:cNvPicPr>
@@ -17621,7 +18472,7 @@
       </p:pic>
       <p:pic>
         <p:nvPicPr>
-          <p:cNvPr id="344" name="Screenshot 2021-05-05 at 21.54.43.png" descr="Screenshot 2021-05-05 at 21.54.43.png"/>
+          <p:cNvPr id="386" name="Screenshot 2021-05-05 at 21.54.43.png" descr="Screenshot 2021-05-05 at 21.54.43.png"/>
           <p:cNvPicPr>
             <a:picLocks noChangeAspect="1"/>
           </p:cNvPicPr>
@@ -17657,7 +18508,7 @@
 </p:sld>
 </file>
 
-<file path=ppt/slides/slide11.xml><?xml version="1.0" encoding="utf-8"?>
+<file path=ppt/slides/slide13.xml><?xml version="1.0" encoding="utf-8"?>
 <p:sld xmlns:a="http://schemas.openxmlformats.org/drawingml/2006/main" xmlns:r="http://schemas.openxmlformats.org/officeDocument/2006/relationships" xmlns:p="http://schemas.openxmlformats.org/presentationml/2006/main" xmlns:m="http://schemas.openxmlformats.org/officeDocument/2006/math" xmlns:a14="http://schemas.microsoft.com/office/drawing/2010/main" showMasterSp="1" showMasterPhAnim="1">
   <p:cSld>
     <p:spTree>
@@ -17676,7 +18527,7 @@
       </p:grpSpPr>
       <p:grpSp>
         <p:nvGrpSpPr>
-          <p:cNvPr id="355" name="Group"/>
+          <p:cNvPr id="397" name="Group"/>
           <p:cNvGrpSpPr/>
           <p:nvPr/>
         </p:nvGrpSpPr>
@@ -17690,7 +18541,7 @@
         </p:grpSpPr>
         <p:pic>
           <p:nvPicPr>
-            <p:cNvPr id="346" name="Picture 15" descr="Picture 15"/>
+            <p:cNvPr id="388" name="Picture 15" descr="Picture 15"/>
             <p:cNvPicPr>
               <a:picLocks noChangeAspect="1"/>
             </p:cNvPicPr>
@@ -17721,7 +18572,7 @@
         </p:pic>
         <p:sp>
           <p:nvSpPr>
-            <p:cNvPr id="347" name="Straight Arrow Connector 2"/>
+            <p:cNvPr id="389" name="Straight Arrow Connector 2"/>
             <p:cNvSpPr/>
             <p:nvPr/>
           </p:nvSpPr>
@@ -17762,7 +18613,7 @@
         </p:sp>
         <p:sp>
           <p:nvSpPr>
-            <p:cNvPr id="348" name="Straight Arrow Connector 7"/>
+            <p:cNvPr id="390" name="Straight Arrow Connector 7"/>
             <p:cNvSpPr/>
             <p:nvPr/>
           </p:nvSpPr>
@@ -17803,7 +18654,7 @@
         </p:sp>
         <p:sp>
           <p:nvSpPr>
-            <p:cNvPr id="349" name="TextBox 5"/>
+            <p:cNvPr id="391" name="TextBox 5"/>
             <p:cNvSpPr txBox="1"/>
             <p:nvPr/>
           </p:nvSpPr>
@@ -17846,7 +18697,7 @@
         </p:sp>
         <p:sp>
           <p:nvSpPr>
-            <p:cNvPr id="350" name="TextBox 6"/>
+            <p:cNvPr id="392" name="TextBox 6"/>
             <p:cNvSpPr txBox="1"/>
             <p:nvPr/>
           </p:nvSpPr>
@@ -17889,7 +18740,7 @@
         </p:sp>
         <p:sp>
           <p:nvSpPr>
-            <p:cNvPr id="351" name="TextBox 11"/>
+            <p:cNvPr id="393" name="TextBox 11"/>
             <p:cNvSpPr txBox="1"/>
             <p:nvPr/>
           </p:nvSpPr>
@@ -17934,7 +18785,7 @@
         </p:sp>
         <p:sp>
           <p:nvSpPr>
-            <p:cNvPr id="352" name="Oval 8"/>
+            <p:cNvPr id="394" name="Oval 8"/>
             <p:cNvSpPr/>
             <p:nvPr/>
           </p:nvSpPr>
@@ -17970,7 +18821,7 @@
         </p:sp>
         <p:sp>
           <p:nvSpPr>
-            <p:cNvPr id="353" name="Rectangle 9"/>
+            <p:cNvPr id="395" name="Rectangle 9"/>
             <p:cNvSpPr/>
             <p:nvPr/>
           </p:nvSpPr>
@@ -18006,7 +18857,7 @@
         </p:sp>
         <p:sp>
           <p:nvSpPr>
-            <p:cNvPr id="354" name="Content Placeholder 5"/>
+            <p:cNvPr id="396" name="Content Placeholder 5"/>
             <p:cNvSpPr txBox="1"/>
             <p:nvPr/>
           </p:nvSpPr>
@@ -18055,7 +18906,7 @@
       </p:grpSp>
       <p:sp>
         <p:nvSpPr>
-          <p:cNvPr id="356" name="Title 4"/>
+          <p:cNvPr id="398" name="Title 4"/>
           <p:cNvSpPr txBox="1"/>
           <p:nvPr>
             <p:ph type="title"/>
@@ -18083,7 +18934,7 @@
       </p:sp>
       <p:sp>
         <p:nvSpPr>
-          <p:cNvPr id="357" name="Content Placeholder 5"/>
+          <p:cNvPr id="399" name="Content Placeholder 5"/>
           <p:cNvSpPr txBox="1"/>
           <p:nvPr>
             <p:ph type="body" idx="1"/>
@@ -18111,7 +18962,7 @@
       </p:sp>
       <p:sp>
         <p:nvSpPr>
-          <p:cNvPr id="358" name="Slide Number Placeholder 3"/>
+          <p:cNvPr id="400" name="Slide Number Placeholder 3"/>
           <p:cNvSpPr txBox="1"/>
           <p:nvPr>
             <p:ph type="sldNum" sz="quarter" idx="2"/>
@@ -18138,7 +18989,7 @@
       </p:sp>
       <p:pic>
         <p:nvPicPr>
-          <p:cNvPr id="359" name="Picture 5" descr="Picture 5"/>
+          <p:cNvPr id="401" name="Picture 5" descr="Picture 5"/>
           <p:cNvPicPr>
             <a:picLocks noChangeAspect="1"/>
           </p:cNvPicPr>
@@ -18167,7 +19018,7 @@
       </p:pic>
       <p:sp>
         <p:nvSpPr>
-          <p:cNvPr id="360" name="TextBox 15"/>
+          <p:cNvPr id="402" name="TextBox 15"/>
           <p:cNvSpPr txBox="1"/>
           <p:nvPr/>
         </p:nvSpPr>
@@ -18210,7 +19061,7 @@
 </p:sld>
 </file>
 
-<file path=ppt/slides/slide12.xml><?xml version="1.0" encoding="utf-8"?>
+<file path=ppt/slides/slide14.xml><?xml version="1.0" encoding="utf-8"?>
 <p:sld xmlns:a="http://schemas.openxmlformats.org/drawingml/2006/main" xmlns:r="http://schemas.openxmlformats.org/officeDocument/2006/relationships" xmlns:p="http://schemas.openxmlformats.org/presentationml/2006/main" xmlns:m="http://schemas.openxmlformats.org/officeDocument/2006/math" xmlns:a14="http://schemas.microsoft.com/office/drawing/2010/main" showMasterSp="1" showMasterPhAnim="1">
   <p:cSld>
     <p:spTree>
@@ -18229,7 +19080,7 @@
       </p:grpSpPr>
       <p:sp>
         <p:nvSpPr>
-          <p:cNvPr id="362" name="Title 4"/>
+          <p:cNvPr id="404" name="Title 4"/>
           <p:cNvSpPr txBox="1"/>
           <p:nvPr>
             <p:ph type="title"/>
@@ -18257,7 +19108,7 @@
       </p:sp>
       <p:sp>
         <p:nvSpPr>
-          <p:cNvPr id="363" name="Content Placeholder 5"/>
+          <p:cNvPr id="405" name="Content Placeholder 5"/>
           <p:cNvSpPr txBox="1"/>
           <p:nvPr>
             <p:ph type="body" idx="1"/>
@@ -18265,7 +19116,7 @@
         </p:nvSpPr>
         <p:spPr>
           <a:xfrm>
-            <a:off x="1774799" y="1706398"/>
+            <a:off x="1609699" y="1706398"/>
             <a:ext cx="9312376" cy="4545581"/>
           </a:xfrm>
           <a:prstGeom prst="rect">
@@ -18309,12 +19160,32 @@
             <a:r>
               <a:t>very similar</a:t>
             </a:r>
+            <a:br/>
+            <a:br/>
+          </a:p>
+          <a:p>
+            <a:pPr/>
+            <a:r>
+              <a:t>Describes coherent “closed-form”</a:t>
+            </a:r>
+            <a:br/>
+            <a:r>
+              <a:t>inelastic scattering, generalisations</a:t>
+            </a:r>
+            <a:br/>
+            <a:r>
+              <a:t>foreseen, different lattice-dep. </a:t>
+            </a:r>
+            <a:br/>
+            <a:r>
+              <a:t>Other dispersion shapes?</a:t>
+            </a:r>
           </a:p>
         </p:txBody>
       </p:sp>
       <p:sp>
         <p:nvSpPr>
-          <p:cNvPr id="364" name="Slide Number Placeholder 3"/>
+          <p:cNvPr id="406" name="Slide Number Placeholder 3"/>
           <p:cNvSpPr txBox="1"/>
           <p:nvPr>
             <p:ph type="sldNum" sz="quarter" idx="2"/>
@@ -18341,7 +19212,7 @@
       </p:sp>
       <p:pic>
         <p:nvPicPr>
-          <p:cNvPr id="365" name="Picture 2" descr="Picture 2"/>
+          <p:cNvPr id="407" name="Picture 2" descr="Picture 2"/>
           <p:cNvPicPr>
             <a:picLocks noChangeAspect="1"/>
           </p:cNvPicPr>
@@ -18358,8 +19229,8 @@
         </p:blipFill>
         <p:spPr>
           <a:xfrm>
-            <a:off x="5326379" y="1543862"/>
-            <a:ext cx="6679835" cy="4879799"/>
+            <a:off x="5431035" y="1539201"/>
+            <a:ext cx="6679834" cy="4879798"/>
           </a:xfrm>
           <a:prstGeom prst="rect">
             <a:avLst/>
@@ -18371,7 +19242,7 @@
       </p:pic>
       <p:sp>
         <p:nvSpPr>
-          <p:cNvPr id="366" name="TextBox 3"/>
+          <p:cNvPr id="408" name="TextBox 3"/>
           <p:cNvSpPr txBox="1"/>
           <p:nvPr/>
         </p:nvSpPr>
@@ -18422,7 +19293,7 @@
 </p:sld>
 </file>
 
-<file path=ppt/slides/slide13.xml><?xml version="1.0" encoding="utf-8"?>
+<file path=ppt/slides/slide15.xml><?xml version="1.0" encoding="utf-8"?>
 <p:sld xmlns:a="http://schemas.openxmlformats.org/drawingml/2006/main" xmlns:r="http://schemas.openxmlformats.org/officeDocument/2006/relationships" xmlns:p="http://schemas.openxmlformats.org/presentationml/2006/main" xmlns:m="http://schemas.openxmlformats.org/officeDocument/2006/math" xmlns:a14="http://schemas.microsoft.com/office/drawing/2010/main" showMasterSp="1" showMasterPhAnim="1">
   <p:cSld>
     <p:spTree>
@@ -18441,7 +19312,7 @@
       </p:grpSpPr>
       <p:sp>
         <p:nvSpPr>
-          <p:cNvPr id="368" name="Title 4"/>
+          <p:cNvPr id="410" name="Title 4"/>
           <p:cNvSpPr txBox="1"/>
           <p:nvPr>
             <p:ph type="title"/>
@@ -18469,7 +19340,7 @@
       </p:sp>
       <p:sp>
         <p:nvSpPr>
-          <p:cNvPr id="369" name="Content Placeholder 5"/>
+          <p:cNvPr id="411" name="Content Placeholder 5"/>
           <p:cNvSpPr txBox="1"/>
           <p:nvPr>
             <p:ph type="body" idx="1"/>
@@ -18509,7 +19380,7 @@
       </p:sp>
       <p:sp>
         <p:nvSpPr>
-          <p:cNvPr id="370" name="Slide Number Placeholder 3"/>
+          <p:cNvPr id="412" name="Slide Number Placeholder 3"/>
           <p:cNvSpPr txBox="1"/>
           <p:nvPr>
             <p:ph type="sldNum" sz="quarter" idx="2"/>
@@ -18536,7 +19407,7 @@
       </p:sp>
       <p:pic>
         <p:nvPicPr>
-          <p:cNvPr id="371" name="Picture 2" descr="Picture 2"/>
+          <p:cNvPr id="413" name="Picture 2" descr="Picture 2"/>
           <p:cNvPicPr>
             <a:picLocks noChangeAspect="1"/>
           </p:cNvPicPr>
@@ -18565,7 +19436,7 @@
       </p:pic>
       <p:pic>
         <p:nvPicPr>
-          <p:cNvPr id="372" name="Picture 2" descr="Picture 2"/>
+          <p:cNvPr id="414" name="Picture 2" descr="Picture 2"/>
           <p:cNvPicPr>
             <a:picLocks noChangeAspect="1"/>
           </p:cNvPicPr>
@@ -18601,7 +19472,7 @@
 </p:sld>
 </file>
 
-<file path=ppt/slides/slide14.xml><?xml version="1.0" encoding="utf-8"?>
+<file path=ppt/slides/slide16.xml><?xml version="1.0" encoding="utf-8"?>
 <p:sld xmlns:a="http://schemas.openxmlformats.org/drawingml/2006/main" xmlns:r="http://schemas.openxmlformats.org/officeDocument/2006/relationships" xmlns:p="http://schemas.openxmlformats.org/presentationml/2006/main" xmlns:m="http://schemas.openxmlformats.org/officeDocument/2006/math" xmlns:a14="http://schemas.microsoft.com/office/drawing/2010/main" showMasterSp="1" showMasterPhAnim="1">
   <p:cSld>
     <p:spTree>
@@ -18620,7 +19491,7 @@
       </p:grpSpPr>
       <p:sp>
         <p:nvSpPr>
-          <p:cNvPr id="374" name="Example component"/>
+          <p:cNvPr id="416" name="Example component"/>
           <p:cNvSpPr txBox="1"/>
           <p:nvPr>
             <p:ph type="title"/>
@@ -18644,7 +19515,7 @@
       </p:sp>
       <p:sp>
         <p:nvSpPr>
-          <p:cNvPr id="375" name="Single_crystal_inelastic…"/>
+          <p:cNvPr id="417" name="Single_crystal_inelastic…"/>
           <p:cNvSpPr txBox="1"/>
           <p:nvPr>
             <p:ph type="body" idx="1"/>
@@ -18684,12 +19555,19 @@
             <a:r>
               <a:t>BIG tables, lots of memory, close to impossible to use for anything but “locally” in reciprocal space, i.e. in TAS settings</a:t>
             </a:r>
+            <a:br/>
+          </a:p>
+          <a:p>
+            <a:pPr/>
+            <a:r>
+              <a:t>We are looking for good alternatives</a:t>
+            </a:r>
           </a:p>
         </p:txBody>
       </p:sp>
       <p:sp>
         <p:nvSpPr>
-          <p:cNvPr id="376" name="Slide Number"/>
+          <p:cNvPr id="418" name="Slide Number"/>
           <p:cNvSpPr txBox="1"/>
           <p:nvPr>
             <p:ph type="sldNum" sz="quarter" idx="2"/>
@@ -18723,7 +19601,7 @@
 </p:sld>
 </file>
 
-<file path=ppt/slides/slide15.xml><?xml version="1.0" encoding="utf-8"?>
+<file path=ppt/slides/slide17.xml><?xml version="1.0" encoding="utf-8"?>
 <p:sld xmlns:a="http://schemas.openxmlformats.org/drawingml/2006/main" xmlns:r="http://schemas.openxmlformats.org/officeDocument/2006/relationships" xmlns:p="http://schemas.openxmlformats.org/presentationml/2006/main" xmlns:m="http://schemas.openxmlformats.org/officeDocument/2006/math" xmlns:a14="http://schemas.microsoft.com/office/drawing/2010/main" showMasterSp="1" showMasterPhAnim="1">
   <p:cSld>
     <p:spTree>
@@ -18742,7 +19620,7 @@
       </p:grpSpPr>
       <p:sp>
         <p:nvSpPr>
-          <p:cNvPr id="378" name="Title 4"/>
+          <p:cNvPr id="420" name="Title 4"/>
           <p:cNvSpPr txBox="1"/>
           <p:nvPr>
             <p:ph type="title"/>
@@ -18770,7 +19648,7 @@
       </p:sp>
       <p:sp>
         <p:nvSpPr>
-          <p:cNvPr id="379" name="Content Placeholder 5"/>
+          <p:cNvPr id="421" name="Content Placeholder 5"/>
           <p:cNvSpPr txBox="1"/>
           <p:nvPr>
             <p:ph type="body" idx="1"/>
@@ -18810,7 +19688,7 @@
       </p:sp>
       <p:sp>
         <p:nvSpPr>
-          <p:cNvPr id="380" name="Slide Number Placeholder 3"/>
+          <p:cNvPr id="422" name="Slide Number Placeholder 3"/>
           <p:cNvSpPr txBox="1"/>
           <p:nvPr>
             <p:ph type="sldNum" sz="quarter" idx="2"/>
@@ -18837,7 +19715,7 @@
       </p:sp>
       <p:sp>
         <p:nvSpPr>
-          <p:cNvPr id="381" name="Straight Arrow Connector 2"/>
+          <p:cNvPr id="423" name="Straight Arrow Connector 2"/>
           <p:cNvSpPr/>
           <p:nvPr/>
         </p:nvSpPr>
@@ -18873,7 +19751,7 @@
       </p:sp>
       <p:sp>
         <p:nvSpPr>
-          <p:cNvPr id="382" name="Straight Arrow Connector 7"/>
+          <p:cNvPr id="424" name="Straight Arrow Connector 7"/>
           <p:cNvSpPr/>
           <p:nvPr/>
         </p:nvSpPr>
@@ -18909,7 +19787,7 @@
       </p:sp>
       <p:sp>
         <p:nvSpPr>
-          <p:cNvPr id="383" name="Straight Arrow Connector 9"/>
+          <p:cNvPr id="425" name="Straight Arrow Connector 9"/>
           <p:cNvSpPr/>
           <p:nvPr/>
         </p:nvSpPr>
@@ -18945,7 +19823,7 @@
       </p:sp>
       <p:sp>
         <p:nvSpPr>
-          <p:cNvPr id="384" name="Straight Connector 15"/>
+          <p:cNvPr id="426" name="Straight Connector 15"/>
           <p:cNvSpPr/>
           <p:nvPr/>
         </p:nvSpPr>
@@ -18980,7 +19858,7 @@
       </p:sp>
       <p:sp>
         <p:nvSpPr>
-          <p:cNvPr id="385" name="Straight Connector 20"/>
+          <p:cNvPr id="427" name="Straight Connector 20"/>
           <p:cNvSpPr/>
           <p:nvPr/>
         </p:nvSpPr>
@@ -19015,7 +19893,7 @@
       </p:sp>
       <p:sp>
         <p:nvSpPr>
-          <p:cNvPr id="386" name="Straight Connector 22"/>
+          <p:cNvPr id="428" name="Straight Connector 22"/>
           <p:cNvSpPr/>
           <p:nvPr/>
         </p:nvSpPr>
@@ -19050,7 +19928,7 @@
       </p:sp>
       <p:sp>
         <p:nvSpPr>
-          <p:cNvPr id="387" name="Straight Connector 23"/>
+          <p:cNvPr id="429" name="Straight Connector 23"/>
           <p:cNvSpPr/>
           <p:nvPr/>
         </p:nvSpPr>
@@ -19085,7 +19963,7 @@
       </p:sp>
       <p:sp>
         <p:nvSpPr>
-          <p:cNvPr id="388" name="Straight Connector 24"/>
+          <p:cNvPr id="430" name="Straight Connector 24"/>
           <p:cNvSpPr/>
           <p:nvPr/>
         </p:nvSpPr>
@@ -19120,7 +19998,7 @@
       </p:sp>
       <p:sp>
         <p:nvSpPr>
-          <p:cNvPr id="389" name="Straight Connector 25"/>
+          <p:cNvPr id="431" name="Straight Connector 25"/>
           <p:cNvSpPr/>
           <p:nvPr/>
         </p:nvSpPr>
@@ -19155,7 +20033,7 @@
       </p:sp>
       <p:sp>
         <p:nvSpPr>
-          <p:cNvPr id="390" name="Straight Connector 26"/>
+          <p:cNvPr id="432" name="Straight Connector 26"/>
           <p:cNvSpPr/>
           <p:nvPr/>
         </p:nvSpPr>
@@ -19190,7 +20068,7 @@
       </p:sp>
       <p:sp>
         <p:nvSpPr>
-          <p:cNvPr id="391" name="Straight Connector 27"/>
+          <p:cNvPr id="433" name="Straight Connector 27"/>
           <p:cNvSpPr/>
           <p:nvPr/>
         </p:nvSpPr>
@@ -19225,7 +20103,7 @@
       </p:sp>
       <p:sp>
         <p:nvSpPr>
-          <p:cNvPr id="392" name="Straight Connector 30"/>
+          <p:cNvPr id="434" name="Straight Connector 30"/>
           <p:cNvSpPr/>
           <p:nvPr/>
         </p:nvSpPr>
@@ -19260,7 +20138,7 @@
       </p:sp>
       <p:sp>
         <p:nvSpPr>
-          <p:cNvPr id="393" name="Straight Connector 34"/>
+          <p:cNvPr id="435" name="Straight Connector 34"/>
           <p:cNvSpPr/>
           <p:nvPr/>
         </p:nvSpPr>
@@ -19295,7 +20173,7 @@
       </p:sp>
       <p:sp>
         <p:nvSpPr>
-          <p:cNvPr id="394" name="Straight Connector 35"/>
+          <p:cNvPr id="436" name="Straight Connector 35"/>
           <p:cNvSpPr/>
           <p:nvPr/>
         </p:nvSpPr>
@@ -19330,7 +20208,7 @@
       </p:sp>
       <p:sp>
         <p:nvSpPr>
-          <p:cNvPr id="395" name="Straight Connector 36"/>
+          <p:cNvPr id="437" name="Straight Connector 36"/>
           <p:cNvSpPr/>
           <p:nvPr/>
         </p:nvSpPr>
@@ -19365,7 +20243,7 @@
       </p:sp>
       <p:sp>
         <p:nvSpPr>
-          <p:cNvPr id="396" name="TextBox 37"/>
+          <p:cNvPr id="438" name="TextBox 37"/>
           <p:cNvSpPr txBox="1"/>
           <p:nvPr/>
         </p:nvSpPr>
@@ -19407,7 +20285,7 @@
       </p:sp>
       <p:sp>
         <p:nvSpPr>
-          <p:cNvPr id="397" name="TextBox 38"/>
+          <p:cNvPr id="439" name="TextBox 38"/>
           <p:cNvSpPr txBox="1"/>
           <p:nvPr/>
         </p:nvSpPr>
@@ -19449,7 +20327,7 @@
       </p:sp>
       <p:sp>
         <p:nvSpPr>
-          <p:cNvPr id="398" name="TextBox 39"/>
+          <p:cNvPr id="440" name="TextBox 39"/>
           <p:cNvSpPr txBox="1"/>
           <p:nvPr/>
         </p:nvSpPr>
@@ -19491,7 +20369,7 @@
       </p:sp>
       <p:sp>
         <p:nvSpPr>
-          <p:cNvPr id="399" name="TextBox 40"/>
+          <p:cNvPr id="441" name="TextBox 40"/>
           <p:cNvSpPr txBox="1"/>
           <p:nvPr/>
         </p:nvSpPr>
@@ -19533,7 +20411,7 @@
       </p:sp>
       <p:sp>
         <p:nvSpPr>
-          <p:cNvPr id="400" name="TextBox 28"/>
+          <p:cNvPr id="442" name="TextBox 28"/>
           <p:cNvSpPr txBox="1"/>
           <p:nvPr/>
         </p:nvSpPr>
@@ -19575,7 +20453,7 @@
       </p:sp>
       <p:sp>
         <p:nvSpPr>
-          <p:cNvPr id="401" name="TextBox 29"/>
+          <p:cNvPr id="443" name="TextBox 29"/>
           <p:cNvSpPr txBox="1"/>
           <p:nvPr/>
         </p:nvSpPr>
@@ -19617,7 +20495,7 @@
       </p:sp>
       <p:sp>
         <p:nvSpPr>
-          <p:cNvPr id="402" name="TextBox 31"/>
+          <p:cNvPr id="444" name="TextBox 31"/>
           <p:cNvSpPr txBox="1"/>
           <p:nvPr/>
         </p:nvSpPr>
@@ -19659,7 +20537,7 @@
       </p:sp>
       <p:sp>
         <p:nvSpPr>
-          <p:cNvPr id="403" name="TextBox 32"/>
+          <p:cNvPr id="445" name="TextBox 32"/>
           <p:cNvSpPr txBox="1"/>
           <p:nvPr/>
         </p:nvSpPr>
@@ -19708,7 +20586,7 @@
 </p:sld>
 </file>
 
-<file path=ppt/slides/slide16.xml><?xml version="1.0" encoding="utf-8"?>
+<file path=ppt/slides/slide18.xml><?xml version="1.0" encoding="utf-8"?>
 <p:sld xmlns:a="http://schemas.openxmlformats.org/drawingml/2006/main" xmlns:r="http://schemas.openxmlformats.org/officeDocument/2006/relationships" xmlns:p="http://schemas.openxmlformats.org/presentationml/2006/main" xmlns:m="http://schemas.openxmlformats.org/officeDocument/2006/math" xmlns:a14="http://schemas.microsoft.com/office/drawing/2010/main" showMasterSp="1" showMasterPhAnim="1">
   <p:cSld>
     <p:spTree>
@@ -19727,7 +20605,7 @@
       </p:grpSpPr>
       <p:sp>
         <p:nvSpPr>
-          <p:cNvPr id="405" name="Title 4"/>
+          <p:cNvPr id="447" name="Title 4"/>
           <p:cNvSpPr txBox="1"/>
           <p:nvPr>
             <p:ph type="title"/>
@@ -19755,7 +20633,7 @@
       </p:sp>
       <p:sp>
         <p:nvSpPr>
-          <p:cNvPr id="406" name="Content Placeholder 5"/>
+          <p:cNvPr id="448" name="Content Placeholder 5"/>
           <p:cNvSpPr txBox="1"/>
           <p:nvPr>
             <p:ph type="body" idx="1"/>
@@ -19783,7 +20661,7 @@
       </p:sp>
       <p:sp>
         <p:nvSpPr>
-          <p:cNvPr id="407" name="Slide Number Placeholder 3"/>
+          <p:cNvPr id="449" name="Slide Number Placeholder 3"/>
           <p:cNvSpPr txBox="1"/>
           <p:nvPr>
             <p:ph type="sldNum" sz="quarter" idx="2"/>
@@ -19810,7 +20688,7 @@
       </p:sp>
       <p:pic>
         <p:nvPicPr>
-          <p:cNvPr id="408" name="Picture 2" descr="Picture 2"/>
+          <p:cNvPr id="450" name="Picture 2" descr="Picture 2"/>
           <p:cNvPicPr>
             <a:picLocks noChangeAspect="1"/>
           </p:cNvPicPr>
@@ -19847,7 +20725,7 @@
 </p:sld>
 </file>
 
-<file path=ppt/slides/slide17.xml><?xml version="1.0" encoding="utf-8"?>
+<file path=ppt/slides/slide19.xml><?xml version="1.0" encoding="utf-8"?>
 <p:sld xmlns:a="http://schemas.openxmlformats.org/drawingml/2006/main" xmlns:r="http://schemas.openxmlformats.org/officeDocument/2006/relationships" xmlns:p="http://schemas.openxmlformats.org/presentationml/2006/main" xmlns:m="http://schemas.openxmlformats.org/officeDocument/2006/math" xmlns:a14="http://schemas.microsoft.com/office/drawing/2010/main" showMasterSp="1" showMasterPhAnim="1">
   <p:cSld>
     <p:spTree>
@@ -19866,7 +20744,7 @@
       </p:grpSpPr>
       <p:sp>
         <p:nvSpPr>
-          <p:cNvPr id="410" name="Title 4"/>
+          <p:cNvPr id="452" name="Title 4"/>
           <p:cNvSpPr txBox="1"/>
           <p:nvPr>
             <p:ph type="title"/>
@@ -19894,7 +20772,7 @@
       </p:sp>
       <p:sp>
         <p:nvSpPr>
-          <p:cNvPr id="411" name="Slide Number Placeholder 3"/>
+          <p:cNvPr id="453" name="Slide Number Placeholder 3"/>
           <p:cNvSpPr txBox="1"/>
           <p:nvPr>
             <p:ph type="sldNum" sz="quarter" idx="2"/>
@@ -19921,7 +20799,7 @@
       </p:sp>
       <p:pic>
         <p:nvPicPr>
-          <p:cNvPr id="412" name="Picture 3" descr="Picture 3"/>
+          <p:cNvPr id="454" name="Picture 3" descr="Picture 3"/>
           <p:cNvPicPr>
             <a:picLocks noChangeAspect="1"/>
           </p:cNvPicPr>
@@ -19950,7 +20828,7 @@
       </p:pic>
       <p:sp>
         <p:nvSpPr>
-          <p:cNvPr id="413" name="Content Placeholder 5"/>
+          <p:cNvPr id="455" name="Content Placeholder 5"/>
           <p:cNvSpPr txBox="1"/>
           <p:nvPr>
             <p:ph type="body" idx="1"/>
@@ -19973,175 +20851,6 @@
             <a:r>
               <a:t>Only a small fraction of neutrons arrive, most are simulated in vain</a:t>
             </a:r>
-          </a:p>
-        </p:txBody>
-      </p:sp>
-    </p:spTree>
-  </p:cSld>
-  <p:clrMapOvr>
-    <a:masterClrMapping/>
-  </p:clrMapOvr>
-  <p:transition xmlns:p14="http://schemas.microsoft.com/office/powerpoint/2010/main" spd="med" advClick="1"/>
-</p:sld>
-</file>
-
-<file path=ppt/slides/slide18.xml><?xml version="1.0" encoding="utf-8"?>
-<p:sld xmlns:a="http://schemas.openxmlformats.org/drawingml/2006/main" xmlns:r="http://schemas.openxmlformats.org/officeDocument/2006/relationships" xmlns:p="http://schemas.openxmlformats.org/presentationml/2006/main" xmlns:m="http://schemas.openxmlformats.org/officeDocument/2006/math" xmlns:a14="http://schemas.microsoft.com/office/drawing/2010/main" showMasterSp="1" showMasterPhAnim="1">
-  <p:cSld>
-    <p:spTree>
-      <p:nvGrpSpPr>
-        <p:cNvPr id="1" name=""/>
-        <p:cNvGrpSpPr/>
-        <p:nvPr/>
-      </p:nvGrpSpPr>
-      <p:grpSpPr>
-        <a:xfrm>
-          <a:off x="0" y="0"/>
-          <a:ext cx="0" cy="0"/>
-          <a:chOff x="0" y="0"/>
-          <a:chExt cx="0" cy="0"/>
-        </a:xfrm>
-      </p:grpSpPr>
-      <p:sp>
-        <p:nvSpPr>
-          <p:cNvPr id="415" name="Title 4"/>
-          <p:cNvSpPr txBox="1"/>
-          <p:nvPr>
-            <p:ph type="title"/>
-          </p:nvPr>
-        </p:nvSpPr>
-        <p:spPr>
-          <a:xfrm>
-            <a:off x="1774725" y="426125"/>
-            <a:ext cx="9312376" cy="972718"/>
-          </a:xfrm>
-          <a:prstGeom prst="rect">
-            <a:avLst/>
-          </a:prstGeom>
-        </p:spPr>
-        <p:txBody>
-          <a:bodyPr/>
-          <a:lstStyle/>
-          <a:p>
-            <a:pPr/>
-            <a:r>
-              <a:t>Conclusions</a:t>
-            </a:r>
-          </a:p>
-        </p:txBody>
-      </p:sp>
-      <p:sp>
-        <p:nvSpPr>
-          <p:cNvPr id="416" name="Content Placeholder 5"/>
-          <p:cNvSpPr txBox="1"/>
-          <p:nvPr>
-            <p:ph type="body" idx="1"/>
-          </p:nvPr>
-        </p:nvSpPr>
-        <p:spPr>
-          <a:xfrm>
-            <a:off x="1774725" y="2014562"/>
-            <a:ext cx="9312376" cy="4545580"/>
-          </a:xfrm>
-          <a:prstGeom prst="rect">
-            <a:avLst/>
-          </a:prstGeom>
-        </p:spPr>
-        <p:txBody>
-          <a:bodyPr/>
-          <a:lstStyle/>
-          <a:p>
-            <a:pPr/>
-            <a:r>
-              <a:t>SANS</a:t>
-            </a:r>
-          </a:p>
-          <a:p>
-            <a:pPr lvl="1">
-              <a:buChar char="•"/>
-            </a:pPr>
-            <a:r>
-              <a:t>Lots of choice, many models (challenge can be to decide what to choose)</a:t>
-            </a:r>
-          </a:p>
-          <a:p>
-            <a:pPr lvl="1">
-              <a:buChar char="•"/>
-            </a:pPr>
-          </a:p>
-          <a:p>
-            <a:pPr/>
-            <a:r>
-              <a:t>Reflectometry:</a:t>
-            </a:r>
-          </a:p>
-          <a:p>
-            <a:pPr lvl="1">
-              <a:buChar char="•"/>
-            </a:pPr>
-            <a:r>
-              <a:t>Only little choice, Multilayer_sample or “a mirror”</a:t>
-            </a:r>
-          </a:p>
-          <a:p>
-            <a:pPr/>
-          </a:p>
-          <a:p>
-            <a:pPr/>
-            <a:r>
-              <a:t>Inelastic scattering</a:t>
-            </a:r>
-          </a:p>
-          <a:p>
-            <a:pPr lvl="1">
-              <a:buChar char="•"/>
-            </a:pPr>
-            <a:r>
-              <a:t>Inelastic scattering supported in McStas, not all cases fully covered</a:t>
-            </a:r>
-          </a:p>
-          <a:p>
-            <a:pPr lvl="1">
-              <a:buChar char="•"/>
-            </a:pPr>
-            <a:r>
-              <a:t>Longer computational times required</a:t>
-            </a:r>
-          </a:p>
-          <a:p>
-            <a:pPr lvl="1">
-              <a:buChar char="•"/>
-            </a:pPr>
-            <a:r>
-              <a:t>Advantages from simulation especially important for spectroscopy (resolution function)</a:t>
-            </a:r>
-          </a:p>
-        </p:txBody>
-      </p:sp>
-      <p:sp>
-        <p:nvSpPr>
-          <p:cNvPr id="417" name="Slide Number Placeholder 3"/>
-          <p:cNvSpPr txBox="1"/>
-          <p:nvPr>
-            <p:ph type="sldNum" sz="quarter" idx="2"/>
-          </p:nvPr>
-        </p:nvSpPr>
-        <p:spPr>
-          <a:prstGeom prst="rect">
-            <a:avLst/>
-          </a:prstGeom>
-          <a:extLst>
-            <a:ext uri="{C572A759-6A51-4108-AA02-DFA0A04FC94B}">
-              <ma14:wrappingTextBoxFlag xmlns:ma14="http://schemas.microsoft.com/office/mac/drawingml/2011/main" val="1"/>
-            </a:ext>
-          </a:extLst>
-        </p:spPr>
-        <p:txBody>
-          <a:bodyPr/>
-          <a:lstStyle/>
-          <a:p>
-            <a:pPr/>
-            <a:fld id="{86CB4B4D-7CA3-9044-876B-883B54F8677D}" type="slidenum"/>
           </a:p>
         </p:txBody>
       </p:sp>
@@ -20173,7 +20882,7 @@
       </p:grpSpPr>
       <p:sp>
         <p:nvSpPr>
-          <p:cNvPr id="293" name="Title 4"/>
+          <p:cNvPr id="292" name="Title 4"/>
           <p:cNvSpPr txBox="1"/>
           <p:nvPr>
             <p:ph type="title"/>
@@ -20201,7 +20910,7 @@
       </p:sp>
       <p:sp>
         <p:nvSpPr>
-          <p:cNvPr id="294" name="Content Placeholder 5"/>
+          <p:cNvPr id="293" name="Content Placeholder 5"/>
           <p:cNvSpPr txBox="1"/>
           <p:nvPr>
             <p:ph type="body" idx="1"/>
@@ -20281,7 +20990,191 @@
       </p:sp>
       <p:sp>
         <p:nvSpPr>
-          <p:cNvPr id="295" name="Slide Number Placeholder 3"/>
+          <p:cNvPr id="294" name="Slide Number Placeholder 3"/>
+          <p:cNvSpPr txBox="1"/>
+          <p:nvPr>
+            <p:ph type="sldNum" sz="quarter" idx="2"/>
+          </p:nvPr>
+        </p:nvSpPr>
+        <p:spPr>
+          <a:prstGeom prst="rect">
+            <a:avLst/>
+          </a:prstGeom>
+          <a:extLst>
+            <a:ext uri="{C572A759-6A51-4108-AA02-DFA0A04FC94B}">
+              <ma14:wrappingTextBoxFlag xmlns:ma14="http://schemas.microsoft.com/office/mac/drawingml/2011/main" val="1"/>
+            </a:ext>
+          </a:extLst>
+        </p:spPr>
+        <p:txBody>
+          <a:bodyPr/>
+          <a:lstStyle/>
+          <a:p>
+            <a:pPr/>
+            <a:fld id="{86CB4B4D-7CA3-9044-876B-883B54F8677D}" type="slidenum"/>
+          </a:p>
+        </p:txBody>
+      </p:sp>
+    </p:spTree>
+  </p:cSld>
+  <p:clrMapOvr>
+    <a:masterClrMapping/>
+  </p:clrMapOvr>
+  <p:transition xmlns:p14="http://schemas.microsoft.com/office/powerpoint/2010/main" spd="med" advClick="1"/>
+</p:sld>
+</file>
+
+<file path=ppt/slides/slide20.xml><?xml version="1.0" encoding="utf-8"?>
+<p:sld xmlns:a="http://schemas.openxmlformats.org/drawingml/2006/main" xmlns:r="http://schemas.openxmlformats.org/officeDocument/2006/relationships" xmlns:p="http://schemas.openxmlformats.org/presentationml/2006/main" xmlns:m="http://schemas.openxmlformats.org/officeDocument/2006/math" xmlns:a14="http://schemas.microsoft.com/office/drawing/2010/main" showMasterSp="1" showMasterPhAnim="1">
+  <p:cSld>
+    <p:spTree>
+      <p:nvGrpSpPr>
+        <p:cNvPr id="1" name=""/>
+        <p:cNvGrpSpPr/>
+        <p:nvPr/>
+      </p:nvGrpSpPr>
+      <p:grpSpPr>
+        <a:xfrm>
+          <a:off x="0" y="0"/>
+          <a:ext cx="0" cy="0"/>
+          <a:chOff x="0" y="0"/>
+          <a:chExt cx="0" cy="0"/>
+        </a:xfrm>
+      </p:grpSpPr>
+      <p:sp>
+        <p:nvSpPr>
+          <p:cNvPr id="457" name="Title 4"/>
+          <p:cNvSpPr txBox="1"/>
+          <p:nvPr>
+            <p:ph type="title"/>
+          </p:nvPr>
+        </p:nvSpPr>
+        <p:spPr>
+          <a:xfrm>
+            <a:off x="1774725" y="426125"/>
+            <a:ext cx="9312376" cy="972718"/>
+          </a:xfrm>
+          <a:prstGeom prst="rect">
+            <a:avLst/>
+          </a:prstGeom>
+        </p:spPr>
+        <p:txBody>
+          <a:bodyPr/>
+          <a:lstStyle/>
+          <a:p>
+            <a:pPr/>
+            <a:r>
+              <a:t>Conclusions</a:t>
+            </a:r>
+          </a:p>
+        </p:txBody>
+      </p:sp>
+      <p:sp>
+        <p:nvSpPr>
+          <p:cNvPr id="458" name="Content Placeholder 5"/>
+          <p:cNvSpPr txBox="1"/>
+          <p:nvPr>
+            <p:ph type="body" idx="1"/>
+          </p:nvPr>
+        </p:nvSpPr>
+        <p:spPr>
+          <a:xfrm>
+            <a:off x="1774725" y="2014562"/>
+            <a:ext cx="9312376" cy="4545580"/>
+          </a:xfrm>
+          <a:prstGeom prst="rect">
+            <a:avLst/>
+          </a:prstGeom>
+        </p:spPr>
+        <p:txBody>
+          <a:bodyPr/>
+          <a:lstStyle/>
+          <a:p>
+            <a:pPr/>
+            <a:r>
+              <a:t>SANS</a:t>
+            </a:r>
+          </a:p>
+          <a:p>
+            <a:pPr lvl="1">
+              <a:buChar char="•"/>
+            </a:pPr>
+            <a:r>
+              <a:t>Lots of choice, many models (challenge can be to decide what to choose)</a:t>
+            </a:r>
+          </a:p>
+          <a:p>
+            <a:pPr lvl="1">
+              <a:buChar char="•"/>
+            </a:pPr>
+          </a:p>
+          <a:p>
+            <a:pPr/>
+            <a:r>
+              <a:t>Reflectometry:</a:t>
+            </a:r>
+          </a:p>
+          <a:p>
+            <a:pPr lvl="1">
+              <a:buChar char="•"/>
+            </a:pPr>
+            <a:r>
+              <a:t>Only little choice, Multilayer_sample or “a mirror”</a:t>
+            </a:r>
+            <a:br/>
+          </a:p>
+          <a:p>
+            <a:pPr/>
+            <a:r>
+              <a:t>Imaging:</a:t>
+            </a:r>
+          </a:p>
+          <a:p>
+            <a:pPr lvl="1">
+              <a:buChar char="•"/>
+            </a:pPr>
+            <a:r>
+              <a:t>Single-phase “blocks” of material, new developments are in the pipe</a:t>
+            </a:r>
+          </a:p>
+          <a:p>
+            <a:pPr/>
+          </a:p>
+          <a:p>
+            <a:pPr/>
+            <a:r>
+              <a:t>Inelastic scattering</a:t>
+            </a:r>
+          </a:p>
+          <a:p>
+            <a:pPr lvl="1">
+              <a:buChar char="•"/>
+            </a:pPr>
+            <a:r>
+              <a:t>Inelastic scattering supported in McStas, not all cases fully covered</a:t>
+            </a:r>
+          </a:p>
+          <a:p>
+            <a:pPr lvl="1">
+              <a:buChar char="•"/>
+            </a:pPr>
+            <a:r>
+              <a:t>Longer computational times required</a:t>
+            </a:r>
+          </a:p>
+          <a:p>
+            <a:pPr lvl="1">
+              <a:buChar char="•"/>
+            </a:pPr>
+            <a:r>
+              <a:t>Advantages from simulation especially important for spectroscopy (resolution function)</a:t>
+            </a:r>
+          </a:p>
+        </p:txBody>
+      </p:sp>
+      <p:sp>
+        <p:nvSpPr>
+          <p:cNvPr id="459" name="Slide Number Placeholder 3"/>
           <p:cNvSpPr txBox="1"/>
           <p:nvPr>
             <p:ph type="sldNum" sz="quarter" idx="2"/>
@@ -20334,7 +21227,7 @@
       </p:grpSpPr>
       <p:pic>
         <p:nvPicPr>
-          <p:cNvPr id="297" name="Picture 4" descr="Picture 4"/>
+          <p:cNvPr id="296" name="Picture 4" descr="Picture 4"/>
           <p:cNvPicPr>
             <a:picLocks noChangeAspect="1"/>
           </p:cNvPicPr>
@@ -20363,7 +21256,7 @@
       </p:pic>
       <p:sp>
         <p:nvSpPr>
-          <p:cNvPr id="298" name="Slide Number"/>
+          <p:cNvPr id="297" name="Slide Number"/>
           <p:cNvSpPr txBox="1"/>
           <p:nvPr>
             <p:ph type="sldNum" sz="quarter" idx="2"/>
@@ -20390,7 +21283,7 @@
       </p:sp>
       <p:sp>
         <p:nvSpPr>
-          <p:cNvPr id="299" name="TextShape 1"/>
+          <p:cNvPr id="298" name="TextShape 1"/>
           <p:cNvSpPr txBox="1"/>
           <p:nvPr/>
         </p:nvSpPr>
@@ -20430,7 +21323,7 @@
       </p:sp>
       <p:pic>
         <p:nvPicPr>
-          <p:cNvPr id="300" name="Picture 3" descr="Picture 3"/>
+          <p:cNvPr id="299" name="Picture 3" descr="Picture 3"/>
           <p:cNvPicPr>
             <a:picLocks noChangeAspect="1"/>
           </p:cNvPicPr>
@@ -20459,7 +21352,7 @@
       </p:pic>
       <p:sp>
         <p:nvSpPr>
-          <p:cNvPr id="301" name="CustomShape 2"/>
+          <p:cNvPr id="300" name="CustomShape 2"/>
           <p:cNvSpPr txBox="1"/>
           <p:nvPr/>
         </p:nvSpPr>
@@ -20531,7 +21424,7 @@
       </p:sp>
       <p:sp>
         <p:nvSpPr>
-          <p:cNvPr id="302" name="TextShape 2"/>
+          <p:cNvPr id="301" name="TextShape 2"/>
           <p:cNvSpPr txBox="1"/>
           <p:nvPr/>
         </p:nvSpPr>
@@ -20707,7 +21600,7 @@
       </p:sp>
       <p:grpSp>
         <p:nvGrpSpPr>
-          <p:cNvPr id="305" name="Group"/>
+          <p:cNvPr id="304" name="Group"/>
           <p:cNvGrpSpPr/>
           <p:nvPr/>
         </p:nvGrpSpPr>
@@ -20721,7 +21614,7 @@
         </p:grpSpPr>
         <p:pic>
           <p:nvPicPr>
-            <p:cNvPr id="303" name="Picture 6" descr="Picture 6"/>
+            <p:cNvPr id="302" name="Picture 6" descr="Picture 6"/>
             <p:cNvPicPr>
               <a:picLocks noChangeAspect="1"/>
             </p:cNvPicPr>
@@ -20752,7 +21645,7 @@
         </p:pic>
         <p:pic>
           <p:nvPicPr>
-            <p:cNvPr id="304" name="Picture 7" descr="Picture 7"/>
+            <p:cNvPr id="303" name="Picture 7" descr="Picture 7"/>
             <p:cNvPicPr>
               <a:picLocks noChangeAspect="1"/>
             </p:cNvPicPr>
@@ -20810,7 +21703,7 @@
       </p:grpSpPr>
       <p:sp>
         <p:nvSpPr>
-          <p:cNvPr id="307" name="SANS models in McStas"/>
+          <p:cNvPr id="306" name="SANS models in McStas"/>
           <p:cNvSpPr txBox="1"/>
           <p:nvPr>
             <p:ph type="title"/>
@@ -20834,7 +21727,7 @@
       </p:sp>
       <p:sp>
         <p:nvSpPr>
-          <p:cNvPr id="308" name="Slide Number"/>
+          <p:cNvPr id="307" name="Slide Number"/>
           <p:cNvSpPr txBox="1"/>
           <p:nvPr>
             <p:ph type="sldNum" sz="quarter" idx="2"/>
@@ -20861,7 +21754,7 @@
       </p:sp>
       <p:pic>
         <p:nvPicPr>
-          <p:cNvPr id="309" name="Screenshot 2021-05-05 at 21.56.51.png" descr="Screenshot 2021-05-05 at 21.56.51.png"/>
+          <p:cNvPr id="308" name="Screenshot 2021-05-05 at 21.56.51.png" descr="Screenshot 2021-05-05 at 21.56.51.png"/>
           <p:cNvPicPr>
             <a:picLocks noChangeAspect="1"/>
           </p:cNvPicPr>
@@ -20916,7 +21809,7 @@
       </p:grpSpPr>
       <p:sp>
         <p:nvSpPr>
-          <p:cNvPr id="311" name="Slide Number"/>
+          <p:cNvPr id="310" name="Slide Number"/>
           <p:cNvSpPr txBox="1"/>
           <p:nvPr>
             <p:ph type="sldNum" sz="quarter" idx="2"/>
@@ -20943,7 +21836,7 @@
       </p:sp>
       <p:sp>
         <p:nvSpPr>
-          <p:cNvPr id="312" name="TextShape 1"/>
+          <p:cNvPr id="311" name="TextShape 1"/>
           <p:cNvSpPr txBox="1"/>
           <p:nvPr/>
         </p:nvSpPr>
@@ -20983,7 +21876,7 @@
       </p:sp>
       <p:pic>
         <p:nvPicPr>
-          <p:cNvPr id="313" name="image156.png" descr="image156.png"/>
+          <p:cNvPr id="312" name="image156.png" descr="image156.png"/>
           <p:cNvPicPr>
             <a:picLocks noChangeAspect="1"/>
           </p:cNvPicPr>
@@ -21012,7 +21905,7 @@
       </p:pic>
       <p:sp>
         <p:nvSpPr>
-          <p:cNvPr id="314" name="CustomShape 2"/>
+          <p:cNvPr id="313" name="CustomShape 2"/>
           <p:cNvSpPr/>
           <p:nvPr/>
         </p:nvSpPr>
@@ -21040,7 +21933,7 @@
       </p:sp>
       <p:sp>
         <p:nvSpPr>
-          <p:cNvPr id="315" name="TextShape 3"/>
+          <p:cNvPr id="314" name="TextShape 3"/>
           <p:cNvSpPr txBox="1"/>
           <p:nvPr/>
         </p:nvSpPr>
@@ -21108,7 +22001,7 @@
       </p:grpSpPr>
       <p:sp>
         <p:nvSpPr>
-          <p:cNvPr id="317" name="Reflectometry"/>
+          <p:cNvPr id="316" name="Reflectometry"/>
           <p:cNvSpPr txBox="1"/>
           <p:nvPr>
             <p:ph type="title"/>
@@ -21136,7 +22029,7 @@
       </p:sp>
       <p:sp>
         <p:nvSpPr>
-          <p:cNvPr id="318" name="Used to probe properties of surfaces and interfaces - solids and liquids"/>
+          <p:cNvPr id="317" name="Used to probe properties of surfaces and interfaces - solids and liquids"/>
           <p:cNvSpPr txBox="1"/>
           <p:nvPr>
             <p:ph type="body" idx="1"/>
@@ -21164,7 +22057,7 @@
       </p:sp>
       <p:sp>
         <p:nvSpPr>
-          <p:cNvPr id="319" name="Slide Number"/>
+          <p:cNvPr id="318" name="Slide Number"/>
           <p:cNvSpPr txBox="1"/>
           <p:nvPr>
             <p:ph type="sldNum" sz="quarter" idx="2"/>
@@ -21191,7 +22084,7 @@
       </p:sp>
       <p:pic>
         <p:nvPicPr>
-          <p:cNvPr id="320" name="Screenshot 2021-05-05 at 22.24.00.png" descr="Screenshot 2021-05-05 at 22.24.00.png"/>
+          <p:cNvPr id="319" name="Screenshot 2021-05-05 at 22.24.00.png" descr="Screenshot 2021-05-05 at 22.24.00.png"/>
           <p:cNvPicPr>
             <a:picLocks noChangeAspect="1"/>
           </p:cNvPicPr>
@@ -21246,7 +22139,7 @@
       </p:grpSpPr>
       <p:sp>
         <p:nvSpPr>
-          <p:cNvPr id="322" name="Reflectometry samples in McStas"/>
+          <p:cNvPr id="321" name="Reflectometry samples in McStas"/>
           <p:cNvSpPr txBox="1"/>
           <p:nvPr>
             <p:ph type="title"/>
@@ -21270,7 +22163,7 @@
       </p:sp>
       <p:sp>
         <p:nvSpPr>
-          <p:cNvPr id="323" name="Double-click to edit"/>
+          <p:cNvPr id="322" name="Double-click to edit"/>
           <p:cNvSpPr txBox="1"/>
           <p:nvPr>
             <p:ph type="body" idx="1"/>
@@ -21291,7 +22184,7 @@
       </p:sp>
       <p:sp>
         <p:nvSpPr>
-          <p:cNvPr id="324" name="Slide Number"/>
+          <p:cNvPr id="323" name="Slide Number"/>
           <p:cNvSpPr txBox="1"/>
           <p:nvPr>
             <p:ph type="sldNum" sz="quarter" idx="2"/>
@@ -21318,7 +22211,7 @@
       </p:sp>
       <p:pic>
         <p:nvPicPr>
-          <p:cNvPr id="325" name="Screenshot 2021-05-05 at 21.57.00.png" descr="Screenshot 2021-05-05 at 21.57.00.png"/>
+          <p:cNvPr id="324" name="Screenshot 2021-05-05 at 21.57.00.png" descr="Screenshot 2021-05-05 at 21.57.00.png"/>
           <p:cNvPicPr>
             <a:picLocks noChangeAspect="1"/>
           </p:cNvPicPr>
@@ -21347,7 +22240,7 @@
       </p:pic>
       <p:pic>
         <p:nvPicPr>
-          <p:cNvPr id="326" name="Screenshot 2021-05-05 at 22.25.17.png" descr="Screenshot 2021-05-05 at 22.25.17.png"/>
+          <p:cNvPr id="325" name="Screenshot 2021-05-05 at 22.25.17.png" descr="Screenshot 2021-05-05 at 22.25.17.png"/>
           <p:cNvPicPr>
             <a:picLocks noChangeAspect="1"/>
           </p:cNvPicPr>
@@ -21402,7 +22295,7 @@
       </p:grpSpPr>
       <p:sp>
         <p:nvSpPr>
-          <p:cNvPr id="328" name="Example: Multilayer_sample"/>
+          <p:cNvPr id="327" name="Example: Multilayer_sample"/>
           <p:cNvSpPr txBox="1"/>
           <p:nvPr>
             <p:ph type="title"/>
@@ -21430,7 +22323,7 @@
       </p:sp>
       <p:sp>
         <p:nvSpPr>
-          <p:cNvPr id="329" name="Double-click to edit"/>
+          <p:cNvPr id="328" name="Double-click to edit"/>
           <p:cNvSpPr txBox="1"/>
           <p:nvPr>
             <p:ph type="body" idx="1"/>
@@ -21451,7 +22344,7 @@
       </p:sp>
       <p:sp>
         <p:nvSpPr>
-          <p:cNvPr id="330" name="Slide Number"/>
+          <p:cNvPr id="329" name="Slide Number"/>
           <p:cNvSpPr txBox="1"/>
           <p:nvPr>
             <p:ph type="sldNum" sz="quarter" idx="2"/>
@@ -21478,7 +22371,7 @@
       </p:sp>
       <p:pic>
         <p:nvPicPr>
-          <p:cNvPr id="331" name="Screenshot 2021-05-05 at 22.28.39.png" descr="Screenshot 2021-05-05 at 22.28.39.png"/>
+          <p:cNvPr id="330" name="Screenshot 2021-05-05 at 22.28.39.png" descr="Screenshot 2021-05-05 at 22.28.39.png"/>
           <p:cNvPicPr>
             <a:picLocks noChangeAspect="1"/>
           </p:cNvPicPr>
@@ -21531,109 +22424,9 @@
           <a:chExt cx="0" cy="0"/>
         </a:xfrm>
       </p:grpSpPr>
-      <p:pic>
-        <p:nvPicPr>
-          <p:cNvPr id="333" name="Screenshot 2021-05-05 at 22.08.43.png" descr="Screenshot 2021-05-05 at 22.08.43.png"/>
-          <p:cNvPicPr>
-            <a:picLocks noChangeAspect="1"/>
-          </p:cNvPicPr>
-          <p:nvPr/>
-        </p:nvPicPr>
-        <p:blipFill>
-          <a:blip r:embed="rId2">
-            <a:extLst/>
-          </a:blip>
-          <a:stretch>
-            <a:fillRect/>
-          </a:stretch>
-        </p:blipFill>
-        <p:spPr>
-          <a:xfrm>
-            <a:off x="5348679" y="893846"/>
-            <a:ext cx="6750113" cy="2778736"/>
-          </a:xfrm>
-          <a:prstGeom prst="rect">
-            <a:avLst/>
-          </a:prstGeom>
-          <a:ln w="12700">
-            <a:miter lim="400000"/>
-          </a:ln>
-        </p:spPr>
-      </p:pic>
       <p:sp>
         <p:nvSpPr>
-          <p:cNvPr id="334" name="Title 4"/>
-          <p:cNvSpPr txBox="1"/>
-          <p:nvPr>
-            <p:ph type="title"/>
-          </p:nvPr>
-        </p:nvSpPr>
-        <p:spPr>
-          <a:xfrm>
-            <a:off x="1774725" y="426125"/>
-            <a:ext cx="9312376" cy="972718"/>
-          </a:xfrm>
-          <a:prstGeom prst="rect">
-            <a:avLst/>
-          </a:prstGeom>
-        </p:spPr>
-        <p:txBody>
-          <a:bodyPr/>
-          <a:lstStyle/>
-          <a:p>
-            <a:pPr/>
-            <a:r>
-              <a:t>Inelastic scattering S(q,w)</a:t>
-            </a:r>
-          </a:p>
-        </p:txBody>
-      </p:sp>
-      <p:sp>
-        <p:nvSpPr>
-          <p:cNvPr id="335" name="Content Placeholder 5"/>
-          <p:cNvSpPr txBox="1"/>
-          <p:nvPr>
-            <p:ph type="body" idx="1"/>
-          </p:nvPr>
-        </p:nvSpPr>
-        <p:spPr>
-          <a:xfrm>
-            <a:off x="1774799" y="1706398"/>
-            <a:ext cx="9312376" cy="4545581"/>
-          </a:xfrm>
-          <a:prstGeom prst="rect">
-            <a:avLst/>
-          </a:prstGeom>
-        </p:spPr>
-        <p:txBody>
-          <a:bodyPr/>
-          <a:lstStyle/>
-          <a:p>
-            <a:pPr/>
-            <a:r>
-              <a:t>Partial differential cross section</a:t>
-            </a:r>
-          </a:p>
-          <a:p>
-            <a:pPr/>
-            <a:r>
-              <a:t>Scattering function</a:t>
-            </a:r>
-          </a:p>
-          <a:p>
-            <a:pPr/>
-          </a:p>
-          <a:p>
-            <a:pPr/>
-            <a:r>
-              <a:t>Phonons, Spin waves, … </a:t>
-            </a:r>
-          </a:p>
-        </p:txBody>
-      </p:sp>
-      <p:sp>
-        <p:nvSpPr>
-          <p:cNvPr id="336" name="Slide Number Placeholder 3"/>
+          <p:cNvPr id="332" name="Slide Number"/>
           <p:cNvSpPr txBox="1"/>
           <p:nvPr>
             <p:ph type="sldNum" sz="quarter" idx="2"/>
@@ -21658,9 +22451,130 @@
           </a:p>
         </p:txBody>
       </p:sp>
+      <p:sp>
+        <p:nvSpPr>
+          <p:cNvPr id="333" name="CustomShape 1"/>
+          <p:cNvSpPr txBox="1"/>
+          <p:nvPr/>
+        </p:nvSpPr>
+        <p:spPr>
+          <a:xfrm>
+            <a:off x="1721308" y="411648"/>
+            <a:ext cx="8332982" cy="851137"/>
+          </a:xfrm>
+          <a:prstGeom prst="rect">
+            <a:avLst/>
+          </a:prstGeom>
+          <a:ln w="12700">
+            <a:miter lim="400000"/>
+          </a:ln>
+          <a:extLst>
+            <a:ext uri="{C572A759-6A51-4108-AA02-DFA0A04FC94B}">
+              <ma14:wrappingTextBoxFlag xmlns:ma14="http://schemas.microsoft.com/office/mac/drawingml/2011/main" val="1"/>
+            </a:ext>
+          </a:extLst>
+        </p:spPr>
+        <p:txBody>
+          <a:bodyPr lIns="0" tIns="0" rIns="0" bIns="0">
+            <a:spAutoFit/>
+          </a:bodyPr>
+          <a:lstStyle/>
+          <a:p>
+            <a:pPr>
+              <a:defRPr spc="0" sz="3000"/>
+            </a:pPr>
+            <a:r>
+              <a:t>Absorption Imaging - simple shapes or OFF’s of</a:t>
+            </a:r>
+            <a:br/>
+            <a:r>
+              <a:t>single-phase material blocks</a:t>
+            </a:r>
+          </a:p>
+        </p:txBody>
+      </p:sp>
+      <p:sp>
+        <p:nvSpPr>
+          <p:cNvPr id="334" name="CustomShape 2"/>
+          <p:cNvSpPr txBox="1"/>
+          <p:nvPr/>
+        </p:nvSpPr>
+        <p:spPr>
+          <a:xfrm>
+            <a:off x="1717762" y="1354772"/>
+            <a:ext cx="8139389" cy="1050824"/>
+          </a:xfrm>
+          <a:prstGeom prst="rect">
+            <a:avLst/>
+          </a:prstGeom>
+          <a:ln w="12700">
+            <a:miter lim="400000"/>
+          </a:ln>
+          <a:extLst>
+            <a:ext uri="{C572A759-6A51-4108-AA02-DFA0A04FC94B}">
+              <ma14:wrappingTextBoxFlag xmlns:ma14="http://schemas.microsoft.com/office/mac/drawingml/2011/main" val="1"/>
+            </a:ext>
+          </a:extLst>
+        </p:spPr>
+        <p:txBody>
+          <a:bodyPr lIns="0" tIns="0" rIns="0" bIns="0">
+            <a:spAutoFit/>
+          </a:bodyPr>
+          <a:lstStyle/>
+          <a:p>
+            <a:pPr>
+              <a:defRPr spc="0" sz="1400"/>
+            </a:pPr>
+            <a:r>
+              <a:t>An additional complex geometry enables to use any point set to describe the material volume (</a:t>
+            </a:r>
+            <a:r>
+              <a:rPr i="1"/>
+              <a:t>geomview </a:t>
+            </a:r>
+            <a:r>
+              <a:t>OFF file). </a:t>
+            </a:r>
+          </a:p>
+          <a:p>
+            <a:pPr>
+              <a:defRPr spc="0" sz="1400"/>
+            </a:pPr>
+          </a:p>
+        </p:txBody>
+      </p:sp>
       <p:pic>
         <p:nvPicPr>
-          <p:cNvPr id="337" name="Picture 2" descr="Picture 2"/>
+          <p:cNvPr id="335" name="image148.png" descr="image148.png"/>
+          <p:cNvPicPr>
+            <a:picLocks noChangeAspect="1"/>
+          </p:cNvPicPr>
+          <p:nvPr/>
+        </p:nvPicPr>
+        <p:blipFill>
+          <a:blip r:embed="rId2">
+            <a:extLst/>
+          </a:blip>
+          <a:stretch>
+            <a:fillRect/>
+          </a:stretch>
+        </p:blipFill>
+        <p:spPr>
+          <a:xfrm>
+            <a:off x="7846619" y="2472362"/>
+            <a:ext cx="2967333" cy="3743662"/>
+          </a:xfrm>
+          <a:prstGeom prst="rect">
+            <a:avLst/>
+          </a:prstGeom>
+          <a:ln w="12700">
+            <a:miter lim="400000"/>
+          </a:ln>
+        </p:spPr>
+      </p:pic>
+      <p:pic>
+        <p:nvPicPr>
+          <p:cNvPr id="336" name="image149.png" descr="image149.png"/>
           <p:cNvPicPr>
             <a:picLocks noChangeAspect="1"/>
           </p:cNvPicPr>
@@ -21676,8 +22590,8 @@
         </p:blipFill>
         <p:spPr>
           <a:xfrm>
-            <a:off x="3115753" y="3726038"/>
-            <a:ext cx="3745649" cy="876387"/>
+            <a:off x="5159695" y="4211615"/>
+            <a:ext cx="2073347" cy="2323653"/>
           </a:xfrm>
           <a:prstGeom prst="rect">
             <a:avLst/>
@@ -21689,7 +22603,7 @@
       </p:pic>
       <p:pic>
         <p:nvPicPr>
-          <p:cNvPr id="338" name="Picture 4" descr="Picture 4"/>
+          <p:cNvPr id="337" name="image150.png" descr="image150.png"/>
           <p:cNvPicPr>
             <a:picLocks noChangeAspect="1"/>
           </p:cNvPicPr>
@@ -21705,8 +22619,8 @@
         </p:blipFill>
         <p:spPr>
           <a:xfrm>
-            <a:off x="3537272" y="4602424"/>
-            <a:ext cx="6359081" cy="776108"/>
+            <a:off x="2171397" y="3444347"/>
+            <a:ext cx="2490100" cy="2633422"/>
           </a:xfrm>
           <a:prstGeom prst="rect">
             <a:avLst/>
@@ -21716,6 +22630,414 @@
           </a:ln>
         </p:spPr>
       </p:pic>
+      <p:sp>
+        <p:nvSpPr>
+          <p:cNvPr id="338" name="Rectangle"/>
+          <p:cNvSpPr/>
+          <p:nvPr/>
+        </p:nvSpPr>
+        <p:spPr>
+          <a:xfrm>
+            <a:off x="2374955" y="2322035"/>
+            <a:ext cx="2145975" cy="947317"/>
+          </a:xfrm>
+          <a:prstGeom prst="rect">
+            <a:avLst/>
+          </a:prstGeom>
+          <a:solidFill>
+            <a:srgbClr val="FFFFFF"/>
+          </a:solidFill>
+          <a:ln w="25400">
+            <a:solidFill>
+              <a:schemeClr val="accent1"/>
+            </a:solidFill>
+          </a:ln>
+        </p:spPr>
+        <p:txBody>
+          <a:bodyPr lIns="46799" tIns="46799" rIns="46799" bIns="46799" anchor="ctr"/>
+          <a:lstStyle/>
+          <a:p>
+            <a:pPr/>
+          </a:p>
+        </p:txBody>
+      </p:sp>
+      <p:sp>
+        <p:nvSpPr>
+          <p:cNvPr id="339" name="Line"/>
+          <p:cNvSpPr/>
+          <p:nvPr/>
+        </p:nvSpPr>
+        <p:spPr>
+          <a:xfrm flipV="1">
+            <a:off x="2369039" y="2081788"/>
+            <a:ext cx="244825" cy="244825"/>
+          </a:xfrm>
+          <a:prstGeom prst="line">
+            <a:avLst/>
+          </a:prstGeom>
+          <a:ln w="25400">
+            <a:solidFill>
+              <a:schemeClr val="accent1"/>
+            </a:solidFill>
+          </a:ln>
+        </p:spPr>
+        <p:txBody>
+          <a:bodyPr lIns="45719" rIns="45719"/>
+          <a:lstStyle/>
+          <a:p>
+            <a:pPr/>
+          </a:p>
+        </p:txBody>
+      </p:sp>
+      <p:sp>
+        <p:nvSpPr>
+          <p:cNvPr id="340" name="Line"/>
+          <p:cNvSpPr/>
+          <p:nvPr/>
+        </p:nvSpPr>
+        <p:spPr>
+          <a:xfrm flipV="1">
+            <a:off x="4520761" y="3015312"/>
+            <a:ext cx="244825" cy="244825"/>
+          </a:xfrm>
+          <a:prstGeom prst="line">
+            <a:avLst/>
+          </a:prstGeom>
+          <a:ln w="25400">
+            <a:solidFill>
+              <a:schemeClr val="accent1"/>
+            </a:solidFill>
+          </a:ln>
+        </p:spPr>
+        <p:txBody>
+          <a:bodyPr lIns="45719" rIns="45719"/>
+          <a:lstStyle/>
+          <a:p>
+            <a:pPr/>
+          </a:p>
+        </p:txBody>
+      </p:sp>
+      <p:sp>
+        <p:nvSpPr>
+          <p:cNvPr id="341" name="Line"/>
+          <p:cNvSpPr/>
+          <p:nvPr/>
+        </p:nvSpPr>
+        <p:spPr>
+          <a:xfrm flipV="1">
+            <a:off x="4520761" y="2081788"/>
+            <a:ext cx="244825" cy="244825"/>
+          </a:xfrm>
+          <a:prstGeom prst="line">
+            <a:avLst/>
+          </a:prstGeom>
+          <a:ln w="25400">
+            <a:solidFill>
+              <a:schemeClr val="accent1"/>
+            </a:solidFill>
+          </a:ln>
+        </p:spPr>
+        <p:txBody>
+          <a:bodyPr lIns="45719" rIns="45719"/>
+          <a:lstStyle/>
+          <a:p>
+            <a:pPr/>
+          </a:p>
+        </p:txBody>
+      </p:sp>
+      <p:sp>
+        <p:nvSpPr>
+          <p:cNvPr id="342" name="Line"/>
+          <p:cNvSpPr/>
+          <p:nvPr/>
+        </p:nvSpPr>
+        <p:spPr>
+          <a:xfrm flipV="1">
+            <a:off x="4752846" y="2104455"/>
+            <a:ext cx="1" cy="916975"/>
+          </a:xfrm>
+          <a:prstGeom prst="line">
+            <a:avLst/>
+          </a:prstGeom>
+          <a:ln w="25400">
+            <a:solidFill>
+              <a:schemeClr val="accent1"/>
+            </a:solidFill>
+          </a:ln>
+        </p:spPr>
+        <p:txBody>
+          <a:bodyPr lIns="45719" rIns="45719"/>
+          <a:lstStyle/>
+          <a:p>
+            <a:pPr/>
+          </a:p>
+        </p:txBody>
+      </p:sp>
+      <p:sp>
+        <p:nvSpPr>
+          <p:cNvPr id="343" name="Line"/>
+          <p:cNvSpPr/>
+          <p:nvPr/>
+        </p:nvSpPr>
+        <p:spPr>
+          <a:xfrm flipH="1" flipV="1">
+            <a:off x="2594858" y="2086185"/>
+            <a:ext cx="2171375" cy="1"/>
+          </a:xfrm>
+          <a:prstGeom prst="line">
+            <a:avLst/>
+          </a:prstGeom>
+          <a:ln w="25400">
+            <a:solidFill>
+              <a:schemeClr val="accent1"/>
+            </a:solidFill>
+          </a:ln>
+        </p:spPr>
+        <p:txBody>
+          <a:bodyPr lIns="45719" rIns="45719"/>
+          <a:lstStyle/>
+          <a:p>
+            <a:pPr/>
+          </a:p>
+        </p:txBody>
+      </p:sp>
+      <p:sp>
+        <p:nvSpPr>
+          <p:cNvPr id="344" name="Oval"/>
+          <p:cNvSpPr/>
+          <p:nvPr/>
+        </p:nvSpPr>
+        <p:spPr>
+          <a:xfrm>
+            <a:off x="5019028" y="2089284"/>
+            <a:ext cx="987675" cy="947317"/>
+          </a:xfrm>
+          <a:prstGeom prst="ellipse">
+            <a:avLst/>
+          </a:prstGeom>
+          <a:solidFill>
+            <a:srgbClr val="FFFFFF"/>
+          </a:solidFill>
+          <a:ln w="25400">
+            <a:solidFill>
+              <a:schemeClr val="accent1"/>
+            </a:solidFill>
+          </a:ln>
+        </p:spPr>
+        <p:txBody>
+          <a:bodyPr lIns="46799" tIns="46799" rIns="46799" bIns="46799" anchor="ctr"/>
+          <a:lstStyle/>
+          <a:p>
+            <a:pPr/>
+          </a:p>
+        </p:txBody>
+      </p:sp>
+      <p:sp>
+        <p:nvSpPr>
+          <p:cNvPr id="351" name="Connection Line"/>
+          <p:cNvSpPr/>
+          <p:nvPr/>
+        </p:nvSpPr>
+        <p:spPr>
+          <a:xfrm>
+            <a:off x="5015767" y="2614440"/>
+            <a:ext cx="992567" cy="143975"/>
+          </a:xfrm>
+          <a:custGeom>
+            <a:avLst/>
+            <a:gdLst/>
+            <a:ahLst/>
+            <a:cxnLst>
+              <a:cxn ang="0">
+                <a:pos x="wd2" y="hd2"/>
+              </a:cxn>
+              <a:cxn ang="5400000">
+                <a:pos x="wd2" y="hd2"/>
+              </a:cxn>
+              <a:cxn ang="10800000">
+                <a:pos x="wd2" y="hd2"/>
+              </a:cxn>
+              <a:cxn ang="16200000">
+                <a:pos x="wd2" y="hd2"/>
+              </a:cxn>
+            </a:cxnLst>
+            <a:rect l="0" t="0" r="r" b="b"/>
+            <a:pathLst>
+              <a:path w="21600" h="16231" fill="norm" stroke="1" extrusionOk="0">
+                <a:moveTo>
+                  <a:pt x="0" y="2727"/>
+                </a:moveTo>
+                <a:cubicBezTo>
+                  <a:pt x="6228" y="21600"/>
+                  <a:pt x="13428" y="20691"/>
+                  <a:pt x="21600" y="0"/>
+                </a:cubicBezTo>
+              </a:path>
+            </a:pathLst>
+          </a:custGeom>
+          <a:ln w="25400">
+            <a:solidFill>
+              <a:schemeClr val="accent1"/>
+            </a:solidFill>
+          </a:ln>
+        </p:spPr>
+        <p:txBody>
+          <a:bodyPr/>
+          <a:lstStyle/>
+          <a:p>
+            <a:pPr/>
+          </a:p>
+        </p:txBody>
+      </p:sp>
+      <p:sp>
+        <p:nvSpPr>
+          <p:cNvPr id="346" name="Oval"/>
+          <p:cNvSpPr/>
+          <p:nvPr/>
+        </p:nvSpPr>
+        <p:spPr>
+          <a:xfrm>
+            <a:off x="6425364" y="3050807"/>
+            <a:ext cx="1004555" cy="317069"/>
+          </a:xfrm>
+          <a:prstGeom prst="ellipse">
+            <a:avLst/>
+          </a:prstGeom>
+          <a:ln w="25400">
+            <a:solidFill>
+              <a:schemeClr val="accent1">
+                <a:lumOff val="-6000"/>
+              </a:schemeClr>
+            </a:solidFill>
+          </a:ln>
+        </p:spPr>
+        <p:txBody>
+          <a:bodyPr lIns="46799" tIns="46799" rIns="46799" bIns="46799" anchor="ctr"/>
+          <a:lstStyle/>
+          <a:p>
+            <a:pPr/>
+          </a:p>
+        </p:txBody>
+      </p:sp>
+      <p:sp>
+        <p:nvSpPr>
+          <p:cNvPr id="347" name="Oval"/>
+          <p:cNvSpPr/>
+          <p:nvPr/>
+        </p:nvSpPr>
+        <p:spPr>
+          <a:xfrm>
+            <a:off x="6425364" y="1633212"/>
+            <a:ext cx="1004555" cy="317070"/>
+          </a:xfrm>
+          <a:prstGeom prst="ellipse">
+            <a:avLst/>
+          </a:prstGeom>
+          <a:ln w="25400">
+            <a:solidFill>
+              <a:schemeClr val="accent1">
+                <a:lumOff val="-6000"/>
+              </a:schemeClr>
+            </a:solidFill>
+          </a:ln>
+        </p:spPr>
+        <p:txBody>
+          <a:bodyPr lIns="46799" tIns="46799" rIns="46799" bIns="46799" anchor="ctr"/>
+          <a:lstStyle/>
+          <a:p>
+            <a:pPr/>
+          </a:p>
+        </p:txBody>
+      </p:sp>
+      <p:sp>
+        <p:nvSpPr>
+          <p:cNvPr id="348" name="Line"/>
+          <p:cNvSpPr/>
+          <p:nvPr/>
+        </p:nvSpPr>
+        <p:spPr>
+          <a:xfrm flipV="1">
+            <a:off x="6422603" y="1816971"/>
+            <a:ext cx="1" cy="1408658"/>
+          </a:xfrm>
+          <a:prstGeom prst="line">
+            <a:avLst/>
+          </a:prstGeom>
+          <a:ln w="25400">
+            <a:solidFill>
+              <a:schemeClr val="accent1">
+                <a:lumOff val="-6000"/>
+              </a:schemeClr>
+            </a:solidFill>
+          </a:ln>
+        </p:spPr>
+        <p:txBody>
+          <a:bodyPr lIns="45719" rIns="45719"/>
+          <a:lstStyle/>
+          <a:p>
+            <a:pPr/>
+          </a:p>
+        </p:txBody>
+      </p:sp>
+      <p:sp>
+        <p:nvSpPr>
+          <p:cNvPr id="349" name="Line"/>
+          <p:cNvSpPr/>
+          <p:nvPr/>
+        </p:nvSpPr>
+        <p:spPr>
+          <a:xfrm flipV="1">
+            <a:off x="7434874" y="1821773"/>
+            <a:ext cx="1" cy="1408657"/>
+          </a:xfrm>
+          <a:prstGeom prst="line">
+            <a:avLst/>
+          </a:prstGeom>
+          <a:ln w="25400">
+            <a:solidFill>
+              <a:schemeClr val="accent1">
+                <a:lumOff val="-6000"/>
+              </a:schemeClr>
+            </a:solidFill>
+          </a:ln>
+        </p:spPr>
+        <p:txBody>
+          <a:bodyPr lIns="45719" rIns="45719"/>
+          <a:lstStyle/>
+          <a:p>
+            <a:pPr/>
+          </a:p>
+        </p:txBody>
+      </p:sp>
+      <p:sp>
+        <p:nvSpPr>
+          <p:cNvPr id="350" name="Rectangle"/>
+          <p:cNvSpPr/>
+          <p:nvPr/>
+        </p:nvSpPr>
+        <p:spPr>
+          <a:xfrm>
+            <a:off x="6438665" y="2730739"/>
+            <a:ext cx="977952" cy="462005"/>
+          </a:xfrm>
+          <a:prstGeom prst="rect">
+            <a:avLst/>
+          </a:prstGeom>
+          <a:solidFill>
+            <a:srgbClr val="FFFFFF"/>
+          </a:solidFill>
+          <a:ln w="12700">
+            <a:miter lim="400000"/>
+          </a:ln>
+        </p:spPr>
+        <p:txBody>
+          <a:bodyPr lIns="46799" tIns="46799" rIns="46799" bIns="46799" anchor="ctr"/>
+          <a:lstStyle/>
+          <a:p>
+            <a:pPr/>
+          </a:p>
+        </p:txBody>
+      </p:sp>
     </p:spTree>
   </p:cSld>
   <p:clrMapOvr>
